--- a/source/ppt/work/焦点服务化框架Hydra的演变-王一帆.pptx
+++ b/source/ppt/work/焦点服务化框架Hydra的演变-王一帆.pptx
@@ -5,17 +5,21 @@
     <p:sldMasterId id="2147483648" r:id="rId1"/>
   </p:sldMasterIdLst>
   <p:notesMasterIdLst>
-    <p:notesMasterId r:id="rId11"/>
+    <p:notesMasterId r:id="rId6"/>
   </p:notesMasterIdLst>
   <p:sldIdLst>
     <p:sldId id="256" r:id="rId3"/>
     <p:sldId id="257" r:id="rId4"/>
-    <p:sldId id="259" r:id="rId5"/>
-    <p:sldId id="260" r:id="rId6"/>
-    <p:sldId id="262" r:id="rId7"/>
-    <p:sldId id="261" r:id="rId8"/>
-    <p:sldId id="263" r:id="rId9"/>
-    <p:sldId id="264" r:id="rId10"/>
+    <p:sldId id="265" r:id="rId5"/>
+    <p:sldId id="266" r:id="rId7"/>
+    <p:sldId id="259" r:id="rId8"/>
+    <p:sldId id="268" r:id="rId9"/>
+    <p:sldId id="269" r:id="rId10"/>
+    <p:sldId id="261" r:id="rId11"/>
+    <p:sldId id="263" r:id="rId12"/>
+    <p:sldId id="270" r:id="rId13"/>
+    <p:sldId id="267" r:id="rId14"/>
+    <p:sldId id="264" r:id="rId15"/>
   </p:sldIdLst>
   <p:sldSz cx="12192000" cy="6858000"/>
   <p:notesSz cx="6858000" cy="9144000"/>
@@ -462,6 +466,198 @@
     </a:lvl9pPr>
   </p:notesStyle>
 </p:notesMaster>
+</file>
+
+<file path=ppt/notesSlides/notesSlide1.xml><?xml version="1.0" encoding="utf-8"?>
+<p:notes xmlns:a="http://schemas.openxmlformats.org/drawingml/2006/main" xmlns:r="http://schemas.openxmlformats.org/officeDocument/2006/relationships" xmlns:p="http://schemas.openxmlformats.org/presentationml/2006/main">
+  <p:cSld>
+    <p:spTree>
+      <p:nvGrpSpPr>
+        <p:cNvPr id="1" name=""/>
+        <p:cNvGrpSpPr/>
+        <p:nvPr/>
+      </p:nvGrpSpPr>
+      <p:grpSpPr/>
+      <p:sp>
+        <p:nvSpPr>
+          <p:cNvPr id="2" name="Slide Image Placeholder 1"/>
+          <p:cNvSpPr/>
+          <p:nvPr>
+            <p:ph type="sldImg" idx="2"/>
+          </p:nvPr>
+        </p:nvSpPr>
+        <p:spPr/>
+      </p:sp>
+      <p:sp>
+        <p:nvSpPr>
+          <p:cNvPr id="3" name="Text Placeholder 2"/>
+          <p:cNvSpPr/>
+          <p:nvPr>
+            <p:ph type="body" idx="3"/>
+          </p:nvPr>
+        </p:nvSpPr>
+        <p:spPr/>
+        <p:txBody>
+          <a:bodyPr/>
+          <a:p>
+            <a:endParaRPr lang="en-US"/>
+          </a:p>
+        </p:txBody>
+      </p:sp>
+      <p:sp>
+        <p:nvSpPr>
+          <p:cNvPr id="4" name="Slide Number Placeholder 3"/>
+          <p:cNvSpPr>
+            <a:spLocks noGrp="1"/>
+          </p:cNvSpPr>
+          <p:nvPr>
+            <p:ph type="sldNum" sz="quarter" idx="5"/>
+          </p:nvPr>
+        </p:nvSpPr>
+        <p:spPr/>
+        <p:txBody>
+          <a:bodyPr/>
+          <a:p>
+            <a:fld id="{21B2AA4F-B828-4D7C-AFD3-893933DAFCB4}" type="slidenum">
+              <a:rPr lang="en-US" smtClean="0"/>
+            </a:fld>
+            <a:endParaRPr lang="en-US"/>
+          </a:p>
+        </p:txBody>
+      </p:sp>
+    </p:spTree>
+  </p:cSld>
+  <p:clrMapOvr>
+    <a:masterClrMapping/>
+  </p:clrMapOvr>
+</p:notes>
+</file>
+
+<file path=ppt/notesSlides/notesSlide2.xml><?xml version="1.0" encoding="utf-8"?>
+<p:notes xmlns:a="http://schemas.openxmlformats.org/drawingml/2006/main" xmlns:r="http://schemas.openxmlformats.org/officeDocument/2006/relationships" xmlns:p="http://schemas.openxmlformats.org/presentationml/2006/main">
+  <p:cSld>
+    <p:spTree>
+      <p:nvGrpSpPr>
+        <p:cNvPr id="1" name=""/>
+        <p:cNvGrpSpPr/>
+        <p:nvPr/>
+      </p:nvGrpSpPr>
+      <p:grpSpPr/>
+      <p:sp>
+        <p:nvSpPr>
+          <p:cNvPr id="2" name="Slide Image Placeholder 1"/>
+          <p:cNvSpPr/>
+          <p:nvPr>
+            <p:ph type="sldImg" idx="2"/>
+          </p:nvPr>
+        </p:nvSpPr>
+        <p:spPr/>
+      </p:sp>
+      <p:sp>
+        <p:nvSpPr>
+          <p:cNvPr id="3" name="Text Placeholder 2"/>
+          <p:cNvSpPr/>
+          <p:nvPr>
+            <p:ph type="body" idx="3"/>
+          </p:nvPr>
+        </p:nvSpPr>
+        <p:spPr/>
+        <p:txBody>
+          <a:bodyPr/>
+          <a:p>
+            <a:r>
+              <a:rPr lang="en-US">
+                <a:solidFill>
+                  <a:schemeClr val="bg2">
+                    <a:lumMod val="75000"/>
+                  </a:schemeClr>
+                </a:solidFill>
+                <a:sym typeface="+mn-ea"/>
+              </a:rPr>
+              <a:t>版本</a:t>
+            </a:r>
+            <a:r>
+              <a:rPr lang="x-none" altLang="en-US">
+                <a:solidFill>
+                  <a:schemeClr val="bg2">
+                    <a:lumMod val="75000"/>
+                  </a:schemeClr>
+                </a:solidFill>
+                <a:sym typeface="+mn-ea"/>
+              </a:rPr>
+              <a:t>管理：多版本所解决的问题和带来的优势，dubbo多版本处理</a:t>
+            </a:r>
+            <a:endParaRPr lang="x-none" altLang="en-US">
+              <a:solidFill>
+                <a:schemeClr val="bg2">
+                  <a:lumMod val="75000"/>
+                </a:schemeClr>
+              </a:solidFill>
+            </a:endParaRPr>
+          </a:p>
+          <a:p>
+            <a:r>
+              <a:rPr lang="en-US">
+                <a:solidFill>
+                  <a:schemeClr val="bg2">
+                    <a:lumMod val="75000"/>
+                  </a:schemeClr>
+                </a:solidFill>
+                <a:sym typeface="+mn-ea"/>
+              </a:rPr>
+              <a:t>热部署</a:t>
+            </a:r>
+            <a:r>
+              <a:rPr lang="x-none" altLang="en-US">
+                <a:solidFill>
+                  <a:schemeClr val="bg2">
+                    <a:lumMod val="75000"/>
+                  </a:schemeClr>
+                </a:solidFill>
+                <a:sym typeface="+mn-ea"/>
+              </a:rPr>
+              <a:t>：加快启动速度</a:t>
+            </a:r>
+            <a:endParaRPr lang="x-none" altLang="en-US">
+              <a:solidFill>
+                <a:schemeClr val="bg2">
+                  <a:lumMod val="75000"/>
+                </a:schemeClr>
+              </a:solidFill>
+            </a:endParaRPr>
+          </a:p>
+          <a:p>
+            <a:endParaRPr lang="en-US"/>
+          </a:p>
+        </p:txBody>
+      </p:sp>
+      <p:sp>
+        <p:nvSpPr>
+          <p:cNvPr id="4" name="Slide Number Placeholder 3"/>
+          <p:cNvSpPr>
+            <a:spLocks noGrp="1"/>
+          </p:cNvSpPr>
+          <p:nvPr>
+            <p:ph type="sldNum" sz="quarter" idx="5"/>
+          </p:nvPr>
+        </p:nvSpPr>
+        <p:spPr/>
+        <p:txBody>
+          <a:bodyPr/>
+          <a:p>
+            <a:fld id="{21B2AA4F-B828-4D7C-AFD3-893933DAFCB4}" type="slidenum">
+              <a:rPr lang="en-US" smtClean="0"/>
+            </a:fld>
+            <a:endParaRPr lang="en-US"/>
+          </a:p>
+        </p:txBody>
+      </p:sp>
+    </p:spTree>
+  </p:cSld>
+  <p:clrMapOvr>
+    <a:masterClrMapping/>
+  </p:clrMapOvr>
+</p:notes>
 </file>
 
 <file path=ppt/slideLayouts/slideLayout1.xml><?xml version="1.0" encoding="utf-8"?>
@@ -3264,6 +3460,157 @@
 </file>
 
 <file path=ppt/slides/slide1.xml><?xml version="1.0" encoding="utf-8"?>
+<p:sld xmlns:a="http://schemas.openxmlformats.org/drawingml/2006/main" xmlns:r="http://schemas.openxmlformats.org/officeDocument/2006/relationships" xmlns:p="http://schemas.openxmlformats.org/presentationml/2006/main" show="0">
+  <p:cSld>
+    <p:bg>
+      <p:bgPr>
+        <a:blipFill rotWithShape="1">
+          <a:blip r:embed="rId1"/>
+          <a:stretch>
+            <a:fillRect/>
+          </a:stretch>
+        </a:blipFill>
+        <a:effectLst/>
+      </p:bgPr>
+    </p:bg>
+    <p:spTree>
+      <p:nvGrpSpPr>
+        <p:cNvPr id="1" name=""/>
+        <p:cNvGrpSpPr/>
+        <p:nvPr/>
+      </p:nvGrpSpPr>
+      <p:grpSpPr/>
+      <p:sp>
+        <p:nvSpPr>
+          <p:cNvPr id="2" name="Title 1"/>
+          <p:cNvSpPr>
+            <a:spLocks noGrp="1"/>
+          </p:cNvSpPr>
+          <p:nvPr>
+            <p:ph type="ctrTitle"/>
+          </p:nvPr>
+        </p:nvSpPr>
+        <p:spPr>
+          <a:xfrm>
+            <a:off x="767080" y="1122680"/>
+            <a:ext cx="10485755" cy="2387600"/>
+          </a:xfrm>
+        </p:spPr>
+        <p:txBody>
+          <a:bodyPr/>
+          <a:p>
+            <a:r>
+              <a:rPr lang="x-none" altLang="en-US">
+                <a:solidFill>
+                  <a:schemeClr val="bg2">
+                    <a:lumMod val="75000"/>
+                  </a:schemeClr>
+                </a:solidFill>
+                <a:latin typeface="Microsoft YaHei" charset="0"/>
+                <a:ea typeface="Microsoft YaHei" charset="0"/>
+              </a:rPr>
+              <a:t>焦点服务化框架Hydra的演变</a:t>
+            </a:r>
+            <a:endParaRPr lang="x-none" altLang="en-US">
+              <a:solidFill>
+                <a:schemeClr val="bg2">
+                  <a:lumMod val="75000"/>
+                </a:schemeClr>
+              </a:solidFill>
+              <a:latin typeface="Microsoft YaHei" charset="0"/>
+              <a:ea typeface="Microsoft YaHei" charset="0"/>
+            </a:endParaRPr>
+          </a:p>
+        </p:txBody>
+      </p:sp>
+      <p:sp>
+        <p:nvSpPr>
+          <p:cNvPr id="3" name="Subtitle 2"/>
+          <p:cNvSpPr>
+            <a:spLocks noGrp="1"/>
+          </p:cNvSpPr>
+          <p:nvPr>
+            <p:ph type="subTitle" idx="1"/>
+          </p:nvPr>
+        </p:nvSpPr>
+        <p:spPr/>
+        <p:txBody>
+          <a:bodyPr/>
+          <a:p>
+            <a:endParaRPr lang="x-none" altLang="en-US">
+              <a:solidFill>
+                <a:schemeClr val="bg2">
+                  <a:lumMod val="75000"/>
+                </a:schemeClr>
+              </a:solidFill>
+            </a:endParaRPr>
+          </a:p>
+          <a:p>
+            <a:r>
+              <a:rPr lang="x-none" altLang="en-US">
+                <a:solidFill>
+                  <a:schemeClr val="bg2">
+                    <a:lumMod val="75000"/>
+                  </a:schemeClr>
+                </a:solidFill>
+                <a:latin typeface="Microsoft YaHei" charset="0"/>
+                <a:ea typeface="Microsoft YaHei" charset="0"/>
+              </a:rPr>
+              <a:t>平台架构部---王一帆</a:t>
+            </a:r>
+            <a:endParaRPr lang="x-none" altLang="en-US">
+              <a:solidFill>
+                <a:schemeClr val="bg2">
+                  <a:lumMod val="75000"/>
+                </a:schemeClr>
+              </a:solidFill>
+              <a:latin typeface="Microsoft YaHei" charset="0"/>
+              <a:ea typeface="Microsoft YaHei" charset="0"/>
+            </a:endParaRPr>
+          </a:p>
+        </p:txBody>
+      </p:sp>
+      <p:sp>
+        <p:nvSpPr>
+          <p:cNvPr id="6" name="Footer Placeholder 5"/>
+          <p:cNvSpPr>
+            <a:spLocks noGrp="1"/>
+          </p:cNvSpPr>
+          <p:nvPr>
+            <p:ph type="ftr" sz="quarter" idx="11"/>
+          </p:nvPr>
+        </p:nvSpPr>
+        <p:spPr>
+          <a:xfrm>
+            <a:off x="3872865" y="4977130"/>
+            <a:ext cx="4631055" cy="822325"/>
+          </a:xfrm>
+          <a:blipFill rotWithShape="1">
+            <a:blip r:embed="rId2">
+              <a:alphaModFix amt="70000"/>
+            </a:blip>
+            <a:stretch>
+              <a:fillRect/>
+            </a:stretch>
+          </a:blipFill>
+        </p:spPr>
+        <p:txBody>
+          <a:bodyPr/>
+          <a:p>
+            <a:endParaRPr lang="en-US"/>
+          </a:p>
+        </p:txBody>
+      </p:sp>
+    </p:spTree>
+  </p:cSld>
+  <p:clrMapOvr>
+    <a:masterClrMapping/>
+  </p:clrMapOvr>
+  <p:transition/>
+</p:sld>
+</file>
+
+<file path=ppt/slides/slide10.xml><?xml version="1.0" encoding="utf-8"?>
 <p:sld xmlns:a="http://schemas.openxmlformats.org/drawingml/2006/main" xmlns:r="http://schemas.openxmlformats.org/officeDocument/2006/relationships" xmlns:p="http://schemas.openxmlformats.org/presentationml/2006/main">
   <p:cSld>
     <p:bg>
@@ -3284,27 +3631,249 @@
         <p:nvPr/>
       </p:nvGrpSpPr>
       <p:grpSpPr/>
-      <p:sp>
-        <p:nvSpPr>
-          <p:cNvPr id="2" name="Title 1"/>
-          <p:cNvSpPr>
-            <a:spLocks noGrp="1"/>
-          </p:cNvSpPr>
-          <p:nvPr>
-            <p:ph type="ctrTitle"/>
-          </p:nvPr>
-        </p:nvSpPr>
+      <p:pic>
+        <p:nvPicPr>
+          <p:cNvPr id="3" name="Content Placeholder 2" descr="hydra3"/>
+          <p:cNvPicPr>
+            <a:picLocks noChangeAspect="1"/>
+          </p:cNvPicPr>
+          <p:nvPr>
+            <p:ph idx="1"/>
+          </p:nvPr>
+        </p:nvPicPr>
+        <p:blipFill>
+          <a:blip r:embed="rId2"/>
+          <a:stretch>
+            <a:fillRect/>
+          </a:stretch>
+        </p:blipFill>
         <p:spPr>
           <a:xfrm>
-            <a:off x="767080" y="1122680"/>
-            <a:ext cx="10485755" cy="2387600"/>
+            <a:off x="5715" y="-12700"/>
+            <a:ext cx="12207240" cy="6868160"/>
+          </a:xfrm>
+          <a:prstGeom prst="rect">
+            <a:avLst/>
+          </a:prstGeom>
+        </p:spPr>
+      </p:pic>
+    </p:spTree>
+  </p:cSld>
+  <p:clrMapOvr>
+    <a:masterClrMapping/>
+  </p:clrMapOvr>
+</p:sld>
+</file>
+
+<file path=ppt/slides/slide11.xml><?xml version="1.0" encoding="utf-8"?>
+<p:sld xmlns:a="http://schemas.openxmlformats.org/drawingml/2006/main" xmlns:r="http://schemas.openxmlformats.org/officeDocument/2006/relationships" xmlns:p="http://schemas.openxmlformats.org/presentationml/2006/main">
+  <p:cSld>
+    <p:bg>
+      <p:bgPr>
+        <a:blipFill rotWithShape="1">
+          <a:blip r:embed="rId1"/>
+          <a:stretch>
+            <a:fillRect/>
+          </a:stretch>
+        </a:blipFill>
+        <a:effectLst/>
+      </p:bgPr>
+    </p:bg>
+    <p:spTree>
+      <p:nvGrpSpPr>
+        <p:cNvPr id="1" name=""/>
+        <p:cNvGrpSpPr/>
+        <p:nvPr/>
+      </p:nvGrpSpPr>
+      <p:grpSpPr/>
+      <p:sp>
+        <p:nvSpPr>
+          <p:cNvPr id="2" name="Title 1"/>
+          <p:cNvSpPr>
+            <a:spLocks noGrp="1"/>
+          </p:cNvSpPr>
+          <p:nvPr>
+            <p:ph type="title"/>
+          </p:nvPr>
+        </p:nvSpPr>
+        <p:spPr/>
+        <p:txBody>
+          <a:bodyPr>
+            <a:normAutofit/>
+          </a:bodyPr>
+          <a:p>
+            <a:pPr algn="l"/>
+            <a:r>
+              <a:rPr lang="x-none" altLang="en-US">
+                <a:solidFill>
+                  <a:schemeClr val="bg2">
+                    <a:lumMod val="75000"/>
+                  </a:schemeClr>
+                </a:solidFill>
+              </a:rPr>
+              <a:t>Hydra的后期规划</a:t>
+            </a:r>
+            <a:endParaRPr lang="x-none" altLang="en-US">
+              <a:solidFill>
+                <a:schemeClr val="bg2">
+                  <a:lumMod val="75000"/>
+                </a:schemeClr>
+              </a:solidFill>
+            </a:endParaRPr>
+          </a:p>
+        </p:txBody>
+      </p:sp>
+      <p:sp>
+        <p:nvSpPr>
+          <p:cNvPr id="3" name="Content Placeholder 2"/>
+          <p:cNvSpPr>
+            <a:spLocks noGrp="1"/>
+          </p:cNvSpPr>
+          <p:nvPr>
+            <p:ph idx="1"/>
+          </p:nvPr>
+        </p:nvSpPr>
+        <p:spPr/>
+        <p:txBody>
+          <a:bodyPr/>
+          <a:p>
+            <a:r>
+              <a:rPr lang="x-none" altLang="en-US">
+                <a:solidFill>
+                  <a:schemeClr val="bg2">
+                    <a:lumMod val="75000"/>
+                  </a:schemeClr>
+                </a:solidFill>
+              </a:rPr>
+              <a:t>与Docker整合</a:t>
+            </a:r>
+            <a:endParaRPr lang="x-none" altLang="en-US">
+              <a:solidFill>
+                <a:schemeClr val="bg2">
+                  <a:lumMod val="75000"/>
+                </a:schemeClr>
+              </a:solidFill>
+            </a:endParaRPr>
+          </a:p>
+          <a:p>
+            <a:r>
+              <a:rPr lang="x-none" altLang="en-US">
+                <a:solidFill>
+                  <a:schemeClr val="bg2">
+                    <a:lumMod val="75000"/>
+                  </a:schemeClr>
+                </a:solidFill>
+              </a:rPr>
+              <a:t>与PinPoint整合</a:t>
+            </a:r>
+            <a:endParaRPr lang="x-none" altLang="en-US">
+              <a:solidFill>
+                <a:schemeClr val="bg2">
+                  <a:lumMod val="75000"/>
+                </a:schemeClr>
+              </a:solidFill>
+            </a:endParaRPr>
+          </a:p>
+          <a:p>
+            <a:r>
+              <a:rPr lang="x-none" altLang="en-US">
+                <a:solidFill>
+                  <a:schemeClr val="bg2">
+                    <a:lumMod val="75000"/>
+                  </a:schemeClr>
+                </a:solidFill>
+              </a:rPr>
+              <a:t>接入第三方注册中心</a:t>
+            </a:r>
+            <a:endParaRPr lang="x-none" altLang="en-US">
+              <a:solidFill>
+                <a:schemeClr val="bg2">
+                  <a:lumMod val="75000"/>
+                </a:schemeClr>
+              </a:solidFill>
+            </a:endParaRPr>
+          </a:p>
+          <a:p>
+            <a:r>
+              <a:rPr lang="x-none" altLang="en-US">
+                <a:solidFill>
+                  <a:schemeClr val="bg2">
+                    <a:lumMod val="75000"/>
+                  </a:schemeClr>
+                </a:solidFill>
+              </a:rPr>
+              <a:t>通信框架Pigeon的优化</a:t>
+            </a:r>
+            <a:endParaRPr lang="x-none" altLang="en-US">
+              <a:solidFill>
+                <a:schemeClr val="bg2">
+                  <a:lumMod val="75000"/>
+                </a:schemeClr>
+              </a:solidFill>
+            </a:endParaRPr>
+          </a:p>
+          <a:p>
+            <a:endParaRPr lang="en-US">
+              <a:solidFill>
+                <a:schemeClr val="bg2">
+                  <a:lumMod val="75000"/>
+                </a:schemeClr>
+              </a:solidFill>
+            </a:endParaRPr>
+          </a:p>
+        </p:txBody>
+      </p:sp>
+    </p:spTree>
+  </p:cSld>
+  <p:clrMapOvr>
+    <a:masterClrMapping/>
+  </p:clrMapOvr>
+</p:sld>
+</file>
+
+<file path=ppt/slides/slide12.xml><?xml version="1.0" encoding="utf-8"?>
+<p:sld xmlns:a="http://schemas.openxmlformats.org/drawingml/2006/main" xmlns:r="http://schemas.openxmlformats.org/officeDocument/2006/relationships" xmlns:p="http://schemas.openxmlformats.org/presentationml/2006/main">
+  <p:cSld>
+    <p:bg>
+      <p:bgPr>
+        <a:blipFill rotWithShape="1">
+          <a:blip r:embed="rId1"/>
+          <a:stretch>
+            <a:fillRect/>
+          </a:stretch>
+        </a:blipFill>
+        <a:effectLst/>
+      </p:bgPr>
+    </p:bg>
+    <p:spTree>
+      <p:nvGrpSpPr>
+        <p:cNvPr id="1" name=""/>
+        <p:cNvGrpSpPr/>
+        <p:nvPr/>
+      </p:nvGrpSpPr>
+      <p:grpSpPr/>
+      <p:sp>
+        <p:nvSpPr>
+          <p:cNvPr id="2" name="Title 1"/>
+          <p:cNvSpPr>
+            <a:spLocks noGrp="1"/>
+          </p:cNvSpPr>
+          <p:nvPr>
+            <p:ph type="ctrTitle"/>
+          </p:nvPr>
+        </p:nvSpPr>
+        <p:spPr>
+          <a:xfrm>
+            <a:off x="1638935" y="1167130"/>
+            <a:ext cx="9491345" cy="2387600"/>
           </a:xfrm>
         </p:spPr>
         <p:txBody>
           <a:bodyPr/>
           <a:p>
-            <a:r>
-              <a:rPr lang="x-none" altLang="en-US">
+            <a:pPr algn="l"/>
+            <a:r>
+              <a:rPr lang="x-none" altLang="en-US" sz="8000">
                 <a:solidFill>
                   <a:schemeClr val="bg2">
                     <a:lumMod val="75000"/>
@@ -3313,9 +3882,9 @@
                 <a:latin typeface="Microsoft YaHei" charset="0"/>
                 <a:ea typeface="Microsoft YaHei" charset="0"/>
               </a:rPr>
-              <a:t>焦点服务化框架Hydra的演变</a:t>
-            </a:r>
-            <a:endParaRPr lang="x-none" altLang="en-US">
+              <a:t>谢谢</a:t>
+            </a:r>
+            <a:endParaRPr lang="x-none" altLang="en-US" sz="8000">
               <a:solidFill>
                 <a:schemeClr val="bg2">
                   <a:lumMod val="75000"/>
@@ -3329,53 +3898,6 @@
       </p:sp>
       <p:sp>
         <p:nvSpPr>
-          <p:cNvPr id="3" name="Subtitle 2"/>
-          <p:cNvSpPr>
-            <a:spLocks noGrp="1"/>
-          </p:cNvSpPr>
-          <p:nvPr>
-            <p:ph type="subTitle" idx="1"/>
-          </p:nvPr>
-        </p:nvSpPr>
-        <p:spPr/>
-        <p:txBody>
-          <a:bodyPr/>
-          <a:p>
-            <a:endParaRPr lang="x-none" altLang="en-US">
-              <a:solidFill>
-                <a:schemeClr val="bg2">
-                  <a:lumMod val="75000"/>
-                </a:schemeClr>
-              </a:solidFill>
-            </a:endParaRPr>
-          </a:p>
-          <a:p>
-            <a:r>
-              <a:rPr lang="x-none" altLang="en-US">
-                <a:solidFill>
-                  <a:schemeClr val="bg2">
-                    <a:lumMod val="75000"/>
-                  </a:schemeClr>
-                </a:solidFill>
-                <a:latin typeface="Microsoft YaHei" charset="0"/>
-                <a:ea typeface="Microsoft YaHei" charset="0"/>
-              </a:rPr>
-              <a:t>平台架构部---王一帆</a:t>
-            </a:r>
-            <a:endParaRPr lang="x-none" altLang="en-US">
-              <a:solidFill>
-                <a:schemeClr val="bg2">
-                  <a:lumMod val="75000"/>
-                </a:schemeClr>
-              </a:solidFill>
-              <a:latin typeface="Microsoft YaHei" charset="0"/>
-              <a:ea typeface="Microsoft YaHei" charset="0"/>
-            </a:endParaRPr>
-          </a:p>
-        </p:txBody>
-      </p:sp>
-      <p:sp>
-        <p:nvSpPr>
           <p:cNvPr id="6" name="Footer Placeholder 5"/>
           <p:cNvSpPr>
             <a:spLocks noGrp="1"/>
@@ -3386,8 +3908,8 @@
         </p:nvSpPr>
         <p:spPr>
           <a:xfrm>
-            <a:off x="3872865" y="4977130"/>
-            <a:ext cx="4631055" cy="822325"/>
+            <a:off x="1706245" y="4556125"/>
+            <a:ext cx="4401820" cy="1069340"/>
           </a:xfrm>
           <a:blipFill rotWithShape="1">
             <a:blip r:embed="rId2">
@@ -3457,7 +3979,7 @@
                   </a:schemeClr>
                 </a:solidFill>
               </a:rPr>
-              <a:t>服务化框架的作用</a:t>
+              <a:t>服务化框架</a:t>
             </a:r>
             <a:endParaRPr lang="x-none" altLang="en-US">
               <a:solidFill>
@@ -3483,7 +4005,23 @@
         <p:txBody>
           <a:bodyPr/>
           <a:p>
-            <a:endParaRPr lang="en-US"/>
+            <a:r>
+              <a:rPr lang="x-none" altLang="en-US">
+                <a:solidFill>
+                  <a:schemeClr val="bg2">
+                    <a:lumMod val="75000"/>
+                  </a:schemeClr>
+                </a:solidFill>
+              </a:rPr>
+              <a:t>服务化是将业务封装成服务组件对外提供服务接口或称为 API</a:t>
+            </a:r>
+            <a:endParaRPr lang="x-none" altLang="en-US">
+              <a:solidFill>
+                <a:schemeClr val="bg2">
+                  <a:lumMod val="75000"/>
+                </a:schemeClr>
+              </a:solidFill>
+            </a:endParaRPr>
           </a:p>
         </p:txBody>
       </p:sp>
@@ -3492,6 +4030,7 @@
   <p:clrMapOvr>
     <a:masterClrMapping/>
   </p:clrMapOvr>
+  <p:transition/>
 </p:sld>
 </file>
 
@@ -3528,9 +4067,7 @@
         </p:nvSpPr>
         <p:spPr/>
         <p:txBody>
-          <a:bodyPr>
-            <a:normAutofit/>
-          </a:bodyPr>
+          <a:bodyPr/>
           <a:p>
             <a:pPr algn="l"/>
             <a:r>
@@ -3541,7 +4078,7 @@
                   </a:schemeClr>
                 </a:solidFill>
               </a:rPr>
-              <a:t>现行框架的问题</a:t>
+              <a:t>架构</a:t>
             </a:r>
             <a:endParaRPr lang="x-none" altLang="en-US">
               <a:solidFill>
@@ -3553,29 +4090,38 @@
           </a:p>
         </p:txBody>
       </p:sp>
-      <p:sp>
-        <p:nvSpPr>
-          <p:cNvPr id="3" name="Content Placeholder 2"/>
-          <p:cNvSpPr>
-            <a:spLocks noGrp="1"/>
-          </p:cNvSpPr>
-          <p:nvPr>
-            <p:ph idx="1"/>
-          </p:nvPr>
-        </p:nvSpPr>
-        <p:spPr/>
-        <p:txBody>
-          <a:bodyPr/>
-          <a:p>
-            <a:endParaRPr lang="en-US"/>
-          </a:p>
-        </p:txBody>
-      </p:sp>
+      <p:pic>
+        <p:nvPicPr>
+          <p:cNvPr id="7" name="Content Placeholder 6" descr="dubbo-architecture"/>
+          <p:cNvPicPr>
+            <a:picLocks noChangeAspect="1"/>
+          </p:cNvPicPr>
+          <p:nvPr>
+            <p:ph sz="half" idx="2"/>
+          </p:nvPr>
+        </p:nvPicPr>
+        <p:blipFill>
+          <a:blip r:embed="rId2"/>
+          <a:stretch>
+            <a:fillRect/>
+          </a:stretch>
+        </p:blipFill>
+        <p:spPr>
+          <a:xfrm>
+            <a:off x="760095" y="1657985"/>
+            <a:ext cx="9358630" cy="4719955"/>
+          </a:xfrm>
+          <a:prstGeom prst="rect">
+            <a:avLst/>
+          </a:prstGeom>
+        </p:spPr>
+      </p:pic>
     </p:spTree>
   </p:cSld>
   <p:clrMapOvr>
     <a:masterClrMapping/>
   </p:clrMapOvr>
+  <p:transition/>
 </p:sld>
 </file>
 
@@ -3612,9 +4158,7 @@
         </p:nvSpPr>
         <p:spPr/>
         <p:txBody>
-          <a:bodyPr>
-            <a:normAutofit/>
-          </a:bodyPr>
+          <a:bodyPr/>
           <a:p>
             <a:pPr algn="l"/>
             <a:r>
@@ -3625,7 +4169,7 @@
                   </a:schemeClr>
                 </a:solidFill>
               </a:rPr>
-              <a:t>Hydra2解决的问题</a:t>
+              <a:t>服务化框架</a:t>
             </a:r>
             <a:endParaRPr lang="x-none" altLang="en-US">
               <a:solidFill>
@@ -3651,7 +4195,80 @@
         <p:txBody>
           <a:bodyPr/>
           <a:p>
-            <a:endParaRPr lang="en-US"/>
+            <a:r>
+              <a:rPr lang="x-none" altLang="en-US">
+                <a:solidFill>
+                  <a:schemeClr val="bg2">
+                    <a:lumMod val="75000"/>
+                  </a:schemeClr>
+                </a:solidFill>
+              </a:rPr>
+              <a:t>dubbo</a:t>
+            </a:r>
+            <a:endParaRPr lang="x-none" altLang="en-US">
+              <a:solidFill>
+                <a:schemeClr val="bg2">
+                  <a:lumMod val="75000"/>
+                </a:schemeClr>
+              </a:solidFill>
+            </a:endParaRPr>
+          </a:p>
+          <a:p>
+            <a:r>
+              <a:rPr lang="x-none" altLang="en-US">
+                <a:solidFill>
+                  <a:schemeClr val="bg2">
+                    <a:lumMod val="75000"/>
+                  </a:schemeClr>
+                </a:solidFill>
+              </a:rPr>
+              <a:t>motan</a:t>
+            </a:r>
+            <a:endParaRPr lang="x-none" altLang="en-US">
+              <a:solidFill>
+                <a:schemeClr val="bg2">
+                  <a:lumMod val="75000"/>
+                </a:schemeClr>
+              </a:solidFill>
+            </a:endParaRPr>
+          </a:p>
+          <a:p>
+            <a:r>
+              <a:rPr lang="x-none" altLang="en-US">
+                <a:solidFill>
+                  <a:schemeClr val="bg2">
+                    <a:lumMod val="75000"/>
+                  </a:schemeClr>
+                </a:solidFill>
+              </a:rPr>
+              <a:t>rpcx</a:t>
+            </a:r>
+            <a:endParaRPr lang="x-none" altLang="en-US">
+              <a:solidFill>
+                <a:schemeClr val="bg2">
+                  <a:lumMod val="75000"/>
+                </a:schemeClr>
+              </a:solidFill>
+            </a:endParaRPr>
+          </a:p>
+          <a:p>
+            <a:r>
+              <a:rPr lang="x-none" altLang="en-US">
+                <a:solidFill>
+                  <a:schemeClr val="bg2">
+                    <a:lumMod val="75000"/>
+                  </a:schemeClr>
+                </a:solidFill>
+              </a:rPr>
+              <a:t>thrift</a:t>
+            </a:r>
+            <a:endParaRPr lang="x-none" altLang="en-US">
+              <a:solidFill>
+                <a:schemeClr val="bg2">
+                  <a:lumMod val="75000"/>
+                </a:schemeClr>
+              </a:solidFill>
+            </a:endParaRPr>
           </a:p>
         </p:txBody>
       </p:sp>
@@ -3660,6 +4277,7 @@
   <p:clrMapOvr>
     <a:masterClrMapping/>
   </p:clrMapOvr>
+  <p:transition/>
 </p:sld>
 </file>
 
@@ -3709,7 +4327,7 @@
                   </a:schemeClr>
                 </a:solidFill>
               </a:rPr>
-              <a:t>Hydra2的问题</a:t>
+              <a:t>为什么又造轮子？</a:t>
             </a:r>
             <a:endParaRPr lang="x-none" altLang="en-US">
               <a:solidFill>
@@ -3735,7 +4353,52 @@
         <p:txBody>
           <a:bodyPr/>
           <a:p>
-            <a:endParaRPr lang="en-US"/>
+            <a:r>
+              <a:rPr lang="en-US">
+                <a:solidFill>
+                  <a:schemeClr val="bg2">
+                    <a:lumMod val="75000"/>
+                  </a:schemeClr>
+                </a:solidFill>
+              </a:rPr>
+              <a:t>版本</a:t>
+            </a:r>
+            <a:r>
+              <a:rPr lang="x-none" altLang="en-US">
+                <a:solidFill>
+                  <a:schemeClr val="bg2">
+                    <a:lumMod val="75000"/>
+                  </a:schemeClr>
+                </a:solidFill>
+              </a:rPr>
+              <a:t>管理</a:t>
+            </a:r>
+            <a:endParaRPr lang="x-none" altLang="en-US">
+              <a:solidFill>
+                <a:schemeClr val="bg2">
+                  <a:lumMod val="75000"/>
+                </a:schemeClr>
+              </a:solidFill>
+            </a:endParaRPr>
+          </a:p>
+          <a:p>
+            <a:r>
+              <a:rPr lang="en-US">
+                <a:solidFill>
+                  <a:schemeClr val="bg2">
+                    <a:lumMod val="75000"/>
+                  </a:schemeClr>
+                </a:solidFill>
+              </a:rPr>
+              <a:t>热部署</a:t>
+            </a:r>
+            <a:endParaRPr lang="x-none" altLang="en-US">
+              <a:solidFill>
+                <a:schemeClr val="bg2">
+                  <a:lumMod val="75000"/>
+                </a:schemeClr>
+              </a:solidFill>
+            </a:endParaRPr>
           </a:p>
         </p:txBody>
       </p:sp>
@@ -3792,8 +4455,9 @@
                     <a:lumMod val="75000"/>
                   </a:schemeClr>
                 </a:solidFill>
+                <a:sym typeface="+mn-ea"/>
               </a:rPr>
-              <a:t>Hydra3解决的问题</a:t>
+              <a:t>Hydra2的实现</a:t>
             </a:r>
             <a:endParaRPr lang="x-none" altLang="en-US">
               <a:solidFill>
@@ -3805,24 +4469,32 @@
           </a:p>
         </p:txBody>
       </p:sp>
-      <p:sp>
-        <p:nvSpPr>
-          <p:cNvPr id="3" name="Content Placeholder 2"/>
-          <p:cNvSpPr>
-            <a:spLocks noGrp="1"/>
-          </p:cNvSpPr>
+      <p:pic>
+        <p:nvPicPr>
+          <p:cNvPr id="5" name="Content Placeholder 4" descr="OSGi_ClassLoader"/>
+          <p:cNvPicPr>
+            <a:picLocks noChangeAspect="1"/>
+          </p:cNvPicPr>
           <p:nvPr>
             <p:ph idx="1"/>
           </p:nvPr>
-        </p:nvSpPr>
-        <p:spPr/>
-        <p:txBody>
-          <a:bodyPr/>
-          <a:p>
-            <a:endParaRPr lang="en-US"/>
-          </a:p>
-        </p:txBody>
-      </p:sp>
+        </p:nvPicPr>
+        <p:blipFill>
+          <a:blip r:embed="rId2"/>
+          <a:stretch>
+            <a:fillRect/>
+          </a:stretch>
+        </p:blipFill>
+        <p:spPr>
+          <a:xfrm>
+            <a:off x="1158240" y="2026285"/>
+            <a:ext cx="8125460" cy="4478655"/>
+          </a:xfrm>
+          <a:prstGeom prst="rect">
+            <a:avLst/>
+          </a:prstGeom>
+        </p:spPr>
+      </p:pic>
     </p:spTree>
   </p:cSld>
   <p:clrMapOvr>
@@ -3852,61 +4524,32 @@
         <p:nvPr/>
       </p:nvGrpSpPr>
       <p:grpSpPr/>
-      <p:sp>
-        <p:nvSpPr>
-          <p:cNvPr id="2" name="Title 1"/>
-          <p:cNvSpPr>
-            <a:spLocks noGrp="1"/>
-          </p:cNvSpPr>
-          <p:nvPr>
-            <p:ph type="title"/>
-          </p:nvPr>
-        </p:nvSpPr>
-        <p:spPr/>
-        <p:txBody>
-          <a:bodyPr>
-            <a:normAutofit/>
-          </a:bodyPr>
-          <a:p>
-            <a:pPr algn="l"/>
-            <a:r>
-              <a:rPr lang="x-none" altLang="en-US">
-                <a:solidFill>
-                  <a:schemeClr val="bg2">
-                    <a:lumMod val="75000"/>
-                  </a:schemeClr>
-                </a:solidFill>
-              </a:rPr>
-              <a:t>Hydra3的问题</a:t>
-            </a:r>
-            <a:endParaRPr lang="x-none" altLang="en-US">
-              <a:solidFill>
-                <a:schemeClr val="bg2">
-                  <a:lumMod val="75000"/>
-                </a:schemeClr>
-              </a:solidFill>
-            </a:endParaRPr>
-          </a:p>
-        </p:txBody>
-      </p:sp>
-      <p:sp>
-        <p:nvSpPr>
-          <p:cNvPr id="3" name="Content Placeholder 2"/>
-          <p:cNvSpPr>
-            <a:spLocks noGrp="1"/>
-          </p:cNvSpPr>
+      <p:pic>
+        <p:nvPicPr>
+          <p:cNvPr id="4" name="Content Placeholder 3" descr="hydra2"/>
+          <p:cNvPicPr>
+            <a:picLocks noChangeAspect="1"/>
+          </p:cNvPicPr>
           <p:nvPr>
             <p:ph idx="1"/>
           </p:nvPr>
-        </p:nvSpPr>
-        <p:spPr/>
-        <p:txBody>
-          <a:bodyPr/>
-          <a:p>
-            <a:endParaRPr lang="en-US"/>
-          </a:p>
-        </p:txBody>
-      </p:sp>
+        </p:nvPicPr>
+        <p:blipFill>
+          <a:blip r:embed="rId2"/>
+          <a:stretch>
+            <a:fillRect/>
+          </a:stretch>
+        </p:blipFill>
+        <p:spPr>
+          <a:xfrm>
+            <a:off x="3175" y="-23495"/>
+            <a:ext cx="12171680" cy="6896735"/>
+          </a:xfrm>
+          <a:prstGeom prst="rect">
+            <a:avLst/>
+          </a:prstGeom>
+        </p:spPr>
+      </p:pic>
     </p:spTree>
   </p:cSld>
   <p:clrMapOvr>
@@ -3943,74 +4586,200 @@
             <a:spLocks noGrp="1"/>
           </p:cNvSpPr>
           <p:nvPr>
-            <p:ph type="ctrTitle"/>
-          </p:nvPr>
-        </p:nvSpPr>
-        <p:spPr>
-          <a:xfrm>
-            <a:off x="1638935" y="1167130"/>
-            <a:ext cx="9491345" cy="2387600"/>
-          </a:xfrm>
-        </p:spPr>
-        <p:txBody>
-          <a:bodyPr/>
+            <p:ph type="title"/>
+          </p:nvPr>
+        </p:nvSpPr>
+        <p:spPr/>
+        <p:txBody>
+          <a:bodyPr>
+            <a:normAutofit/>
+          </a:bodyPr>
           <a:p>
             <a:pPr algn="l"/>
             <a:r>
-              <a:rPr lang="x-none" altLang="en-US" sz="8000">
+              <a:rPr lang="x-none" altLang="en-US">
                 <a:solidFill>
                   <a:schemeClr val="bg2">
                     <a:lumMod val="75000"/>
                   </a:schemeClr>
                 </a:solidFill>
-                <a:latin typeface="Microsoft YaHei" charset="0"/>
-                <a:ea typeface="Microsoft YaHei" charset="0"/>
               </a:rPr>
-              <a:t>谢谢</a:t>
-            </a:r>
-            <a:endParaRPr lang="x-none" altLang="en-US" sz="8000">
+              <a:t>为什么又又造轮子？！</a:t>
+            </a:r>
+            <a:endParaRPr lang="x-none" altLang="en-US">
               <a:solidFill>
                 <a:schemeClr val="bg2">
                   <a:lumMod val="75000"/>
                 </a:schemeClr>
               </a:solidFill>
-              <a:latin typeface="Microsoft YaHei" charset="0"/>
-              <a:ea typeface="Microsoft YaHei" charset="0"/>
             </a:endParaRPr>
           </a:p>
         </p:txBody>
       </p:sp>
       <p:sp>
         <p:nvSpPr>
-          <p:cNvPr id="6" name="Footer Placeholder 5"/>
-          <p:cNvSpPr>
-            <a:spLocks noGrp="1"/>
-          </p:cNvSpPr>
-          <p:nvPr>
-            <p:ph type="ftr" sz="quarter" idx="11"/>
-          </p:nvPr>
-        </p:nvSpPr>
+          <p:cNvPr id="3" name="Content Placeholder 2"/>
+          <p:cNvSpPr>
+            <a:spLocks noGrp="1"/>
+          </p:cNvSpPr>
+          <p:nvPr>
+            <p:ph idx="1"/>
+          </p:nvPr>
+        </p:nvSpPr>
+        <p:spPr/>
+        <p:txBody>
+          <a:bodyPr/>
+          <a:p>
+            <a:r>
+              <a:rPr lang="en-US">
+                <a:solidFill>
+                  <a:schemeClr val="bg2">
+                    <a:lumMod val="75000"/>
+                  </a:schemeClr>
+                </a:solidFill>
+              </a:rPr>
+              <a:t>OSGi的问题</a:t>
+            </a:r>
+            <a:endParaRPr lang="en-US">
+              <a:solidFill>
+                <a:schemeClr val="bg2">
+                  <a:lumMod val="75000"/>
+                </a:schemeClr>
+              </a:solidFill>
+            </a:endParaRPr>
+          </a:p>
+          <a:p>
+            <a:r>
+              <a:rPr lang="x-none" altLang="en-US">
+                <a:solidFill>
+                  <a:schemeClr val="bg2">
+                    <a:lumMod val="75000"/>
+                  </a:schemeClr>
+                </a:solidFill>
+              </a:rPr>
+              <a:t>服务治理</a:t>
+            </a:r>
+            <a:endParaRPr lang="x-none" altLang="en-US">
+              <a:solidFill>
+                <a:schemeClr val="bg2">
+                  <a:lumMod val="75000"/>
+                </a:schemeClr>
+              </a:solidFill>
+            </a:endParaRPr>
+          </a:p>
+          <a:p>
+            <a:r>
+              <a:rPr lang="en-US">
+                <a:solidFill>
+                  <a:schemeClr val="bg2">
+                    <a:lumMod val="75000"/>
+                  </a:schemeClr>
+                </a:solidFill>
+              </a:rPr>
+              <a:t>管理中心</a:t>
+            </a:r>
+            <a:endParaRPr lang="en-US">
+              <a:solidFill>
+                <a:schemeClr val="bg2">
+                  <a:lumMod val="75000"/>
+                </a:schemeClr>
+              </a:solidFill>
+            </a:endParaRPr>
+          </a:p>
+        </p:txBody>
+      </p:sp>
+    </p:spTree>
+  </p:cSld>
+  <p:clrMapOvr>
+    <a:masterClrMapping/>
+  </p:clrMapOvr>
+</p:sld>
+</file>
+
+<file path=ppt/slides/slide9.xml><?xml version="1.0" encoding="utf-8"?>
+<p:sld xmlns:a="http://schemas.openxmlformats.org/drawingml/2006/main" xmlns:r="http://schemas.openxmlformats.org/officeDocument/2006/relationships" xmlns:p="http://schemas.openxmlformats.org/presentationml/2006/main">
+  <p:cSld>
+    <p:bg>
+      <p:bgPr>
+        <a:blipFill rotWithShape="1">
+          <a:blip r:embed="rId1"/>
+          <a:stretch>
+            <a:fillRect/>
+          </a:stretch>
+        </a:blipFill>
+        <a:effectLst/>
+      </p:bgPr>
+    </p:bg>
+    <p:spTree>
+      <p:nvGrpSpPr>
+        <p:cNvPr id="1" name=""/>
+        <p:cNvGrpSpPr/>
+        <p:nvPr/>
+      </p:nvGrpSpPr>
+      <p:grpSpPr/>
+      <p:sp>
+        <p:nvSpPr>
+          <p:cNvPr id="2" name="Title 1"/>
+          <p:cNvSpPr>
+            <a:spLocks noGrp="1"/>
+          </p:cNvSpPr>
+          <p:nvPr>
+            <p:ph type="title"/>
+          </p:nvPr>
+        </p:nvSpPr>
+        <p:spPr/>
+        <p:txBody>
+          <a:bodyPr>
+            <a:normAutofit/>
+          </a:bodyPr>
+          <a:p>
+            <a:pPr algn="l"/>
+            <a:r>
+              <a:rPr lang="x-none" altLang="en-US">
+                <a:solidFill>
+                  <a:schemeClr val="bg2">
+                    <a:lumMod val="75000"/>
+                  </a:schemeClr>
+                </a:solidFill>
+              </a:rPr>
+              <a:t>Hydra3的实现</a:t>
+            </a:r>
+            <a:endParaRPr lang="x-none" altLang="en-US">
+              <a:solidFill>
+                <a:schemeClr val="bg2">
+                  <a:lumMod val="75000"/>
+                </a:schemeClr>
+              </a:solidFill>
+            </a:endParaRPr>
+          </a:p>
+        </p:txBody>
+      </p:sp>
+      <p:pic>
+        <p:nvPicPr>
+          <p:cNvPr id="5" name="Content Placeholder 4" descr="servicenode"/>
+          <p:cNvPicPr>
+            <a:picLocks noChangeAspect="1"/>
+          </p:cNvPicPr>
+          <p:nvPr>
+            <p:ph idx="1"/>
+          </p:nvPr>
+        </p:nvPicPr>
+        <p:blipFill>
+          <a:blip r:embed="rId2"/>
+          <a:stretch>
+            <a:fillRect/>
+          </a:stretch>
+        </p:blipFill>
         <p:spPr>
           <a:xfrm>
-            <a:off x="1706245" y="4556125"/>
-            <a:ext cx="4401820" cy="1069340"/>
+            <a:off x="562610" y="1450975"/>
+            <a:ext cx="11170920" cy="5405755"/>
           </a:xfrm>
-          <a:blipFill rotWithShape="1">
-            <a:blip r:embed="rId2">
-              <a:alphaModFix amt="70000"/>
-            </a:blip>
-            <a:stretch>
-              <a:fillRect/>
-            </a:stretch>
-          </a:blipFill>
+          <a:prstGeom prst="rect">
+            <a:avLst/>
+          </a:prstGeom>
         </p:spPr>
-        <p:txBody>
-          <a:bodyPr/>
-          <a:p>
-            <a:endParaRPr lang="en-US"/>
-          </a:p>
-        </p:txBody>
-      </p:sp>
+      </p:pic>
     </p:spTree>
   </p:cSld>
   <p:clrMapOvr>

--- a/source/ppt/work/焦点服务化框架Hydra的演变-王一帆.pptx
+++ b/source/ppt/work/焦点服务化框架Hydra的演变-王一帆.pptx
@@ -5,21 +5,25 @@
     <p:sldMasterId id="2147483648" r:id="rId1"/>
   </p:sldMasterIdLst>
   <p:notesMasterIdLst>
-    <p:notesMasterId r:id="rId6"/>
+    <p:notesMasterId r:id="rId18"/>
   </p:notesMasterIdLst>
   <p:sldIdLst>
-    <p:sldId id="256" r:id="rId3"/>
-    <p:sldId id="257" r:id="rId4"/>
-    <p:sldId id="265" r:id="rId5"/>
-    <p:sldId id="266" r:id="rId7"/>
-    <p:sldId id="259" r:id="rId8"/>
-    <p:sldId id="268" r:id="rId9"/>
-    <p:sldId id="269" r:id="rId10"/>
-    <p:sldId id="261" r:id="rId11"/>
-    <p:sldId id="263" r:id="rId12"/>
-    <p:sldId id="270" r:id="rId13"/>
-    <p:sldId id="267" r:id="rId14"/>
-    <p:sldId id="264" r:id="rId15"/>
+    <p:sldId id="256" r:id="rId2"/>
+    <p:sldId id="257" r:id="rId3"/>
+    <p:sldId id="265" r:id="rId4"/>
+    <p:sldId id="266" r:id="rId5"/>
+    <p:sldId id="271" r:id="rId6"/>
+    <p:sldId id="272" r:id="rId7"/>
+    <p:sldId id="274" r:id="rId8"/>
+    <p:sldId id="273" r:id="rId9"/>
+    <p:sldId id="259" r:id="rId10"/>
+    <p:sldId id="269" r:id="rId11"/>
+    <p:sldId id="261" r:id="rId12"/>
+    <p:sldId id="263" r:id="rId13"/>
+    <p:sldId id="275" r:id="rId14"/>
+    <p:sldId id="270" r:id="rId15"/>
+    <p:sldId id="267" r:id="rId16"/>
+    <p:sldId id="264" r:id="rId17"/>
   </p:sldIdLst>
   <p:sldSz cx="12192000" cy="6858000"/>
   <p:notesSz cx="6858000" cy="9144000"/>
@@ -203,6 +207,8 @@
           <a:p>
             <a:fld id="{3EFD42F7-718C-4B98-AAEC-167E6DDD60A7}" type="datetimeFigureOut">
               <a:rPr lang="en-US" smtClean="0"/>
+              <a:pPr/>
+              <a:t>9/22/2016</a:t>
             </a:fld>
             <a:endParaRPr lang="en-US"/>
           </a:p>
@@ -269,7 +275,6 @@
               <a:rPr lang="en-US" smtClean="0"/>
               <a:t>Click to edit Master text styles</a:t>
             </a:r>
-            <a:endParaRPr lang="en-US" smtClean="0"/>
           </a:p>
           <a:p>
             <a:pPr lvl="1"/>
@@ -277,7 +282,6 @@
               <a:rPr lang="en-US" smtClean="0"/>
               <a:t>Second level</a:t>
             </a:r>
-            <a:endParaRPr lang="en-US" smtClean="0"/>
           </a:p>
           <a:p>
             <a:pPr lvl="2"/>
@@ -285,7 +289,6 @@
               <a:rPr lang="en-US" smtClean="0"/>
               <a:t>Third level</a:t>
             </a:r>
-            <a:endParaRPr lang="en-US" smtClean="0"/>
           </a:p>
           <a:p>
             <a:pPr lvl="3"/>
@@ -293,7 +296,6 @@
               <a:rPr lang="en-US" smtClean="0"/>
               <a:t>Fourth level</a:t>
             </a:r>
-            <a:endParaRPr lang="en-US" smtClean="0"/>
           </a:p>
           <a:p>
             <a:pPr lvl="4"/>
@@ -365,6 +367,8 @@
           <a:p>
             <a:fld id="{21B2AA4F-B828-4D7C-AFD3-893933DAFCB4}" type="slidenum">
               <a:rPr lang="en-US" smtClean="0"/>
+              <a:pPr/>
+              <a:t>‹#›</a:t>
             </a:fld>
             <a:endParaRPr lang="en-US"/>
           </a:p>
@@ -477,11 +481,20 @@
         <p:cNvGrpSpPr/>
         <p:nvPr/>
       </p:nvGrpSpPr>
-      <p:grpSpPr/>
+      <p:grpSpPr>
+        <a:xfrm>
+          <a:off x="0" y="0"/>
+          <a:ext cx="0" cy="0"/>
+          <a:chOff x="0" y="0"/>
+          <a:chExt cx="0" cy="0"/>
+        </a:xfrm>
+      </p:grpSpPr>
       <p:sp>
         <p:nvSpPr>
           <p:cNvPr id="2" name="Slide Image Placeholder 1"/>
-          <p:cNvSpPr/>
+          <p:cNvSpPr>
+            <a:spLocks noGrp="1" noRot="1" noChangeAspect="1"/>
+          </p:cNvSpPr>
           <p:nvPr>
             <p:ph type="sldImg" idx="2"/>
           </p:nvPr>
@@ -491,7 +504,9 @@
       <p:sp>
         <p:nvSpPr>
           <p:cNvPr id="3" name="Text Placeholder 2"/>
-          <p:cNvSpPr/>
+          <p:cNvSpPr>
+            <a:spLocks noGrp="1"/>
+          </p:cNvSpPr>
           <p:nvPr>
             <p:ph type="body" idx="3"/>
           </p:nvPr>
@@ -499,6 +514,7 @@
         <p:spPr/>
         <p:txBody>
           <a:bodyPr/>
+          <a:lstStyle/>
           <a:p>
             <a:endParaRPr lang="en-US"/>
           </a:p>
@@ -517,9 +533,12 @@
         <p:spPr/>
         <p:txBody>
           <a:bodyPr/>
+          <a:lstStyle/>
           <a:p>
             <a:fld id="{21B2AA4F-B828-4D7C-AFD3-893933DAFCB4}" type="slidenum">
               <a:rPr lang="en-US" smtClean="0"/>
+              <a:pPr/>
+              <a:t>3</a:t>
             </a:fld>
             <a:endParaRPr lang="en-US"/>
           </a:p>
@@ -542,11 +561,113 @@
         <p:cNvGrpSpPr/>
         <p:nvPr/>
       </p:nvGrpSpPr>
-      <p:grpSpPr/>
+      <p:grpSpPr>
+        <a:xfrm>
+          <a:off x="0" y="0"/>
+          <a:ext cx="0" cy="0"/>
+          <a:chOff x="0" y="0"/>
+          <a:chExt cx="0" cy="0"/>
+        </a:xfrm>
+      </p:grpSpPr>
+      <p:sp>
+        <p:nvSpPr>
+          <p:cNvPr id="2" name="幻灯片图像占位符 1"/>
+          <p:cNvSpPr>
+            <a:spLocks noGrp="1" noRot="1" noChangeAspect="1"/>
+          </p:cNvSpPr>
+          <p:nvPr>
+            <p:ph type="sldImg"/>
+          </p:nvPr>
+        </p:nvSpPr>
+        <p:spPr/>
+      </p:sp>
+      <p:sp>
+        <p:nvSpPr>
+          <p:cNvPr id="3" name="备注占位符 2"/>
+          <p:cNvSpPr>
+            <a:spLocks noGrp="1"/>
+          </p:cNvSpPr>
+          <p:nvPr>
+            <p:ph type="body" idx="1"/>
+          </p:nvPr>
+        </p:nvSpPr>
+        <p:spPr/>
+        <p:txBody>
+          <a:bodyPr>
+            <a:normAutofit/>
+          </a:bodyPr>
+          <a:lstStyle/>
+          <a:p>
+            <a:r>
+              <a:rPr lang="zh-CN" altLang="en-US" dirty="0" smtClean="0"/>
+              <a:t>已有服务框架，为什么又造轮子？</a:t>
+            </a:r>
+            <a:endParaRPr lang="en-US" altLang="zh-CN" dirty="0" smtClean="0"/>
+          </a:p>
+          <a:p>
+            <a:r>
+              <a:rPr lang="zh-CN" altLang="en-US" dirty="0" smtClean="0"/>
+              <a:t>从服务升级引入现行服务框架的缺陷</a:t>
+            </a:r>
+            <a:endParaRPr lang="zh-CN" altLang="en-US" dirty="0"/>
+          </a:p>
+        </p:txBody>
+      </p:sp>
+      <p:sp>
+        <p:nvSpPr>
+          <p:cNvPr id="4" name="灯片编号占位符 3"/>
+          <p:cNvSpPr>
+            <a:spLocks noGrp="1"/>
+          </p:cNvSpPr>
+          <p:nvPr>
+            <p:ph type="sldNum" sz="quarter" idx="10"/>
+          </p:nvPr>
+        </p:nvSpPr>
+        <p:spPr/>
+        <p:txBody>
+          <a:bodyPr/>
+          <a:lstStyle/>
+          <a:p>
+            <a:fld id="{21B2AA4F-B828-4D7C-AFD3-893933DAFCB4}" type="slidenum">
+              <a:rPr lang="en-US" smtClean="0"/>
+              <a:pPr/>
+              <a:t>4</a:t>
+            </a:fld>
+            <a:endParaRPr lang="en-US"/>
+          </a:p>
+        </p:txBody>
+      </p:sp>
+    </p:spTree>
+  </p:cSld>
+  <p:clrMapOvr>
+    <a:masterClrMapping/>
+  </p:clrMapOvr>
+</p:notes>
+</file>
+
+<file path=ppt/notesSlides/notesSlide3.xml><?xml version="1.0" encoding="utf-8"?>
+<p:notes xmlns:a="http://schemas.openxmlformats.org/drawingml/2006/main" xmlns:r="http://schemas.openxmlformats.org/officeDocument/2006/relationships" xmlns:p="http://schemas.openxmlformats.org/presentationml/2006/main">
+  <p:cSld>
+    <p:spTree>
+      <p:nvGrpSpPr>
+        <p:cNvPr id="1" name=""/>
+        <p:cNvGrpSpPr/>
+        <p:nvPr/>
+      </p:nvGrpSpPr>
+      <p:grpSpPr>
+        <a:xfrm>
+          <a:off x="0" y="0"/>
+          <a:ext cx="0" cy="0"/>
+          <a:chOff x="0" y="0"/>
+          <a:chExt cx="0" cy="0"/>
+        </a:xfrm>
+      </p:grpSpPr>
       <p:sp>
         <p:nvSpPr>
           <p:cNvPr id="2" name="Slide Image Placeholder 1"/>
-          <p:cNvSpPr/>
+          <p:cNvSpPr>
+            <a:spLocks noGrp="1" noRot="1" noChangeAspect="1"/>
+          </p:cNvSpPr>
           <p:nvPr>
             <p:ph type="sldImg" idx="2"/>
           </p:nvPr>
@@ -556,7 +677,9 @@
       <p:sp>
         <p:nvSpPr>
           <p:cNvPr id="3" name="Text Placeholder 2"/>
-          <p:cNvSpPr/>
+          <p:cNvSpPr>
+            <a:spLocks noGrp="1"/>
+          </p:cNvSpPr>
           <p:nvPr>
             <p:ph type="body" idx="3"/>
           </p:nvPr>
@@ -564,6 +687,175 @@
         <p:spPr/>
         <p:txBody>
           <a:bodyPr/>
+          <a:lstStyle/>
+          <a:p>
+            <a:r>
+              <a:rPr lang="zh-CN" altLang="en-US" dirty="0" smtClean="0"/>
+              <a:t>不兼容情况下发布服务，导致服务容量减半，相对的负载增加</a:t>
+            </a:r>
+            <a:endParaRPr lang="en-US" dirty="0"/>
+          </a:p>
+        </p:txBody>
+      </p:sp>
+      <p:sp>
+        <p:nvSpPr>
+          <p:cNvPr id="4" name="Slide Number Placeholder 3"/>
+          <p:cNvSpPr>
+            <a:spLocks noGrp="1"/>
+          </p:cNvSpPr>
+          <p:nvPr>
+            <p:ph type="sldNum" sz="quarter" idx="5"/>
+          </p:nvPr>
+        </p:nvSpPr>
+        <p:spPr/>
+        <p:txBody>
+          <a:bodyPr/>
+          <a:lstStyle/>
+          <a:p>
+            <a:fld id="{21B2AA4F-B828-4D7C-AFD3-893933DAFCB4}" type="slidenum">
+              <a:rPr lang="en-US" smtClean="0"/>
+              <a:pPr/>
+              <a:t>5</a:t>
+            </a:fld>
+            <a:endParaRPr lang="en-US"/>
+          </a:p>
+        </p:txBody>
+      </p:sp>
+    </p:spTree>
+  </p:cSld>
+  <p:clrMapOvr>
+    <a:masterClrMapping/>
+  </p:clrMapOvr>
+</p:notes>
+</file>
+
+<file path=ppt/notesSlides/notesSlide4.xml><?xml version="1.0" encoding="utf-8"?>
+<p:notes xmlns:a="http://schemas.openxmlformats.org/drawingml/2006/main" xmlns:r="http://schemas.openxmlformats.org/officeDocument/2006/relationships" xmlns:p="http://schemas.openxmlformats.org/presentationml/2006/main">
+  <p:cSld>
+    <p:spTree>
+      <p:nvGrpSpPr>
+        <p:cNvPr id="1" name=""/>
+        <p:cNvGrpSpPr/>
+        <p:nvPr/>
+      </p:nvGrpSpPr>
+      <p:grpSpPr>
+        <a:xfrm>
+          <a:off x="0" y="0"/>
+          <a:ext cx="0" cy="0"/>
+          <a:chOff x="0" y="0"/>
+          <a:chExt cx="0" cy="0"/>
+        </a:xfrm>
+      </p:grpSpPr>
+      <p:sp>
+        <p:nvSpPr>
+          <p:cNvPr id="2" name="Slide Image Placeholder 1"/>
+          <p:cNvSpPr>
+            <a:spLocks noGrp="1" noRot="1" noChangeAspect="1"/>
+          </p:cNvSpPr>
+          <p:nvPr>
+            <p:ph type="sldImg" idx="2"/>
+          </p:nvPr>
+        </p:nvSpPr>
+        <p:spPr/>
+      </p:sp>
+      <p:sp>
+        <p:nvSpPr>
+          <p:cNvPr id="3" name="Text Placeholder 2"/>
+          <p:cNvSpPr>
+            <a:spLocks noGrp="1"/>
+          </p:cNvSpPr>
+          <p:nvPr>
+            <p:ph type="body" idx="3"/>
+          </p:nvPr>
+        </p:nvSpPr>
+        <p:spPr/>
+        <p:txBody>
+          <a:bodyPr/>
+          <a:lstStyle/>
+          <a:p>
+            <a:r>
+              <a:rPr lang="zh-CN" altLang="en-US" dirty="0" smtClean="0"/>
+              <a:t>不兼容情况下发布服务，导致服务容量减半，相对的负载增加</a:t>
+            </a:r>
+            <a:endParaRPr lang="en-US" dirty="0"/>
+          </a:p>
+        </p:txBody>
+      </p:sp>
+      <p:sp>
+        <p:nvSpPr>
+          <p:cNvPr id="4" name="Slide Number Placeholder 3"/>
+          <p:cNvSpPr>
+            <a:spLocks noGrp="1"/>
+          </p:cNvSpPr>
+          <p:nvPr>
+            <p:ph type="sldNum" sz="quarter" idx="5"/>
+          </p:nvPr>
+        </p:nvSpPr>
+        <p:spPr/>
+        <p:txBody>
+          <a:bodyPr/>
+          <a:lstStyle/>
+          <a:p>
+            <a:fld id="{21B2AA4F-B828-4D7C-AFD3-893933DAFCB4}" type="slidenum">
+              <a:rPr lang="en-US" smtClean="0"/>
+              <a:pPr/>
+              <a:t>6</a:t>
+            </a:fld>
+            <a:endParaRPr lang="en-US"/>
+          </a:p>
+        </p:txBody>
+      </p:sp>
+    </p:spTree>
+  </p:cSld>
+  <p:clrMapOvr>
+    <a:masterClrMapping/>
+  </p:clrMapOvr>
+</p:notes>
+</file>
+
+<file path=ppt/notesSlides/notesSlide5.xml><?xml version="1.0" encoding="utf-8"?>
+<p:notes xmlns:a="http://schemas.openxmlformats.org/drawingml/2006/main" xmlns:r="http://schemas.openxmlformats.org/officeDocument/2006/relationships" xmlns:p="http://schemas.openxmlformats.org/presentationml/2006/main">
+  <p:cSld>
+    <p:spTree>
+      <p:nvGrpSpPr>
+        <p:cNvPr id="1" name=""/>
+        <p:cNvGrpSpPr/>
+        <p:nvPr/>
+      </p:nvGrpSpPr>
+      <p:grpSpPr>
+        <a:xfrm>
+          <a:off x="0" y="0"/>
+          <a:ext cx="0" cy="0"/>
+          <a:chOff x="0" y="0"/>
+          <a:chExt cx="0" cy="0"/>
+        </a:xfrm>
+      </p:grpSpPr>
+      <p:sp>
+        <p:nvSpPr>
+          <p:cNvPr id="2" name="Slide Image Placeholder 1"/>
+          <p:cNvSpPr>
+            <a:spLocks noGrp="1" noRot="1" noChangeAspect="1"/>
+          </p:cNvSpPr>
+          <p:nvPr>
+            <p:ph type="sldImg" idx="2"/>
+          </p:nvPr>
+        </p:nvSpPr>
+        <p:spPr/>
+      </p:sp>
+      <p:sp>
+        <p:nvSpPr>
+          <p:cNvPr id="3" name="Text Placeholder 2"/>
+          <p:cNvSpPr>
+            <a:spLocks noGrp="1"/>
+          </p:cNvSpPr>
+          <p:nvPr>
+            <p:ph type="body" idx="3"/>
+          </p:nvPr>
+        </p:nvSpPr>
+        <p:spPr/>
+        <p:txBody>
+          <a:bodyPr/>
+          <a:lstStyle/>
           <a:p>
             <a:r>
               <a:rPr lang="en-US">
@@ -644,9 +936,320 @@
         <p:spPr/>
         <p:txBody>
           <a:bodyPr/>
+          <a:lstStyle/>
           <a:p>
             <a:fld id="{21B2AA4F-B828-4D7C-AFD3-893933DAFCB4}" type="slidenum">
               <a:rPr lang="en-US" smtClean="0"/>
+              <a:pPr/>
+              <a:t>7</a:t>
+            </a:fld>
+            <a:endParaRPr lang="en-US"/>
+          </a:p>
+        </p:txBody>
+      </p:sp>
+    </p:spTree>
+  </p:cSld>
+  <p:clrMapOvr>
+    <a:masterClrMapping/>
+  </p:clrMapOvr>
+</p:notes>
+</file>
+
+<file path=ppt/notesSlides/notesSlide6.xml><?xml version="1.0" encoding="utf-8"?>
+<p:notes xmlns:a="http://schemas.openxmlformats.org/drawingml/2006/main" xmlns:r="http://schemas.openxmlformats.org/officeDocument/2006/relationships" xmlns:p="http://schemas.openxmlformats.org/presentationml/2006/main">
+  <p:cSld>
+    <p:spTree>
+      <p:nvGrpSpPr>
+        <p:cNvPr id="1" name=""/>
+        <p:cNvGrpSpPr/>
+        <p:nvPr/>
+      </p:nvGrpSpPr>
+      <p:grpSpPr>
+        <a:xfrm>
+          <a:off x="0" y="0"/>
+          <a:ext cx="0" cy="0"/>
+          <a:chOff x="0" y="0"/>
+          <a:chExt cx="0" cy="0"/>
+        </a:xfrm>
+      </p:grpSpPr>
+      <p:sp>
+        <p:nvSpPr>
+          <p:cNvPr id="2" name="Slide Image Placeholder 1"/>
+          <p:cNvSpPr>
+            <a:spLocks noGrp="1" noRot="1" noChangeAspect="1"/>
+          </p:cNvSpPr>
+          <p:nvPr>
+            <p:ph type="sldImg" idx="2"/>
+          </p:nvPr>
+        </p:nvSpPr>
+        <p:spPr/>
+      </p:sp>
+      <p:sp>
+        <p:nvSpPr>
+          <p:cNvPr id="3" name="Text Placeholder 2"/>
+          <p:cNvSpPr>
+            <a:spLocks noGrp="1"/>
+          </p:cNvSpPr>
+          <p:nvPr>
+            <p:ph type="body" idx="3"/>
+          </p:nvPr>
+        </p:nvSpPr>
+        <p:spPr/>
+        <p:txBody>
+          <a:bodyPr/>
+          <a:lstStyle/>
+          <a:p>
+            <a:r>
+              <a:rPr lang="zh-CN" altLang="en-US" dirty="0" smtClean="0"/>
+              <a:t>不兼容情况下发布服务，导致服务容量减半，相对的负载增加</a:t>
+            </a:r>
+            <a:endParaRPr lang="en-US" dirty="0"/>
+          </a:p>
+        </p:txBody>
+      </p:sp>
+      <p:sp>
+        <p:nvSpPr>
+          <p:cNvPr id="4" name="Slide Number Placeholder 3"/>
+          <p:cNvSpPr>
+            <a:spLocks noGrp="1"/>
+          </p:cNvSpPr>
+          <p:nvPr>
+            <p:ph type="sldNum" sz="quarter" idx="5"/>
+          </p:nvPr>
+        </p:nvSpPr>
+        <p:spPr/>
+        <p:txBody>
+          <a:bodyPr/>
+          <a:lstStyle/>
+          <a:p>
+            <a:fld id="{21B2AA4F-B828-4D7C-AFD3-893933DAFCB4}" type="slidenum">
+              <a:rPr lang="en-US" smtClean="0"/>
+              <a:pPr/>
+              <a:t>8</a:t>
+            </a:fld>
+            <a:endParaRPr lang="en-US"/>
+          </a:p>
+        </p:txBody>
+      </p:sp>
+    </p:spTree>
+  </p:cSld>
+  <p:clrMapOvr>
+    <a:masterClrMapping/>
+  </p:clrMapOvr>
+</p:notes>
+</file>
+
+<file path=ppt/notesSlides/notesSlide7.xml><?xml version="1.0" encoding="utf-8"?>
+<p:notes xmlns:a="http://schemas.openxmlformats.org/drawingml/2006/main" xmlns:r="http://schemas.openxmlformats.org/officeDocument/2006/relationships" xmlns:p="http://schemas.openxmlformats.org/presentationml/2006/main">
+  <p:cSld>
+    <p:spTree>
+      <p:nvGrpSpPr>
+        <p:cNvPr id="1" name=""/>
+        <p:cNvGrpSpPr/>
+        <p:nvPr/>
+      </p:nvGrpSpPr>
+      <p:grpSpPr>
+        <a:xfrm>
+          <a:off x="0" y="0"/>
+          <a:ext cx="0" cy="0"/>
+          <a:chOff x="0" y="0"/>
+          <a:chExt cx="0" cy="0"/>
+        </a:xfrm>
+      </p:grpSpPr>
+      <p:sp>
+        <p:nvSpPr>
+          <p:cNvPr id="2" name="Slide Image Placeholder 1"/>
+          <p:cNvSpPr>
+            <a:spLocks noGrp="1" noRot="1" noChangeAspect="1"/>
+          </p:cNvSpPr>
+          <p:nvPr>
+            <p:ph type="sldImg" idx="2"/>
+          </p:nvPr>
+        </p:nvSpPr>
+        <p:spPr/>
+      </p:sp>
+      <p:sp>
+        <p:nvSpPr>
+          <p:cNvPr id="3" name="Text Placeholder 2"/>
+          <p:cNvSpPr>
+            <a:spLocks noGrp="1"/>
+          </p:cNvSpPr>
+          <p:nvPr>
+            <p:ph type="body" idx="3"/>
+          </p:nvPr>
+        </p:nvSpPr>
+        <p:spPr/>
+        <p:txBody>
+          <a:bodyPr/>
+          <a:lstStyle/>
+          <a:p>
+            <a:r>
+              <a:rPr lang="en-US">
+                <a:solidFill>
+                  <a:schemeClr val="bg2">
+                    <a:lumMod val="75000"/>
+                  </a:schemeClr>
+                </a:solidFill>
+                <a:sym typeface="+mn-ea"/>
+              </a:rPr>
+              <a:t>版本</a:t>
+            </a:r>
+            <a:r>
+              <a:rPr lang="x-none" altLang="en-US">
+                <a:solidFill>
+                  <a:schemeClr val="bg2">
+                    <a:lumMod val="75000"/>
+                  </a:schemeClr>
+                </a:solidFill>
+                <a:sym typeface="+mn-ea"/>
+              </a:rPr>
+              <a:t>管理：多版本所解决的问题和带来的优势，dubbo多版本处理</a:t>
+            </a:r>
+            <a:endParaRPr lang="x-none" altLang="en-US">
+              <a:solidFill>
+                <a:schemeClr val="bg2">
+                  <a:lumMod val="75000"/>
+                </a:schemeClr>
+              </a:solidFill>
+            </a:endParaRPr>
+          </a:p>
+          <a:p>
+            <a:r>
+              <a:rPr lang="en-US">
+                <a:solidFill>
+                  <a:schemeClr val="bg2">
+                    <a:lumMod val="75000"/>
+                  </a:schemeClr>
+                </a:solidFill>
+                <a:sym typeface="+mn-ea"/>
+              </a:rPr>
+              <a:t>热部署</a:t>
+            </a:r>
+            <a:r>
+              <a:rPr lang="x-none" altLang="en-US">
+                <a:solidFill>
+                  <a:schemeClr val="bg2">
+                    <a:lumMod val="75000"/>
+                  </a:schemeClr>
+                </a:solidFill>
+                <a:sym typeface="+mn-ea"/>
+              </a:rPr>
+              <a:t>：加快启动速度</a:t>
+            </a:r>
+            <a:endParaRPr lang="x-none" altLang="en-US">
+              <a:solidFill>
+                <a:schemeClr val="bg2">
+                  <a:lumMod val="75000"/>
+                </a:schemeClr>
+              </a:solidFill>
+            </a:endParaRPr>
+          </a:p>
+          <a:p>
+            <a:endParaRPr lang="en-US"/>
+          </a:p>
+        </p:txBody>
+      </p:sp>
+      <p:sp>
+        <p:nvSpPr>
+          <p:cNvPr id="4" name="Slide Number Placeholder 3"/>
+          <p:cNvSpPr>
+            <a:spLocks noGrp="1"/>
+          </p:cNvSpPr>
+          <p:nvPr>
+            <p:ph type="sldNum" sz="quarter" idx="5"/>
+          </p:nvPr>
+        </p:nvSpPr>
+        <p:spPr/>
+        <p:txBody>
+          <a:bodyPr/>
+          <a:lstStyle/>
+          <a:p>
+            <a:fld id="{21B2AA4F-B828-4D7C-AFD3-893933DAFCB4}" type="slidenum">
+              <a:rPr lang="en-US" smtClean="0"/>
+              <a:pPr/>
+              <a:t>9</a:t>
+            </a:fld>
+            <a:endParaRPr lang="en-US"/>
+          </a:p>
+        </p:txBody>
+      </p:sp>
+    </p:spTree>
+  </p:cSld>
+  <p:clrMapOvr>
+    <a:masterClrMapping/>
+  </p:clrMapOvr>
+</p:notes>
+</file>
+
+<file path=ppt/notesSlides/notesSlide8.xml><?xml version="1.0" encoding="utf-8"?>
+<p:notes xmlns:a="http://schemas.openxmlformats.org/drawingml/2006/main" xmlns:r="http://schemas.openxmlformats.org/officeDocument/2006/relationships" xmlns:p="http://schemas.openxmlformats.org/presentationml/2006/main">
+  <p:cSld>
+    <p:spTree>
+      <p:nvGrpSpPr>
+        <p:cNvPr id="1" name=""/>
+        <p:cNvGrpSpPr/>
+        <p:nvPr/>
+      </p:nvGrpSpPr>
+      <p:grpSpPr>
+        <a:xfrm>
+          <a:off x="0" y="0"/>
+          <a:ext cx="0" cy="0"/>
+          <a:chOff x="0" y="0"/>
+          <a:chExt cx="0" cy="0"/>
+        </a:xfrm>
+      </p:grpSpPr>
+      <p:sp>
+        <p:nvSpPr>
+          <p:cNvPr id="2" name="幻灯片图像占位符 1"/>
+          <p:cNvSpPr>
+            <a:spLocks noGrp="1" noRot="1" noChangeAspect="1"/>
+          </p:cNvSpPr>
+          <p:nvPr>
+            <p:ph type="sldImg"/>
+          </p:nvPr>
+        </p:nvSpPr>
+        <p:spPr/>
+      </p:sp>
+      <p:sp>
+        <p:nvSpPr>
+          <p:cNvPr id="3" name="备注占位符 2"/>
+          <p:cNvSpPr>
+            <a:spLocks noGrp="1"/>
+          </p:cNvSpPr>
+          <p:nvPr>
+            <p:ph type="body" idx="1"/>
+          </p:nvPr>
+        </p:nvSpPr>
+        <p:spPr/>
+        <p:txBody>
+          <a:bodyPr>
+            <a:normAutofit/>
+          </a:bodyPr>
+          <a:lstStyle/>
+          <a:p>
+            <a:endParaRPr lang="zh-CN" altLang="en-US" dirty="0"/>
+          </a:p>
+        </p:txBody>
+      </p:sp>
+      <p:sp>
+        <p:nvSpPr>
+          <p:cNvPr id="4" name="灯片编号占位符 3"/>
+          <p:cNvSpPr>
+            <a:spLocks noGrp="1"/>
+          </p:cNvSpPr>
+          <p:nvPr>
+            <p:ph type="sldNum" sz="quarter" idx="10"/>
+          </p:nvPr>
+        </p:nvSpPr>
+        <p:spPr/>
+        <p:txBody>
+          <a:bodyPr/>
+          <a:lstStyle/>
+          <a:p>
+            <a:fld id="{21B2AA4F-B828-4D7C-AFD3-893933DAFCB4}" type="slidenum">
+              <a:rPr lang="en-US" smtClean="0"/>
+              <a:pPr/>
+              <a:t>11</a:t>
             </a:fld>
             <a:endParaRPr lang="en-US"/>
           </a:p>
@@ -791,6 +1394,8 @@
           <a:p>
             <a:fld id="{FDE934FF-F4E1-47C5-9CA5-30A81DDE2BE4}" type="datetimeFigureOut">
               <a:rPr lang="en-US" smtClean="0"/>
+              <a:pPr/>
+              <a:t>9/22/2016</a:t>
             </a:fld>
             <a:endParaRPr lang="en-US"/>
           </a:p>
@@ -832,6 +1437,8 @@
           <a:p>
             <a:fld id="{B3561BA9-CDCF-4958-B8AB-66F3BF063E13}" type="slidenum">
               <a:rPr lang="en-US" smtClean="0"/>
+              <a:pPr/>
+              <a:t>‹#›</a:t>
             </a:fld>
             <a:endParaRPr lang="en-US"/>
           </a:p>
@@ -905,7 +1512,6 @@
               <a:rPr lang="en-US" smtClean="0"/>
               <a:t>Click to edit Master text styles</a:t>
             </a:r>
-            <a:endParaRPr lang="en-US" smtClean="0"/>
           </a:p>
           <a:p>
             <a:pPr lvl="1"/>
@@ -913,7 +1519,6 @@
               <a:rPr lang="en-US" smtClean="0"/>
               <a:t>Second level</a:t>
             </a:r>
-            <a:endParaRPr lang="en-US" smtClean="0"/>
           </a:p>
           <a:p>
             <a:pPr lvl="2"/>
@@ -921,7 +1526,6 @@
               <a:rPr lang="en-US" smtClean="0"/>
               <a:t>Third level</a:t>
             </a:r>
-            <a:endParaRPr lang="en-US" smtClean="0"/>
           </a:p>
           <a:p>
             <a:pPr lvl="3"/>
@@ -929,7 +1533,6 @@
               <a:rPr lang="en-US" smtClean="0"/>
               <a:t>Fourth level</a:t>
             </a:r>
-            <a:endParaRPr lang="en-US" smtClean="0"/>
           </a:p>
           <a:p>
             <a:pPr lvl="4"/>
@@ -958,6 +1561,8 @@
           <a:p>
             <a:fld id="{FDE934FF-F4E1-47C5-9CA5-30A81DDE2BE4}" type="datetimeFigureOut">
               <a:rPr lang="en-US" smtClean="0"/>
+              <a:pPr/>
+              <a:t>9/22/2016</a:t>
             </a:fld>
             <a:endParaRPr lang="en-US"/>
           </a:p>
@@ -999,6 +1604,8 @@
           <a:p>
             <a:fld id="{B3561BA9-CDCF-4958-B8AB-66F3BF063E13}" type="slidenum">
               <a:rPr lang="en-US" smtClean="0"/>
+              <a:pPr/>
+              <a:t>‹#›</a:t>
             </a:fld>
             <a:endParaRPr lang="en-US"/>
           </a:p>
@@ -1082,7 +1689,6 @@
               <a:rPr lang="en-US" smtClean="0"/>
               <a:t>Click to edit Master text styles</a:t>
             </a:r>
-            <a:endParaRPr lang="en-US" smtClean="0"/>
           </a:p>
           <a:p>
             <a:pPr lvl="1"/>
@@ -1090,7 +1696,6 @@
               <a:rPr lang="en-US" smtClean="0"/>
               <a:t>Second level</a:t>
             </a:r>
-            <a:endParaRPr lang="en-US" smtClean="0"/>
           </a:p>
           <a:p>
             <a:pPr lvl="2"/>
@@ -1098,7 +1703,6 @@
               <a:rPr lang="en-US" smtClean="0"/>
               <a:t>Third level</a:t>
             </a:r>
-            <a:endParaRPr lang="en-US" smtClean="0"/>
           </a:p>
           <a:p>
             <a:pPr lvl="3"/>
@@ -1106,7 +1710,6 @@
               <a:rPr lang="en-US" smtClean="0"/>
               <a:t>Fourth level</a:t>
             </a:r>
-            <a:endParaRPr lang="en-US" smtClean="0"/>
           </a:p>
           <a:p>
             <a:pPr lvl="4"/>
@@ -1135,6 +1738,8 @@
           <a:p>
             <a:fld id="{FDE934FF-F4E1-47C5-9CA5-30A81DDE2BE4}" type="datetimeFigureOut">
               <a:rPr lang="en-US" smtClean="0"/>
+              <a:pPr/>
+              <a:t>9/22/2016</a:t>
             </a:fld>
             <a:endParaRPr lang="en-US"/>
           </a:p>
@@ -1176,6 +1781,8 @@
           <a:p>
             <a:fld id="{B3561BA9-CDCF-4958-B8AB-66F3BF063E13}" type="slidenum">
               <a:rPr lang="en-US" smtClean="0"/>
+              <a:pPr/>
+              <a:t>‹#›</a:t>
             </a:fld>
             <a:endParaRPr lang="en-US"/>
           </a:p>
@@ -1249,7 +1856,6 @@
               <a:rPr lang="en-US" smtClean="0"/>
               <a:t>Click to edit Master text styles</a:t>
             </a:r>
-            <a:endParaRPr lang="en-US" smtClean="0"/>
           </a:p>
           <a:p>
             <a:pPr lvl="1"/>
@@ -1257,7 +1863,6 @@
               <a:rPr lang="en-US" smtClean="0"/>
               <a:t>Second level</a:t>
             </a:r>
-            <a:endParaRPr lang="en-US" smtClean="0"/>
           </a:p>
           <a:p>
             <a:pPr lvl="2"/>
@@ -1265,7 +1870,6 @@
               <a:rPr lang="en-US" smtClean="0"/>
               <a:t>Third level</a:t>
             </a:r>
-            <a:endParaRPr lang="en-US" smtClean="0"/>
           </a:p>
           <a:p>
             <a:pPr lvl="3"/>
@@ -1273,7 +1877,6 @@
               <a:rPr lang="en-US" smtClean="0"/>
               <a:t>Fourth level</a:t>
             </a:r>
-            <a:endParaRPr lang="en-US" smtClean="0"/>
           </a:p>
           <a:p>
             <a:pPr lvl="4"/>
@@ -1302,6 +1905,8 @@
           <a:p>
             <a:fld id="{FDE934FF-F4E1-47C5-9CA5-30A81DDE2BE4}" type="datetimeFigureOut">
               <a:rPr lang="en-US" smtClean="0"/>
+              <a:pPr/>
+              <a:t>9/22/2016</a:t>
             </a:fld>
             <a:endParaRPr lang="en-US"/>
           </a:p>
@@ -1343,6 +1948,8 @@
           <a:p>
             <a:fld id="{B3561BA9-CDCF-4958-B8AB-66F3BF063E13}" type="slidenum">
               <a:rPr lang="en-US" smtClean="0"/>
+              <a:pPr/>
+              <a:t>‹#›</a:t>
             </a:fld>
             <a:endParaRPr lang="en-US"/>
           </a:p>
@@ -1541,6 +2148,8 @@
           <a:p>
             <a:fld id="{FDE934FF-F4E1-47C5-9CA5-30A81DDE2BE4}" type="datetimeFigureOut">
               <a:rPr lang="en-US" smtClean="0"/>
+              <a:pPr/>
+              <a:t>9/22/2016</a:t>
             </a:fld>
             <a:endParaRPr lang="en-US"/>
           </a:p>
@@ -1582,6 +2191,8 @@
           <a:p>
             <a:fld id="{B3561BA9-CDCF-4958-B8AB-66F3BF063E13}" type="slidenum">
               <a:rPr lang="en-US" smtClean="0"/>
+              <a:pPr/>
+              <a:t>‹#›</a:t>
             </a:fld>
             <a:endParaRPr lang="en-US"/>
           </a:p>
@@ -1660,7 +2271,6 @@
               <a:rPr lang="en-US" smtClean="0"/>
               <a:t>Click to edit Master text styles</a:t>
             </a:r>
-            <a:endParaRPr lang="en-US" smtClean="0"/>
           </a:p>
           <a:p>
             <a:pPr lvl="1"/>
@@ -1668,7 +2278,6 @@
               <a:rPr lang="en-US" smtClean="0"/>
               <a:t>Second level</a:t>
             </a:r>
-            <a:endParaRPr lang="en-US" smtClean="0"/>
           </a:p>
           <a:p>
             <a:pPr lvl="2"/>
@@ -1676,7 +2285,6 @@
               <a:rPr lang="en-US" smtClean="0"/>
               <a:t>Third level</a:t>
             </a:r>
-            <a:endParaRPr lang="en-US" smtClean="0"/>
           </a:p>
           <a:p>
             <a:pPr lvl="3"/>
@@ -1684,7 +2292,6 @@
               <a:rPr lang="en-US" smtClean="0"/>
               <a:t>Fourth level</a:t>
             </a:r>
-            <a:endParaRPr lang="en-US" smtClean="0"/>
           </a:p>
           <a:p>
             <a:pPr lvl="4"/>
@@ -1721,7 +2328,6 @@
               <a:rPr lang="en-US" smtClean="0"/>
               <a:t>Click to edit Master text styles</a:t>
             </a:r>
-            <a:endParaRPr lang="en-US" smtClean="0"/>
           </a:p>
           <a:p>
             <a:pPr lvl="1"/>
@@ -1729,7 +2335,6 @@
               <a:rPr lang="en-US" smtClean="0"/>
               <a:t>Second level</a:t>
             </a:r>
-            <a:endParaRPr lang="en-US" smtClean="0"/>
           </a:p>
           <a:p>
             <a:pPr lvl="2"/>
@@ -1737,7 +2342,6 @@
               <a:rPr lang="en-US" smtClean="0"/>
               <a:t>Third level</a:t>
             </a:r>
-            <a:endParaRPr lang="en-US" smtClean="0"/>
           </a:p>
           <a:p>
             <a:pPr lvl="3"/>
@@ -1745,7 +2349,6 @@
               <a:rPr lang="en-US" smtClean="0"/>
               <a:t>Fourth level</a:t>
             </a:r>
-            <a:endParaRPr lang="en-US" smtClean="0"/>
           </a:p>
           <a:p>
             <a:pPr lvl="4"/>
@@ -1774,6 +2377,8 @@
           <a:p>
             <a:fld id="{FDE934FF-F4E1-47C5-9CA5-30A81DDE2BE4}" type="datetimeFigureOut">
               <a:rPr lang="en-US" smtClean="0"/>
+              <a:pPr/>
+              <a:t>9/22/2016</a:t>
             </a:fld>
             <a:endParaRPr lang="en-US"/>
           </a:p>
@@ -1815,6 +2420,8 @@
           <a:p>
             <a:fld id="{B3561BA9-CDCF-4958-B8AB-66F3BF063E13}" type="slidenum">
               <a:rPr lang="en-US" smtClean="0"/>
+              <a:pPr/>
+              <a:t>‹#›</a:t>
             </a:fld>
             <a:endParaRPr lang="en-US"/>
           </a:p>
@@ -1963,7 +2570,6 @@
               <a:rPr lang="en-US" smtClean="0"/>
               <a:t>Click to edit Master text styles</a:t>
             </a:r>
-            <a:endParaRPr lang="en-US" smtClean="0"/>
           </a:p>
           <a:p>
             <a:pPr lvl="1"/>
@@ -1971,7 +2577,6 @@
               <a:rPr lang="en-US" smtClean="0"/>
               <a:t>Second level</a:t>
             </a:r>
-            <a:endParaRPr lang="en-US" smtClean="0"/>
           </a:p>
           <a:p>
             <a:pPr lvl="2"/>
@@ -1979,7 +2584,6 @@
               <a:rPr lang="en-US" smtClean="0"/>
               <a:t>Third level</a:t>
             </a:r>
-            <a:endParaRPr lang="en-US" smtClean="0"/>
           </a:p>
           <a:p>
             <a:pPr lvl="3"/>
@@ -1987,7 +2591,6 @@
               <a:rPr lang="en-US" smtClean="0"/>
               <a:t>Fourth level</a:t>
             </a:r>
-            <a:endParaRPr lang="en-US" smtClean="0"/>
           </a:p>
           <a:p>
             <a:pPr lvl="4"/>
@@ -2089,7 +2692,6 @@
               <a:rPr lang="en-US" smtClean="0"/>
               <a:t>Click to edit Master text styles</a:t>
             </a:r>
-            <a:endParaRPr lang="en-US" smtClean="0"/>
           </a:p>
           <a:p>
             <a:pPr lvl="1"/>
@@ -2097,7 +2699,6 @@
               <a:rPr lang="en-US" smtClean="0"/>
               <a:t>Second level</a:t>
             </a:r>
-            <a:endParaRPr lang="en-US" smtClean="0"/>
           </a:p>
           <a:p>
             <a:pPr lvl="2"/>
@@ -2105,7 +2706,6 @@
               <a:rPr lang="en-US" smtClean="0"/>
               <a:t>Third level</a:t>
             </a:r>
-            <a:endParaRPr lang="en-US" smtClean="0"/>
           </a:p>
           <a:p>
             <a:pPr lvl="3"/>
@@ -2113,7 +2713,6 @@
               <a:rPr lang="en-US" smtClean="0"/>
               <a:t>Fourth level</a:t>
             </a:r>
-            <a:endParaRPr lang="en-US" smtClean="0"/>
           </a:p>
           <a:p>
             <a:pPr lvl="4"/>
@@ -2142,6 +2741,8 @@
           <a:p>
             <a:fld id="{FDE934FF-F4E1-47C5-9CA5-30A81DDE2BE4}" type="datetimeFigureOut">
               <a:rPr lang="en-US" smtClean="0"/>
+              <a:pPr/>
+              <a:t>9/22/2016</a:t>
             </a:fld>
             <a:endParaRPr lang="en-US"/>
           </a:p>
@@ -2183,6 +2784,8 @@
           <a:p>
             <a:fld id="{B3561BA9-CDCF-4958-B8AB-66F3BF063E13}" type="slidenum">
               <a:rPr lang="en-US" smtClean="0"/>
+              <a:pPr/>
+              <a:t>‹#›</a:t>
             </a:fld>
             <a:endParaRPr lang="en-US"/>
           </a:p>
@@ -2253,6 +2856,8 @@
           <a:p>
             <a:fld id="{FDE934FF-F4E1-47C5-9CA5-30A81DDE2BE4}" type="datetimeFigureOut">
               <a:rPr lang="en-US" smtClean="0"/>
+              <a:pPr/>
+              <a:t>9/22/2016</a:t>
             </a:fld>
             <a:endParaRPr lang="en-US"/>
           </a:p>
@@ -2294,6 +2899,8 @@
           <a:p>
             <a:fld id="{B3561BA9-CDCF-4958-B8AB-66F3BF063E13}" type="slidenum">
               <a:rPr lang="en-US" smtClean="0"/>
+              <a:pPr/>
+              <a:t>‹#›</a:t>
             </a:fld>
             <a:endParaRPr lang="en-US"/>
           </a:p>
@@ -2341,6 +2948,8 @@
           <a:p>
             <a:fld id="{FDE934FF-F4E1-47C5-9CA5-30A81DDE2BE4}" type="datetimeFigureOut">
               <a:rPr lang="en-US" smtClean="0"/>
+              <a:pPr/>
+              <a:t>9/22/2016</a:t>
             </a:fld>
             <a:endParaRPr lang="en-US"/>
           </a:p>
@@ -2382,6 +2991,8 @@
           <a:p>
             <a:fld id="{B3561BA9-CDCF-4958-B8AB-66F3BF063E13}" type="slidenum">
               <a:rPr lang="en-US" smtClean="0"/>
+              <a:pPr/>
+              <a:t>‹#›</a:t>
             </a:fld>
             <a:endParaRPr lang="en-US"/>
           </a:p>
@@ -2497,7 +3108,6 @@
               <a:rPr lang="en-US" smtClean="0"/>
               <a:t>Click to edit Master text styles</a:t>
             </a:r>
-            <a:endParaRPr lang="en-US" smtClean="0"/>
           </a:p>
           <a:p>
             <a:pPr lvl="1"/>
@@ -2505,7 +3115,6 @@
               <a:rPr lang="en-US" smtClean="0"/>
               <a:t>Second level</a:t>
             </a:r>
-            <a:endParaRPr lang="en-US" smtClean="0"/>
           </a:p>
           <a:p>
             <a:pPr lvl="2"/>
@@ -2513,7 +3122,6 @@
               <a:rPr lang="en-US" smtClean="0"/>
               <a:t>Third level</a:t>
             </a:r>
-            <a:endParaRPr lang="en-US" smtClean="0"/>
           </a:p>
           <a:p>
             <a:pPr lvl="3"/>
@@ -2521,7 +3129,6 @@
               <a:rPr lang="en-US" smtClean="0"/>
               <a:t>Fourth level</a:t>
             </a:r>
-            <a:endParaRPr lang="en-US" smtClean="0"/>
           </a:p>
           <a:p>
             <a:pPr lvl="4"/>
@@ -2615,6 +3222,8 @@
           <a:p>
             <a:fld id="{FDE934FF-F4E1-47C5-9CA5-30A81DDE2BE4}" type="datetimeFigureOut">
               <a:rPr lang="en-US" smtClean="0"/>
+              <a:pPr/>
+              <a:t>9/22/2016</a:t>
             </a:fld>
             <a:endParaRPr lang="en-US"/>
           </a:p>
@@ -2656,6 +3265,8 @@
           <a:p>
             <a:fld id="{B3561BA9-CDCF-4958-B8AB-66F3BF063E13}" type="slidenum">
               <a:rPr lang="en-US" smtClean="0"/>
+              <a:pPr/>
+              <a:t>‹#›</a:t>
             </a:fld>
             <a:endParaRPr lang="en-US"/>
           </a:p>
@@ -2861,6 +3472,8 @@
           <a:p>
             <a:fld id="{FDE934FF-F4E1-47C5-9CA5-30A81DDE2BE4}" type="datetimeFigureOut">
               <a:rPr lang="en-US" smtClean="0"/>
+              <a:pPr/>
+              <a:t>9/22/2016</a:t>
             </a:fld>
             <a:endParaRPr lang="en-US"/>
           </a:p>
@@ -2902,6 +3515,8 @@
           <a:p>
             <a:fld id="{B3561BA9-CDCF-4958-B8AB-66F3BF063E13}" type="slidenum">
               <a:rPr lang="en-US" smtClean="0"/>
+              <a:pPr/>
+              <a:t>‹#›</a:t>
             </a:fld>
             <a:endParaRPr lang="en-US"/>
           </a:p>
@@ -2926,9 +3541,18 @@
 <p:sldMaster xmlns:a="http://schemas.openxmlformats.org/drawingml/2006/main" xmlns:r="http://schemas.openxmlformats.org/officeDocument/2006/relationships" xmlns:p="http://schemas.openxmlformats.org/presentationml/2006/main">
   <p:cSld>
     <p:bg>
-      <p:bgRef idx="1001">
-        <a:schemeClr val="bg1"/>
-      </p:bgRef>
+      <p:bgPr>
+        <a:blipFill dpi="0" rotWithShape="1">
+          <a:blip r:embed="rId13">
+            <a:lum/>
+          </a:blip>
+          <a:srcRect/>
+          <a:stretch>
+            <a:fillRect t="-10000" b="-10000"/>
+          </a:stretch>
+        </a:blipFill>
+        <a:effectLst/>
+      </p:bgPr>
     </p:bg>
     <p:spTree>
       <p:nvGrpSpPr>
@@ -3007,7 +3631,6 @@
               <a:rPr lang="en-US" smtClean="0"/>
               <a:t>Click to edit Master text styles</a:t>
             </a:r>
-            <a:endParaRPr lang="en-US" smtClean="0"/>
           </a:p>
           <a:p>
             <a:pPr lvl="1"/>
@@ -3015,7 +3638,6 @@
               <a:rPr lang="en-US" smtClean="0"/>
               <a:t>Second level</a:t>
             </a:r>
-            <a:endParaRPr lang="en-US" smtClean="0"/>
           </a:p>
           <a:p>
             <a:pPr lvl="2"/>
@@ -3023,7 +3645,6 @@
               <a:rPr lang="en-US" smtClean="0"/>
               <a:t>Third level</a:t>
             </a:r>
-            <a:endParaRPr lang="en-US" smtClean="0"/>
           </a:p>
           <a:p>
             <a:pPr lvl="3"/>
@@ -3031,7 +3652,6 @@
               <a:rPr lang="en-US" smtClean="0"/>
               <a:t>Fourth level</a:t>
             </a:r>
-            <a:endParaRPr lang="en-US" smtClean="0"/>
           </a:p>
           <a:p>
             <a:pPr lvl="4"/>
@@ -3078,6 +3698,8 @@
           <a:p>
             <a:fld id="{FDE934FF-F4E1-47C5-9CA5-30A81DDE2BE4}" type="datetimeFigureOut">
               <a:rPr lang="en-US" smtClean="0"/>
+              <a:pPr/>
+              <a:t>9/22/2016</a:t>
             </a:fld>
             <a:endParaRPr lang="en-US"/>
           </a:p>
@@ -3155,6 +3777,8 @@
           <a:p>
             <a:fld id="{B3561BA9-CDCF-4958-B8AB-66F3BF063E13}" type="slidenum">
               <a:rPr lang="en-US" smtClean="0"/>
+              <a:pPr/>
+              <a:t>‹#›</a:t>
             </a:fld>
             <a:endParaRPr lang="en-US"/>
           </a:p>
@@ -3460,26 +4084,22 @@
 </file>
 
 <file path=ppt/slides/slide1.xml><?xml version="1.0" encoding="utf-8"?>
-<p:sld xmlns:a="http://schemas.openxmlformats.org/drawingml/2006/main" xmlns:r="http://schemas.openxmlformats.org/officeDocument/2006/relationships" xmlns:p="http://schemas.openxmlformats.org/presentationml/2006/main" show="0">
+<p:sld xmlns:a="http://schemas.openxmlformats.org/drawingml/2006/main" xmlns:r="http://schemas.openxmlformats.org/officeDocument/2006/relationships" xmlns:p="http://schemas.openxmlformats.org/presentationml/2006/main">
   <p:cSld>
-    <p:bg>
-      <p:bgPr>
-        <a:blipFill rotWithShape="1">
-          <a:blip r:embed="rId1"/>
-          <a:stretch>
-            <a:fillRect/>
-          </a:stretch>
-        </a:blipFill>
-        <a:effectLst/>
-      </p:bgPr>
-    </p:bg>
     <p:spTree>
       <p:nvGrpSpPr>
         <p:cNvPr id="1" name=""/>
         <p:cNvGrpSpPr/>
         <p:nvPr/>
       </p:nvGrpSpPr>
-      <p:grpSpPr/>
+      <p:grpSpPr>
+        <a:xfrm>
+          <a:off x="0" y="0"/>
+          <a:ext cx="0" cy="0"/>
+          <a:chOff x="0" y="0"/>
+          <a:chExt cx="0" cy="0"/>
+        </a:xfrm>
+      </p:grpSpPr>
       <p:sp>
         <p:nvSpPr>
           <p:cNvPr id="2" name="Title 1"/>
@@ -3498,6 +4118,7 @@
         </p:spPr>
         <p:txBody>
           <a:bodyPr/>
+          <a:lstStyle/>
           <a:p>
             <a:r>
               <a:rPr lang="x-none" altLang="en-US">
@@ -3511,15 +4132,6 @@
               </a:rPr>
               <a:t>焦点服务化框架Hydra的演变</a:t>
             </a:r>
-            <a:endParaRPr lang="x-none" altLang="en-US">
-              <a:solidFill>
-                <a:schemeClr val="bg2">
-                  <a:lumMod val="75000"/>
-                </a:schemeClr>
-              </a:solidFill>
-              <a:latin typeface="Microsoft YaHei" charset="0"/>
-              <a:ea typeface="Microsoft YaHei" charset="0"/>
-            </a:endParaRPr>
           </a:p>
         </p:txBody>
       </p:sp>
@@ -3536,6 +4148,7 @@
         <p:spPr/>
         <p:txBody>
           <a:bodyPr/>
+          <a:lstStyle/>
           <a:p>
             <a:endParaRPr lang="x-none" altLang="en-US">
               <a:solidFill>
@@ -3558,15 +4171,6 @@
               </a:rPr>
               <a:t>平台架构部---王一帆</a:t>
             </a:r>
-            <a:endParaRPr lang="x-none" altLang="en-US">
-              <a:solidFill>
-                <a:schemeClr val="bg2">
-                  <a:lumMod val="75000"/>
-                </a:schemeClr>
-              </a:solidFill>
-              <a:latin typeface="Microsoft YaHei" charset="0"/>
-              <a:ea typeface="Microsoft YaHei" charset="0"/>
-            </a:endParaRPr>
           </a:p>
         </p:txBody>
       </p:sp>
@@ -3596,8 +4200,9 @@
         </p:spPr>
         <p:txBody>
           <a:bodyPr/>
-          <a:p>
-            <a:endParaRPr lang="en-US"/>
+          <a:lstStyle/>
+          <a:p>
+            <a:endParaRPr lang="en-US" dirty="0"/>
           </a:p>
         </p:txBody>
       </p:sp>
@@ -3607,35 +4212,681 @@
     <a:masterClrMapping/>
   </p:clrMapOvr>
   <p:transition/>
+  <p:timing>
+    <p:tnLst>
+      <p:par>
+        <p:cTn id="1" dur="indefinite" restart="never" nodeType="tmRoot">
+          <p:childTnLst>
+            <p:seq concurrent="1" nextAc="seek">
+              <p:cTn id="2" dur="indefinite" nodeType="mainSeq">
+                <p:childTnLst>
+                  <p:par>
+                    <p:cTn id="3" fill="hold">
+                      <p:stCondLst>
+                        <p:cond delay="indefinite"/>
+                        <p:cond evt="onBegin" delay="0">
+                          <p:tn val="2"/>
+                        </p:cond>
+                      </p:stCondLst>
+                      <p:childTnLst>
+                        <p:par>
+                          <p:cTn id="4" fill="hold">
+                            <p:stCondLst>
+                              <p:cond delay="0"/>
+                            </p:stCondLst>
+                            <p:childTnLst>
+                              <p:par>
+                                <p:cTn id="5" presetID="2" presetClass="entr" presetSubtype="4" fill="hold" grpId="0" nodeType="afterEffect">
+                                  <p:stCondLst>
+                                    <p:cond delay="0"/>
+                                  </p:stCondLst>
+                                  <p:childTnLst>
+                                    <p:set>
+                                      <p:cBhvr>
+                                        <p:cTn id="6" dur="1" fill="hold">
+                                          <p:stCondLst>
+                                            <p:cond delay="0"/>
+                                          </p:stCondLst>
+                                        </p:cTn>
+                                        <p:tgtEl>
+                                          <p:spTgt spid="6"/>
+                                        </p:tgtEl>
+                                        <p:attrNameLst>
+                                          <p:attrName>style.visibility</p:attrName>
+                                        </p:attrNameLst>
+                                      </p:cBhvr>
+                                      <p:to>
+                                        <p:strVal val="visible"/>
+                                      </p:to>
+                                    </p:set>
+                                    <p:anim calcmode="lin" valueType="num">
+                                      <p:cBhvr additive="base">
+                                        <p:cTn id="7" dur="500" fill="hold"/>
+                                        <p:tgtEl>
+                                          <p:spTgt spid="6"/>
+                                        </p:tgtEl>
+                                        <p:attrNameLst>
+                                          <p:attrName>ppt_x</p:attrName>
+                                        </p:attrNameLst>
+                                      </p:cBhvr>
+                                      <p:tavLst>
+                                        <p:tav tm="0">
+                                          <p:val>
+                                            <p:strVal val="#ppt_x"/>
+                                          </p:val>
+                                        </p:tav>
+                                        <p:tav tm="100000">
+                                          <p:val>
+                                            <p:strVal val="#ppt_x"/>
+                                          </p:val>
+                                        </p:tav>
+                                      </p:tavLst>
+                                    </p:anim>
+                                    <p:anim calcmode="lin" valueType="num">
+                                      <p:cBhvr additive="base">
+                                        <p:cTn id="8" dur="500" fill="hold"/>
+                                        <p:tgtEl>
+                                          <p:spTgt spid="6"/>
+                                        </p:tgtEl>
+                                        <p:attrNameLst>
+                                          <p:attrName>ppt_y</p:attrName>
+                                        </p:attrNameLst>
+                                      </p:cBhvr>
+                                      <p:tavLst>
+                                        <p:tav tm="0">
+                                          <p:val>
+                                            <p:strVal val="1+#ppt_h/2"/>
+                                          </p:val>
+                                        </p:tav>
+                                        <p:tav tm="100000">
+                                          <p:val>
+                                            <p:strVal val="#ppt_y"/>
+                                          </p:val>
+                                        </p:tav>
+                                      </p:tavLst>
+                                    </p:anim>
+                                  </p:childTnLst>
+                                </p:cTn>
+                              </p:par>
+                            </p:childTnLst>
+                          </p:cTn>
+                        </p:par>
+                      </p:childTnLst>
+                    </p:cTn>
+                  </p:par>
+                </p:childTnLst>
+              </p:cTn>
+              <p:prevCondLst>
+                <p:cond evt="onPrev" delay="0">
+                  <p:tgtEl>
+                    <p:sldTgt/>
+                  </p:tgtEl>
+                </p:cond>
+              </p:prevCondLst>
+              <p:nextCondLst>
+                <p:cond evt="onNext" delay="0">
+                  <p:tgtEl>
+                    <p:sldTgt/>
+                  </p:tgtEl>
+                </p:cond>
+              </p:nextCondLst>
+            </p:seq>
+          </p:childTnLst>
+        </p:cTn>
+      </p:par>
+    </p:tnLst>
+    <p:bldLst>
+      <p:bldP spid="6" grpId="0" animBg="1"/>
+    </p:bldLst>
+  </p:timing>
 </p:sld>
 </file>
 
 <file path=ppt/slides/slide10.xml><?xml version="1.0" encoding="utf-8"?>
 <p:sld xmlns:a="http://schemas.openxmlformats.org/drawingml/2006/main" xmlns:r="http://schemas.openxmlformats.org/officeDocument/2006/relationships" xmlns:p="http://schemas.openxmlformats.org/presentationml/2006/main">
   <p:cSld>
-    <p:bg>
-      <p:bgPr>
-        <a:blipFill rotWithShape="1">
-          <a:blip r:embed="rId1"/>
-          <a:stretch>
-            <a:fillRect/>
-          </a:stretch>
-        </a:blipFill>
-        <a:effectLst/>
-      </p:bgPr>
-    </p:bg>
     <p:spTree>
       <p:nvGrpSpPr>
         <p:cNvPr id="1" name=""/>
         <p:cNvGrpSpPr/>
         <p:nvPr/>
       </p:nvGrpSpPr>
-      <p:grpSpPr/>
+      <p:grpSpPr>
+        <a:xfrm>
+          <a:off x="0" y="0"/>
+          <a:ext cx="0" cy="0"/>
+          <a:chOff x="0" y="0"/>
+          <a:chExt cx="0" cy="0"/>
+        </a:xfrm>
+      </p:grpSpPr>
+      <p:pic>
+        <p:nvPicPr>
+          <p:cNvPr id="4" name="Content Placeholder 3" descr="hydra2"/>
+          <p:cNvPicPr>
+            <a:picLocks noGrp="1" noChangeAspect="1"/>
+          </p:cNvPicPr>
+          <p:nvPr>
+            <p:ph idx="1"/>
+          </p:nvPr>
+        </p:nvPicPr>
+        <p:blipFill>
+          <a:blip r:embed="rId2"/>
+          <a:stretch>
+            <a:fillRect/>
+          </a:stretch>
+        </p:blipFill>
+        <p:spPr>
+          <a:xfrm>
+            <a:off x="3175" y="-23495"/>
+            <a:ext cx="12171680" cy="6896735"/>
+          </a:xfrm>
+          <a:prstGeom prst="rect">
+            <a:avLst/>
+          </a:prstGeom>
+        </p:spPr>
+      </p:pic>
+    </p:spTree>
+  </p:cSld>
+  <p:clrMapOvr>
+    <a:masterClrMapping/>
+  </p:clrMapOvr>
+  <p:timing>
+    <p:tnLst>
+      <p:par>
+        <p:cTn id="1" dur="indefinite" restart="never" nodeType="tmRoot"/>
+      </p:par>
+    </p:tnLst>
+  </p:timing>
+</p:sld>
+</file>
+
+<file path=ppt/slides/slide11.xml><?xml version="1.0" encoding="utf-8"?>
+<p:sld xmlns:a="http://schemas.openxmlformats.org/drawingml/2006/main" xmlns:r="http://schemas.openxmlformats.org/officeDocument/2006/relationships" xmlns:p="http://schemas.openxmlformats.org/presentationml/2006/main">
+  <p:cSld>
+    <p:spTree>
+      <p:nvGrpSpPr>
+        <p:cNvPr id="1" name=""/>
+        <p:cNvGrpSpPr/>
+        <p:nvPr/>
+      </p:nvGrpSpPr>
+      <p:grpSpPr>
+        <a:xfrm>
+          <a:off x="0" y="0"/>
+          <a:ext cx="0" cy="0"/>
+          <a:chOff x="0" y="0"/>
+          <a:chExt cx="0" cy="0"/>
+        </a:xfrm>
+      </p:grpSpPr>
+      <p:sp>
+        <p:nvSpPr>
+          <p:cNvPr id="2" name="Title 1"/>
+          <p:cNvSpPr>
+            <a:spLocks noGrp="1"/>
+          </p:cNvSpPr>
+          <p:nvPr>
+            <p:ph type="title"/>
+          </p:nvPr>
+        </p:nvSpPr>
+        <p:spPr/>
+        <p:txBody>
+          <a:bodyPr>
+            <a:normAutofit/>
+          </a:bodyPr>
+          <a:lstStyle/>
+          <a:p>
+            <a:pPr algn="l"/>
+            <a:r>
+              <a:rPr lang="zh-CN" altLang="en-US" dirty="0" smtClean="0">
+                <a:solidFill>
+                  <a:schemeClr val="bg2">
+                    <a:lumMod val="75000"/>
+                  </a:schemeClr>
+                </a:solidFill>
+              </a:rPr>
+              <a:t>新问题</a:t>
+            </a:r>
+            <a:endParaRPr lang="x-none" altLang="en-US" dirty="0">
+              <a:solidFill>
+                <a:schemeClr val="bg2">
+                  <a:lumMod val="75000"/>
+                </a:schemeClr>
+              </a:solidFill>
+            </a:endParaRPr>
+          </a:p>
+        </p:txBody>
+      </p:sp>
+      <p:sp>
+        <p:nvSpPr>
+          <p:cNvPr id="3" name="Content Placeholder 2"/>
+          <p:cNvSpPr>
+            <a:spLocks noGrp="1"/>
+          </p:cNvSpPr>
+          <p:nvPr>
+            <p:ph idx="1"/>
+          </p:nvPr>
+        </p:nvSpPr>
+        <p:spPr/>
+        <p:txBody>
+          <a:bodyPr/>
+          <a:lstStyle/>
+          <a:p>
+            <a:r>
+              <a:rPr lang="en-US" dirty="0" err="1" smtClean="0">
+                <a:solidFill>
+                  <a:schemeClr val="bg2">
+                    <a:lumMod val="75000"/>
+                  </a:schemeClr>
+                </a:solidFill>
+              </a:rPr>
+              <a:t>OSGi</a:t>
+            </a:r>
+            <a:r>
+              <a:rPr lang="zh-CN" altLang="en-US" dirty="0" smtClean="0">
+                <a:solidFill>
+                  <a:schemeClr val="bg2">
+                    <a:lumMod val="75000"/>
+                  </a:schemeClr>
+                </a:solidFill>
+              </a:rPr>
+              <a:t>增加了</a:t>
+            </a:r>
+            <a:r>
+              <a:rPr lang="zh-CN" altLang="en-US" dirty="0" smtClean="0">
+                <a:solidFill>
+                  <a:schemeClr val="bg2">
+                    <a:lumMod val="75000"/>
+                  </a:schemeClr>
+                </a:solidFill>
+              </a:rPr>
+              <a:t>开发复杂度</a:t>
+            </a:r>
+            <a:endParaRPr lang="en-US" dirty="0" smtClean="0">
+              <a:solidFill>
+                <a:schemeClr val="bg2">
+                  <a:lumMod val="75000"/>
+                </a:schemeClr>
+              </a:solidFill>
+            </a:endParaRPr>
+          </a:p>
+          <a:p>
+            <a:r>
+              <a:rPr lang="zh-CN" altLang="en-US" b="1" dirty="0" smtClean="0">
+                <a:solidFill>
+                  <a:schemeClr val="bg2">
+                    <a:lumMod val="75000"/>
+                  </a:schemeClr>
+                </a:solidFill>
+              </a:rPr>
+              <a:t>只能进行远程</a:t>
+            </a:r>
+            <a:r>
+              <a:rPr lang="en-US" altLang="zh-CN" b="1" dirty="0" smtClean="0">
+                <a:solidFill>
+                  <a:schemeClr val="bg2">
+                    <a:lumMod val="75000"/>
+                  </a:schemeClr>
+                </a:solidFill>
+              </a:rPr>
+              <a:t>debug</a:t>
+            </a:r>
+          </a:p>
+          <a:p>
+            <a:r>
+              <a:rPr lang="zh-CN" altLang="en-US" dirty="0" smtClean="0">
+                <a:solidFill>
+                  <a:schemeClr val="bg2">
+                    <a:lumMod val="75000"/>
+                  </a:schemeClr>
+                </a:solidFill>
+              </a:rPr>
+              <a:t>耗时服务导致的</a:t>
+            </a:r>
+            <a:r>
+              <a:rPr lang="zh-CN" altLang="en-US" dirty="0" smtClean="0">
+                <a:solidFill>
+                  <a:schemeClr val="bg2">
+                    <a:lumMod val="75000"/>
+                  </a:schemeClr>
+                </a:solidFill>
+              </a:rPr>
+              <a:t>超时</a:t>
+            </a:r>
+            <a:endParaRPr lang="x-none" altLang="en-US" dirty="0">
+              <a:solidFill>
+                <a:schemeClr val="bg2">
+                  <a:lumMod val="75000"/>
+                </a:schemeClr>
+              </a:solidFill>
+            </a:endParaRPr>
+          </a:p>
+          <a:p>
+            <a:r>
+              <a:rPr lang="zh-CN" altLang="en-US" dirty="0" smtClean="0">
+                <a:solidFill>
+                  <a:schemeClr val="bg2">
+                    <a:lumMod val="75000"/>
+                  </a:schemeClr>
+                </a:solidFill>
+              </a:rPr>
+              <a:t>分散的服务发布</a:t>
+            </a:r>
+            <a:endParaRPr lang="en-US" altLang="zh-CN" dirty="0" smtClean="0">
+              <a:solidFill>
+                <a:schemeClr val="bg2">
+                  <a:lumMod val="75000"/>
+                </a:schemeClr>
+              </a:solidFill>
+            </a:endParaRPr>
+          </a:p>
+          <a:p>
+            <a:r>
+              <a:rPr lang="zh-CN" altLang="en-US" smtClean="0">
+                <a:solidFill>
+                  <a:schemeClr val="bg2">
+                    <a:lumMod val="75000"/>
+                  </a:schemeClr>
+                </a:solidFill>
+              </a:rPr>
+              <a:t>无法方便的确认服务是否发布成功</a:t>
+            </a:r>
+            <a:endParaRPr lang="en-US" dirty="0" smtClean="0">
+              <a:solidFill>
+                <a:schemeClr val="bg2">
+                  <a:lumMod val="75000"/>
+                </a:schemeClr>
+              </a:solidFill>
+            </a:endParaRPr>
+          </a:p>
+        </p:txBody>
+      </p:sp>
+    </p:spTree>
+  </p:cSld>
+  <p:clrMapOvr>
+    <a:masterClrMapping/>
+  </p:clrMapOvr>
+  <p:timing>
+    <p:tnLst>
+      <p:par>
+        <p:cTn id="1" dur="indefinite" restart="never" nodeType="tmRoot"/>
+      </p:par>
+    </p:tnLst>
+  </p:timing>
+</p:sld>
+</file>
+
+<file path=ppt/slides/slide12.xml><?xml version="1.0" encoding="utf-8"?>
+<p:sld xmlns:a="http://schemas.openxmlformats.org/drawingml/2006/main" xmlns:r="http://schemas.openxmlformats.org/officeDocument/2006/relationships" xmlns:p="http://schemas.openxmlformats.org/presentationml/2006/main">
+  <p:cSld>
+    <p:spTree>
+      <p:nvGrpSpPr>
+        <p:cNvPr id="1" name=""/>
+        <p:cNvGrpSpPr/>
+        <p:nvPr/>
+      </p:nvGrpSpPr>
+      <p:grpSpPr>
+        <a:xfrm>
+          <a:off x="0" y="0"/>
+          <a:ext cx="0" cy="0"/>
+          <a:chOff x="0" y="0"/>
+          <a:chExt cx="0" cy="0"/>
+        </a:xfrm>
+      </p:grpSpPr>
+      <p:sp>
+        <p:nvSpPr>
+          <p:cNvPr id="2" name="Title 1"/>
+          <p:cNvSpPr>
+            <a:spLocks noGrp="1"/>
+          </p:cNvSpPr>
+          <p:nvPr>
+            <p:ph type="title"/>
+          </p:nvPr>
+        </p:nvSpPr>
+        <p:spPr/>
+        <p:txBody>
+          <a:bodyPr>
+            <a:normAutofit/>
+          </a:bodyPr>
+          <a:lstStyle/>
+          <a:p>
+            <a:pPr algn="l"/>
+            <a:r>
+              <a:rPr lang="x-none" altLang="en-US" dirty="0">
+                <a:solidFill>
+                  <a:schemeClr val="bg2">
+                    <a:lumMod val="75000"/>
+                  </a:schemeClr>
+                </a:solidFill>
+              </a:rPr>
+              <a:t>Hydra3</a:t>
+            </a:r>
+            <a:r>
+              <a:rPr lang="x-none" altLang="en-US" dirty="0" smtClean="0">
+                <a:solidFill>
+                  <a:schemeClr val="bg2">
+                    <a:lumMod val="75000"/>
+                  </a:schemeClr>
+                </a:solidFill>
+              </a:rPr>
+              <a:t>的</a:t>
+            </a:r>
+            <a:r>
+              <a:rPr lang="zh-CN" altLang="en-US" dirty="0" smtClean="0">
+                <a:solidFill>
+                  <a:schemeClr val="bg2">
+                    <a:lumMod val="75000"/>
+                  </a:schemeClr>
+                </a:solidFill>
+              </a:rPr>
+              <a:t>版本控制与热部署实现</a:t>
+            </a:r>
+            <a:endParaRPr lang="x-none" altLang="en-US" dirty="0">
+              <a:solidFill>
+                <a:schemeClr val="bg2">
+                  <a:lumMod val="75000"/>
+                </a:schemeClr>
+              </a:solidFill>
+            </a:endParaRPr>
+          </a:p>
+        </p:txBody>
+      </p:sp>
+      <p:pic>
+        <p:nvPicPr>
+          <p:cNvPr id="5" name="Content Placeholder 4" descr="servicenode"/>
+          <p:cNvPicPr>
+            <a:picLocks noGrp="1" noChangeAspect="1"/>
+          </p:cNvPicPr>
+          <p:nvPr>
+            <p:ph idx="1"/>
+          </p:nvPr>
+        </p:nvPicPr>
+        <p:blipFill>
+          <a:blip r:embed="rId2"/>
+          <a:stretch>
+            <a:fillRect/>
+          </a:stretch>
+        </p:blipFill>
+        <p:spPr>
+          <a:xfrm>
+            <a:off x="562610" y="1450975"/>
+            <a:ext cx="11170920" cy="5405755"/>
+          </a:xfrm>
+          <a:prstGeom prst="rect">
+            <a:avLst/>
+          </a:prstGeom>
+        </p:spPr>
+      </p:pic>
+    </p:spTree>
+  </p:cSld>
+  <p:clrMapOvr>
+    <a:masterClrMapping/>
+  </p:clrMapOvr>
+  <p:timing>
+    <p:tnLst>
+      <p:par>
+        <p:cTn id="1" dur="indefinite" restart="never" nodeType="tmRoot"/>
+      </p:par>
+    </p:tnLst>
+  </p:timing>
+</p:sld>
+</file>
+
+<file path=ppt/slides/slide13.xml><?xml version="1.0" encoding="utf-8"?>
+<p:sld xmlns:a="http://schemas.openxmlformats.org/drawingml/2006/main" xmlns:r="http://schemas.openxmlformats.org/officeDocument/2006/relationships" xmlns:p="http://schemas.openxmlformats.org/presentationml/2006/main">
+  <p:cSld>
+    <p:spTree>
+      <p:nvGrpSpPr>
+        <p:cNvPr id="1" name=""/>
+        <p:cNvGrpSpPr/>
+        <p:nvPr/>
+      </p:nvGrpSpPr>
+      <p:grpSpPr>
+        <a:xfrm>
+          <a:off x="0" y="0"/>
+          <a:ext cx="0" cy="0"/>
+          <a:chOff x="0" y="0"/>
+          <a:chExt cx="0" cy="0"/>
+        </a:xfrm>
+      </p:grpSpPr>
+      <p:sp>
+        <p:nvSpPr>
+          <p:cNvPr id="2" name="Title 1"/>
+          <p:cNvSpPr>
+            <a:spLocks noGrp="1"/>
+          </p:cNvSpPr>
+          <p:nvPr>
+            <p:ph type="title"/>
+          </p:nvPr>
+        </p:nvSpPr>
+        <p:spPr/>
+        <p:txBody>
+          <a:bodyPr>
+            <a:normAutofit/>
+          </a:bodyPr>
+          <a:lstStyle/>
+          <a:p>
+            <a:pPr algn="l"/>
+            <a:r>
+              <a:rPr lang="x-none" altLang="en-US" dirty="0">
+                <a:solidFill>
+                  <a:schemeClr val="bg2">
+                    <a:lumMod val="75000"/>
+                  </a:schemeClr>
+                </a:solidFill>
+              </a:rPr>
+              <a:t>Hydra3</a:t>
+            </a:r>
+            <a:r>
+              <a:rPr lang="x-none" altLang="en-US" dirty="0" smtClean="0">
+                <a:solidFill>
+                  <a:schemeClr val="bg2">
+                    <a:lumMod val="75000"/>
+                  </a:schemeClr>
+                </a:solidFill>
+              </a:rPr>
+              <a:t>的</a:t>
+            </a:r>
+            <a:r>
+              <a:rPr lang="zh-CN" altLang="en-US" dirty="0" smtClean="0">
+                <a:solidFill>
+                  <a:schemeClr val="bg2">
+                    <a:lumMod val="75000"/>
+                  </a:schemeClr>
+                </a:solidFill>
+              </a:rPr>
+              <a:t>耗时服务处理</a:t>
+            </a:r>
+            <a:endParaRPr lang="x-none" altLang="en-US" dirty="0">
+              <a:solidFill>
+                <a:schemeClr val="bg2">
+                  <a:lumMod val="75000"/>
+                </a:schemeClr>
+              </a:solidFill>
+            </a:endParaRPr>
+          </a:p>
+        </p:txBody>
+      </p:sp>
+      <p:sp>
+        <p:nvSpPr>
+          <p:cNvPr id="4" name="内容占位符 3"/>
+          <p:cNvSpPr>
+            <a:spLocks noGrp="1"/>
+          </p:cNvSpPr>
+          <p:nvPr>
+            <p:ph idx="1"/>
+          </p:nvPr>
+        </p:nvSpPr>
+        <p:spPr/>
+        <p:txBody>
+          <a:bodyPr/>
+          <a:lstStyle/>
+          <a:p>
+            <a:endParaRPr lang="zh-CN" altLang="en-US"/>
+          </a:p>
+        </p:txBody>
+      </p:sp>
+      <p:pic>
+        <p:nvPicPr>
+          <p:cNvPr id="3074" name="Picture 2" descr="E:\mygit\ivaneye.github.com\source\ppt\share\iomodel\file\reactor3.png"/>
+          <p:cNvPicPr>
+            <a:picLocks noChangeAspect="1" noChangeArrowheads="1"/>
+          </p:cNvPicPr>
+          <p:nvPr/>
+        </p:nvPicPr>
+        <p:blipFill>
+          <a:blip r:embed="rId2"/>
+          <a:srcRect/>
+          <a:stretch>
+            <a:fillRect/>
+          </a:stretch>
+        </p:blipFill>
+        <p:spPr bwMode="auto">
+          <a:xfrm>
+            <a:off x="0" y="1417320"/>
+            <a:ext cx="12192000" cy="5440680"/>
+          </a:xfrm>
+          <a:prstGeom prst="rect">
+            <a:avLst/>
+          </a:prstGeom>
+          <a:noFill/>
+        </p:spPr>
+      </p:pic>
+    </p:spTree>
+  </p:cSld>
+  <p:clrMapOvr>
+    <a:masterClrMapping/>
+  </p:clrMapOvr>
+  <p:timing>
+    <p:tnLst>
+      <p:par>
+        <p:cTn id="1" dur="indefinite" restart="never" nodeType="tmRoot"/>
+      </p:par>
+    </p:tnLst>
+  </p:timing>
+</p:sld>
+</file>
+
+<file path=ppt/slides/slide14.xml><?xml version="1.0" encoding="utf-8"?>
+<p:sld xmlns:a="http://schemas.openxmlformats.org/drawingml/2006/main" xmlns:r="http://schemas.openxmlformats.org/officeDocument/2006/relationships" xmlns:p="http://schemas.openxmlformats.org/presentationml/2006/main">
+  <p:cSld>
+    <p:spTree>
+      <p:nvGrpSpPr>
+        <p:cNvPr id="1" name=""/>
+        <p:cNvGrpSpPr/>
+        <p:nvPr/>
+      </p:nvGrpSpPr>
+      <p:grpSpPr>
+        <a:xfrm>
+          <a:off x="0" y="0"/>
+          <a:ext cx="0" cy="0"/>
+          <a:chOff x="0" y="0"/>
+          <a:chExt cx="0" cy="0"/>
+        </a:xfrm>
+      </p:grpSpPr>
       <p:pic>
         <p:nvPicPr>
           <p:cNvPr id="3" name="Content Placeholder 2" descr="hydra3"/>
           <p:cNvPicPr>
-            <a:picLocks noChangeAspect="1"/>
+            <a:picLocks noGrp="1" noChangeAspect="1"/>
           </p:cNvPicPr>
           <p:nvPr>
             <p:ph idx="1"/>
@@ -3662,30 +4913,33 @@
   <p:clrMapOvr>
     <a:masterClrMapping/>
   </p:clrMapOvr>
+  <p:timing>
+    <p:tnLst>
+      <p:par>
+        <p:cTn id="1" dur="indefinite" restart="never" nodeType="tmRoot"/>
+      </p:par>
+    </p:tnLst>
+  </p:timing>
 </p:sld>
 </file>
 
-<file path=ppt/slides/slide11.xml><?xml version="1.0" encoding="utf-8"?>
+<file path=ppt/slides/slide15.xml><?xml version="1.0" encoding="utf-8"?>
 <p:sld xmlns:a="http://schemas.openxmlformats.org/drawingml/2006/main" xmlns:r="http://schemas.openxmlformats.org/officeDocument/2006/relationships" xmlns:p="http://schemas.openxmlformats.org/presentationml/2006/main">
   <p:cSld>
-    <p:bg>
-      <p:bgPr>
-        <a:blipFill rotWithShape="1">
-          <a:blip r:embed="rId1"/>
-          <a:stretch>
-            <a:fillRect/>
-          </a:stretch>
-        </a:blipFill>
-        <a:effectLst/>
-      </p:bgPr>
-    </p:bg>
     <p:spTree>
       <p:nvGrpSpPr>
         <p:cNvPr id="1" name=""/>
         <p:cNvGrpSpPr/>
         <p:nvPr/>
       </p:nvGrpSpPr>
-      <p:grpSpPr/>
+      <p:grpSpPr>
+        <a:xfrm>
+          <a:off x="0" y="0"/>
+          <a:ext cx="0" cy="0"/>
+          <a:chOff x="0" y="0"/>
+          <a:chExt cx="0" cy="0"/>
+        </a:xfrm>
+      </p:grpSpPr>
       <p:sp>
         <p:nvSpPr>
           <p:cNvPr id="2" name="Title 1"/>
@@ -3701,6 +4955,7 @@
           <a:bodyPr>
             <a:normAutofit/>
           </a:bodyPr>
+          <a:lstStyle/>
           <a:p>
             <a:pPr algn="l"/>
             <a:r>
@@ -3713,7 +4968,73 @@
               </a:rPr>
               <a:t>Hydra的后期规划</a:t>
             </a:r>
-            <a:endParaRPr lang="x-none" altLang="en-US">
+          </a:p>
+        </p:txBody>
+      </p:sp>
+      <p:sp>
+        <p:nvSpPr>
+          <p:cNvPr id="3" name="Content Placeholder 2"/>
+          <p:cNvSpPr>
+            <a:spLocks noGrp="1"/>
+          </p:cNvSpPr>
+          <p:nvPr>
+            <p:ph idx="1"/>
+          </p:nvPr>
+        </p:nvSpPr>
+        <p:spPr/>
+        <p:txBody>
+          <a:bodyPr/>
+          <a:lstStyle/>
+          <a:p>
+            <a:r>
+              <a:rPr lang="x-none" altLang="en-US" dirty="0">
+                <a:solidFill>
+                  <a:schemeClr val="bg2">
+                    <a:lumMod val="75000"/>
+                  </a:schemeClr>
+                </a:solidFill>
+              </a:rPr>
+              <a:t>与Docker整合</a:t>
+            </a:r>
+          </a:p>
+          <a:p>
+            <a:r>
+              <a:rPr lang="x-none" altLang="en-US" dirty="0">
+                <a:solidFill>
+                  <a:schemeClr val="bg2">
+                    <a:lumMod val="75000"/>
+                  </a:schemeClr>
+                </a:solidFill>
+              </a:rPr>
+              <a:t>与PinPoint整合</a:t>
+            </a:r>
+          </a:p>
+          <a:p>
+            <a:r>
+              <a:rPr lang="x-none" altLang="en-US" dirty="0">
+                <a:solidFill>
+                  <a:schemeClr val="bg2">
+                    <a:lumMod val="75000"/>
+                  </a:schemeClr>
+                </a:solidFill>
+              </a:rPr>
+              <a:t>接入第三方注册中心</a:t>
+            </a:r>
+          </a:p>
+          <a:p>
+            <a:r>
+              <a:rPr lang="x-none" altLang="en-US" dirty="0">
+                <a:solidFill>
+                  <a:schemeClr val="bg2">
+                    <a:lumMod val="75000"/>
+                  </a:schemeClr>
+                </a:solidFill>
+              </a:rPr>
+              <a:t>通信框架Pigeon的优化</a:t>
+            </a:r>
+          </a:p>
+          <a:p>
+            <a:endParaRPr lang="en-US" dirty="0">
               <a:solidFill>
                 <a:schemeClr val="bg2">
                   <a:lumMod val="75000"/>
@@ -3723,135 +5044,38 @@
           </a:p>
         </p:txBody>
       </p:sp>
-      <p:sp>
-        <p:nvSpPr>
-          <p:cNvPr id="3" name="Content Placeholder 2"/>
-          <p:cNvSpPr>
-            <a:spLocks noGrp="1"/>
-          </p:cNvSpPr>
-          <p:nvPr>
-            <p:ph idx="1"/>
-          </p:nvPr>
-        </p:nvSpPr>
-        <p:spPr/>
-        <p:txBody>
-          <a:bodyPr/>
-          <a:p>
-            <a:r>
-              <a:rPr lang="x-none" altLang="en-US">
-                <a:solidFill>
-                  <a:schemeClr val="bg2">
-                    <a:lumMod val="75000"/>
-                  </a:schemeClr>
-                </a:solidFill>
-              </a:rPr>
-              <a:t>与Docker整合</a:t>
-            </a:r>
-            <a:endParaRPr lang="x-none" altLang="en-US">
-              <a:solidFill>
-                <a:schemeClr val="bg2">
-                  <a:lumMod val="75000"/>
-                </a:schemeClr>
-              </a:solidFill>
-            </a:endParaRPr>
-          </a:p>
-          <a:p>
-            <a:r>
-              <a:rPr lang="x-none" altLang="en-US">
-                <a:solidFill>
-                  <a:schemeClr val="bg2">
-                    <a:lumMod val="75000"/>
-                  </a:schemeClr>
-                </a:solidFill>
-              </a:rPr>
-              <a:t>与PinPoint整合</a:t>
-            </a:r>
-            <a:endParaRPr lang="x-none" altLang="en-US">
-              <a:solidFill>
-                <a:schemeClr val="bg2">
-                  <a:lumMod val="75000"/>
-                </a:schemeClr>
-              </a:solidFill>
-            </a:endParaRPr>
-          </a:p>
-          <a:p>
-            <a:r>
-              <a:rPr lang="x-none" altLang="en-US">
-                <a:solidFill>
-                  <a:schemeClr val="bg2">
-                    <a:lumMod val="75000"/>
-                  </a:schemeClr>
-                </a:solidFill>
-              </a:rPr>
-              <a:t>接入第三方注册中心</a:t>
-            </a:r>
-            <a:endParaRPr lang="x-none" altLang="en-US">
-              <a:solidFill>
-                <a:schemeClr val="bg2">
-                  <a:lumMod val="75000"/>
-                </a:schemeClr>
-              </a:solidFill>
-            </a:endParaRPr>
-          </a:p>
-          <a:p>
-            <a:r>
-              <a:rPr lang="x-none" altLang="en-US">
-                <a:solidFill>
-                  <a:schemeClr val="bg2">
-                    <a:lumMod val="75000"/>
-                  </a:schemeClr>
-                </a:solidFill>
-              </a:rPr>
-              <a:t>通信框架Pigeon的优化</a:t>
-            </a:r>
-            <a:endParaRPr lang="x-none" altLang="en-US">
-              <a:solidFill>
-                <a:schemeClr val="bg2">
-                  <a:lumMod val="75000"/>
-                </a:schemeClr>
-              </a:solidFill>
-            </a:endParaRPr>
-          </a:p>
-          <a:p>
-            <a:endParaRPr lang="en-US">
-              <a:solidFill>
-                <a:schemeClr val="bg2">
-                  <a:lumMod val="75000"/>
-                </a:schemeClr>
-              </a:solidFill>
-            </a:endParaRPr>
-          </a:p>
-        </p:txBody>
-      </p:sp>
     </p:spTree>
   </p:cSld>
   <p:clrMapOvr>
     <a:masterClrMapping/>
   </p:clrMapOvr>
+  <p:timing>
+    <p:tnLst>
+      <p:par>
+        <p:cTn id="1" dur="indefinite" restart="never" nodeType="tmRoot"/>
+      </p:par>
+    </p:tnLst>
+  </p:timing>
 </p:sld>
 </file>
 
-<file path=ppt/slides/slide12.xml><?xml version="1.0" encoding="utf-8"?>
+<file path=ppt/slides/slide16.xml><?xml version="1.0" encoding="utf-8"?>
 <p:sld xmlns:a="http://schemas.openxmlformats.org/drawingml/2006/main" xmlns:r="http://schemas.openxmlformats.org/officeDocument/2006/relationships" xmlns:p="http://schemas.openxmlformats.org/presentationml/2006/main">
   <p:cSld>
-    <p:bg>
-      <p:bgPr>
-        <a:blipFill rotWithShape="1">
-          <a:blip r:embed="rId1"/>
-          <a:stretch>
-            <a:fillRect/>
-          </a:stretch>
-        </a:blipFill>
-        <a:effectLst/>
-      </p:bgPr>
-    </p:bg>
     <p:spTree>
       <p:nvGrpSpPr>
         <p:cNvPr id="1" name=""/>
         <p:cNvGrpSpPr/>
         <p:nvPr/>
       </p:nvGrpSpPr>
-      <p:grpSpPr/>
+      <p:grpSpPr>
+        <a:xfrm>
+          <a:off x="0" y="0"/>
+          <a:ext cx="0" cy="0"/>
+          <a:chOff x="0" y="0"/>
+          <a:chExt cx="0" cy="0"/>
+        </a:xfrm>
+      </p:grpSpPr>
       <p:sp>
         <p:nvSpPr>
           <p:cNvPr id="2" name="Title 1"/>
@@ -3870,10 +5094,11 @@
         </p:spPr>
         <p:txBody>
           <a:bodyPr/>
+          <a:lstStyle/>
           <a:p>
             <a:pPr algn="l"/>
             <a:r>
-              <a:rPr lang="x-none" altLang="en-US" sz="8000">
+              <a:rPr lang="x-none" altLang="en-US" sz="8000" dirty="0">
                 <a:solidFill>
                   <a:schemeClr val="bg2">
                     <a:lumMod val="75000"/>
@@ -3884,21 +5109,12 @@
               </a:rPr>
               <a:t>谢谢</a:t>
             </a:r>
-            <a:endParaRPr lang="x-none" altLang="en-US" sz="8000">
-              <a:solidFill>
-                <a:schemeClr val="bg2">
-                  <a:lumMod val="75000"/>
-                </a:schemeClr>
-              </a:solidFill>
-              <a:latin typeface="Microsoft YaHei" charset="0"/>
-              <a:ea typeface="Microsoft YaHei" charset="0"/>
-            </a:endParaRPr>
-          </a:p>
-        </p:txBody>
-      </p:sp>
-      <p:sp>
-        <p:nvSpPr>
-          <p:cNvPr id="6" name="Footer Placeholder 5"/>
+          </a:p>
+        </p:txBody>
+      </p:sp>
+      <p:sp>
+        <p:nvSpPr>
+          <p:cNvPr id="5" name="Footer Placeholder 5"/>
           <p:cNvSpPr>
             <a:spLocks noGrp="1"/>
           </p:cNvSpPr>
@@ -3908,8 +5124,8 @@
         </p:nvSpPr>
         <p:spPr>
           <a:xfrm>
-            <a:off x="1706245" y="4556125"/>
-            <a:ext cx="4401820" cy="1069340"/>
+            <a:off x="3872865" y="4977130"/>
+            <a:ext cx="4631055" cy="822325"/>
           </a:xfrm>
           <a:blipFill rotWithShape="1">
             <a:blip r:embed="rId2">
@@ -3922,8 +5138,9 @@
         </p:spPr>
         <p:txBody>
           <a:bodyPr/>
-          <a:p>
-            <a:endParaRPr lang="en-US"/>
+          <a:lstStyle/>
+          <a:p>
+            <a:endParaRPr lang="en-US" dirty="0"/>
           </a:p>
         </p:txBody>
       </p:sp>
@@ -3932,30 +5149,33 @@
   <p:clrMapOvr>
     <a:masterClrMapping/>
   </p:clrMapOvr>
+  <p:timing>
+    <p:tnLst>
+      <p:par>
+        <p:cTn id="1" dur="indefinite" restart="never" nodeType="tmRoot"/>
+      </p:par>
+    </p:tnLst>
+  </p:timing>
 </p:sld>
 </file>
 
 <file path=ppt/slides/slide2.xml><?xml version="1.0" encoding="utf-8"?>
 <p:sld xmlns:a="http://schemas.openxmlformats.org/drawingml/2006/main" xmlns:r="http://schemas.openxmlformats.org/officeDocument/2006/relationships" xmlns:p="http://schemas.openxmlformats.org/presentationml/2006/main">
   <p:cSld>
-    <p:bg>
-      <p:bgPr>
-        <a:blipFill rotWithShape="1">
-          <a:blip r:embed="rId1"/>
-          <a:stretch>
-            <a:fillRect/>
-          </a:stretch>
-        </a:blipFill>
-        <a:effectLst/>
-      </p:bgPr>
-    </p:bg>
     <p:spTree>
       <p:nvGrpSpPr>
         <p:cNvPr id="1" name=""/>
         <p:cNvGrpSpPr/>
         <p:nvPr/>
       </p:nvGrpSpPr>
-      <p:grpSpPr/>
+      <p:grpSpPr>
+        <a:xfrm>
+          <a:off x="0" y="0"/>
+          <a:ext cx="0" cy="0"/>
+          <a:chOff x="0" y="0"/>
+          <a:chExt cx="0" cy="0"/>
+        </a:xfrm>
+      </p:grpSpPr>
       <p:sp>
         <p:nvSpPr>
           <p:cNvPr id="2" name="Title 1"/>
@@ -3969,19 +5189,20 @@
         <p:spPr/>
         <p:txBody>
           <a:bodyPr/>
+          <a:lstStyle/>
           <a:p>
             <a:pPr algn="l"/>
             <a:r>
-              <a:rPr lang="x-none" altLang="en-US">
-                <a:solidFill>
-                  <a:schemeClr val="bg2">
-                    <a:lumMod val="75000"/>
-                  </a:schemeClr>
-                </a:solidFill>
-              </a:rPr>
-              <a:t>服务化框架</a:t>
-            </a:r>
-            <a:endParaRPr lang="x-none" altLang="en-US">
+              <a:rPr lang="x-none" altLang="en-US" dirty="0" smtClean="0">
+                <a:solidFill>
+                  <a:schemeClr val="bg2">
+                    <a:lumMod val="75000"/>
+                  </a:schemeClr>
+                </a:solidFill>
+              </a:rPr>
+              <a:t>服务化</a:t>
+            </a:r>
+            <a:endParaRPr lang="x-none" altLang="en-US" dirty="0">
               <a:solidFill>
                 <a:schemeClr val="bg2">
                   <a:lumMod val="75000"/>
@@ -4004,9 +5225,10 @@
         <p:spPr/>
         <p:txBody>
           <a:bodyPr/>
-          <a:p>
-            <a:r>
-              <a:rPr lang="x-none" altLang="en-US">
+          <a:lstStyle/>
+          <a:p>
+            <a:r>
+              <a:rPr lang="x-none" altLang="en-US" dirty="0">
                 <a:solidFill>
                   <a:schemeClr val="bg2">
                     <a:lumMod val="75000"/>
@@ -4015,13 +5237,6 @@
               </a:rPr>
               <a:t>服务化是将业务封装成服务组件对外提供服务接口或称为 API</a:t>
             </a:r>
-            <a:endParaRPr lang="x-none" altLang="en-US">
-              <a:solidFill>
-                <a:schemeClr val="bg2">
-                  <a:lumMod val="75000"/>
-                </a:schemeClr>
-              </a:solidFill>
-            </a:endParaRPr>
           </a:p>
         </p:txBody>
       </p:sp>
@@ -4031,30 +5246,33 @@
     <a:masterClrMapping/>
   </p:clrMapOvr>
   <p:transition/>
+  <p:timing>
+    <p:tnLst>
+      <p:par>
+        <p:cTn id="1" dur="indefinite" restart="never" nodeType="tmRoot"/>
+      </p:par>
+    </p:tnLst>
+  </p:timing>
 </p:sld>
 </file>
 
 <file path=ppt/slides/slide3.xml><?xml version="1.0" encoding="utf-8"?>
 <p:sld xmlns:a="http://schemas.openxmlformats.org/drawingml/2006/main" xmlns:r="http://schemas.openxmlformats.org/officeDocument/2006/relationships" xmlns:p="http://schemas.openxmlformats.org/presentationml/2006/main">
   <p:cSld>
-    <p:bg>
-      <p:bgPr>
-        <a:blipFill rotWithShape="1">
-          <a:blip r:embed="rId1"/>
-          <a:stretch>
-            <a:fillRect/>
-          </a:stretch>
-        </a:blipFill>
-        <a:effectLst/>
-      </p:bgPr>
-    </p:bg>
     <p:spTree>
       <p:nvGrpSpPr>
         <p:cNvPr id="1" name=""/>
         <p:cNvGrpSpPr/>
         <p:nvPr/>
       </p:nvGrpSpPr>
-      <p:grpSpPr/>
+      <p:grpSpPr>
+        <a:xfrm>
+          <a:off x="0" y="0"/>
+          <a:ext cx="0" cy="0"/>
+          <a:chOff x="0" y="0"/>
+          <a:chExt cx="0" cy="0"/>
+        </a:xfrm>
+      </p:grpSpPr>
       <p:sp>
         <p:nvSpPr>
           <p:cNvPr id="2" name="Title 1"/>
@@ -4068,6 +5286,7 @@
         <p:spPr/>
         <p:txBody>
           <a:bodyPr/>
+          <a:lstStyle/>
           <a:p>
             <a:pPr algn="l"/>
             <a:r>
@@ -4080,13 +5299,6 @@
               </a:rPr>
               <a:t>架构</a:t>
             </a:r>
-            <a:endParaRPr lang="x-none" altLang="en-US">
-              <a:solidFill>
-                <a:schemeClr val="bg2">
-                  <a:lumMod val="75000"/>
-                </a:schemeClr>
-              </a:solidFill>
-            </a:endParaRPr>
           </a:p>
         </p:txBody>
       </p:sp>
@@ -4094,14 +5306,14 @@
         <p:nvPicPr>
           <p:cNvPr id="7" name="Content Placeholder 6" descr="dubbo-architecture"/>
           <p:cNvPicPr>
-            <a:picLocks noChangeAspect="1"/>
+            <a:picLocks noGrp="1" noChangeAspect="1"/>
           </p:cNvPicPr>
           <p:nvPr>
             <p:ph sz="half" idx="2"/>
           </p:nvPr>
         </p:nvPicPr>
         <p:blipFill>
-          <a:blip r:embed="rId2"/>
+          <a:blip r:embed="rId3"/>
           <a:stretch>
             <a:fillRect/>
           </a:stretch>
@@ -4122,30 +5334,33 @@
     <a:masterClrMapping/>
   </p:clrMapOvr>
   <p:transition/>
+  <p:timing>
+    <p:tnLst>
+      <p:par>
+        <p:cTn id="1" dur="indefinite" restart="never" nodeType="tmRoot"/>
+      </p:par>
+    </p:tnLst>
+  </p:timing>
 </p:sld>
 </file>
 
 <file path=ppt/slides/slide4.xml><?xml version="1.0" encoding="utf-8"?>
 <p:sld xmlns:a="http://schemas.openxmlformats.org/drawingml/2006/main" xmlns:r="http://schemas.openxmlformats.org/officeDocument/2006/relationships" xmlns:p="http://schemas.openxmlformats.org/presentationml/2006/main">
   <p:cSld>
-    <p:bg>
-      <p:bgPr>
-        <a:blipFill rotWithShape="1">
-          <a:blip r:embed="rId1"/>
-          <a:stretch>
-            <a:fillRect/>
-          </a:stretch>
-        </a:blipFill>
-        <a:effectLst/>
-      </p:bgPr>
-    </p:bg>
     <p:spTree>
       <p:nvGrpSpPr>
         <p:cNvPr id="1" name=""/>
         <p:cNvGrpSpPr/>
         <p:nvPr/>
       </p:nvGrpSpPr>
-      <p:grpSpPr/>
+      <p:grpSpPr>
+        <a:xfrm>
+          <a:off x="0" y="0"/>
+          <a:ext cx="0" cy="0"/>
+          <a:chOff x="0" y="0"/>
+          <a:chExt cx="0" cy="0"/>
+        </a:xfrm>
+      </p:grpSpPr>
       <p:sp>
         <p:nvSpPr>
           <p:cNvPr id="2" name="Title 1"/>
@@ -4159,6 +5374,7 @@
         <p:spPr/>
         <p:txBody>
           <a:bodyPr/>
+          <a:lstStyle/>
           <a:p>
             <a:pPr algn="l"/>
             <a:r>
@@ -4171,7 +5387,135 @@
               </a:rPr>
               <a:t>服务化框架</a:t>
             </a:r>
-            <a:endParaRPr lang="x-none" altLang="en-US">
+          </a:p>
+        </p:txBody>
+      </p:sp>
+      <p:sp>
+        <p:nvSpPr>
+          <p:cNvPr id="3" name="Content Placeholder 2"/>
+          <p:cNvSpPr>
+            <a:spLocks noGrp="1"/>
+          </p:cNvSpPr>
+          <p:nvPr>
+            <p:ph idx="1"/>
+          </p:nvPr>
+        </p:nvSpPr>
+        <p:spPr/>
+        <p:txBody>
+          <a:bodyPr/>
+          <a:lstStyle/>
+          <a:p>
+            <a:r>
+              <a:rPr lang="x-none" altLang="en-US">
+                <a:solidFill>
+                  <a:schemeClr val="bg2">
+                    <a:lumMod val="75000"/>
+                  </a:schemeClr>
+                </a:solidFill>
+              </a:rPr>
+              <a:t>dubbo</a:t>
+            </a:r>
+          </a:p>
+          <a:p>
+            <a:r>
+              <a:rPr lang="x-none" altLang="en-US">
+                <a:solidFill>
+                  <a:schemeClr val="bg2">
+                    <a:lumMod val="75000"/>
+                  </a:schemeClr>
+                </a:solidFill>
+              </a:rPr>
+              <a:t>motan</a:t>
+            </a:r>
+          </a:p>
+          <a:p>
+            <a:r>
+              <a:rPr lang="x-none" altLang="en-US">
+                <a:solidFill>
+                  <a:schemeClr val="bg2">
+                    <a:lumMod val="75000"/>
+                  </a:schemeClr>
+                </a:solidFill>
+              </a:rPr>
+              <a:t>rpcx</a:t>
+            </a:r>
+          </a:p>
+          <a:p>
+            <a:r>
+              <a:rPr lang="x-none" altLang="en-US">
+                <a:solidFill>
+                  <a:schemeClr val="bg2">
+                    <a:lumMod val="75000"/>
+                  </a:schemeClr>
+                </a:solidFill>
+              </a:rPr>
+              <a:t>thrift</a:t>
+            </a:r>
+          </a:p>
+        </p:txBody>
+      </p:sp>
+    </p:spTree>
+  </p:cSld>
+  <p:clrMapOvr>
+    <a:masterClrMapping/>
+  </p:clrMapOvr>
+  <p:transition/>
+  <p:timing>
+    <p:tnLst>
+      <p:par>
+        <p:cTn id="1" dur="indefinite" restart="never" nodeType="tmRoot"/>
+      </p:par>
+    </p:tnLst>
+  </p:timing>
+</p:sld>
+</file>
+
+<file path=ppt/slides/slide5.xml><?xml version="1.0" encoding="utf-8"?>
+<p:sld xmlns:a="http://schemas.openxmlformats.org/drawingml/2006/main" xmlns:r="http://schemas.openxmlformats.org/officeDocument/2006/relationships" xmlns:p="http://schemas.openxmlformats.org/presentationml/2006/main">
+  <p:cSld>
+    <p:spTree>
+      <p:nvGrpSpPr>
+        <p:cNvPr id="1" name=""/>
+        <p:cNvGrpSpPr/>
+        <p:nvPr/>
+      </p:nvGrpSpPr>
+      <p:grpSpPr>
+        <a:xfrm>
+          <a:off x="0" y="0"/>
+          <a:ext cx="0" cy="0"/>
+          <a:chOff x="0" y="0"/>
+          <a:chExt cx="0" cy="0"/>
+        </a:xfrm>
+      </p:grpSpPr>
+      <p:sp>
+        <p:nvSpPr>
+          <p:cNvPr id="2" name="Title 1"/>
+          <p:cNvSpPr>
+            <a:spLocks noGrp="1"/>
+          </p:cNvSpPr>
+          <p:nvPr>
+            <p:ph type="title"/>
+          </p:nvPr>
+        </p:nvSpPr>
+        <p:spPr/>
+        <p:txBody>
+          <a:bodyPr>
+            <a:normAutofit/>
+          </a:bodyPr>
+          <a:lstStyle/>
+          <a:p>
+            <a:pPr algn="l"/>
+            <a:r>
+              <a:rPr lang="zh-CN" altLang="en-US" dirty="0" smtClean="0">
+                <a:solidFill>
+                  <a:schemeClr val="bg2">
+                    <a:lumMod val="75000"/>
+                  </a:schemeClr>
+                </a:solidFill>
+              </a:rPr>
+              <a:t>服务升级</a:t>
+            </a:r>
+            <a:endParaRPr lang="x-none" altLang="en-US" dirty="0">
               <a:solidFill>
                 <a:schemeClr val="bg2">
                   <a:lumMod val="75000"/>
@@ -4193,19 +5537,133 @@
         </p:nvSpPr>
         <p:spPr/>
         <p:txBody>
-          <a:bodyPr/>
-          <a:p>
-            <a:r>
-              <a:rPr lang="x-none" altLang="en-US">
-                <a:solidFill>
-                  <a:schemeClr val="bg2">
-                    <a:lumMod val="75000"/>
-                  </a:schemeClr>
-                </a:solidFill>
-              </a:rPr>
-              <a:t>dubbo</a:t>
-            </a:r>
-            <a:endParaRPr lang="x-none" altLang="en-US">
+          <a:bodyPr>
+            <a:normAutofit/>
+          </a:bodyPr>
+          <a:lstStyle/>
+          <a:p>
+            <a:r>
+              <a:rPr lang="zh-CN" altLang="en-US" b="1" dirty="0" smtClean="0">
+                <a:solidFill>
+                  <a:schemeClr val="bg2">
+                    <a:lumMod val="75000"/>
+                  </a:schemeClr>
+                </a:solidFill>
+              </a:rPr>
+              <a:t>服务</a:t>
+            </a:r>
+            <a:r>
+              <a:rPr lang="zh-CN" altLang="en-US" b="1" dirty="0" smtClean="0">
+                <a:solidFill>
+                  <a:schemeClr val="bg2">
+                    <a:lumMod val="75000"/>
+                  </a:schemeClr>
+                </a:solidFill>
+              </a:rPr>
+              <a:t>修改保持</a:t>
+            </a:r>
+            <a:r>
+              <a:rPr lang="zh-CN" altLang="en-US" b="1" dirty="0" smtClean="0">
+                <a:solidFill>
+                  <a:schemeClr val="bg2">
+                    <a:lumMod val="75000"/>
+                  </a:schemeClr>
+                </a:solidFill>
+              </a:rPr>
+              <a:t>兼容</a:t>
+            </a:r>
+          </a:p>
+          <a:p>
+            <a:r>
+              <a:rPr lang="zh-CN" altLang="en-US" b="1" dirty="0" smtClean="0">
+                <a:solidFill>
+                  <a:schemeClr val="bg2">
+                    <a:lumMod val="75000"/>
+                  </a:schemeClr>
+                </a:solidFill>
+              </a:rPr>
+              <a:t>服务修改不兼容</a:t>
+            </a:r>
+          </a:p>
+          <a:p>
+            <a:pPr lvl="1"/>
+            <a:r>
+              <a:rPr lang="zh-CN" altLang="en-US" dirty="0" smtClean="0">
+                <a:solidFill>
+                  <a:schemeClr val="bg2">
+                    <a:lumMod val="75000"/>
+                  </a:schemeClr>
+                </a:solidFill>
+              </a:rPr>
+              <a:t>先一半机器升级服务</a:t>
+            </a:r>
+          </a:p>
+          <a:p>
+            <a:pPr lvl="1"/>
+            <a:r>
+              <a:rPr lang="zh-CN" altLang="en-US" dirty="0" smtClean="0">
+                <a:solidFill>
+                  <a:schemeClr val="bg2">
+                    <a:lumMod val="75000"/>
+                  </a:schemeClr>
+                </a:solidFill>
+              </a:rPr>
+              <a:t>升级</a:t>
+            </a:r>
+            <a:r>
+              <a:rPr lang="zh-CN" altLang="en-US" dirty="0" smtClean="0">
+                <a:solidFill>
+                  <a:schemeClr val="bg2">
+                    <a:lumMod val="75000"/>
+                  </a:schemeClr>
+                </a:solidFill>
+              </a:rPr>
+              <a:t>客户端</a:t>
+            </a:r>
+            <a:r>
+              <a:rPr lang="zh-CN" altLang="en-US" dirty="0" smtClean="0">
+                <a:solidFill>
+                  <a:schemeClr val="bg2">
+                    <a:lumMod val="75000"/>
+                  </a:schemeClr>
+                </a:solidFill>
+              </a:rPr>
+              <a:t>使用新版本</a:t>
+            </a:r>
+            <a:r>
+              <a:rPr lang="zh-CN" altLang="en-US" dirty="0" smtClean="0">
+                <a:solidFill>
+                  <a:schemeClr val="bg2">
+                    <a:lumMod val="75000"/>
+                  </a:schemeClr>
+                </a:solidFill>
+              </a:rPr>
+              <a:t>服务</a:t>
+            </a:r>
+          </a:p>
+          <a:p>
+            <a:pPr lvl="1"/>
+            <a:r>
+              <a:rPr lang="zh-CN" altLang="en-US" dirty="0" smtClean="0">
+                <a:solidFill>
+                  <a:schemeClr val="bg2">
+                    <a:lumMod val="75000"/>
+                  </a:schemeClr>
+                </a:solidFill>
+              </a:rPr>
+              <a:t>升级另</a:t>
+            </a:r>
+            <a:r>
+              <a:rPr lang="zh-CN" altLang="en-US" dirty="0" smtClean="0">
+                <a:solidFill>
+                  <a:schemeClr val="bg2">
+                    <a:lumMod val="75000"/>
+                  </a:schemeClr>
+                </a:solidFill>
+              </a:rPr>
+              <a:t>一半服务</a:t>
+            </a:r>
+            <a:endParaRPr lang="en-US" altLang="zh-CN" dirty="0">
               <a:solidFill>
                 <a:schemeClr val="bg2">
                   <a:lumMod val="75000"/>
@@ -4213,18 +5671,69 @@
               </a:solidFill>
             </a:endParaRPr>
           </a:p>
-          <a:p>
-            <a:r>
-              <a:rPr lang="x-none" altLang="en-US">
-                <a:solidFill>
-                  <a:schemeClr val="bg2">
-                    <a:lumMod val="75000"/>
-                  </a:schemeClr>
-                </a:solidFill>
-              </a:rPr>
-              <a:t>motan</a:t>
-            </a:r>
-            <a:endParaRPr lang="x-none" altLang="en-US">
+        </p:txBody>
+      </p:sp>
+    </p:spTree>
+  </p:cSld>
+  <p:clrMapOvr>
+    <a:masterClrMapping/>
+  </p:clrMapOvr>
+  <p:timing>
+    <p:tnLst>
+      <p:par>
+        <p:cTn id="1" dur="indefinite" restart="never" nodeType="tmRoot"/>
+      </p:par>
+    </p:tnLst>
+  </p:timing>
+</p:sld>
+</file>
+
+<file path=ppt/slides/slide6.xml><?xml version="1.0" encoding="utf-8"?>
+<p:sld xmlns:a="http://schemas.openxmlformats.org/drawingml/2006/main" xmlns:r="http://schemas.openxmlformats.org/officeDocument/2006/relationships" xmlns:p="http://schemas.openxmlformats.org/presentationml/2006/main">
+  <p:cSld>
+    <p:spTree>
+      <p:nvGrpSpPr>
+        <p:cNvPr id="1" name=""/>
+        <p:cNvGrpSpPr/>
+        <p:nvPr/>
+      </p:nvGrpSpPr>
+      <p:grpSpPr>
+        <a:xfrm>
+          <a:off x="0" y="0"/>
+          <a:ext cx="0" cy="0"/>
+          <a:chOff x="0" y="0"/>
+          <a:chExt cx="0" cy="0"/>
+        </a:xfrm>
+      </p:grpSpPr>
+      <p:sp>
+        <p:nvSpPr>
+          <p:cNvPr id="2" name="Title 1"/>
+          <p:cNvSpPr>
+            <a:spLocks noGrp="1"/>
+          </p:cNvSpPr>
+          <p:nvPr>
+            <p:ph type="title"/>
+          </p:nvPr>
+        </p:nvSpPr>
+        <p:spPr/>
+        <p:txBody>
+          <a:bodyPr>
+            <a:normAutofit/>
+          </a:bodyPr>
+          <a:lstStyle/>
+          <a:p>
+            <a:pPr algn="l"/>
+            <a:r>
+              <a:rPr lang="zh-CN" altLang="en-US" dirty="0" smtClean="0">
+                <a:solidFill>
+                  <a:schemeClr val="bg2">
+                    <a:lumMod val="75000"/>
+                  </a:schemeClr>
+                </a:solidFill>
+              </a:rPr>
+              <a:t>问题</a:t>
+            </a:r>
+            <a:endParaRPr lang="x-none" altLang="en-US" dirty="0">
               <a:solidFill>
                 <a:schemeClr val="bg2">
                   <a:lumMod val="75000"/>
@@ -4232,18 +5741,36 @@
               </a:solidFill>
             </a:endParaRPr>
           </a:p>
-          <a:p>
-            <a:r>
-              <a:rPr lang="x-none" altLang="en-US">
-                <a:solidFill>
-                  <a:schemeClr val="bg2">
-                    <a:lumMod val="75000"/>
-                  </a:schemeClr>
-                </a:solidFill>
-              </a:rPr>
-              <a:t>rpcx</a:t>
-            </a:r>
-            <a:endParaRPr lang="x-none" altLang="en-US">
+        </p:txBody>
+      </p:sp>
+      <p:sp>
+        <p:nvSpPr>
+          <p:cNvPr id="3" name="Content Placeholder 2"/>
+          <p:cNvSpPr>
+            <a:spLocks noGrp="1"/>
+          </p:cNvSpPr>
+          <p:nvPr>
+            <p:ph idx="1"/>
+          </p:nvPr>
+        </p:nvSpPr>
+        <p:spPr/>
+        <p:txBody>
+          <a:bodyPr>
+            <a:normAutofit/>
+          </a:bodyPr>
+          <a:lstStyle/>
+          <a:p>
+            <a:r>
+              <a:rPr lang="zh-CN" altLang="en-US" dirty="0" smtClean="0">
+                <a:solidFill>
+                  <a:schemeClr val="bg2">
+                    <a:lumMod val="75000"/>
+                  </a:schemeClr>
+                </a:solidFill>
+              </a:rPr>
+              <a:t>服务不兼容情况下，在进行升级的过程中，会导致服务容量减半，相对的负载增加</a:t>
+            </a:r>
+            <a:endParaRPr lang="en-US" altLang="zh-CN" dirty="0" smtClean="0">
               <a:solidFill>
                 <a:schemeClr val="bg2">
                   <a:lumMod val="75000"/>
@@ -4253,16 +5780,16 @@
           </a:p>
           <a:p>
             <a:r>
-              <a:rPr lang="x-none" altLang="en-US">
-                <a:solidFill>
-                  <a:schemeClr val="bg2">
-                    <a:lumMod val="75000"/>
-                  </a:schemeClr>
-                </a:solidFill>
-              </a:rPr>
-              <a:t>thrift</a:t>
-            </a:r>
-            <a:endParaRPr lang="x-none" altLang="en-US">
+              <a:rPr lang="zh-CN" altLang="en-US" dirty="0" smtClean="0">
+                <a:solidFill>
+                  <a:schemeClr val="bg2">
+                    <a:lumMod val="75000"/>
+                  </a:schemeClr>
+                </a:solidFill>
+              </a:rPr>
+              <a:t>频繁重启服务，累积耗时很长</a:t>
+            </a:r>
+            <a:endParaRPr lang="en-US" altLang="zh-CN" dirty="0">
               <a:solidFill>
                 <a:schemeClr val="bg2">
                   <a:lumMod val="75000"/>
@@ -4272,229 +5799,6 @@
           </a:p>
         </p:txBody>
       </p:sp>
-    </p:spTree>
-  </p:cSld>
-  <p:clrMapOvr>
-    <a:masterClrMapping/>
-  </p:clrMapOvr>
-  <p:transition/>
-</p:sld>
-</file>
-
-<file path=ppt/slides/slide5.xml><?xml version="1.0" encoding="utf-8"?>
-<p:sld xmlns:a="http://schemas.openxmlformats.org/drawingml/2006/main" xmlns:r="http://schemas.openxmlformats.org/officeDocument/2006/relationships" xmlns:p="http://schemas.openxmlformats.org/presentationml/2006/main">
-  <p:cSld>
-    <p:bg>
-      <p:bgPr>
-        <a:blipFill rotWithShape="1">
-          <a:blip r:embed="rId1"/>
-          <a:stretch>
-            <a:fillRect/>
-          </a:stretch>
-        </a:blipFill>
-        <a:effectLst/>
-      </p:bgPr>
-    </p:bg>
-    <p:spTree>
-      <p:nvGrpSpPr>
-        <p:cNvPr id="1" name=""/>
-        <p:cNvGrpSpPr/>
-        <p:nvPr/>
-      </p:nvGrpSpPr>
-      <p:grpSpPr/>
-      <p:sp>
-        <p:nvSpPr>
-          <p:cNvPr id="2" name="Title 1"/>
-          <p:cNvSpPr>
-            <a:spLocks noGrp="1"/>
-          </p:cNvSpPr>
-          <p:nvPr>
-            <p:ph type="title"/>
-          </p:nvPr>
-        </p:nvSpPr>
-        <p:spPr/>
-        <p:txBody>
-          <a:bodyPr>
-            <a:normAutofit/>
-          </a:bodyPr>
-          <a:p>
-            <a:pPr algn="l"/>
-            <a:r>
-              <a:rPr lang="x-none" altLang="en-US">
-                <a:solidFill>
-                  <a:schemeClr val="bg2">
-                    <a:lumMod val="75000"/>
-                  </a:schemeClr>
-                </a:solidFill>
-              </a:rPr>
-              <a:t>为什么又造轮子？</a:t>
-            </a:r>
-            <a:endParaRPr lang="x-none" altLang="en-US">
-              <a:solidFill>
-                <a:schemeClr val="bg2">
-                  <a:lumMod val="75000"/>
-                </a:schemeClr>
-              </a:solidFill>
-            </a:endParaRPr>
-          </a:p>
-        </p:txBody>
-      </p:sp>
-      <p:sp>
-        <p:nvSpPr>
-          <p:cNvPr id="3" name="Content Placeholder 2"/>
-          <p:cNvSpPr>
-            <a:spLocks noGrp="1"/>
-          </p:cNvSpPr>
-          <p:nvPr>
-            <p:ph idx="1"/>
-          </p:nvPr>
-        </p:nvSpPr>
-        <p:spPr/>
-        <p:txBody>
-          <a:bodyPr/>
-          <a:p>
-            <a:r>
-              <a:rPr lang="en-US">
-                <a:solidFill>
-                  <a:schemeClr val="bg2">
-                    <a:lumMod val="75000"/>
-                  </a:schemeClr>
-                </a:solidFill>
-              </a:rPr>
-              <a:t>版本</a:t>
-            </a:r>
-            <a:r>
-              <a:rPr lang="x-none" altLang="en-US">
-                <a:solidFill>
-                  <a:schemeClr val="bg2">
-                    <a:lumMod val="75000"/>
-                  </a:schemeClr>
-                </a:solidFill>
-              </a:rPr>
-              <a:t>管理</a:t>
-            </a:r>
-            <a:endParaRPr lang="x-none" altLang="en-US">
-              <a:solidFill>
-                <a:schemeClr val="bg2">
-                  <a:lumMod val="75000"/>
-                </a:schemeClr>
-              </a:solidFill>
-            </a:endParaRPr>
-          </a:p>
-          <a:p>
-            <a:r>
-              <a:rPr lang="en-US">
-                <a:solidFill>
-                  <a:schemeClr val="bg2">
-                    <a:lumMod val="75000"/>
-                  </a:schemeClr>
-                </a:solidFill>
-              </a:rPr>
-              <a:t>热部署</a:t>
-            </a:r>
-            <a:endParaRPr lang="x-none" altLang="en-US">
-              <a:solidFill>
-                <a:schemeClr val="bg2">
-                  <a:lumMod val="75000"/>
-                </a:schemeClr>
-              </a:solidFill>
-            </a:endParaRPr>
-          </a:p>
-        </p:txBody>
-      </p:sp>
-    </p:spTree>
-  </p:cSld>
-  <p:clrMapOvr>
-    <a:masterClrMapping/>
-  </p:clrMapOvr>
-</p:sld>
-</file>
-
-<file path=ppt/slides/slide6.xml><?xml version="1.0" encoding="utf-8"?>
-<p:sld xmlns:a="http://schemas.openxmlformats.org/drawingml/2006/main" xmlns:r="http://schemas.openxmlformats.org/officeDocument/2006/relationships" xmlns:p="http://schemas.openxmlformats.org/presentationml/2006/main">
-  <p:cSld>
-    <p:bg>
-      <p:bgPr>
-        <a:blipFill rotWithShape="1">
-          <a:blip r:embed="rId1"/>
-          <a:stretch>
-            <a:fillRect/>
-          </a:stretch>
-        </a:blipFill>
-        <a:effectLst/>
-      </p:bgPr>
-    </p:bg>
-    <p:spTree>
-      <p:nvGrpSpPr>
-        <p:cNvPr id="1" name=""/>
-        <p:cNvGrpSpPr/>
-        <p:nvPr/>
-      </p:nvGrpSpPr>
-      <p:grpSpPr/>
-      <p:sp>
-        <p:nvSpPr>
-          <p:cNvPr id="2" name="Title 1"/>
-          <p:cNvSpPr>
-            <a:spLocks noGrp="1"/>
-          </p:cNvSpPr>
-          <p:nvPr>
-            <p:ph type="title"/>
-          </p:nvPr>
-        </p:nvSpPr>
-        <p:spPr/>
-        <p:txBody>
-          <a:bodyPr>
-            <a:normAutofit/>
-          </a:bodyPr>
-          <a:p>
-            <a:pPr algn="l"/>
-            <a:r>
-              <a:rPr lang="x-none" altLang="en-US">
-                <a:solidFill>
-                  <a:schemeClr val="bg2">
-                    <a:lumMod val="75000"/>
-                  </a:schemeClr>
-                </a:solidFill>
-                <a:sym typeface="+mn-ea"/>
-              </a:rPr>
-              <a:t>Hydra2的实现</a:t>
-            </a:r>
-            <a:endParaRPr lang="x-none" altLang="en-US">
-              <a:solidFill>
-                <a:schemeClr val="bg2">
-                  <a:lumMod val="75000"/>
-                </a:schemeClr>
-              </a:solidFill>
-            </a:endParaRPr>
-          </a:p>
-        </p:txBody>
-      </p:sp>
-      <p:pic>
-        <p:nvPicPr>
-          <p:cNvPr id="5" name="Content Placeholder 4" descr="OSGi_ClassLoader"/>
-          <p:cNvPicPr>
-            <a:picLocks noChangeAspect="1"/>
-          </p:cNvPicPr>
-          <p:nvPr>
-            <p:ph idx="1"/>
-          </p:nvPr>
-        </p:nvPicPr>
-        <p:blipFill>
-          <a:blip r:embed="rId2"/>
-          <a:stretch>
-            <a:fillRect/>
-          </a:stretch>
-        </p:blipFill>
-        <p:spPr>
-          <a:xfrm>
-            <a:off x="1158240" y="2026285"/>
-            <a:ext cx="8125460" cy="4478655"/>
-          </a:xfrm>
-          <a:prstGeom prst="rect">
-            <a:avLst/>
-          </a:prstGeom>
-        </p:spPr>
-      </p:pic>
     </p:spTree>
   </p:cSld>
   <p:clrMapOvr>
@@ -4506,50 +5810,125 @@
 <file path=ppt/slides/slide7.xml><?xml version="1.0" encoding="utf-8"?>
 <p:sld xmlns:a="http://schemas.openxmlformats.org/drawingml/2006/main" xmlns:r="http://schemas.openxmlformats.org/officeDocument/2006/relationships" xmlns:p="http://schemas.openxmlformats.org/presentationml/2006/main">
   <p:cSld>
-    <p:bg>
-      <p:bgPr>
-        <a:blipFill rotWithShape="1">
-          <a:blip r:embed="rId1"/>
-          <a:stretch>
-            <a:fillRect/>
-          </a:stretch>
-        </a:blipFill>
-        <a:effectLst/>
-      </p:bgPr>
-    </p:bg>
     <p:spTree>
       <p:nvGrpSpPr>
         <p:cNvPr id="1" name=""/>
         <p:cNvGrpSpPr/>
         <p:nvPr/>
       </p:nvGrpSpPr>
-      <p:grpSpPr/>
-      <p:pic>
-        <p:nvPicPr>
-          <p:cNvPr id="4" name="Content Placeholder 3" descr="hydra2"/>
-          <p:cNvPicPr>
-            <a:picLocks noChangeAspect="1"/>
-          </p:cNvPicPr>
+      <p:grpSpPr>
+        <a:xfrm>
+          <a:off x="0" y="0"/>
+          <a:ext cx="0" cy="0"/>
+          <a:chOff x="0" y="0"/>
+          <a:chExt cx="0" cy="0"/>
+        </a:xfrm>
+      </p:grpSpPr>
+      <p:sp>
+        <p:nvSpPr>
+          <p:cNvPr id="2" name="Title 1"/>
+          <p:cNvSpPr>
+            <a:spLocks noGrp="1"/>
+          </p:cNvSpPr>
+          <p:nvPr>
+            <p:ph type="title"/>
+          </p:nvPr>
+        </p:nvSpPr>
+        <p:spPr/>
+        <p:txBody>
+          <a:bodyPr>
+            <a:normAutofit/>
+          </a:bodyPr>
+          <a:lstStyle/>
+          <a:p>
+            <a:pPr algn="l"/>
+            <a:r>
+              <a:rPr lang="en-US" altLang="en-US" dirty="0" smtClean="0">
+                <a:solidFill>
+                  <a:schemeClr val="bg2">
+                    <a:lumMod val="75000"/>
+                  </a:schemeClr>
+                </a:solidFill>
+              </a:rPr>
+              <a:t>Hydra</a:t>
+            </a:r>
+            <a:r>
+              <a:rPr lang="zh-CN" altLang="en-US" dirty="0" smtClean="0">
+                <a:solidFill>
+                  <a:schemeClr val="bg2">
+                    <a:lumMod val="75000"/>
+                  </a:schemeClr>
+                </a:solidFill>
+              </a:rPr>
+              <a:t>的解决方案</a:t>
+            </a:r>
+            <a:endParaRPr lang="x-none" altLang="en-US" dirty="0">
+              <a:solidFill>
+                <a:schemeClr val="bg2">
+                  <a:lumMod val="75000"/>
+                </a:schemeClr>
+              </a:solidFill>
+            </a:endParaRPr>
+          </a:p>
+        </p:txBody>
+      </p:sp>
+      <p:sp>
+        <p:nvSpPr>
+          <p:cNvPr id="3" name="Content Placeholder 2"/>
+          <p:cNvSpPr>
+            <a:spLocks noGrp="1"/>
+          </p:cNvSpPr>
           <p:nvPr>
             <p:ph idx="1"/>
           </p:nvPr>
-        </p:nvPicPr>
-        <p:blipFill>
-          <a:blip r:embed="rId2"/>
-          <a:stretch>
-            <a:fillRect/>
-          </a:stretch>
-        </p:blipFill>
-        <p:spPr>
-          <a:xfrm>
-            <a:off x="3175" y="-23495"/>
-            <a:ext cx="12171680" cy="6896735"/>
-          </a:xfrm>
-          <a:prstGeom prst="rect">
-            <a:avLst/>
-          </a:prstGeom>
-        </p:spPr>
-      </p:pic>
+        </p:nvSpPr>
+        <p:spPr/>
+        <p:txBody>
+          <a:bodyPr/>
+          <a:lstStyle/>
+          <a:p>
+            <a:r>
+              <a:rPr lang="en-US" dirty="0" err="1">
+                <a:solidFill>
+                  <a:schemeClr val="bg2">
+                    <a:lumMod val="75000"/>
+                  </a:schemeClr>
+                </a:solidFill>
+              </a:rPr>
+              <a:t>版本</a:t>
+            </a:r>
+            <a:r>
+              <a:rPr lang="x-none" altLang="en-US" dirty="0">
+                <a:solidFill>
+                  <a:schemeClr val="bg2">
+                    <a:lumMod val="75000"/>
+                  </a:schemeClr>
+                </a:solidFill>
+              </a:rPr>
+              <a:t>管理</a:t>
+            </a:r>
+          </a:p>
+          <a:p>
+            <a:r>
+              <a:rPr lang="en-US" dirty="0" err="1">
+                <a:solidFill>
+                  <a:schemeClr val="bg2">
+                    <a:lumMod val="75000"/>
+                  </a:schemeClr>
+                </a:solidFill>
+              </a:rPr>
+              <a:t>热部署</a:t>
+            </a:r>
+            <a:endParaRPr lang="x-none" altLang="en-US" dirty="0">
+              <a:solidFill>
+                <a:schemeClr val="bg2">
+                  <a:lumMod val="75000"/>
+                </a:schemeClr>
+              </a:solidFill>
+            </a:endParaRPr>
+          </a:p>
+        </p:txBody>
+      </p:sp>
     </p:spTree>
   </p:cSld>
   <p:clrMapOvr>
@@ -4561,24 +5940,20 @@
 <file path=ppt/slides/slide8.xml><?xml version="1.0" encoding="utf-8"?>
 <p:sld xmlns:a="http://schemas.openxmlformats.org/drawingml/2006/main" xmlns:r="http://schemas.openxmlformats.org/officeDocument/2006/relationships" xmlns:p="http://schemas.openxmlformats.org/presentationml/2006/main">
   <p:cSld>
-    <p:bg>
-      <p:bgPr>
-        <a:blipFill rotWithShape="1">
-          <a:blip r:embed="rId1"/>
-          <a:stretch>
-            <a:fillRect/>
-          </a:stretch>
-        </a:blipFill>
-        <a:effectLst/>
-      </p:bgPr>
-    </p:bg>
     <p:spTree>
       <p:nvGrpSpPr>
         <p:cNvPr id="1" name=""/>
         <p:cNvGrpSpPr/>
         <p:nvPr/>
       </p:nvGrpSpPr>
-      <p:grpSpPr/>
+      <p:grpSpPr>
+        <a:xfrm>
+          <a:off x="0" y="0"/>
+          <a:ext cx="0" cy="0"/>
+          <a:chOff x="0" y="0"/>
+          <a:chExt cx="0" cy="0"/>
+        </a:xfrm>
+      </p:grpSpPr>
       <p:sp>
         <p:nvSpPr>
           <p:cNvPr id="2" name="Title 1"/>
@@ -4594,19 +5969,30 @@
           <a:bodyPr>
             <a:normAutofit/>
           </a:bodyPr>
+          <a:lstStyle/>
           <a:p>
             <a:pPr algn="l"/>
             <a:r>
-              <a:rPr lang="x-none" altLang="en-US">
-                <a:solidFill>
-                  <a:schemeClr val="bg2">
-                    <a:lumMod val="75000"/>
-                  </a:schemeClr>
-                </a:solidFill>
-              </a:rPr>
-              <a:t>为什么又又造轮子？！</a:t>
-            </a:r>
-            <a:endParaRPr lang="x-none" altLang="en-US">
+              <a:rPr lang="zh-CN" altLang="en-US" dirty="0" smtClean="0">
+                <a:solidFill>
+                  <a:schemeClr val="bg2">
+                    <a:lumMod val="75000"/>
+                  </a:schemeClr>
+                </a:solidFill>
+              </a:rPr>
+              <a:t>服务升级</a:t>
+            </a:r>
+            <a:r>
+              <a:rPr lang="en-US" altLang="zh-CN" dirty="0" smtClean="0">
+                <a:solidFill>
+                  <a:schemeClr val="bg2">
+                    <a:lumMod val="75000"/>
+                  </a:schemeClr>
+                </a:solidFill>
+              </a:rPr>
+              <a:t>(Hydra)</a:t>
+            </a:r>
+            <a:endParaRPr lang="x-none" altLang="en-US" dirty="0">
               <a:solidFill>
                 <a:schemeClr val="bg2">
                   <a:lumMod val="75000"/>
@@ -4628,19 +6014,97 @@
         </p:nvSpPr>
         <p:spPr/>
         <p:txBody>
-          <a:bodyPr/>
-          <a:p>
-            <a:r>
-              <a:rPr lang="en-US">
-                <a:solidFill>
-                  <a:schemeClr val="bg2">
-                    <a:lumMod val="75000"/>
-                  </a:schemeClr>
-                </a:solidFill>
-              </a:rPr>
-              <a:t>OSGi的问题</a:t>
-            </a:r>
-            <a:endParaRPr lang="en-US">
+          <a:bodyPr>
+            <a:normAutofit/>
+          </a:bodyPr>
+          <a:lstStyle/>
+          <a:p>
+            <a:r>
+              <a:rPr lang="zh-CN" altLang="en-US" b="1" dirty="0" smtClean="0">
+                <a:solidFill>
+                  <a:schemeClr val="bg2">
+                    <a:lumMod val="75000"/>
+                  </a:schemeClr>
+                </a:solidFill>
+              </a:rPr>
+              <a:t>服务</a:t>
+            </a:r>
+            <a:r>
+              <a:rPr lang="zh-CN" altLang="en-US" b="1" dirty="0" smtClean="0">
+                <a:solidFill>
+                  <a:schemeClr val="bg2">
+                    <a:lumMod val="75000"/>
+                  </a:schemeClr>
+                </a:solidFill>
+              </a:rPr>
+              <a:t>修改保持</a:t>
+            </a:r>
+            <a:r>
+              <a:rPr lang="zh-CN" altLang="en-US" b="1" dirty="0" smtClean="0">
+                <a:solidFill>
+                  <a:schemeClr val="bg2">
+                    <a:lumMod val="75000"/>
+                  </a:schemeClr>
+                </a:solidFill>
+              </a:rPr>
+              <a:t>兼容</a:t>
+            </a:r>
+          </a:p>
+          <a:p>
+            <a:r>
+              <a:rPr lang="zh-CN" altLang="en-US" b="1" dirty="0" smtClean="0">
+                <a:solidFill>
+                  <a:schemeClr val="bg2">
+                    <a:lumMod val="75000"/>
+                  </a:schemeClr>
+                </a:solidFill>
+              </a:rPr>
+              <a:t>服务修改不兼容</a:t>
+            </a:r>
+          </a:p>
+          <a:p>
+            <a:pPr lvl="1"/>
+            <a:r>
+              <a:rPr lang="zh-CN" altLang="en-US" dirty="0" smtClean="0">
+                <a:solidFill>
+                  <a:schemeClr val="bg2">
+                    <a:lumMod val="75000"/>
+                  </a:schemeClr>
+                </a:solidFill>
+              </a:rPr>
+              <a:t>所有机器升级服务至新版本</a:t>
+            </a:r>
+            <a:r>
+              <a:rPr lang="en-US" altLang="zh-CN" dirty="0" smtClean="0">
+                <a:solidFill>
+                  <a:schemeClr val="bg2">
+                    <a:lumMod val="75000"/>
+                  </a:schemeClr>
+                </a:solidFill>
+              </a:rPr>
+              <a:t>(</a:t>
+            </a:r>
+            <a:r>
+              <a:rPr lang="zh-CN" altLang="en-US" dirty="0" smtClean="0">
+                <a:solidFill>
+                  <a:schemeClr val="bg2">
+                    <a:lumMod val="75000"/>
+                  </a:schemeClr>
+                </a:solidFill>
+              </a:rPr>
+              <a:t>例如：</a:t>
+            </a:r>
+            <a:r>
+              <a:rPr lang="en-US" altLang="zh-CN" dirty="0" smtClean="0">
+                <a:solidFill>
+                  <a:schemeClr val="bg2">
+                    <a:lumMod val="75000"/>
+                  </a:schemeClr>
+                </a:solidFill>
+              </a:rPr>
+              <a:t>1.0.1)</a:t>
+            </a:r>
+            <a:endParaRPr lang="zh-CN" altLang="en-US" dirty="0" smtClean="0">
               <a:solidFill>
                 <a:schemeClr val="bg2">
                   <a:lumMod val="75000"/>
@@ -4649,17 +6113,101 @@
             </a:endParaRPr>
           </a:p>
           <a:p>
-            <a:r>
-              <a:rPr lang="x-none" altLang="en-US">
-                <a:solidFill>
-                  <a:schemeClr val="bg2">
-                    <a:lumMod val="75000"/>
-                  </a:schemeClr>
-                </a:solidFill>
-              </a:rPr>
-              <a:t>服务治理</a:t>
-            </a:r>
-            <a:endParaRPr lang="x-none" altLang="en-US">
+            <a:pPr lvl="1"/>
+            <a:r>
+              <a:rPr lang="zh-CN" altLang="en-US" dirty="0" smtClean="0">
+                <a:solidFill>
+                  <a:schemeClr val="bg2">
+                    <a:lumMod val="75000"/>
+                  </a:schemeClr>
+                </a:solidFill>
+              </a:rPr>
+              <a:t>批量升级客户端至新版本，如出现问题可直接回退</a:t>
+            </a:r>
+            <a:r>
+              <a:rPr lang="en-US" altLang="zh-CN" dirty="0" smtClean="0">
+                <a:solidFill>
+                  <a:schemeClr val="bg2">
+                    <a:lumMod val="75000"/>
+                  </a:schemeClr>
+                </a:solidFill>
+              </a:rPr>
+              <a:t>(Hydra</a:t>
+            </a:r>
+            <a:r>
+              <a:rPr lang="zh-CN" altLang="en-US" dirty="0" smtClean="0">
+                <a:solidFill>
+                  <a:schemeClr val="bg2">
+                    <a:lumMod val="75000"/>
+                  </a:schemeClr>
+                </a:solidFill>
+              </a:rPr>
+              <a:t>自动根据版本号匹配服务</a:t>
+            </a:r>
+            <a:r>
+              <a:rPr lang="en-US" altLang="zh-CN" dirty="0" smtClean="0">
+                <a:solidFill>
+                  <a:schemeClr val="bg2">
+                    <a:lumMod val="75000"/>
+                  </a:schemeClr>
+                </a:solidFill>
+              </a:rPr>
+              <a:t>)</a:t>
+            </a:r>
+          </a:p>
+          <a:p>
+            <a:pPr lvl="1"/>
+            <a:r>
+              <a:rPr lang="zh-CN" altLang="en-US" dirty="0" smtClean="0">
+                <a:solidFill>
+                  <a:schemeClr val="bg2">
+                    <a:lumMod val="75000"/>
+                  </a:schemeClr>
+                </a:solidFill>
+              </a:rPr>
+              <a:t>卸载老版本服务</a:t>
+            </a:r>
+            <a:r>
+              <a:rPr lang="en-US" altLang="zh-CN" dirty="0" smtClean="0">
+                <a:solidFill>
+                  <a:schemeClr val="bg2">
+                    <a:lumMod val="75000"/>
+                  </a:schemeClr>
+                </a:solidFill>
+              </a:rPr>
+              <a:t>(</a:t>
+            </a:r>
+            <a:r>
+              <a:rPr lang="zh-CN" altLang="en-US" dirty="0" smtClean="0">
+                <a:solidFill>
+                  <a:schemeClr val="bg2">
+                    <a:lumMod val="75000"/>
+                  </a:schemeClr>
+                </a:solidFill>
+              </a:rPr>
+              <a:t>非</a:t>
+            </a:r>
+            <a:r>
+              <a:rPr lang="zh-CN" altLang="en-US" dirty="0" smtClean="0">
+                <a:solidFill>
+                  <a:schemeClr val="bg2">
+                    <a:lumMod val="75000"/>
+                  </a:schemeClr>
+                </a:solidFill>
+              </a:rPr>
+              <a:t>必须</a:t>
+            </a:r>
+            <a:r>
+              <a:rPr lang="en-US" altLang="zh-CN" dirty="0" smtClean="0">
+                <a:solidFill>
+                  <a:schemeClr val="bg2">
+                    <a:lumMod val="75000"/>
+                  </a:schemeClr>
+                </a:solidFill>
+              </a:rPr>
+              <a:t>)</a:t>
+            </a:r>
+            <a:endParaRPr lang="zh-CN" altLang="en-US" dirty="0" smtClean="0">
               <a:solidFill>
                 <a:schemeClr val="bg2">
                   <a:lumMod val="75000"/>
@@ -4667,18 +6215,79 @@
               </a:solidFill>
             </a:endParaRPr>
           </a:p>
-          <a:p>
-            <a:r>
-              <a:rPr lang="en-US">
-                <a:solidFill>
-                  <a:schemeClr val="bg2">
-                    <a:lumMod val="75000"/>
-                  </a:schemeClr>
-                </a:solidFill>
-              </a:rPr>
-              <a:t>管理中心</a:t>
-            </a:r>
-            <a:endParaRPr lang="en-US">
+        </p:txBody>
+      </p:sp>
+    </p:spTree>
+  </p:cSld>
+  <p:clrMapOvr>
+    <a:masterClrMapping/>
+  </p:clrMapOvr>
+  <p:timing>
+    <p:tnLst>
+      <p:par>
+        <p:cTn id="1" dur="indefinite" restart="never" nodeType="tmRoot"/>
+      </p:par>
+    </p:tnLst>
+  </p:timing>
+</p:sld>
+</file>
+
+<file path=ppt/slides/slide9.xml><?xml version="1.0" encoding="utf-8"?>
+<p:sld xmlns:a="http://schemas.openxmlformats.org/drawingml/2006/main" xmlns:r="http://schemas.openxmlformats.org/officeDocument/2006/relationships" xmlns:p="http://schemas.openxmlformats.org/presentationml/2006/main">
+  <p:cSld>
+    <p:spTree>
+      <p:nvGrpSpPr>
+        <p:cNvPr id="1" name=""/>
+        <p:cNvGrpSpPr/>
+        <p:nvPr/>
+      </p:nvGrpSpPr>
+      <p:grpSpPr>
+        <a:xfrm>
+          <a:off x="0" y="0"/>
+          <a:ext cx="0" cy="0"/>
+          <a:chOff x="0" y="0"/>
+          <a:chExt cx="0" cy="0"/>
+        </a:xfrm>
+      </p:grpSpPr>
+      <p:sp>
+        <p:nvSpPr>
+          <p:cNvPr id="2" name="Title 1"/>
+          <p:cNvSpPr>
+            <a:spLocks noGrp="1"/>
+          </p:cNvSpPr>
+          <p:nvPr>
+            <p:ph type="title"/>
+          </p:nvPr>
+        </p:nvSpPr>
+        <p:spPr/>
+        <p:txBody>
+          <a:bodyPr>
+            <a:normAutofit/>
+          </a:bodyPr>
+          <a:lstStyle/>
+          <a:p>
+            <a:pPr algn="l"/>
+            <a:r>
+              <a:rPr lang="en-US" altLang="en-US" dirty="0" smtClean="0">
+                <a:solidFill>
+                  <a:schemeClr val="bg2">
+                    <a:lumMod val="75000"/>
+                  </a:schemeClr>
+                </a:solidFill>
+              </a:rPr>
+              <a:t>Hydra2</a:t>
+            </a:r>
+            <a:r>
+              <a:rPr lang="zh-CN" altLang="en-US" dirty="0" smtClean="0">
+                <a:solidFill>
+                  <a:schemeClr val="bg2">
+                    <a:lumMod val="75000"/>
+                  </a:schemeClr>
+                </a:solidFill>
+              </a:rPr>
+              <a:t>的实现</a:t>
+            </a:r>
+            <a:endParaRPr lang="x-none" altLang="en-US" dirty="0">
               <a:solidFill>
                 <a:schemeClr val="bg2">
                   <a:lumMod val="75000"/>
@@ -4688,63 +6297,32 @@
           </a:p>
         </p:txBody>
       </p:sp>
-    </p:spTree>
-  </p:cSld>
-  <p:clrMapOvr>
-    <a:masterClrMapping/>
-  </p:clrMapOvr>
-</p:sld>
-</file>
-
-<file path=ppt/slides/slide9.xml><?xml version="1.0" encoding="utf-8"?>
-<p:sld xmlns:a="http://schemas.openxmlformats.org/drawingml/2006/main" xmlns:r="http://schemas.openxmlformats.org/officeDocument/2006/relationships" xmlns:p="http://schemas.openxmlformats.org/presentationml/2006/main">
-  <p:cSld>
-    <p:bg>
-      <p:bgPr>
-        <a:blipFill rotWithShape="1">
-          <a:blip r:embed="rId1"/>
-          <a:stretch>
-            <a:fillRect/>
-          </a:stretch>
-        </a:blipFill>
-        <a:effectLst/>
-      </p:bgPr>
-    </p:bg>
-    <p:spTree>
-      <p:nvGrpSpPr>
-        <p:cNvPr id="1" name=""/>
-        <p:cNvGrpSpPr/>
-        <p:nvPr/>
-      </p:nvGrpSpPr>
-      <p:grpSpPr/>
-      <p:sp>
-        <p:nvSpPr>
-          <p:cNvPr id="2" name="Title 1"/>
-          <p:cNvSpPr>
-            <a:spLocks noGrp="1"/>
-          </p:cNvSpPr>
-          <p:nvPr>
-            <p:ph type="title"/>
-          </p:nvPr>
-        </p:nvSpPr>
-        <p:spPr/>
-        <p:txBody>
-          <a:bodyPr>
-            <a:normAutofit/>
-          </a:bodyPr>
-          <a:p>
-            <a:pPr algn="l"/>
-            <a:r>
-              <a:rPr lang="x-none" altLang="en-US">
-                <a:solidFill>
-                  <a:schemeClr val="bg2">
-                    <a:lumMod val="75000"/>
-                  </a:schemeClr>
-                </a:solidFill>
-              </a:rPr>
-              <a:t>Hydra3的实现</a:t>
-            </a:r>
-            <a:endParaRPr lang="x-none" altLang="en-US">
+      <p:sp>
+        <p:nvSpPr>
+          <p:cNvPr id="3" name="Content Placeholder 2"/>
+          <p:cNvSpPr>
+            <a:spLocks noGrp="1"/>
+          </p:cNvSpPr>
+          <p:nvPr>
+            <p:ph idx="1"/>
+          </p:nvPr>
+        </p:nvSpPr>
+        <p:spPr/>
+        <p:txBody>
+          <a:bodyPr/>
+          <a:lstStyle/>
+          <a:p>
+            <a:r>
+              <a:rPr lang="en-US" altLang="zh-CN" dirty="0" err="1" smtClean="0">
+                <a:solidFill>
+                  <a:schemeClr val="bg2">
+                    <a:lumMod val="75000"/>
+                  </a:schemeClr>
+                </a:solidFill>
+              </a:rPr>
+              <a:t>OSGi</a:t>
+            </a:r>
+            <a:endParaRPr lang="x-none" altLang="en-US" dirty="0">
               <a:solidFill>
                 <a:schemeClr val="bg2">
                   <a:lumMod val="75000"/>
@@ -4756,28 +6334,52 @@
       </p:sp>
       <p:pic>
         <p:nvPicPr>
-          <p:cNvPr id="5" name="Content Placeholder 4" descr="servicenode"/>
+          <p:cNvPr id="4" name="Content Placeholder 4" descr="OSGi_ClassLoader"/>
           <p:cNvPicPr>
             <a:picLocks noChangeAspect="1"/>
           </p:cNvPicPr>
-          <p:nvPr>
-            <p:ph idx="1"/>
-          </p:nvPr>
+          <p:nvPr/>
         </p:nvPicPr>
         <p:blipFill>
-          <a:blip r:embed="rId2"/>
+          <a:blip r:embed="rId3"/>
           <a:stretch>
             <a:fillRect/>
           </a:stretch>
         </p:blipFill>
         <p:spPr>
           <a:xfrm>
-            <a:off x="562610" y="1450975"/>
-            <a:ext cx="11170920" cy="5405755"/>
+            <a:off x="5550408" y="1861693"/>
+            <a:ext cx="5379212" cy="4478655"/>
           </a:xfrm>
           <a:prstGeom prst="rect">
             <a:avLst/>
           </a:prstGeom>
+        </p:spPr>
+      </p:pic>
+      <p:pic>
+        <p:nvPicPr>
+          <p:cNvPr id="1026" name="Picture 2" descr="E:\mygit\ivaneye.github.com\source\ppt\share\hydra\hydra\classloader.png"/>
+          <p:cNvPicPr>
+            <a:picLocks noChangeAspect="1" noChangeArrowheads="1"/>
+          </p:cNvPicPr>
+          <p:nvPr/>
+        </p:nvPicPr>
+        <p:blipFill>
+          <a:blip r:embed="rId4"/>
+          <a:srcRect/>
+          <a:stretch>
+            <a:fillRect/>
+          </a:stretch>
+        </p:blipFill>
+        <p:spPr bwMode="auto">
+          <a:xfrm>
+            <a:off x="1216724" y="2885694"/>
+            <a:ext cx="2333625" cy="2933700"/>
+          </a:xfrm>
+          <a:prstGeom prst="rect">
+            <a:avLst/>
+          </a:prstGeom>
+          <a:noFill/>
         </p:spPr>
       </p:pic>
     </p:spTree>
@@ -5043,7 +6645,7 @@
   <a:extraClrSchemeLst/>
   <a:extLst>
     <a:ext uri="{05A4C25C-085E-4340-85A3-A5531E510DB2}">
-      <thm15:themeFamily xmlns:thm15="http://schemas.microsoft.com/office/thememl/2012/main" name="Office Theme" id="{62F939B6-93AF-4DB8-9C6B-D6C7DFDC589F}" vid="{4A3C46E8-61CC-4603-A589-7422A47A8E4A}"/>
+      <thm15:themeFamily xmlns:thm15="http://schemas.microsoft.com/office/thememl/2012/main" xmlns="" name="Office Theme" id="{62F939B6-93AF-4DB8-9C6B-D6C7DFDC589F}" vid="{4A3C46E8-61CC-4603-A589-7422A47A8E4A}"/>
     </a:ext>
   </a:extLst>
 </a:theme>
@@ -5304,7 +6906,7 @@
   <a:extraClrSchemeLst/>
   <a:extLst>
     <a:ext uri="{05A4C25C-085E-4340-85A3-A5531E510DB2}">
-      <thm15:themeFamily xmlns:thm15="http://schemas.microsoft.com/office/thememl/2012/main" name="Office Theme" id="{62F939B6-93AF-4DB8-9C6B-D6C7DFDC589F}" vid="{4A3C46E8-61CC-4603-A589-7422A47A8E4A}"/>
+      <thm15:themeFamily xmlns:thm15="http://schemas.microsoft.com/office/thememl/2012/main" xmlns="" name="Office Theme" id="{62F939B6-93AF-4DB8-9C6B-D6C7DFDC589F}" vid="{4A3C46E8-61CC-4603-A589-7422A47A8E4A}"/>
     </a:ext>
   </a:extLst>
 </a:theme>

--- a/source/ppt/work/焦点服务化框架Hydra的演变-王一帆.pptx
+++ b/source/ppt/work/焦点服务化框架Hydra的演变-王一帆.pptx
@@ -5,25 +5,26 @@
     <p:sldMasterId id="2147483648" r:id="rId1"/>
   </p:sldMasterIdLst>
   <p:notesMasterIdLst>
-    <p:notesMasterId r:id="rId18"/>
+    <p:notesMasterId r:id="rId16"/>
   </p:notesMasterIdLst>
+  <p:handoutMasterIdLst>
+    <p:handoutMasterId r:id="rId17"/>
+  </p:handoutMasterIdLst>
   <p:sldIdLst>
     <p:sldId id="256" r:id="rId2"/>
     <p:sldId id="257" r:id="rId3"/>
-    <p:sldId id="265" r:id="rId4"/>
-    <p:sldId id="266" r:id="rId5"/>
-    <p:sldId id="271" r:id="rId6"/>
-    <p:sldId id="272" r:id="rId7"/>
-    <p:sldId id="274" r:id="rId8"/>
-    <p:sldId id="273" r:id="rId9"/>
-    <p:sldId id="259" r:id="rId10"/>
-    <p:sldId id="269" r:id="rId11"/>
-    <p:sldId id="261" r:id="rId12"/>
-    <p:sldId id="263" r:id="rId13"/>
-    <p:sldId id="275" r:id="rId14"/>
-    <p:sldId id="270" r:id="rId15"/>
-    <p:sldId id="267" r:id="rId16"/>
-    <p:sldId id="264" r:id="rId17"/>
+    <p:sldId id="271" r:id="rId4"/>
+    <p:sldId id="272" r:id="rId5"/>
+    <p:sldId id="274" r:id="rId6"/>
+    <p:sldId id="259" r:id="rId7"/>
+    <p:sldId id="273" r:id="rId8"/>
+    <p:sldId id="269" r:id="rId9"/>
+    <p:sldId id="261" r:id="rId10"/>
+    <p:sldId id="263" r:id="rId11"/>
+    <p:sldId id="275" r:id="rId12"/>
+    <p:sldId id="270" r:id="rId13"/>
+    <p:sldId id="267" r:id="rId14"/>
+    <p:sldId id="264" r:id="rId15"/>
   </p:sldIdLst>
   <p:sldSz cx="12192000" cy="6858000"/>
   <p:notesSz cx="6858000" cy="9144000"/>
@@ -125,6 +126,166 @@
 </p:presentation>
 </file>
 
+<file path=ppt/handoutMasters/handoutMaster1.xml><?xml version="1.0" encoding="utf-8"?>
+<p:handoutMaster xmlns:a="http://schemas.openxmlformats.org/drawingml/2006/main" xmlns:r="http://schemas.openxmlformats.org/officeDocument/2006/relationships" xmlns:p="http://schemas.openxmlformats.org/presentationml/2006/main">
+  <p:cSld>
+    <p:bg>
+      <p:bgRef idx="1001">
+        <a:schemeClr val="bg1"/>
+      </p:bgRef>
+    </p:bg>
+    <p:spTree>
+      <p:nvGrpSpPr>
+        <p:cNvPr id="1" name=""/>
+        <p:cNvGrpSpPr/>
+        <p:nvPr/>
+      </p:nvGrpSpPr>
+      <p:grpSpPr>
+        <a:xfrm>
+          <a:off x="0" y="0"/>
+          <a:ext cx="0" cy="0"/>
+          <a:chOff x="0" y="0"/>
+          <a:chExt cx="0" cy="0"/>
+        </a:xfrm>
+      </p:grpSpPr>
+      <p:sp>
+        <p:nvSpPr>
+          <p:cNvPr id="2" name="页眉占位符 1"/>
+          <p:cNvSpPr>
+            <a:spLocks noGrp="1"/>
+          </p:cNvSpPr>
+          <p:nvPr>
+            <p:ph type="hdr" sz="quarter"/>
+          </p:nvPr>
+        </p:nvSpPr>
+        <p:spPr>
+          <a:xfrm>
+            <a:off x="0" y="0"/>
+            <a:ext cx="2971800" cy="457200"/>
+          </a:xfrm>
+          <a:prstGeom prst="rect">
+            <a:avLst/>
+          </a:prstGeom>
+        </p:spPr>
+        <p:txBody>
+          <a:bodyPr vert="horz" lIns="91440" tIns="45720" rIns="91440" bIns="45720" rtlCol="0"/>
+          <a:lstStyle>
+            <a:lvl1pPr algn="l">
+              <a:defRPr sz="1200"/>
+            </a:lvl1pPr>
+          </a:lstStyle>
+          <a:p>
+            <a:endParaRPr lang="zh-CN" altLang="en-US"/>
+          </a:p>
+        </p:txBody>
+      </p:sp>
+      <p:sp>
+        <p:nvSpPr>
+          <p:cNvPr id="3" name="日期占位符 2"/>
+          <p:cNvSpPr>
+            <a:spLocks noGrp="1"/>
+          </p:cNvSpPr>
+          <p:nvPr>
+            <p:ph type="dt" sz="quarter" idx="1"/>
+          </p:nvPr>
+        </p:nvSpPr>
+        <p:spPr>
+          <a:xfrm>
+            <a:off x="3884613" y="0"/>
+            <a:ext cx="2971800" cy="457200"/>
+          </a:xfrm>
+          <a:prstGeom prst="rect">
+            <a:avLst/>
+          </a:prstGeom>
+        </p:spPr>
+        <p:txBody>
+          <a:bodyPr vert="horz" lIns="91440" tIns="45720" rIns="91440" bIns="45720" rtlCol="0"/>
+          <a:lstStyle>
+            <a:lvl1pPr algn="r">
+              <a:defRPr sz="1200"/>
+            </a:lvl1pPr>
+          </a:lstStyle>
+          <a:p>
+            <a:fld id="{01713E72-FA39-44AD-8477-6847715536D6}" type="datetimeFigureOut">
+              <a:rPr lang="zh-CN" altLang="en-US" smtClean="0"/>
+              <a:t>2016/9/23</a:t>
+            </a:fld>
+            <a:endParaRPr lang="zh-CN" altLang="en-US"/>
+          </a:p>
+        </p:txBody>
+      </p:sp>
+      <p:sp>
+        <p:nvSpPr>
+          <p:cNvPr id="4" name="页脚占位符 3"/>
+          <p:cNvSpPr>
+            <a:spLocks noGrp="1"/>
+          </p:cNvSpPr>
+          <p:nvPr>
+            <p:ph type="ftr" sz="quarter" idx="2"/>
+          </p:nvPr>
+        </p:nvSpPr>
+        <p:spPr>
+          <a:xfrm>
+            <a:off x="0" y="8685213"/>
+            <a:ext cx="2971800" cy="457200"/>
+          </a:xfrm>
+          <a:prstGeom prst="rect">
+            <a:avLst/>
+          </a:prstGeom>
+        </p:spPr>
+        <p:txBody>
+          <a:bodyPr vert="horz" lIns="91440" tIns="45720" rIns="91440" bIns="45720" rtlCol="0" anchor="b"/>
+          <a:lstStyle>
+            <a:lvl1pPr algn="l">
+              <a:defRPr sz="1200"/>
+            </a:lvl1pPr>
+          </a:lstStyle>
+          <a:p>
+            <a:endParaRPr lang="zh-CN" altLang="en-US"/>
+          </a:p>
+        </p:txBody>
+      </p:sp>
+      <p:sp>
+        <p:nvSpPr>
+          <p:cNvPr id="5" name="灯片编号占位符 4"/>
+          <p:cNvSpPr>
+            <a:spLocks noGrp="1"/>
+          </p:cNvSpPr>
+          <p:nvPr>
+            <p:ph type="sldNum" sz="quarter" idx="3"/>
+          </p:nvPr>
+        </p:nvSpPr>
+        <p:spPr>
+          <a:xfrm>
+            <a:off x="3884613" y="8685213"/>
+            <a:ext cx="2971800" cy="457200"/>
+          </a:xfrm>
+          <a:prstGeom prst="rect">
+            <a:avLst/>
+          </a:prstGeom>
+        </p:spPr>
+        <p:txBody>
+          <a:bodyPr vert="horz" lIns="91440" tIns="45720" rIns="91440" bIns="45720" rtlCol="0" anchor="b"/>
+          <a:lstStyle>
+            <a:lvl1pPr algn="r">
+              <a:defRPr sz="1200"/>
+            </a:lvl1pPr>
+          </a:lstStyle>
+          <a:p>
+            <a:fld id="{C48EA05F-7BDC-44FB-92A3-B4FCE23D39EF}" type="slidenum">
+              <a:rPr lang="zh-CN" altLang="en-US" smtClean="0"/>
+              <a:t>‹#›</a:t>
+            </a:fld>
+            <a:endParaRPr lang="zh-CN" altLang="en-US"/>
+          </a:p>
+        </p:txBody>
+      </p:sp>
+    </p:spTree>
+  </p:cSld>
+  <p:clrMap bg1="lt1" tx1="dk1" bg2="lt2" tx2="dk2" accent1="accent1" accent2="accent2" accent3="accent3" accent4="accent4" accent5="accent5" accent6="accent6" hlink="hlink" folHlink="folHlink"/>
+</p:handoutMaster>
+</file>
+
 <file path=ppt/notesMasters/notesMaster1.xml><?xml version="1.0" encoding="utf-8"?>
 <p:notesMaster xmlns:a="http://schemas.openxmlformats.org/drawingml/2006/main" xmlns:r="http://schemas.openxmlformats.org/officeDocument/2006/relationships" xmlns:p="http://schemas.openxmlformats.org/presentationml/2006/main">
   <p:cSld>
@@ -208,7 +369,7 @@
             <a:fld id="{3EFD42F7-718C-4B98-AAEC-167E6DDD60A7}" type="datetimeFigureOut">
               <a:rPr lang="en-US" smtClean="0"/>
               <a:pPr/>
-              <a:t>9/22/2016</a:t>
+              <a:t>9/23/2016</a:t>
             </a:fld>
             <a:endParaRPr lang="en-US"/>
           </a:p>
@@ -491,24 +652,53 @@
       </p:grpSpPr>
       <p:sp>
         <p:nvSpPr>
-          <p:cNvPr id="2" name="Slide Image Placeholder 1"/>
+          <p:cNvPr id="2" name="幻灯片图像占位符 1"/>
           <p:cNvSpPr>
             <a:spLocks noGrp="1" noRot="1" noChangeAspect="1"/>
           </p:cNvSpPr>
           <p:nvPr>
-            <p:ph type="sldImg" idx="2"/>
+            <p:ph type="sldImg"/>
           </p:nvPr>
         </p:nvSpPr>
         <p:spPr/>
       </p:sp>
       <p:sp>
         <p:nvSpPr>
-          <p:cNvPr id="3" name="Text Placeholder 2"/>
-          <p:cNvSpPr>
-            <a:spLocks noGrp="1"/>
-          </p:cNvSpPr>
-          <p:nvPr>
-            <p:ph type="body" idx="3"/>
+          <p:cNvPr id="3" name="备注占位符 2"/>
+          <p:cNvSpPr>
+            <a:spLocks noGrp="1"/>
+          </p:cNvSpPr>
+          <p:nvPr>
+            <p:ph type="body" idx="1"/>
+          </p:nvPr>
+        </p:nvSpPr>
+        <p:spPr/>
+        <p:txBody>
+          <a:bodyPr>
+            <a:normAutofit/>
+          </a:bodyPr>
+          <a:lstStyle/>
+          <a:p>
+            <a:r>
+              <a:rPr lang="zh-CN" altLang="en-US" dirty="0" smtClean="0"/>
+              <a:t>为什么要造轮子？服务升级问题引出</a:t>
+            </a:r>
+            <a:r>
+              <a:rPr lang="en-US" altLang="zh-CN" dirty="0" smtClean="0"/>
+              <a:t>Hydra</a:t>
+            </a:r>
+            <a:endParaRPr lang="zh-CN" altLang="en-US" dirty="0"/>
+          </a:p>
+        </p:txBody>
+      </p:sp>
+      <p:sp>
+        <p:nvSpPr>
+          <p:cNvPr id="4" name="灯片编号占位符 3"/>
+          <p:cNvSpPr>
+            <a:spLocks noGrp="1"/>
+          </p:cNvSpPr>
+          <p:nvPr>
+            <p:ph type="sldNum" sz="quarter" idx="10"/>
           </p:nvPr>
         </p:nvSpPr>
         <p:spPr/>
@@ -516,18 +706,92 @@
           <a:bodyPr/>
           <a:lstStyle/>
           <a:p>
+            <a:fld id="{21B2AA4F-B828-4D7C-AFD3-893933DAFCB4}" type="slidenum">
+              <a:rPr lang="en-US" smtClean="0"/>
+              <a:pPr/>
+              <a:t>2</a:t>
+            </a:fld>
             <a:endParaRPr lang="en-US"/>
           </a:p>
         </p:txBody>
       </p:sp>
-      <p:sp>
-        <p:nvSpPr>
-          <p:cNvPr id="4" name="Slide Number Placeholder 3"/>
-          <p:cNvSpPr>
-            <a:spLocks noGrp="1"/>
-          </p:cNvSpPr>
-          <p:nvPr>
-            <p:ph type="sldNum" sz="quarter" idx="5"/>
+    </p:spTree>
+  </p:cSld>
+  <p:clrMapOvr>
+    <a:masterClrMapping/>
+  </p:clrMapOvr>
+</p:notes>
+</file>
+
+<file path=ppt/notesSlides/notesSlide10.xml><?xml version="1.0" encoding="utf-8"?>
+<p:notes xmlns:a="http://schemas.openxmlformats.org/drawingml/2006/main" xmlns:r="http://schemas.openxmlformats.org/officeDocument/2006/relationships" xmlns:p="http://schemas.openxmlformats.org/presentationml/2006/main">
+  <p:cSld>
+    <p:spTree>
+      <p:nvGrpSpPr>
+        <p:cNvPr id="1" name=""/>
+        <p:cNvGrpSpPr/>
+        <p:nvPr/>
+      </p:nvGrpSpPr>
+      <p:grpSpPr>
+        <a:xfrm>
+          <a:off x="0" y="0"/>
+          <a:ext cx="0" cy="0"/>
+          <a:chOff x="0" y="0"/>
+          <a:chExt cx="0" cy="0"/>
+        </a:xfrm>
+      </p:grpSpPr>
+      <p:sp>
+        <p:nvSpPr>
+          <p:cNvPr id="2" name="幻灯片图像占位符 1"/>
+          <p:cNvSpPr>
+            <a:spLocks noGrp="1" noRot="1" noChangeAspect="1"/>
+          </p:cNvSpPr>
+          <p:nvPr>
+            <p:ph type="sldImg"/>
+          </p:nvPr>
+        </p:nvSpPr>
+        <p:spPr/>
+      </p:sp>
+      <p:sp>
+        <p:nvSpPr>
+          <p:cNvPr id="3" name="备注占位符 2"/>
+          <p:cNvSpPr>
+            <a:spLocks noGrp="1"/>
+          </p:cNvSpPr>
+          <p:nvPr>
+            <p:ph type="body" idx="1"/>
+          </p:nvPr>
+        </p:nvSpPr>
+        <p:spPr/>
+        <p:txBody>
+          <a:bodyPr>
+            <a:normAutofit/>
+          </a:bodyPr>
+          <a:lstStyle/>
+          <a:p>
+            <a:r>
+              <a:rPr lang="zh-CN" altLang="en-US" dirty="0" smtClean="0"/>
+              <a:t>管理中心解决第四个问题</a:t>
+            </a:r>
+            <a:endParaRPr lang="en-US" altLang="zh-CN" dirty="0" smtClean="0"/>
+          </a:p>
+          <a:p>
+            <a:r>
+              <a:rPr lang="zh-CN" altLang="en-US" dirty="0" smtClean="0"/>
+              <a:t>基于元数据的服务管理，解决第五个问题</a:t>
+            </a:r>
+            <a:endParaRPr lang="zh-CN" altLang="en-US" dirty="0"/>
+          </a:p>
+        </p:txBody>
+      </p:sp>
+      <p:sp>
+        <p:nvSpPr>
+          <p:cNvPr id="4" name="灯片编号占位符 3"/>
+          <p:cNvSpPr>
+            <a:spLocks noGrp="1"/>
+          </p:cNvSpPr>
+          <p:nvPr>
+            <p:ph type="sldNum" sz="quarter" idx="10"/>
           </p:nvPr>
         </p:nvSpPr>
         <p:spPr/>
@@ -538,7 +802,89 @@
             <a:fld id="{21B2AA4F-B828-4D7C-AFD3-893933DAFCB4}" type="slidenum">
               <a:rPr lang="en-US" smtClean="0"/>
               <a:pPr/>
-              <a:t>3</a:t>
+              <a:t>12</a:t>
+            </a:fld>
+            <a:endParaRPr lang="en-US"/>
+          </a:p>
+        </p:txBody>
+      </p:sp>
+    </p:spTree>
+  </p:cSld>
+  <p:clrMapOvr>
+    <a:masterClrMapping/>
+  </p:clrMapOvr>
+</p:notes>
+</file>
+
+<file path=ppt/notesSlides/notesSlide11.xml><?xml version="1.0" encoding="utf-8"?>
+<p:notes xmlns:a="http://schemas.openxmlformats.org/drawingml/2006/main" xmlns:r="http://schemas.openxmlformats.org/officeDocument/2006/relationships" xmlns:p="http://schemas.openxmlformats.org/presentationml/2006/main">
+  <p:cSld>
+    <p:spTree>
+      <p:nvGrpSpPr>
+        <p:cNvPr id="1" name=""/>
+        <p:cNvGrpSpPr/>
+        <p:nvPr/>
+      </p:nvGrpSpPr>
+      <p:grpSpPr>
+        <a:xfrm>
+          <a:off x="0" y="0"/>
+          <a:ext cx="0" cy="0"/>
+          <a:chOff x="0" y="0"/>
+          <a:chExt cx="0" cy="0"/>
+        </a:xfrm>
+      </p:grpSpPr>
+      <p:sp>
+        <p:nvSpPr>
+          <p:cNvPr id="2" name="幻灯片图像占位符 1"/>
+          <p:cNvSpPr>
+            <a:spLocks noGrp="1" noRot="1" noChangeAspect="1"/>
+          </p:cNvSpPr>
+          <p:nvPr>
+            <p:ph type="sldImg"/>
+          </p:nvPr>
+        </p:nvSpPr>
+        <p:spPr/>
+      </p:sp>
+      <p:sp>
+        <p:nvSpPr>
+          <p:cNvPr id="3" name="备注占位符 2"/>
+          <p:cNvSpPr>
+            <a:spLocks noGrp="1"/>
+          </p:cNvSpPr>
+          <p:nvPr>
+            <p:ph type="body" idx="1"/>
+          </p:nvPr>
+        </p:nvSpPr>
+        <p:spPr/>
+        <p:txBody>
+          <a:bodyPr>
+            <a:normAutofit/>
+          </a:bodyPr>
+          <a:lstStyle/>
+          <a:p>
+            <a:endParaRPr lang="zh-CN" altLang="en-US"/>
+          </a:p>
+        </p:txBody>
+      </p:sp>
+      <p:sp>
+        <p:nvSpPr>
+          <p:cNvPr id="4" name="灯片编号占位符 3"/>
+          <p:cNvSpPr>
+            <a:spLocks noGrp="1"/>
+          </p:cNvSpPr>
+          <p:nvPr>
+            <p:ph type="sldNum" sz="quarter" idx="10"/>
+          </p:nvPr>
+        </p:nvSpPr>
+        <p:spPr/>
+        <p:txBody>
+          <a:bodyPr/>
+          <a:lstStyle/>
+          <a:p>
+            <a:fld id="{21B2AA4F-B828-4D7C-AFD3-893933DAFCB4}" type="slidenum">
+              <a:rPr lang="en-US" smtClean="0"/>
+              <a:pPr/>
+              <a:t>14</a:t>
             </a:fld>
             <a:endParaRPr lang="en-US"/>
           </a:p>
@@ -571,56 +917,24 @@
       </p:grpSpPr>
       <p:sp>
         <p:nvSpPr>
-          <p:cNvPr id="2" name="幻灯片图像占位符 1"/>
+          <p:cNvPr id="2" name="Slide Image Placeholder 1"/>
           <p:cNvSpPr>
             <a:spLocks noGrp="1" noRot="1" noChangeAspect="1"/>
           </p:cNvSpPr>
           <p:nvPr>
-            <p:ph type="sldImg"/>
+            <p:ph type="sldImg" idx="2"/>
           </p:nvPr>
         </p:nvSpPr>
         <p:spPr/>
       </p:sp>
       <p:sp>
         <p:nvSpPr>
-          <p:cNvPr id="3" name="备注占位符 2"/>
-          <p:cNvSpPr>
-            <a:spLocks noGrp="1"/>
-          </p:cNvSpPr>
-          <p:nvPr>
-            <p:ph type="body" idx="1"/>
-          </p:nvPr>
-        </p:nvSpPr>
-        <p:spPr/>
-        <p:txBody>
-          <a:bodyPr>
-            <a:normAutofit/>
-          </a:bodyPr>
-          <a:lstStyle/>
-          <a:p>
-            <a:r>
-              <a:rPr lang="zh-CN" altLang="en-US" dirty="0" smtClean="0"/>
-              <a:t>已有服务框架，为什么又造轮子？</a:t>
-            </a:r>
-            <a:endParaRPr lang="en-US" altLang="zh-CN" dirty="0" smtClean="0"/>
-          </a:p>
-          <a:p>
-            <a:r>
-              <a:rPr lang="zh-CN" altLang="en-US" dirty="0" smtClean="0"/>
-              <a:t>从服务升级引入现行服务框架的缺陷</a:t>
-            </a:r>
-            <a:endParaRPr lang="zh-CN" altLang="en-US" dirty="0"/>
-          </a:p>
-        </p:txBody>
-      </p:sp>
-      <p:sp>
-        <p:nvSpPr>
-          <p:cNvPr id="4" name="灯片编号占位符 3"/>
-          <p:cNvSpPr>
-            <a:spLocks noGrp="1"/>
-          </p:cNvSpPr>
-          <p:nvPr>
-            <p:ph type="sldNum" sz="quarter" idx="10"/>
+          <p:cNvPr id="3" name="Text Placeholder 2"/>
+          <p:cNvSpPr>
+            <a:spLocks noGrp="1"/>
+          </p:cNvSpPr>
+          <p:nvPr>
+            <p:ph type="body" idx="3"/>
           </p:nvPr>
         </p:nvSpPr>
         <p:spPr/>
@@ -628,10 +942,33 @@
           <a:bodyPr/>
           <a:lstStyle/>
           <a:p>
+            <a:r>
+              <a:rPr lang="zh-CN" altLang="en-US" dirty="0" smtClean="0"/>
+              <a:t>不兼容情况下发布服务，导致服务容量减半，相对的负载增加</a:t>
+            </a:r>
+            <a:endParaRPr lang="en-US" dirty="0"/>
+          </a:p>
+        </p:txBody>
+      </p:sp>
+      <p:sp>
+        <p:nvSpPr>
+          <p:cNvPr id="4" name="Slide Number Placeholder 3"/>
+          <p:cNvSpPr>
+            <a:spLocks noGrp="1"/>
+          </p:cNvSpPr>
+          <p:nvPr>
+            <p:ph type="sldNum" sz="quarter" idx="5"/>
+          </p:nvPr>
+        </p:nvSpPr>
+        <p:spPr/>
+        <p:txBody>
+          <a:bodyPr/>
+          <a:lstStyle/>
+          <a:p>
             <a:fld id="{21B2AA4F-B828-4D7C-AFD3-893933DAFCB4}" type="slidenum">
               <a:rPr lang="en-US" smtClean="0"/>
               <a:pPr/>
-              <a:t>4</a:t>
+              <a:t>3</a:t>
             </a:fld>
             <a:endParaRPr lang="en-US"/>
           </a:p>
@@ -691,7 +1028,18 @@
           <a:p>
             <a:r>
               <a:rPr lang="zh-CN" altLang="en-US" dirty="0" smtClean="0"/>
-              <a:t>不兼容情况下发布服务，导致服务容量减半，相对的负载增加</a:t>
+              <a:t>问题一，二</a:t>
+            </a:r>
+            <a:r>
+              <a:rPr lang="zh-CN" altLang="en-US" baseline="0" dirty="0" smtClean="0"/>
+              <a:t>   热部署</a:t>
+            </a:r>
+            <a:endParaRPr lang="en-US" altLang="zh-CN" baseline="0" dirty="0" smtClean="0"/>
+          </a:p>
+          <a:p>
+            <a:r>
+              <a:rPr lang="zh-CN" altLang="en-US" baseline="0" dirty="0" smtClean="0"/>
+              <a:t>问题三  版本管理</a:t>
             </a:r>
             <a:endParaRPr lang="en-US" dirty="0"/>
           </a:p>
@@ -715,7 +1063,7 @@
             <a:fld id="{21B2AA4F-B828-4D7C-AFD3-893933DAFCB4}" type="slidenum">
               <a:rPr lang="en-US" smtClean="0"/>
               <a:pPr/>
-              <a:t>5</a:t>
+              <a:t>4</a:t>
             </a:fld>
             <a:endParaRPr lang="en-US"/>
           </a:p>
@@ -774,10 +1122,68 @@
           <a:lstStyle/>
           <a:p>
             <a:r>
-              <a:rPr lang="zh-CN" altLang="en-US" dirty="0" smtClean="0"/>
-              <a:t>不兼容情况下发布服务，导致服务容量减半，相对的负载增加</a:t>
-            </a:r>
-            <a:endParaRPr lang="en-US" dirty="0"/>
+              <a:rPr lang="en-US">
+                <a:solidFill>
+                  <a:schemeClr val="bg2">
+                    <a:lumMod val="75000"/>
+                  </a:schemeClr>
+                </a:solidFill>
+                <a:sym typeface="+mn-ea"/>
+              </a:rPr>
+              <a:t>版本</a:t>
+            </a:r>
+            <a:r>
+              <a:rPr lang="x-none" altLang="en-US">
+                <a:solidFill>
+                  <a:schemeClr val="bg2">
+                    <a:lumMod val="75000"/>
+                  </a:schemeClr>
+                </a:solidFill>
+                <a:sym typeface="+mn-ea"/>
+              </a:rPr>
+              <a:t>管理：多版本所解决的问题和带来的优势，dubbo多版本处理</a:t>
+            </a:r>
+            <a:endParaRPr lang="x-none" altLang="en-US">
+              <a:solidFill>
+                <a:schemeClr val="bg2">
+                  <a:lumMod val="75000"/>
+                </a:schemeClr>
+              </a:solidFill>
+            </a:endParaRPr>
+          </a:p>
+          <a:p>
+            <a:r>
+              <a:rPr lang="en-US">
+                <a:solidFill>
+                  <a:schemeClr val="bg2">
+                    <a:lumMod val="75000"/>
+                  </a:schemeClr>
+                </a:solidFill>
+                <a:sym typeface="+mn-ea"/>
+              </a:rPr>
+              <a:t>热部署</a:t>
+            </a:r>
+            <a:r>
+              <a:rPr lang="x-none" altLang="en-US">
+                <a:solidFill>
+                  <a:schemeClr val="bg2">
+                    <a:lumMod val="75000"/>
+                  </a:schemeClr>
+                </a:solidFill>
+                <a:sym typeface="+mn-ea"/>
+              </a:rPr>
+              <a:t>：加快启动速度</a:t>
+            </a:r>
+            <a:endParaRPr lang="x-none" altLang="en-US">
+              <a:solidFill>
+                <a:schemeClr val="bg2">
+                  <a:lumMod val="75000"/>
+                </a:schemeClr>
+              </a:solidFill>
+            </a:endParaRPr>
+          </a:p>
+          <a:p>
+            <a:endParaRPr lang="en-US"/>
           </a:p>
         </p:txBody>
       </p:sp>
@@ -799,7 +1205,7 @@
             <a:fld id="{21B2AA4F-B828-4D7C-AFD3-893933DAFCB4}" type="slidenum">
               <a:rPr lang="en-US" smtClean="0"/>
               <a:pPr/>
-              <a:t>6</a:t>
+              <a:t>5</a:t>
             </a:fld>
             <a:endParaRPr lang="en-US"/>
           </a:p>
@@ -941,7 +1347,7 @@
             <a:fld id="{21B2AA4F-B828-4D7C-AFD3-893933DAFCB4}" type="slidenum">
               <a:rPr lang="en-US" smtClean="0"/>
               <a:pPr/>
-              <a:t>7</a:t>
+              <a:t>6</a:t>
             </a:fld>
             <a:endParaRPr lang="en-US"/>
           </a:p>
@@ -1025,7 +1431,7 @@
             <a:fld id="{21B2AA4F-B828-4D7C-AFD3-893933DAFCB4}" type="slidenum">
               <a:rPr lang="en-US" smtClean="0"/>
               <a:pPr/>
-              <a:t>8</a:t>
+              <a:t>7</a:t>
             </a:fld>
             <a:endParaRPr lang="en-US"/>
           </a:p>
@@ -1058,105 +1464,110 @@
       </p:grpSpPr>
       <p:sp>
         <p:nvSpPr>
-          <p:cNvPr id="2" name="Slide Image Placeholder 1"/>
+          <p:cNvPr id="2" name="幻灯片图像占位符 1"/>
           <p:cNvSpPr>
             <a:spLocks noGrp="1" noRot="1" noChangeAspect="1"/>
           </p:cNvSpPr>
           <p:nvPr>
-            <p:ph type="sldImg" idx="2"/>
+            <p:ph type="sldImg"/>
           </p:nvPr>
         </p:nvSpPr>
         <p:spPr/>
       </p:sp>
       <p:sp>
         <p:nvSpPr>
-          <p:cNvPr id="3" name="Text Placeholder 2"/>
-          <p:cNvSpPr>
-            <a:spLocks noGrp="1"/>
-          </p:cNvSpPr>
-          <p:nvPr>
-            <p:ph type="body" idx="3"/>
+          <p:cNvPr id="3" name="备注占位符 2"/>
+          <p:cNvSpPr>
+            <a:spLocks noGrp="1"/>
+          </p:cNvSpPr>
+          <p:nvPr>
+            <p:ph type="body" idx="1"/>
           </p:nvPr>
         </p:nvSpPr>
         <p:spPr/>
         <p:txBody>
-          <a:bodyPr/>
+          <a:bodyPr>
+            <a:normAutofit/>
+          </a:bodyPr>
           <a:lstStyle/>
           <a:p>
-            <a:r>
-              <a:rPr lang="en-US">
-                <a:solidFill>
-                  <a:schemeClr val="bg2">
-                    <a:lumMod val="75000"/>
-                  </a:schemeClr>
-                </a:solidFill>
-                <a:sym typeface="+mn-ea"/>
-              </a:rPr>
-              <a:t>版本</a:t>
-            </a:r>
-            <a:r>
-              <a:rPr lang="x-none" altLang="en-US">
-                <a:solidFill>
-                  <a:schemeClr val="bg2">
-                    <a:lumMod val="75000"/>
-                  </a:schemeClr>
-                </a:solidFill>
-                <a:sym typeface="+mn-ea"/>
-              </a:rPr>
-              <a:t>管理：多版本所解决的问题和带来的优势，dubbo多版本处理</a:t>
-            </a:r>
-            <a:endParaRPr lang="x-none" altLang="en-US">
-              <a:solidFill>
-                <a:schemeClr val="bg2">
-                  <a:lumMod val="75000"/>
-                </a:schemeClr>
-              </a:solidFill>
-            </a:endParaRPr>
-          </a:p>
-          <a:p>
-            <a:r>
-              <a:rPr lang="en-US">
-                <a:solidFill>
-                  <a:schemeClr val="bg2">
-                    <a:lumMod val="75000"/>
-                  </a:schemeClr>
-                </a:solidFill>
-                <a:sym typeface="+mn-ea"/>
-              </a:rPr>
-              <a:t>热部署</a:t>
-            </a:r>
-            <a:r>
-              <a:rPr lang="x-none" altLang="en-US">
-                <a:solidFill>
-                  <a:schemeClr val="bg2">
-                    <a:lumMod val="75000"/>
-                  </a:schemeClr>
-                </a:solidFill>
-                <a:sym typeface="+mn-ea"/>
-              </a:rPr>
-              <a:t>：加快启动速度</a:t>
-            </a:r>
-            <a:endParaRPr lang="x-none" altLang="en-US">
-              <a:solidFill>
-                <a:schemeClr val="bg2">
-                  <a:lumMod val="75000"/>
-                </a:schemeClr>
-              </a:solidFill>
-            </a:endParaRPr>
-          </a:p>
-          <a:p>
-            <a:endParaRPr lang="en-US"/>
-          </a:p>
-        </p:txBody>
-      </p:sp>
-      <p:sp>
-        <p:nvSpPr>
-          <p:cNvPr id="4" name="Slide Number Placeholder 3"/>
-          <p:cNvSpPr>
-            <a:spLocks noGrp="1"/>
-          </p:cNvSpPr>
-          <p:nvPr>
-            <p:ph type="sldNum" sz="quarter" idx="5"/>
+            <a:pPr marL="228600" indent="-228600">
+              <a:buAutoNum type="arabicPeriod"/>
+            </a:pPr>
+            <a:r>
+              <a:rPr lang="zh-CN" altLang="en-US" dirty="0" smtClean="0"/>
+              <a:t>手动</a:t>
+            </a:r>
+            <a:r>
+              <a:rPr lang="en-US" altLang="zh-CN" i="1" dirty="0" smtClean="0"/>
+              <a:t>import/export,</a:t>
+            </a:r>
+            <a:r>
+              <a:rPr lang="zh-CN" altLang="en-US" i="1" dirty="0" smtClean="0"/>
+              <a:t>且只能在运行时验证</a:t>
+            </a:r>
+            <a:r>
+              <a:rPr lang="en-US" altLang="zh-CN" i="1" dirty="0" smtClean="0"/>
+              <a:t>.</a:t>
+            </a:r>
+            <a:r>
+              <a:rPr lang="zh-CN" altLang="en-US" i="1" smtClean="0"/>
+              <a:t>只能远程</a:t>
+            </a:r>
+            <a:r>
+              <a:rPr lang="en-US" altLang="zh-CN" i="1" smtClean="0"/>
+              <a:t>debug</a:t>
+            </a:r>
+            <a:endParaRPr lang="en-US" altLang="zh-CN" i="1" dirty="0" smtClean="0"/>
+          </a:p>
+          <a:p>
+            <a:pPr marL="228600" indent="-228600">
+              <a:buAutoNum type="arabicPeriod"/>
+            </a:pPr>
+            <a:r>
+              <a:rPr lang="zh-CN" altLang="en-US" i="1" dirty="0" smtClean="0"/>
+              <a:t>使用的</a:t>
+            </a:r>
+            <a:r>
+              <a:rPr lang="en-US" altLang="zh-CN" i="1" dirty="0" smtClean="0"/>
+              <a:t>Reactor</a:t>
+            </a:r>
+            <a:r>
+              <a:rPr lang="zh-CN" altLang="en-US" i="1" dirty="0" smtClean="0"/>
+              <a:t>主从模型，可能存在耗时的服务堵塞队列，导致其他服务超时</a:t>
+            </a:r>
+            <a:endParaRPr lang="en-US" altLang="zh-CN" i="1" dirty="0" smtClean="0"/>
+          </a:p>
+          <a:p>
+            <a:pPr marL="228600" indent="-228600">
+              <a:buAutoNum type="arabicPeriod"/>
+            </a:pPr>
+            <a:r>
+              <a:rPr lang="zh-CN" altLang="en-US" i="1" dirty="0" smtClean="0"/>
+              <a:t>发布服务需要分别操作每台需要发布服务的机器</a:t>
+            </a:r>
+            <a:endParaRPr lang="en-US" altLang="zh-CN" i="1" dirty="0" smtClean="0"/>
+          </a:p>
+          <a:p>
+            <a:pPr marL="228600" indent="-228600">
+              <a:buAutoNum type="arabicPeriod"/>
+            </a:pPr>
+            <a:r>
+              <a:rPr lang="zh-CN" altLang="en-US" i="1" dirty="0" smtClean="0"/>
+              <a:t>服务更新后，无法方便的确认相应的服务是更新后人为删除的还是发布失败</a:t>
+            </a:r>
+            <a:endParaRPr lang="zh-CN" altLang="en-US" dirty="0"/>
+          </a:p>
+        </p:txBody>
+      </p:sp>
+      <p:sp>
+        <p:nvSpPr>
+          <p:cNvPr id="4" name="灯片编号占位符 3"/>
+          <p:cNvSpPr>
+            <a:spLocks noGrp="1"/>
+          </p:cNvSpPr>
+          <p:nvPr>
+            <p:ph type="sldNum" sz="quarter" idx="10"/>
           </p:nvPr>
         </p:nvSpPr>
         <p:spPr/>
@@ -1227,6 +1638,108 @@
           </a:bodyPr>
           <a:lstStyle/>
           <a:p>
+            <a:r>
+              <a:rPr lang="zh-CN" altLang="en-US" dirty="0" smtClean="0"/>
+              <a:t>解决第一，第二个问题</a:t>
+            </a:r>
+            <a:endParaRPr lang="zh-CN" altLang="en-US" dirty="0"/>
+          </a:p>
+        </p:txBody>
+      </p:sp>
+      <p:sp>
+        <p:nvSpPr>
+          <p:cNvPr id="4" name="灯片编号占位符 3"/>
+          <p:cNvSpPr>
+            <a:spLocks noGrp="1"/>
+          </p:cNvSpPr>
+          <p:nvPr>
+            <p:ph type="sldNum" sz="quarter" idx="10"/>
+          </p:nvPr>
+        </p:nvSpPr>
+        <p:spPr/>
+        <p:txBody>
+          <a:bodyPr/>
+          <a:lstStyle/>
+          <a:p>
+            <a:fld id="{21B2AA4F-B828-4D7C-AFD3-893933DAFCB4}" type="slidenum">
+              <a:rPr lang="en-US" smtClean="0"/>
+              <a:pPr/>
+              <a:t>10</a:t>
+            </a:fld>
+            <a:endParaRPr lang="en-US"/>
+          </a:p>
+        </p:txBody>
+      </p:sp>
+    </p:spTree>
+  </p:cSld>
+  <p:clrMapOvr>
+    <a:masterClrMapping/>
+  </p:clrMapOvr>
+</p:notes>
+</file>
+
+<file path=ppt/notesSlides/notesSlide9.xml><?xml version="1.0" encoding="utf-8"?>
+<p:notes xmlns:a="http://schemas.openxmlformats.org/drawingml/2006/main" xmlns:r="http://schemas.openxmlformats.org/officeDocument/2006/relationships" xmlns:p="http://schemas.openxmlformats.org/presentationml/2006/main">
+  <p:cSld>
+    <p:spTree>
+      <p:nvGrpSpPr>
+        <p:cNvPr id="1" name=""/>
+        <p:cNvGrpSpPr/>
+        <p:nvPr/>
+      </p:nvGrpSpPr>
+      <p:grpSpPr>
+        <a:xfrm>
+          <a:off x="0" y="0"/>
+          <a:ext cx="0" cy="0"/>
+          <a:chOff x="0" y="0"/>
+          <a:chExt cx="0" cy="0"/>
+        </a:xfrm>
+      </p:grpSpPr>
+      <p:sp>
+        <p:nvSpPr>
+          <p:cNvPr id="2" name="幻灯片图像占位符 1"/>
+          <p:cNvSpPr>
+            <a:spLocks noGrp="1" noRot="1" noChangeAspect="1"/>
+          </p:cNvSpPr>
+          <p:nvPr>
+            <p:ph type="sldImg"/>
+          </p:nvPr>
+        </p:nvSpPr>
+        <p:spPr/>
+      </p:sp>
+      <p:sp>
+        <p:nvSpPr>
+          <p:cNvPr id="3" name="备注占位符 2"/>
+          <p:cNvSpPr>
+            <a:spLocks noGrp="1"/>
+          </p:cNvSpPr>
+          <p:nvPr>
+            <p:ph type="body" idx="1"/>
+          </p:nvPr>
+        </p:nvSpPr>
+        <p:spPr/>
+        <p:txBody>
+          <a:bodyPr>
+            <a:normAutofit/>
+          </a:bodyPr>
+          <a:lstStyle/>
+          <a:p>
+            <a:r>
+              <a:rPr lang="zh-CN" altLang="en-US" dirty="0" smtClean="0"/>
+              <a:t>自定义</a:t>
+            </a:r>
+            <a:r>
+              <a:rPr lang="en-US" altLang="zh-CN" dirty="0" err="1" smtClean="0"/>
+              <a:t>WorkThreadPool</a:t>
+            </a:r>
+            <a:r>
+              <a:rPr lang="en-US" altLang="zh-CN" dirty="0" smtClean="0"/>
+              <a:t>,</a:t>
+            </a:r>
+            <a:r>
+              <a:rPr lang="zh-CN" altLang="en-US" dirty="0" smtClean="0"/>
+              <a:t>解决第三个问题</a:t>
+            </a:r>
             <a:endParaRPr lang="zh-CN" altLang="en-US" dirty="0"/>
           </a:p>
         </p:txBody>
@@ -1395,7 +1908,7 @@
             <a:fld id="{FDE934FF-F4E1-47C5-9CA5-30A81DDE2BE4}" type="datetimeFigureOut">
               <a:rPr lang="en-US" smtClean="0"/>
               <a:pPr/>
-              <a:t>9/22/2016</a:t>
+              <a:t>9/23/2016</a:t>
             </a:fld>
             <a:endParaRPr lang="en-US"/>
           </a:p>
@@ -1562,7 +2075,7 @@
             <a:fld id="{FDE934FF-F4E1-47C5-9CA5-30A81DDE2BE4}" type="datetimeFigureOut">
               <a:rPr lang="en-US" smtClean="0"/>
               <a:pPr/>
-              <a:t>9/22/2016</a:t>
+              <a:t>9/23/2016</a:t>
             </a:fld>
             <a:endParaRPr lang="en-US"/>
           </a:p>
@@ -1739,7 +2252,7 @@
             <a:fld id="{FDE934FF-F4E1-47C5-9CA5-30A81DDE2BE4}" type="datetimeFigureOut">
               <a:rPr lang="en-US" smtClean="0"/>
               <a:pPr/>
-              <a:t>9/22/2016</a:t>
+              <a:t>9/23/2016</a:t>
             </a:fld>
             <a:endParaRPr lang="en-US"/>
           </a:p>
@@ -1906,7 +2419,7 @@
             <a:fld id="{FDE934FF-F4E1-47C5-9CA5-30A81DDE2BE4}" type="datetimeFigureOut">
               <a:rPr lang="en-US" smtClean="0"/>
               <a:pPr/>
-              <a:t>9/22/2016</a:t>
+              <a:t>9/23/2016</a:t>
             </a:fld>
             <a:endParaRPr lang="en-US"/>
           </a:p>
@@ -2149,7 +2662,7 @@
             <a:fld id="{FDE934FF-F4E1-47C5-9CA5-30A81DDE2BE4}" type="datetimeFigureOut">
               <a:rPr lang="en-US" smtClean="0"/>
               <a:pPr/>
-              <a:t>9/22/2016</a:t>
+              <a:t>9/23/2016</a:t>
             </a:fld>
             <a:endParaRPr lang="en-US"/>
           </a:p>
@@ -2378,7 +2891,7 @@
             <a:fld id="{FDE934FF-F4E1-47C5-9CA5-30A81DDE2BE4}" type="datetimeFigureOut">
               <a:rPr lang="en-US" smtClean="0"/>
               <a:pPr/>
-              <a:t>9/22/2016</a:t>
+              <a:t>9/23/2016</a:t>
             </a:fld>
             <a:endParaRPr lang="en-US"/>
           </a:p>
@@ -2742,7 +3255,7 @@
             <a:fld id="{FDE934FF-F4E1-47C5-9CA5-30A81DDE2BE4}" type="datetimeFigureOut">
               <a:rPr lang="en-US" smtClean="0"/>
               <a:pPr/>
-              <a:t>9/22/2016</a:t>
+              <a:t>9/23/2016</a:t>
             </a:fld>
             <a:endParaRPr lang="en-US"/>
           </a:p>
@@ -2857,7 +3370,7 @@
             <a:fld id="{FDE934FF-F4E1-47C5-9CA5-30A81DDE2BE4}" type="datetimeFigureOut">
               <a:rPr lang="en-US" smtClean="0"/>
               <a:pPr/>
-              <a:t>9/22/2016</a:t>
+              <a:t>9/23/2016</a:t>
             </a:fld>
             <a:endParaRPr lang="en-US"/>
           </a:p>
@@ -2949,7 +3462,7 @@
             <a:fld id="{FDE934FF-F4E1-47C5-9CA5-30A81DDE2BE4}" type="datetimeFigureOut">
               <a:rPr lang="en-US" smtClean="0"/>
               <a:pPr/>
-              <a:t>9/22/2016</a:t>
+              <a:t>9/23/2016</a:t>
             </a:fld>
             <a:endParaRPr lang="en-US"/>
           </a:p>
@@ -3223,7 +3736,7 @@
             <a:fld id="{FDE934FF-F4E1-47C5-9CA5-30A81DDE2BE4}" type="datetimeFigureOut">
               <a:rPr lang="en-US" smtClean="0"/>
               <a:pPr/>
-              <a:t>9/22/2016</a:t>
+              <a:t>9/23/2016</a:t>
             </a:fld>
             <a:endParaRPr lang="en-US"/>
           </a:p>
@@ -3473,7 +3986,7 @@
             <a:fld id="{FDE934FF-F4E1-47C5-9CA5-30A81DDE2BE4}" type="datetimeFigureOut">
               <a:rPr lang="en-US" smtClean="0"/>
               <a:pPr/>
-              <a:t>9/22/2016</a:t>
+              <a:t>9/23/2016</a:t>
             </a:fld>
             <a:endParaRPr lang="en-US"/>
           </a:p>
@@ -3542,15 +4055,9 @@
   <p:cSld>
     <p:bg>
       <p:bgPr>
-        <a:blipFill dpi="0" rotWithShape="1">
-          <a:blip r:embed="rId13">
-            <a:lum/>
-          </a:blip>
-          <a:srcRect/>
-          <a:stretch>
-            <a:fillRect t="-10000" b="-10000"/>
-          </a:stretch>
-        </a:blipFill>
+        <a:solidFill>
+          <a:schemeClr val="bg1"/>
+        </a:solidFill>
         <a:effectLst/>
       </p:bgPr>
     </p:bg>
@@ -3699,7 +4206,7 @@
             <a:fld id="{FDE934FF-F4E1-47C5-9CA5-30A81DDE2BE4}" type="datetimeFigureOut">
               <a:rPr lang="en-US" smtClean="0"/>
               <a:pPr/>
-              <a:t>9/22/2016</a:t>
+              <a:t>9/23/2016</a:t>
             </a:fld>
             <a:endParaRPr lang="en-US"/>
           </a:p>
@@ -4121,10 +4628,11 @@
           <a:lstStyle/>
           <a:p>
             <a:r>
-              <a:rPr lang="x-none" altLang="en-US">
+              <a:rPr lang="x-none" altLang="en-US" dirty="0">
                 <a:solidFill>
-                  <a:schemeClr val="bg2">
-                    <a:lumMod val="75000"/>
+                  <a:schemeClr val="tx1">
+                    <a:lumMod val="65000"/>
+                    <a:lumOff val="35000"/>
                   </a:schemeClr>
                 </a:solidFill>
                 <a:latin typeface="Microsoft YaHei" charset="0"/>
@@ -4150,7 +4658,7 @@
           <a:bodyPr/>
           <a:lstStyle/>
           <a:p>
-            <a:endParaRPr lang="x-none" altLang="en-US">
+            <a:endParaRPr lang="x-none" altLang="en-US" dirty="0">
               <a:solidFill>
                 <a:schemeClr val="bg2">
                   <a:lumMod val="75000"/>
@@ -4160,10 +4668,11 @@
           </a:p>
           <a:p>
             <a:r>
-              <a:rPr lang="x-none" altLang="en-US">
+              <a:rPr lang="x-none" altLang="en-US" dirty="0">
                 <a:solidFill>
-                  <a:schemeClr val="bg2">
-                    <a:lumMod val="75000"/>
+                  <a:schemeClr val="tx1">
+                    <a:lumMod val="50000"/>
+                    <a:lumOff val="50000"/>
                   </a:schemeClr>
                 </a:solidFill>
                 <a:latin typeface="Microsoft YaHei" charset="0"/>
@@ -4174,38 +4683,32 @@
           </a:p>
         </p:txBody>
       </p:sp>
-      <p:sp>
-        <p:nvSpPr>
-          <p:cNvPr id="6" name="Footer Placeholder 5"/>
-          <p:cNvSpPr>
-            <a:spLocks noGrp="1"/>
-          </p:cNvSpPr>
-          <p:nvPr>
-            <p:ph type="ftr" sz="quarter" idx="11"/>
-          </p:nvPr>
-        </p:nvSpPr>
-        <p:spPr>
+      <p:pic>
+        <p:nvPicPr>
+          <p:cNvPr id="2050" name="Picture 2" descr="C:\Users\wangyifan\AppData\Roaming\Foxmail7\Temp-3628-20160922082721\logo2016.jpg"/>
+          <p:cNvPicPr>
+            <a:picLocks noChangeAspect="1" noChangeArrowheads="1"/>
+          </p:cNvPicPr>
+          <p:nvPr/>
+        </p:nvPicPr>
+        <p:blipFill>
+          <a:blip r:embed="rId2"/>
+          <a:srcRect/>
+          <a:stretch>
+            <a:fillRect/>
+          </a:stretch>
+        </p:blipFill>
+        <p:spPr bwMode="auto">
           <a:xfrm>
-            <a:off x="3872865" y="4977130"/>
-            <a:ext cx="4631055" cy="822325"/>
+            <a:off x="9534525" y="0"/>
+            <a:ext cx="2657475" cy="847725"/>
           </a:xfrm>
-          <a:blipFill rotWithShape="1">
-            <a:blip r:embed="rId2">
-              <a:alphaModFix amt="70000"/>
-            </a:blip>
-            <a:stretch>
-              <a:fillRect/>
-            </a:stretch>
-          </a:blipFill>
+          <a:prstGeom prst="rect">
+            <a:avLst/>
+          </a:prstGeom>
+          <a:noFill/>
         </p:spPr>
-        <p:txBody>
-          <a:bodyPr/>
-          <a:lstStyle/>
-          <a:p>
-            <a:endParaRPr lang="en-US" dirty="0"/>
-          </a:p>
-        </p:txBody>
-      </p:sp>
+      </p:pic>
     </p:spTree>
   </p:cSld>
   <p:clrMapOvr>
@@ -4215,129 +4718,9 @@
   <p:timing>
     <p:tnLst>
       <p:par>
-        <p:cTn id="1" dur="indefinite" restart="never" nodeType="tmRoot">
-          <p:childTnLst>
-            <p:seq concurrent="1" nextAc="seek">
-              <p:cTn id="2" dur="indefinite" nodeType="mainSeq">
-                <p:childTnLst>
-                  <p:par>
-                    <p:cTn id="3" fill="hold">
-                      <p:stCondLst>
-                        <p:cond delay="indefinite"/>
-                        <p:cond evt="onBegin" delay="0">
-                          <p:tn val="2"/>
-                        </p:cond>
-                      </p:stCondLst>
-                      <p:childTnLst>
-                        <p:par>
-                          <p:cTn id="4" fill="hold">
-                            <p:stCondLst>
-                              <p:cond delay="0"/>
-                            </p:stCondLst>
-                            <p:childTnLst>
-                              <p:par>
-                                <p:cTn id="5" presetID="2" presetClass="entr" presetSubtype="4" fill="hold" grpId="0" nodeType="afterEffect">
-                                  <p:stCondLst>
-                                    <p:cond delay="0"/>
-                                  </p:stCondLst>
-                                  <p:childTnLst>
-                                    <p:set>
-                                      <p:cBhvr>
-                                        <p:cTn id="6" dur="1" fill="hold">
-                                          <p:stCondLst>
-                                            <p:cond delay="0"/>
-                                          </p:stCondLst>
-                                        </p:cTn>
-                                        <p:tgtEl>
-                                          <p:spTgt spid="6"/>
-                                        </p:tgtEl>
-                                        <p:attrNameLst>
-                                          <p:attrName>style.visibility</p:attrName>
-                                        </p:attrNameLst>
-                                      </p:cBhvr>
-                                      <p:to>
-                                        <p:strVal val="visible"/>
-                                      </p:to>
-                                    </p:set>
-                                    <p:anim calcmode="lin" valueType="num">
-                                      <p:cBhvr additive="base">
-                                        <p:cTn id="7" dur="500" fill="hold"/>
-                                        <p:tgtEl>
-                                          <p:spTgt spid="6"/>
-                                        </p:tgtEl>
-                                        <p:attrNameLst>
-                                          <p:attrName>ppt_x</p:attrName>
-                                        </p:attrNameLst>
-                                      </p:cBhvr>
-                                      <p:tavLst>
-                                        <p:tav tm="0">
-                                          <p:val>
-                                            <p:strVal val="#ppt_x"/>
-                                          </p:val>
-                                        </p:tav>
-                                        <p:tav tm="100000">
-                                          <p:val>
-                                            <p:strVal val="#ppt_x"/>
-                                          </p:val>
-                                        </p:tav>
-                                      </p:tavLst>
-                                    </p:anim>
-                                    <p:anim calcmode="lin" valueType="num">
-                                      <p:cBhvr additive="base">
-                                        <p:cTn id="8" dur="500" fill="hold"/>
-                                        <p:tgtEl>
-                                          <p:spTgt spid="6"/>
-                                        </p:tgtEl>
-                                        <p:attrNameLst>
-                                          <p:attrName>ppt_y</p:attrName>
-                                        </p:attrNameLst>
-                                      </p:cBhvr>
-                                      <p:tavLst>
-                                        <p:tav tm="0">
-                                          <p:val>
-                                            <p:strVal val="1+#ppt_h/2"/>
-                                          </p:val>
-                                        </p:tav>
-                                        <p:tav tm="100000">
-                                          <p:val>
-                                            <p:strVal val="#ppt_y"/>
-                                          </p:val>
-                                        </p:tav>
-                                      </p:tavLst>
-                                    </p:anim>
-                                  </p:childTnLst>
-                                </p:cTn>
-                              </p:par>
-                            </p:childTnLst>
-                          </p:cTn>
-                        </p:par>
-                      </p:childTnLst>
-                    </p:cTn>
-                  </p:par>
-                </p:childTnLst>
-              </p:cTn>
-              <p:prevCondLst>
-                <p:cond evt="onPrev" delay="0">
-                  <p:tgtEl>
-                    <p:sldTgt/>
-                  </p:tgtEl>
-                </p:cond>
-              </p:prevCondLst>
-              <p:nextCondLst>
-                <p:cond evt="onNext" delay="0">
-                  <p:tgtEl>
-                    <p:sldTgt/>
-                  </p:tgtEl>
-                </p:cond>
-              </p:nextCondLst>
-            </p:seq>
-          </p:childTnLst>
-        </p:cTn>
+        <p:cTn id="1" dur="indefinite" restart="never" nodeType="tmRoot"/>
       </p:par>
     </p:tnLst>
-    <p:bldLst>
-      <p:bldP spid="6" grpId="0" animBg="1"/>
-    </p:bldLst>
   </p:timing>
 </p:sld>
 </file>
@@ -4359,9 +4742,79 @@
           <a:chExt cx="0" cy="0"/>
         </a:xfrm>
       </p:grpSpPr>
+      <p:sp>
+        <p:nvSpPr>
+          <p:cNvPr id="2" name="Title 1"/>
+          <p:cNvSpPr>
+            <a:spLocks noGrp="1"/>
+          </p:cNvSpPr>
+          <p:nvPr>
+            <p:ph type="title"/>
+          </p:nvPr>
+        </p:nvSpPr>
+        <p:spPr/>
+        <p:txBody>
+          <a:bodyPr>
+            <a:normAutofit/>
+          </a:bodyPr>
+          <a:lstStyle/>
+          <a:p>
+            <a:pPr algn="l"/>
+            <a:r>
+              <a:rPr lang="x-none" altLang="en-US" dirty="0">
+                <a:solidFill>
+                  <a:schemeClr val="tx1">
+                    <a:lumMod val="65000"/>
+                    <a:lumOff val="35000"/>
+                  </a:schemeClr>
+                </a:solidFill>
+                <a:latin typeface="微软雅黑" pitchFamily="34" charset="-122"/>
+                <a:ea typeface="微软雅黑" pitchFamily="34" charset="-122"/>
+              </a:rPr>
+              <a:t>Hydra3</a:t>
+            </a:r>
+            <a:r>
+              <a:rPr lang="x-none" altLang="en-US" dirty="0" smtClean="0">
+                <a:solidFill>
+                  <a:schemeClr val="tx1">
+                    <a:lumMod val="65000"/>
+                    <a:lumOff val="35000"/>
+                  </a:schemeClr>
+                </a:solidFill>
+                <a:latin typeface="微软雅黑" pitchFamily="34" charset="-122"/>
+                <a:ea typeface="微软雅黑" pitchFamily="34" charset="-122"/>
+              </a:rPr>
+              <a:t>的</a:t>
+            </a:r>
+            <a:r>
+              <a:rPr lang="zh-CN" altLang="en-US" dirty="0" smtClean="0">
+                <a:solidFill>
+                  <a:schemeClr val="tx1">
+                    <a:lumMod val="65000"/>
+                    <a:lumOff val="35000"/>
+                  </a:schemeClr>
+                </a:solidFill>
+                <a:latin typeface="微软雅黑" pitchFamily="34" charset="-122"/>
+                <a:ea typeface="微软雅黑" pitchFamily="34" charset="-122"/>
+              </a:rPr>
+              <a:t>版本控制与热部署实现</a:t>
+            </a:r>
+            <a:endParaRPr lang="x-none" altLang="en-US" dirty="0">
+              <a:solidFill>
+                <a:schemeClr val="tx1">
+                  <a:lumMod val="65000"/>
+                  <a:lumOff val="35000"/>
+                </a:schemeClr>
+              </a:solidFill>
+              <a:latin typeface="微软雅黑" pitchFamily="34" charset="-122"/>
+              <a:ea typeface="微软雅黑" pitchFamily="34" charset="-122"/>
+            </a:endParaRPr>
+          </a:p>
+        </p:txBody>
+      </p:sp>
       <p:pic>
         <p:nvPicPr>
-          <p:cNvPr id="4" name="Content Placeholder 3" descr="hydra2"/>
+          <p:cNvPr id="5" name="Content Placeholder 4" descr="servicenode"/>
           <p:cNvPicPr>
             <a:picLocks noGrp="1" noChangeAspect="1"/>
           </p:cNvPicPr>
@@ -4370,19 +4823,45 @@
           </p:nvPr>
         </p:nvPicPr>
         <p:blipFill>
-          <a:blip r:embed="rId2"/>
+          <a:blip r:embed="rId3"/>
           <a:stretch>
             <a:fillRect/>
           </a:stretch>
         </p:blipFill>
         <p:spPr>
           <a:xfrm>
-            <a:off x="3175" y="-23495"/>
-            <a:ext cx="12171680" cy="6896735"/>
+            <a:off x="0" y="1450975"/>
+            <a:ext cx="12192000" cy="5405755"/>
           </a:xfrm>
           <a:prstGeom prst="rect">
             <a:avLst/>
           </a:prstGeom>
+        </p:spPr>
+      </p:pic>
+      <p:pic>
+        <p:nvPicPr>
+          <p:cNvPr id="4" name="Picture 2" descr="C:\Users\wangyifan\AppData\Roaming\Foxmail7\Temp-3628-20160922082721\logo2016.jpg"/>
+          <p:cNvPicPr>
+            <a:picLocks noChangeAspect="1" noChangeArrowheads="1"/>
+          </p:cNvPicPr>
+          <p:nvPr/>
+        </p:nvPicPr>
+        <p:blipFill>
+          <a:blip r:embed="rId4"/>
+          <a:srcRect/>
+          <a:stretch>
+            <a:fillRect/>
+          </a:stretch>
+        </p:blipFill>
+        <p:spPr bwMode="auto">
+          <a:xfrm>
+            <a:off x="9534525" y="0"/>
+            <a:ext cx="2657475" cy="847725"/>
+          </a:xfrm>
+          <a:prstGeom prst="rect">
+            <a:avLst/>
+          </a:prstGeom>
+          <a:noFill/>
         </p:spPr>
       </p:pic>
     </p:spTree>
@@ -4436,169 +4915,135 @@
           <a:p>
             <a:pPr algn="l"/>
             <a:r>
+              <a:rPr lang="x-none" altLang="en-US" dirty="0">
+                <a:solidFill>
+                  <a:schemeClr val="tx1">
+                    <a:lumMod val="65000"/>
+                    <a:lumOff val="35000"/>
+                  </a:schemeClr>
+                </a:solidFill>
+                <a:latin typeface="微软雅黑" pitchFamily="34" charset="-122"/>
+                <a:ea typeface="微软雅黑" pitchFamily="34" charset="-122"/>
+              </a:rPr>
+              <a:t>Hydra3</a:t>
+            </a:r>
+            <a:r>
+              <a:rPr lang="x-none" altLang="en-US" dirty="0" smtClean="0">
+                <a:solidFill>
+                  <a:schemeClr val="tx1">
+                    <a:lumMod val="65000"/>
+                    <a:lumOff val="35000"/>
+                  </a:schemeClr>
+                </a:solidFill>
+                <a:latin typeface="微软雅黑" pitchFamily="34" charset="-122"/>
+                <a:ea typeface="微软雅黑" pitchFamily="34" charset="-122"/>
+              </a:rPr>
+              <a:t>的</a:t>
+            </a:r>
+            <a:r>
               <a:rPr lang="zh-CN" altLang="en-US" dirty="0" smtClean="0">
                 <a:solidFill>
-                  <a:schemeClr val="bg2">
-                    <a:lumMod val="75000"/>
+                  <a:schemeClr val="tx1">
+                    <a:lumMod val="65000"/>
+                    <a:lumOff val="35000"/>
                   </a:schemeClr>
                 </a:solidFill>
+                <a:latin typeface="微软雅黑" pitchFamily="34" charset="-122"/>
+                <a:ea typeface="微软雅黑" pitchFamily="34" charset="-122"/>
               </a:rPr>
-              <a:t>新问题</a:t>
+              <a:t>耗时服务处理</a:t>
             </a:r>
             <a:endParaRPr lang="x-none" altLang="en-US" dirty="0">
               <a:solidFill>
-                <a:schemeClr val="bg2">
-                  <a:lumMod val="75000"/>
+                <a:schemeClr val="tx1">
+                  <a:lumMod val="65000"/>
+                  <a:lumOff val="35000"/>
+                </a:schemeClr>
+              </a:solidFill>
+              <a:latin typeface="微软雅黑" pitchFamily="34" charset="-122"/>
+              <a:ea typeface="微软雅黑" pitchFamily="34" charset="-122"/>
+            </a:endParaRPr>
+          </a:p>
+        </p:txBody>
+      </p:sp>
+      <p:sp>
+        <p:nvSpPr>
+          <p:cNvPr id="4" name="内容占位符 3"/>
+          <p:cNvSpPr>
+            <a:spLocks noGrp="1"/>
+          </p:cNvSpPr>
+          <p:nvPr>
+            <p:ph idx="1"/>
+          </p:nvPr>
+        </p:nvSpPr>
+        <p:spPr/>
+        <p:txBody>
+          <a:bodyPr/>
+          <a:lstStyle/>
+          <a:p>
+            <a:endParaRPr lang="zh-CN" altLang="en-US">
+              <a:solidFill>
+                <a:schemeClr val="tx1">
+                  <a:lumMod val="65000"/>
+                  <a:lumOff val="35000"/>
                 </a:schemeClr>
               </a:solidFill>
             </a:endParaRPr>
           </a:p>
         </p:txBody>
       </p:sp>
-      <p:sp>
-        <p:nvSpPr>
-          <p:cNvPr id="3" name="Content Placeholder 2"/>
-          <p:cNvSpPr>
-            <a:spLocks noGrp="1"/>
-          </p:cNvSpPr>
-          <p:nvPr>
-            <p:ph idx="1"/>
-          </p:nvPr>
-        </p:nvSpPr>
-        <p:spPr/>
-        <p:txBody>
-          <a:bodyPr/>
-          <a:lstStyle/>
-          <a:p>
-            <a:r>
-              <a:rPr lang="en-US" dirty="0" err="1" smtClean="0">
-                <a:solidFill>
-                  <a:schemeClr val="bg2">
-                    <a:lumMod val="75000"/>
-                  </a:schemeClr>
-                </a:solidFill>
-              </a:rPr>
-              <a:t>OSGi</a:t>
-            </a:r>
-            <a:r>
-              <a:rPr lang="zh-CN" altLang="en-US" dirty="0" smtClean="0">
-                <a:solidFill>
-                  <a:schemeClr val="bg2">
-                    <a:lumMod val="75000"/>
-                  </a:schemeClr>
-                </a:solidFill>
-              </a:rPr>
-              <a:t>增加了</a:t>
-            </a:r>
-            <a:r>
-              <a:rPr lang="zh-CN" altLang="en-US" dirty="0" smtClean="0">
-                <a:solidFill>
-                  <a:schemeClr val="bg2">
-                    <a:lumMod val="75000"/>
-                  </a:schemeClr>
-                </a:solidFill>
-              </a:rPr>
-              <a:t>开发复杂度</a:t>
-            </a:r>
-            <a:endParaRPr lang="en-US" dirty="0" smtClean="0">
-              <a:solidFill>
-                <a:schemeClr val="bg2">
-                  <a:lumMod val="75000"/>
-                </a:schemeClr>
-              </a:solidFill>
-            </a:endParaRPr>
-          </a:p>
-          <a:p>
-            <a:r>
-              <a:rPr lang="zh-CN" altLang="en-US" b="1" dirty="0" smtClean="0">
-                <a:solidFill>
-                  <a:schemeClr val="bg2">
-                    <a:lumMod val="75000"/>
-                  </a:schemeClr>
-                </a:solidFill>
-              </a:rPr>
-              <a:t>只能进行远程</a:t>
-            </a:r>
-            <a:r>
-              <a:rPr lang="en-US" altLang="zh-CN" b="1" dirty="0" smtClean="0">
-                <a:solidFill>
-                  <a:schemeClr val="bg2">
-                    <a:lumMod val="75000"/>
-                  </a:schemeClr>
-                </a:solidFill>
-              </a:rPr>
-              <a:t>debug</a:t>
-            </a:r>
-          </a:p>
-          <a:p>
-            <a:r>
-              <a:rPr lang="zh-CN" altLang="en-US" dirty="0" smtClean="0">
-                <a:solidFill>
-                  <a:schemeClr val="bg2">
-                    <a:lumMod val="75000"/>
-                  </a:schemeClr>
-                </a:solidFill>
-              </a:rPr>
-              <a:t>耗时服务导致的</a:t>
-            </a:r>
-            <a:r>
-              <a:rPr lang="zh-CN" altLang="en-US" dirty="0" smtClean="0">
-                <a:solidFill>
-                  <a:schemeClr val="bg2">
-                    <a:lumMod val="75000"/>
-                  </a:schemeClr>
-                </a:solidFill>
-              </a:rPr>
-              <a:t>超时</a:t>
-            </a:r>
-            <a:endParaRPr lang="x-none" altLang="en-US" dirty="0">
-              <a:solidFill>
-                <a:schemeClr val="bg2">
-                  <a:lumMod val="75000"/>
-                </a:schemeClr>
-              </a:solidFill>
-            </a:endParaRPr>
-          </a:p>
-          <a:p>
-            <a:r>
-              <a:rPr lang="zh-CN" altLang="en-US" dirty="0" smtClean="0">
-                <a:solidFill>
-                  <a:schemeClr val="bg2">
-                    <a:lumMod val="75000"/>
-                  </a:schemeClr>
-                </a:solidFill>
-              </a:rPr>
-              <a:t>分散的服务发布</a:t>
-            </a:r>
-            <a:endParaRPr lang="en-US" altLang="zh-CN" dirty="0" smtClean="0">
-              <a:solidFill>
-                <a:schemeClr val="bg2">
-                  <a:lumMod val="75000"/>
-                </a:schemeClr>
-              </a:solidFill>
-            </a:endParaRPr>
-          </a:p>
-          <a:p>
-            <a:r>
-              <a:rPr lang="zh-CN" altLang="en-US" smtClean="0">
-                <a:solidFill>
-                  <a:schemeClr val="bg2">
-                    <a:lumMod val="75000"/>
-                  </a:schemeClr>
-                </a:solidFill>
-              </a:rPr>
-              <a:t>无法方便的确认服务是否发布成功</a:t>
-            </a:r>
-            <a:endParaRPr lang="en-US" dirty="0" smtClean="0">
-              <a:solidFill>
-                <a:schemeClr val="bg2">
-                  <a:lumMod val="75000"/>
-                </a:schemeClr>
-              </a:solidFill>
-            </a:endParaRPr>
-          </a:p>
-        </p:txBody>
-      </p:sp>
+      <p:pic>
+        <p:nvPicPr>
+          <p:cNvPr id="3074" name="Picture 2" descr="E:\mygit\ivaneye.github.com\source\ppt\share\iomodel\file\reactor3.png"/>
+          <p:cNvPicPr>
+            <a:picLocks noChangeAspect="1" noChangeArrowheads="1"/>
+          </p:cNvPicPr>
+          <p:nvPr/>
+        </p:nvPicPr>
+        <p:blipFill>
+          <a:blip r:embed="rId3"/>
+          <a:srcRect/>
+          <a:stretch>
+            <a:fillRect/>
+          </a:stretch>
+        </p:blipFill>
+        <p:spPr bwMode="auto">
+          <a:xfrm>
+            <a:off x="0" y="1417320"/>
+            <a:ext cx="12192000" cy="5440680"/>
+          </a:xfrm>
+          <a:prstGeom prst="rect">
+            <a:avLst/>
+          </a:prstGeom>
+          <a:noFill/>
+        </p:spPr>
+      </p:pic>
+      <p:pic>
+        <p:nvPicPr>
+          <p:cNvPr id="5" name="Picture 2" descr="C:\Users\wangyifan\AppData\Roaming\Foxmail7\Temp-3628-20160922082721\logo2016.jpg"/>
+          <p:cNvPicPr>
+            <a:picLocks noChangeAspect="1" noChangeArrowheads="1"/>
+          </p:cNvPicPr>
+          <p:nvPr/>
+        </p:nvPicPr>
+        <p:blipFill>
+          <a:blip r:embed="rId4"/>
+          <a:srcRect/>
+          <a:stretch>
+            <a:fillRect/>
+          </a:stretch>
+        </p:blipFill>
+        <p:spPr bwMode="auto">
+          <a:xfrm>
+            <a:off x="9534525" y="0"/>
+            <a:ext cx="2657475" cy="847725"/>
+          </a:xfrm>
+          <a:prstGeom prst="rect">
+            <a:avLst/>
+          </a:prstGeom>
+          <a:noFill/>
+        </p:spPr>
+      </p:pic>
     </p:spTree>
   </p:cSld>
   <p:clrMapOvr>
@@ -4631,67 +5076,9 @@
           <a:chExt cx="0" cy="0"/>
         </a:xfrm>
       </p:grpSpPr>
-      <p:sp>
-        <p:nvSpPr>
-          <p:cNvPr id="2" name="Title 1"/>
-          <p:cNvSpPr>
-            <a:spLocks noGrp="1"/>
-          </p:cNvSpPr>
-          <p:nvPr>
-            <p:ph type="title"/>
-          </p:nvPr>
-        </p:nvSpPr>
-        <p:spPr/>
-        <p:txBody>
-          <a:bodyPr>
-            <a:normAutofit/>
-          </a:bodyPr>
-          <a:lstStyle/>
-          <a:p>
-            <a:pPr algn="l"/>
-            <a:r>
-              <a:rPr lang="x-none" altLang="en-US" dirty="0">
-                <a:solidFill>
-                  <a:schemeClr val="bg2">
-                    <a:lumMod val="75000"/>
-                  </a:schemeClr>
-                </a:solidFill>
-              </a:rPr>
-              <a:t>Hydra3</a:t>
-            </a:r>
-            <a:r>
-              <a:rPr lang="x-none" altLang="en-US" dirty="0" smtClean="0">
-                <a:solidFill>
-                  <a:schemeClr val="bg2">
-                    <a:lumMod val="75000"/>
-                  </a:schemeClr>
-                </a:solidFill>
-              </a:rPr>
-              <a:t>的</a:t>
-            </a:r>
-            <a:r>
-              <a:rPr lang="zh-CN" altLang="en-US" dirty="0" smtClean="0">
-                <a:solidFill>
-                  <a:schemeClr val="bg2">
-                    <a:lumMod val="75000"/>
-                  </a:schemeClr>
-                </a:solidFill>
-              </a:rPr>
-              <a:t>版本控制与热部署实现</a:t>
-            </a:r>
-            <a:endParaRPr lang="x-none" altLang="en-US" dirty="0">
-              <a:solidFill>
-                <a:schemeClr val="bg2">
-                  <a:lumMod val="75000"/>
-                </a:schemeClr>
-              </a:solidFill>
-            </a:endParaRPr>
-          </a:p>
-        </p:txBody>
-      </p:sp>
       <p:pic>
         <p:nvPicPr>
-          <p:cNvPr id="5" name="Content Placeholder 4" descr="servicenode"/>
+          <p:cNvPr id="3" name="Content Placeholder 2" descr="hydra3"/>
           <p:cNvPicPr>
             <a:picLocks noGrp="1" noChangeAspect="1"/>
           </p:cNvPicPr>
@@ -4700,19 +5087,45 @@
           </p:nvPr>
         </p:nvPicPr>
         <p:blipFill>
-          <a:blip r:embed="rId2"/>
+          <a:blip r:embed="rId3"/>
           <a:stretch>
             <a:fillRect/>
           </a:stretch>
         </p:blipFill>
         <p:spPr>
           <a:xfrm>
-            <a:off x="562610" y="1450975"/>
-            <a:ext cx="11170920" cy="5405755"/>
+            <a:off x="5715" y="-12700"/>
+            <a:ext cx="12207240" cy="6868160"/>
           </a:xfrm>
           <a:prstGeom prst="rect">
             <a:avLst/>
           </a:prstGeom>
+        </p:spPr>
+      </p:pic>
+      <p:pic>
+        <p:nvPicPr>
+          <p:cNvPr id="4" name="Picture 2" descr="C:\Users\wangyifan\AppData\Roaming\Foxmail7\Temp-3628-20160922082721\logo2016.jpg"/>
+          <p:cNvPicPr>
+            <a:picLocks noChangeAspect="1" noChangeArrowheads="1"/>
+          </p:cNvPicPr>
+          <p:nvPr/>
+        </p:nvPicPr>
+        <p:blipFill>
+          <a:blip r:embed="rId4"/>
+          <a:srcRect/>
+          <a:stretch>
+            <a:fillRect/>
+          </a:stretch>
+        </p:blipFill>
+        <p:spPr bwMode="auto">
+          <a:xfrm>
+            <a:off x="9534525" y="0"/>
+            <a:ext cx="2657475" cy="847725"/>
+          </a:xfrm>
+          <a:prstGeom prst="rect">
+            <a:avLst/>
+          </a:prstGeom>
+          <a:noFill/>
         </p:spPr>
       </p:pic>
     </p:spTree>
@@ -4766,74 +5179,89 @@
           <a:p>
             <a:pPr algn="l"/>
             <a:r>
-              <a:rPr lang="x-none" altLang="en-US" dirty="0">
+              <a:rPr lang="zh-CN" altLang="en-US" dirty="0" smtClean="0">
                 <a:solidFill>
-                  <a:schemeClr val="bg2">
-                    <a:lumMod val="75000"/>
+                  <a:schemeClr val="tx1">
+                    <a:lumMod val="65000"/>
+                    <a:lumOff val="35000"/>
                   </a:schemeClr>
                 </a:solidFill>
+                <a:latin typeface="微软雅黑" pitchFamily="34" charset="-122"/>
+                <a:ea typeface="微软雅黑" pitchFamily="34" charset="-122"/>
               </a:rPr>
-              <a:t>Hydra3</a:t>
-            </a:r>
-            <a:r>
-              <a:rPr lang="x-none" altLang="en-US" dirty="0" smtClean="0">
+              <a:t>广告时间</a:t>
+            </a:r>
+            <a:endParaRPr lang="x-none" altLang="en-US" dirty="0">
+              <a:solidFill>
+                <a:schemeClr val="tx1">
+                  <a:lumMod val="65000"/>
+                  <a:lumOff val="35000"/>
+                </a:schemeClr>
+              </a:solidFill>
+              <a:latin typeface="微软雅黑" pitchFamily="34" charset="-122"/>
+              <a:ea typeface="微软雅黑" pitchFamily="34" charset="-122"/>
+            </a:endParaRPr>
+          </a:p>
+        </p:txBody>
+      </p:sp>
+      <p:sp>
+        <p:nvSpPr>
+          <p:cNvPr id="3" name="Content Placeholder 2"/>
+          <p:cNvSpPr>
+            <a:spLocks noGrp="1"/>
+          </p:cNvSpPr>
+          <p:nvPr>
+            <p:ph idx="1"/>
+          </p:nvPr>
+        </p:nvSpPr>
+        <p:spPr/>
+        <p:txBody>
+          <a:bodyPr/>
+          <a:lstStyle/>
+          <a:p>
+            <a:r>
+              <a:rPr lang="en-US" altLang="zh-CN" dirty="0" smtClean="0">
                 <a:solidFill>
-                  <a:schemeClr val="bg2">
-                    <a:lumMod val="75000"/>
+                  <a:schemeClr val="tx1">
+                    <a:lumMod val="65000"/>
+                    <a:lumOff val="35000"/>
                   </a:schemeClr>
                 </a:solidFill>
+                <a:hlinkClick r:id="rId2"/>
               </a:rPr>
-              <a:t>的</a:t>
-            </a:r>
-            <a:r>
-              <a:rPr lang="zh-CN" altLang="en-US" dirty="0" smtClean="0">
-                <a:solidFill>
-                  <a:schemeClr val="bg2">
-                    <a:lumMod val="75000"/>
-                  </a:schemeClr>
-                </a:solidFill>
-              </a:rPr>
-              <a:t>耗时服务处理</a:t>
-            </a:r>
-            <a:endParaRPr lang="x-none" altLang="en-US" dirty="0">
+              <a:t>http://techcenter.mic.com/confluence_dev/display/PLATFORM/Hydra3</a:t>
+            </a:r>
+            <a:endParaRPr lang="en-US" altLang="zh-CN" dirty="0" smtClean="0">
               <a:solidFill>
-                <a:schemeClr val="bg2">
-                  <a:lumMod val="75000"/>
+                <a:schemeClr val="tx1">
+                  <a:lumMod val="65000"/>
+                  <a:lumOff val="35000"/>
                 </a:schemeClr>
               </a:solidFill>
             </a:endParaRPr>
           </a:p>
-        </p:txBody>
-      </p:sp>
-      <p:sp>
-        <p:nvSpPr>
-          <p:cNvPr id="4" name="内容占位符 3"/>
-          <p:cNvSpPr>
-            <a:spLocks noGrp="1"/>
-          </p:cNvSpPr>
-          <p:nvPr>
-            <p:ph idx="1"/>
-          </p:nvPr>
-        </p:nvSpPr>
-        <p:spPr/>
-        <p:txBody>
-          <a:bodyPr/>
-          <a:lstStyle/>
-          <a:p>
-            <a:endParaRPr lang="zh-CN" altLang="en-US"/>
+          <a:p>
+            <a:endParaRPr lang="en-US" dirty="0">
+              <a:solidFill>
+                <a:schemeClr val="tx1">
+                  <a:lumMod val="65000"/>
+                  <a:lumOff val="35000"/>
+                </a:schemeClr>
+              </a:solidFill>
+            </a:endParaRPr>
           </a:p>
         </p:txBody>
       </p:sp>
       <p:pic>
         <p:nvPicPr>
-          <p:cNvPr id="3074" name="Picture 2" descr="E:\mygit\ivaneye.github.com\source\ppt\share\iomodel\file\reactor3.png"/>
+          <p:cNvPr id="4" name="Picture 2" descr="C:\Users\wangyifan\AppData\Roaming\Foxmail7\Temp-3628-20160922082721\logo2016.jpg"/>
           <p:cNvPicPr>
             <a:picLocks noChangeAspect="1" noChangeArrowheads="1"/>
           </p:cNvPicPr>
           <p:nvPr/>
         </p:nvPicPr>
         <p:blipFill>
-          <a:blip r:embed="rId2"/>
+          <a:blip r:embed="rId3"/>
           <a:srcRect/>
           <a:stretch>
             <a:fillRect/>
@@ -4841,8 +5269,8 @@
         </p:blipFill>
         <p:spPr bwMode="auto">
           <a:xfrm>
-            <a:off x="0" y="1417320"/>
-            <a:ext cx="12192000" cy="5440680"/>
+            <a:off x="9534525" y="0"/>
+            <a:ext cx="2657475" cy="847725"/>
           </a:xfrm>
           <a:prstGeom prst="rect">
             <a:avLst/>
@@ -4882,30 +5310,67 @@
           <a:chExt cx="0" cy="0"/>
         </a:xfrm>
       </p:grpSpPr>
+      <p:sp>
+        <p:nvSpPr>
+          <p:cNvPr id="2" name="Title 1"/>
+          <p:cNvSpPr>
+            <a:spLocks noGrp="1"/>
+          </p:cNvSpPr>
+          <p:nvPr>
+            <p:ph type="ctrTitle"/>
+          </p:nvPr>
+        </p:nvSpPr>
+        <p:spPr>
+          <a:xfrm>
+            <a:off x="1638935" y="1167130"/>
+            <a:ext cx="9491345" cy="2387600"/>
+          </a:xfrm>
+        </p:spPr>
+        <p:txBody>
+          <a:bodyPr/>
+          <a:lstStyle/>
+          <a:p>
+            <a:pPr algn="l"/>
+            <a:r>
+              <a:rPr lang="x-none" altLang="en-US" sz="8000" dirty="0">
+                <a:solidFill>
+                  <a:schemeClr val="tx1">
+                    <a:lumMod val="85000"/>
+                    <a:lumOff val="15000"/>
+                  </a:schemeClr>
+                </a:solidFill>
+                <a:latin typeface="Microsoft YaHei" charset="0"/>
+                <a:ea typeface="Microsoft YaHei" charset="0"/>
+              </a:rPr>
+              <a:t>谢谢</a:t>
+            </a:r>
+          </a:p>
+        </p:txBody>
+      </p:sp>
       <p:pic>
         <p:nvPicPr>
-          <p:cNvPr id="3" name="Content Placeholder 2" descr="hydra3"/>
+          <p:cNvPr id="1026" name="Picture 2" descr="C:\Users\wangyifan\AppData\Roaming\Foxmail7\Temp-3628-20160922082721\logo2016.jpg"/>
           <p:cNvPicPr>
-            <a:picLocks noGrp="1" noChangeAspect="1"/>
+            <a:picLocks noChangeAspect="1" noChangeArrowheads="1"/>
           </p:cNvPicPr>
-          <p:nvPr>
-            <p:ph idx="1"/>
-          </p:nvPr>
+          <p:nvPr/>
         </p:nvPicPr>
         <p:blipFill>
-          <a:blip r:embed="rId2"/>
+          <a:blip r:embed="rId3"/>
+          <a:srcRect/>
           <a:stretch>
             <a:fillRect/>
           </a:stretch>
         </p:blipFill>
-        <p:spPr>
+        <p:spPr bwMode="auto">
           <a:xfrm>
-            <a:off x="5715" y="-12700"/>
-            <a:ext cx="12207240" cy="6868160"/>
+            <a:off x="9534525" y="0"/>
+            <a:ext cx="2657475" cy="847725"/>
           </a:xfrm>
           <a:prstGeom prst="rect">
             <a:avLst/>
           </a:prstGeom>
+          <a:noFill/>
         </p:spPr>
       </p:pic>
     </p:spTree>
@@ -4916,245 +5381,137 @@
   <p:timing>
     <p:tnLst>
       <p:par>
-        <p:cTn id="1" dur="indefinite" restart="never" nodeType="tmRoot"/>
+        <p:cTn id="1" dur="indefinite" restart="never" nodeType="tmRoot">
+          <p:childTnLst>
+            <p:seq concurrent="1" nextAc="seek">
+              <p:cTn id="2" dur="indefinite" nodeType="mainSeq">
+                <p:childTnLst>
+                  <p:par>
+                    <p:cTn id="3" fill="hold">
+                      <p:stCondLst>
+                        <p:cond delay="indefinite"/>
+                        <p:cond evt="onBegin" delay="0">
+                          <p:tn val="2"/>
+                        </p:cond>
+                      </p:stCondLst>
+                      <p:childTnLst>
+                        <p:par>
+                          <p:cTn id="4" fill="hold">
+                            <p:stCondLst>
+                              <p:cond delay="0"/>
+                            </p:stCondLst>
+                            <p:childTnLst>
+                              <p:par>
+                                <p:cTn id="5" presetID="29" presetClass="entr" presetSubtype="0" fill="hold" grpId="0" nodeType="afterEffect">
+                                  <p:stCondLst>
+                                    <p:cond delay="0"/>
+                                  </p:stCondLst>
+                                  <p:childTnLst>
+                                    <p:set>
+                                      <p:cBhvr>
+                                        <p:cTn id="6" dur="1" fill="hold">
+                                          <p:stCondLst>
+                                            <p:cond delay="0"/>
+                                          </p:stCondLst>
+                                        </p:cTn>
+                                        <p:tgtEl>
+                                          <p:spTgt spid="2"/>
+                                        </p:tgtEl>
+                                        <p:attrNameLst>
+                                          <p:attrName>style.visibility</p:attrName>
+                                        </p:attrNameLst>
+                                      </p:cBhvr>
+                                      <p:to>
+                                        <p:strVal val="visible"/>
+                                      </p:to>
+                                    </p:set>
+                                    <p:anim calcmode="lin" valueType="num">
+                                      <p:cBhvr>
+                                        <p:cTn id="7" dur="500" fill="hold"/>
+                                        <p:tgtEl>
+                                          <p:spTgt spid="2"/>
+                                        </p:tgtEl>
+                                        <p:attrNameLst>
+                                          <p:attrName>ppt_x</p:attrName>
+                                        </p:attrNameLst>
+                                      </p:cBhvr>
+                                      <p:tavLst>
+                                        <p:tav tm="0">
+                                          <p:val>
+                                            <p:strVal val="#ppt_x-.2"/>
+                                          </p:val>
+                                        </p:tav>
+                                        <p:tav tm="100000">
+                                          <p:val>
+                                            <p:strVal val="#ppt_x"/>
+                                          </p:val>
+                                        </p:tav>
+                                      </p:tavLst>
+                                    </p:anim>
+                                    <p:anim calcmode="lin" valueType="num">
+                                      <p:cBhvr>
+                                        <p:cTn id="8" dur="500" fill="hold"/>
+                                        <p:tgtEl>
+                                          <p:spTgt spid="2"/>
+                                        </p:tgtEl>
+                                        <p:attrNameLst>
+                                          <p:attrName>ppt_y</p:attrName>
+                                        </p:attrNameLst>
+                                      </p:cBhvr>
+                                      <p:tavLst>
+                                        <p:tav tm="0">
+                                          <p:val>
+                                            <p:strVal val="#ppt_y"/>
+                                          </p:val>
+                                        </p:tav>
+                                        <p:tav tm="100000">
+                                          <p:val>
+                                            <p:strVal val="#ppt_y"/>
+                                          </p:val>
+                                        </p:tav>
+                                      </p:tavLst>
+                                    </p:anim>
+                                    <p:animEffect transition="in" filter="wipe(right)" prLst="gradientSize: 0.1">
+                                      <p:cBhvr>
+                                        <p:cTn id="9" dur="500"/>
+                                        <p:tgtEl>
+                                          <p:spTgt spid="2"/>
+                                        </p:tgtEl>
+                                      </p:cBhvr>
+                                    </p:animEffect>
+                                  </p:childTnLst>
+                                </p:cTn>
+                              </p:par>
+                            </p:childTnLst>
+                          </p:cTn>
+                        </p:par>
+                      </p:childTnLst>
+                    </p:cTn>
+                  </p:par>
+                </p:childTnLst>
+              </p:cTn>
+              <p:prevCondLst>
+                <p:cond evt="onPrev" delay="0">
+                  <p:tgtEl>
+                    <p:sldTgt/>
+                  </p:tgtEl>
+                </p:cond>
+              </p:prevCondLst>
+              <p:nextCondLst>
+                <p:cond evt="onNext" delay="0">
+                  <p:tgtEl>
+                    <p:sldTgt/>
+                  </p:tgtEl>
+                </p:cond>
+              </p:nextCondLst>
+            </p:seq>
+          </p:childTnLst>
+        </p:cTn>
       </p:par>
     </p:tnLst>
-  </p:timing>
-</p:sld>
-</file>
-
-<file path=ppt/slides/slide15.xml><?xml version="1.0" encoding="utf-8"?>
-<p:sld xmlns:a="http://schemas.openxmlformats.org/drawingml/2006/main" xmlns:r="http://schemas.openxmlformats.org/officeDocument/2006/relationships" xmlns:p="http://schemas.openxmlformats.org/presentationml/2006/main">
-  <p:cSld>
-    <p:spTree>
-      <p:nvGrpSpPr>
-        <p:cNvPr id="1" name=""/>
-        <p:cNvGrpSpPr/>
-        <p:nvPr/>
-      </p:nvGrpSpPr>
-      <p:grpSpPr>
-        <a:xfrm>
-          <a:off x="0" y="0"/>
-          <a:ext cx="0" cy="0"/>
-          <a:chOff x="0" y="0"/>
-          <a:chExt cx="0" cy="0"/>
-        </a:xfrm>
-      </p:grpSpPr>
-      <p:sp>
-        <p:nvSpPr>
-          <p:cNvPr id="2" name="Title 1"/>
-          <p:cNvSpPr>
-            <a:spLocks noGrp="1"/>
-          </p:cNvSpPr>
-          <p:nvPr>
-            <p:ph type="title"/>
-          </p:nvPr>
-        </p:nvSpPr>
-        <p:spPr/>
-        <p:txBody>
-          <a:bodyPr>
-            <a:normAutofit/>
-          </a:bodyPr>
-          <a:lstStyle/>
-          <a:p>
-            <a:pPr algn="l"/>
-            <a:r>
-              <a:rPr lang="x-none" altLang="en-US">
-                <a:solidFill>
-                  <a:schemeClr val="bg2">
-                    <a:lumMod val="75000"/>
-                  </a:schemeClr>
-                </a:solidFill>
-              </a:rPr>
-              <a:t>Hydra的后期规划</a:t>
-            </a:r>
-          </a:p>
-        </p:txBody>
-      </p:sp>
-      <p:sp>
-        <p:nvSpPr>
-          <p:cNvPr id="3" name="Content Placeholder 2"/>
-          <p:cNvSpPr>
-            <a:spLocks noGrp="1"/>
-          </p:cNvSpPr>
-          <p:nvPr>
-            <p:ph idx="1"/>
-          </p:nvPr>
-        </p:nvSpPr>
-        <p:spPr/>
-        <p:txBody>
-          <a:bodyPr/>
-          <a:lstStyle/>
-          <a:p>
-            <a:r>
-              <a:rPr lang="x-none" altLang="en-US" dirty="0">
-                <a:solidFill>
-                  <a:schemeClr val="bg2">
-                    <a:lumMod val="75000"/>
-                  </a:schemeClr>
-                </a:solidFill>
-              </a:rPr>
-              <a:t>与Docker整合</a:t>
-            </a:r>
-          </a:p>
-          <a:p>
-            <a:r>
-              <a:rPr lang="x-none" altLang="en-US" dirty="0">
-                <a:solidFill>
-                  <a:schemeClr val="bg2">
-                    <a:lumMod val="75000"/>
-                  </a:schemeClr>
-                </a:solidFill>
-              </a:rPr>
-              <a:t>与PinPoint整合</a:t>
-            </a:r>
-          </a:p>
-          <a:p>
-            <a:r>
-              <a:rPr lang="x-none" altLang="en-US" dirty="0">
-                <a:solidFill>
-                  <a:schemeClr val="bg2">
-                    <a:lumMod val="75000"/>
-                  </a:schemeClr>
-                </a:solidFill>
-              </a:rPr>
-              <a:t>接入第三方注册中心</a:t>
-            </a:r>
-          </a:p>
-          <a:p>
-            <a:r>
-              <a:rPr lang="x-none" altLang="en-US" dirty="0">
-                <a:solidFill>
-                  <a:schemeClr val="bg2">
-                    <a:lumMod val="75000"/>
-                  </a:schemeClr>
-                </a:solidFill>
-              </a:rPr>
-              <a:t>通信框架Pigeon的优化</a:t>
-            </a:r>
-          </a:p>
-          <a:p>
-            <a:endParaRPr lang="en-US" dirty="0">
-              <a:solidFill>
-                <a:schemeClr val="bg2">
-                  <a:lumMod val="75000"/>
-                </a:schemeClr>
-              </a:solidFill>
-            </a:endParaRPr>
-          </a:p>
-        </p:txBody>
-      </p:sp>
-    </p:spTree>
-  </p:cSld>
-  <p:clrMapOvr>
-    <a:masterClrMapping/>
-  </p:clrMapOvr>
-  <p:timing>
-    <p:tnLst>
-      <p:par>
-        <p:cTn id="1" dur="indefinite" restart="never" nodeType="tmRoot"/>
-      </p:par>
-    </p:tnLst>
-  </p:timing>
-</p:sld>
-</file>
-
-<file path=ppt/slides/slide16.xml><?xml version="1.0" encoding="utf-8"?>
-<p:sld xmlns:a="http://schemas.openxmlformats.org/drawingml/2006/main" xmlns:r="http://schemas.openxmlformats.org/officeDocument/2006/relationships" xmlns:p="http://schemas.openxmlformats.org/presentationml/2006/main">
-  <p:cSld>
-    <p:spTree>
-      <p:nvGrpSpPr>
-        <p:cNvPr id="1" name=""/>
-        <p:cNvGrpSpPr/>
-        <p:nvPr/>
-      </p:nvGrpSpPr>
-      <p:grpSpPr>
-        <a:xfrm>
-          <a:off x="0" y="0"/>
-          <a:ext cx="0" cy="0"/>
-          <a:chOff x="0" y="0"/>
-          <a:chExt cx="0" cy="0"/>
-        </a:xfrm>
-      </p:grpSpPr>
-      <p:sp>
-        <p:nvSpPr>
-          <p:cNvPr id="2" name="Title 1"/>
-          <p:cNvSpPr>
-            <a:spLocks noGrp="1"/>
-          </p:cNvSpPr>
-          <p:nvPr>
-            <p:ph type="ctrTitle"/>
-          </p:nvPr>
-        </p:nvSpPr>
-        <p:spPr>
-          <a:xfrm>
-            <a:off x="1638935" y="1167130"/>
-            <a:ext cx="9491345" cy="2387600"/>
-          </a:xfrm>
-        </p:spPr>
-        <p:txBody>
-          <a:bodyPr/>
-          <a:lstStyle/>
-          <a:p>
-            <a:pPr algn="l"/>
-            <a:r>
-              <a:rPr lang="x-none" altLang="en-US" sz="8000" dirty="0">
-                <a:solidFill>
-                  <a:schemeClr val="bg2">
-                    <a:lumMod val="75000"/>
-                  </a:schemeClr>
-                </a:solidFill>
-                <a:latin typeface="Microsoft YaHei" charset="0"/>
-                <a:ea typeface="Microsoft YaHei" charset="0"/>
-              </a:rPr>
-              <a:t>谢谢</a:t>
-            </a:r>
-          </a:p>
-        </p:txBody>
-      </p:sp>
-      <p:sp>
-        <p:nvSpPr>
-          <p:cNvPr id="5" name="Footer Placeholder 5"/>
-          <p:cNvSpPr>
-            <a:spLocks noGrp="1"/>
-          </p:cNvSpPr>
-          <p:nvPr>
-            <p:ph type="ftr" sz="quarter" idx="11"/>
-          </p:nvPr>
-        </p:nvSpPr>
-        <p:spPr>
-          <a:xfrm>
-            <a:off x="3872865" y="4977130"/>
-            <a:ext cx="4631055" cy="822325"/>
-          </a:xfrm>
-          <a:blipFill rotWithShape="1">
-            <a:blip r:embed="rId2">
-              <a:alphaModFix amt="70000"/>
-            </a:blip>
-            <a:stretch>
-              <a:fillRect/>
-            </a:stretch>
-          </a:blipFill>
-        </p:spPr>
-        <p:txBody>
-          <a:bodyPr/>
-          <a:lstStyle/>
-          <a:p>
-            <a:endParaRPr lang="en-US" dirty="0"/>
-          </a:p>
-        </p:txBody>
-      </p:sp>
-    </p:spTree>
-  </p:cSld>
-  <p:clrMapOvr>
-    <a:masterClrMapping/>
-  </p:clrMapOvr>
-  <p:timing>
-    <p:tnLst>
-      <p:par>
-        <p:cTn id="1" dur="indefinite" restart="never" nodeType="tmRoot"/>
-      </p:par>
-    </p:tnLst>
+    <p:bldLst>
+      <p:bldP spid="2" grpId="0"/>
+    </p:bldLst>
   </p:timing>
 </p:sld>
 </file>
@@ -5195,19 +5552,25 @@
             <a:r>
               <a:rPr lang="x-none" altLang="en-US" dirty="0" smtClean="0">
                 <a:solidFill>
-                  <a:schemeClr val="bg2">
-                    <a:lumMod val="75000"/>
+                  <a:schemeClr val="tx1">
+                    <a:lumMod val="65000"/>
+                    <a:lumOff val="35000"/>
                   </a:schemeClr>
                 </a:solidFill>
+                <a:latin typeface="微软雅黑" pitchFamily="34" charset="-122"/>
+                <a:ea typeface="微软雅黑" pitchFamily="34" charset="-122"/>
               </a:rPr>
               <a:t>服务化</a:t>
             </a:r>
             <a:endParaRPr lang="x-none" altLang="en-US" dirty="0">
               <a:solidFill>
-                <a:schemeClr val="bg2">
-                  <a:lumMod val="75000"/>
+                <a:schemeClr val="tx1">
+                  <a:lumMod val="65000"/>
+                  <a:lumOff val="35000"/>
                 </a:schemeClr>
               </a:solidFill>
+              <a:latin typeface="微软雅黑" pitchFamily="34" charset="-122"/>
+              <a:ea typeface="微软雅黑" pitchFamily="34" charset="-122"/>
             </a:endParaRPr>
           </a:p>
         </p:txBody>
@@ -5228,18 +5591,277 @@
           <a:lstStyle/>
           <a:p>
             <a:r>
-              <a:rPr lang="x-none" altLang="en-US" dirty="0">
+              <a:rPr lang="zh-CN" altLang="en-US" dirty="0" smtClean="0">
                 <a:solidFill>
-                  <a:schemeClr val="bg2">
-                    <a:lumMod val="75000"/>
+                  <a:schemeClr val="tx1">
+                    <a:lumMod val="65000"/>
+                    <a:lumOff val="35000"/>
                   </a:schemeClr>
                 </a:solidFill>
+                <a:latin typeface="微软雅黑" pitchFamily="34" charset="-122"/>
+                <a:ea typeface="微软雅黑" pitchFamily="34" charset="-122"/>
               </a:rPr>
-              <a:t>服务化是将业务封装成服务组件对外提供服务接口或称为 API</a:t>
-            </a:r>
-          </a:p>
-        </p:txBody>
-      </p:sp>
+              <a:t>什么是服务化？</a:t>
+            </a:r>
+            <a:endParaRPr lang="en-US" altLang="zh-CN" dirty="0" smtClean="0">
+              <a:solidFill>
+                <a:schemeClr val="tx1">
+                  <a:lumMod val="65000"/>
+                  <a:lumOff val="35000"/>
+                </a:schemeClr>
+              </a:solidFill>
+              <a:latin typeface="微软雅黑" pitchFamily="34" charset="-122"/>
+              <a:ea typeface="微软雅黑" pitchFamily="34" charset="-122"/>
+            </a:endParaRPr>
+          </a:p>
+          <a:p>
+            <a:pPr lvl="1"/>
+            <a:r>
+              <a:rPr lang="x-none" altLang="en-US" dirty="0" smtClean="0">
+                <a:solidFill>
+                  <a:schemeClr val="tx1">
+                    <a:lumMod val="65000"/>
+                    <a:lumOff val="35000"/>
+                  </a:schemeClr>
+                </a:solidFill>
+                <a:latin typeface="微软雅黑" pitchFamily="34" charset="-122"/>
+                <a:ea typeface="微软雅黑" pitchFamily="34" charset="-122"/>
+              </a:rPr>
+              <a:t>服务化是将业务封装成服务组件对外提供服务接口</a:t>
+            </a:r>
+          </a:p>
+          <a:p>
+            <a:r>
+              <a:rPr lang="zh-CN" altLang="en-US" dirty="0" smtClean="0">
+                <a:solidFill>
+                  <a:schemeClr val="tx1">
+                    <a:lumMod val="65000"/>
+                    <a:lumOff val="35000"/>
+                  </a:schemeClr>
+                </a:solidFill>
+                <a:latin typeface="微软雅黑" pitchFamily="34" charset="-122"/>
+                <a:ea typeface="微软雅黑" pitchFamily="34" charset="-122"/>
+              </a:rPr>
+              <a:t>服务化的优势</a:t>
+            </a:r>
+            <a:endParaRPr lang="en-US" altLang="zh-CN" dirty="0" smtClean="0">
+              <a:solidFill>
+                <a:schemeClr val="tx1">
+                  <a:lumMod val="65000"/>
+                  <a:lumOff val="35000"/>
+                </a:schemeClr>
+              </a:solidFill>
+              <a:latin typeface="微软雅黑" pitchFamily="34" charset="-122"/>
+              <a:ea typeface="微软雅黑" pitchFamily="34" charset="-122"/>
+            </a:endParaRPr>
+          </a:p>
+          <a:p>
+            <a:pPr lvl="1"/>
+            <a:r>
+              <a:rPr lang="zh-CN" altLang="en-US" dirty="0" smtClean="0">
+                <a:solidFill>
+                  <a:schemeClr val="tx1">
+                    <a:lumMod val="65000"/>
+                    <a:lumOff val="35000"/>
+                  </a:schemeClr>
+                </a:solidFill>
+                <a:latin typeface="微软雅黑" pitchFamily="34" charset="-122"/>
+                <a:ea typeface="微软雅黑" pitchFamily="34" charset="-122"/>
+              </a:rPr>
+              <a:t>独立出公共模块，便于复用</a:t>
+            </a:r>
+            <a:endParaRPr lang="en-US" altLang="zh-CN" dirty="0" smtClean="0">
+              <a:solidFill>
+                <a:schemeClr val="tx1">
+                  <a:lumMod val="65000"/>
+                  <a:lumOff val="35000"/>
+                </a:schemeClr>
+              </a:solidFill>
+              <a:latin typeface="微软雅黑" pitchFamily="34" charset="-122"/>
+              <a:ea typeface="微软雅黑" pitchFamily="34" charset="-122"/>
+            </a:endParaRPr>
+          </a:p>
+          <a:p>
+            <a:pPr lvl="1"/>
+            <a:r>
+              <a:rPr lang="zh-CN" altLang="en-US" dirty="0" smtClean="0">
+                <a:solidFill>
+                  <a:schemeClr val="tx1">
+                    <a:lumMod val="65000"/>
+                    <a:lumOff val="35000"/>
+                  </a:schemeClr>
+                </a:solidFill>
+                <a:latin typeface="微软雅黑" pitchFamily="34" charset="-122"/>
+                <a:ea typeface="微软雅黑" pitchFamily="34" charset="-122"/>
+              </a:rPr>
+              <a:t>易于容量伸缩</a:t>
+            </a:r>
+            <a:endParaRPr lang="en-US" altLang="zh-CN" dirty="0" smtClean="0">
+              <a:solidFill>
+                <a:schemeClr val="tx1">
+                  <a:lumMod val="65000"/>
+                  <a:lumOff val="35000"/>
+                </a:schemeClr>
+              </a:solidFill>
+              <a:latin typeface="微软雅黑" pitchFamily="34" charset="-122"/>
+              <a:ea typeface="微软雅黑" pitchFamily="34" charset="-122"/>
+            </a:endParaRPr>
+          </a:p>
+          <a:p>
+            <a:r>
+              <a:rPr lang="zh-CN" altLang="en-US" dirty="0" smtClean="0">
+                <a:solidFill>
+                  <a:schemeClr val="tx1">
+                    <a:lumMod val="65000"/>
+                    <a:lumOff val="35000"/>
+                  </a:schemeClr>
+                </a:solidFill>
+                <a:latin typeface="微软雅黑" pitchFamily="34" charset="-122"/>
+                <a:ea typeface="微软雅黑" pitchFamily="34" charset="-122"/>
+              </a:rPr>
+              <a:t>架构</a:t>
+            </a:r>
+            <a:endParaRPr lang="en-US" altLang="zh-CN" dirty="0" smtClean="0">
+              <a:solidFill>
+                <a:schemeClr val="tx1">
+                  <a:lumMod val="65000"/>
+                  <a:lumOff val="35000"/>
+                </a:schemeClr>
+              </a:solidFill>
+              <a:latin typeface="微软雅黑" pitchFamily="34" charset="-122"/>
+              <a:ea typeface="微软雅黑" pitchFamily="34" charset="-122"/>
+            </a:endParaRPr>
+          </a:p>
+          <a:p>
+            <a:r>
+              <a:rPr lang="zh-CN" altLang="en-US" dirty="0" smtClean="0">
+                <a:solidFill>
+                  <a:schemeClr val="tx1">
+                    <a:lumMod val="65000"/>
+                    <a:lumOff val="35000"/>
+                  </a:schemeClr>
+                </a:solidFill>
+                <a:latin typeface="微软雅黑" pitchFamily="34" charset="-122"/>
+                <a:ea typeface="微软雅黑" pitchFamily="34" charset="-122"/>
+              </a:rPr>
+              <a:t>服务化</a:t>
+            </a:r>
+            <a:r>
+              <a:rPr lang="zh-CN" altLang="en-US" dirty="0" smtClean="0">
+                <a:solidFill>
+                  <a:schemeClr val="tx1">
+                    <a:lumMod val="65000"/>
+                    <a:lumOff val="35000"/>
+                  </a:schemeClr>
+                </a:solidFill>
+                <a:latin typeface="微软雅黑" pitchFamily="34" charset="-122"/>
+                <a:ea typeface="微软雅黑" pitchFamily="34" charset="-122"/>
+              </a:rPr>
+              <a:t>框架</a:t>
+            </a:r>
+            <a:endParaRPr lang="en-US" altLang="zh-CN" dirty="0" smtClean="0">
+              <a:solidFill>
+                <a:schemeClr val="tx1">
+                  <a:lumMod val="65000"/>
+                  <a:lumOff val="35000"/>
+                </a:schemeClr>
+              </a:solidFill>
+              <a:latin typeface="微软雅黑" pitchFamily="34" charset="-122"/>
+              <a:ea typeface="微软雅黑" pitchFamily="34" charset="-122"/>
+            </a:endParaRPr>
+          </a:p>
+          <a:p>
+            <a:pPr lvl="1"/>
+            <a:r>
+              <a:rPr lang="en-US" altLang="zh-CN" dirty="0" err="1" smtClean="0">
+                <a:solidFill>
+                  <a:schemeClr val="tx1">
+                    <a:lumMod val="65000"/>
+                    <a:lumOff val="35000"/>
+                  </a:schemeClr>
+                </a:solidFill>
+                <a:latin typeface="微软雅黑" pitchFamily="34" charset="-122"/>
+                <a:ea typeface="微软雅黑" pitchFamily="34" charset="-122"/>
+              </a:rPr>
+              <a:t>dubbo,motan,rpcx,thrift</a:t>
+            </a:r>
+            <a:endParaRPr lang="en-US" altLang="zh-CN" dirty="0" smtClean="0">
+              <a:solidFill>
+                <a:schemeClr val="tx1">
+                  <a:lumMod val="65000"/>
+                  <a:lumOff val="35000"/>
+                </a:schemeClr>
+              </a:solidFill>
+              <a:latin typeface="微软雅黑" pitchFamily="34" charset="-122"/>
+              <a:ea typeface="微软雅黑" pitchFamily="34" charset="-122"/>
+            </a:endParaRPr>
+          </a:p>
+          <a:p>
+            <a:endParaRPr lang="en-US" altLang="zh-CN" dirty="0" smtClean="0">
+              <a:solidFill>
+                <a:schemeClr val="tx1">
+                  <a:lumMod val="65000"/>
+                  <a:lumOff val="35000"/>
+                </a:schemeClr>
+              </a:solidFill>
+              <a:latin typeface="微软雅黑" pitchFamily="34" charset="-122"/>
+              <a:ea typeface="微软雅黑" pitchFamily="34" charset="-122"/>
+            </a:endParaRPr>
+          </a:p>
+        </p:txBody>
+      </p:sp>
+      <p:pic>
+        <p:nvPicPr>
+          <p:cNvPr id="5" name="Picture 2" descr="C:\Users\wangyifan\AppData\Roaming\Foxmail7\Temp-3628-20160922082721\logo2016.jpg"/>
+          <p:cNvPicPr>
+            <a:picLocks noChangeAspect="1" noChangeArrowheads="1"/>
+          </p:cNvPicPr>
+          <p:nvPr/>
+        </p:nvPicPr>
+        <p:blipFill>
+          <a:blip r:embed="rId3"/>
+          <a:srcRect/>
+          <a:stretch>
+            <a:fillRect/>
+          </a:stretch>
+        </p:blipFill>
+        <p:spPr bwMode="auto">
+          <a:xfrm>
+            <a:off x="9534525" y="0"/>
+            <a:ext cx="2657475" cy="847725"/>
+          </a:xfrm>
+          <a:prstGeom prst="rect">
+            <a:avLst/>
+          </a:prstGeom>
+          <a:noFill/>
+        </p:spPr>
+      </p:pic>
+      <p:pic>
+        <p:nvPicPr>
+          <p:cNvPr id="3074" name="Picture 2" descr="E:\mygit\ivaneye.github.com\source\ppt\share\hydra\hydra\dubbo-architecture.jpg"/>
+          <p:cNvPicPr>
+            <a:picLocks noChangeAspect="1" noChangeArrowheads="1"/>
+          </p:cNvPicPr>
+          <p:nvPr/>
+        </p:nvPicPr>
+        <p:blipFill>
+          <a:blip r:embed="rId4"/>
+          <a:srcRect/>
+          <a:stretch>
+            <a:fillRect/>
+          </a:stretch>
+        </p:blipFill>
+        <p:spPr bwMode="auto">
+          <a:xfrm>
+            <a:off x="5977128" y="3648456"/>
+            <a:ext cx="3797808" cy="2531872"/>
+          </a:xfrm>
+          <a:prstGeom prst="rect">
+            <a:avLst/>
+          </a:prstGeom>
+          <a:noFill/>
+        </p:spPr>
+      </p:pic>
     </p:spTree>
   </p:cSld>
   <p:clrMapOvr>
@@ -5249,9 +5871,542 @@
   <p:timing>
     <p:tnLst>
       <p:par>
-        <p:cTn id="1" dur="indefinite" restart="never" nodeType="tmRoot"/>
+        <p:cTn id="1" dur="indefinite" restart="never" nodeType="tmRoot">
+          <p:childTnLst>
+            <p:seq concurrent="1" nextAc="seek">
+              <p:cTn id="2" dur="indefinite" nodeType="mainSeq">
+                <p:childTnLst>
+                  <p:par>
+                    <p:cTn id="3" fill="hold">
+                      <p:stCondLst>
+                        <p:cond delay="indefinite"/>
+                      </p:stCondLst>
+                      <p:childTnLst>
+                        <p:par>
+                          <p:cTn id="4" fill="hold">
+                            <p:stCondLst>
+                              <p:cond delay="0"/>
+                            </p:stCondLst>
+                            <p:childTnLst>
+                              <p:par>
+                                <p:cTn id="5" presetID="3" presetClass="entr" presetSubtype="10" fill="hold" grpId="0" nodeType="clickEffect">
+                                  <p:stCondLst>
+                                    <p:cond delay="0"/>
+                                  </p:stCondLst>
+                                  <p:childTnLst>
+                                    <p:set>
+                                      <p:cBhvr>
+                                        <p:cTn id="6" dur="1" fill="hold">
+                                          <p:stCondLst>
+                                            <p:cond delay="0"/>
+                                          </p:stCondLst>
+                                        </p:cTn>
+                                        <p:tgtEl>
+                                          <p:spTgt spid="3">
+                                            <p:txEl>
+                                              <p:pRg st="0" end="0"/>
+                                            </p:txEl>
+                                          </p:spTgt>
+                                        </p:tgtEl>
+                                        <p:attrNameLst>
+                                          <p:attrName>style.visibility</p:attrName>
+                                        </p:attrNameLst>
+                                      </p:cBhvr>
+                                      <p:to>
+                                        <p:strVal val="visible"/>
+                                      </p:to>
+                                    </p:set>
+                                    <p:animEffect transition="in" filter="blinds(horizontal)">
+                                      <p:cBhvr>
+                                        <p:cTn id="7" dur="500"/>
+                                        <p:tgtEl>
+                                          <p:spTgt spid="3">
+                                            <p:txEl>
+                                              <p:pRg st="0" end="0"/>
+                                            </p:txEl>
+                                          </p:spTgt>
+                                        </p:tgtEl>
+                                      </p:cBhvr>
+                                    </p:animEffect>
+                                  </p:childTnLst>
+                                </p:cTn>
+                              </p:par>
+                              <p:par>
+                                <p:cTn id="8" presetID="3" presetClass="entr" presetSubtype="10" fill="hold" grpId="0" nodeType="withEffect">
+                                  <p:stCondLst>
+                                    <p:cond delay="0"/>
+                                  </p:stCondLst>
+                                  <p:childTnLst>
+                                    <p:set>
+                                      <p:cBhvr>
+                                        <p:cTn id="9" dur="1" fill="hold">
+                                          <p:stCondLst>
+                                            <p:cond delay="0"/>
+                                          </p:stCondLst>
+                                        </p:cTn>
+                                        <p:tgtEl>
+                                          <p:spTgt spid="3">
+                                            <p:txEl>
+                                              <p:pRg st="1" end="1"/>
+                                            </p:txEl>
+                                          </p:spTgt>
+                                        </p:tgtEl>
+                                        <p:attrNameLst>
+                                          <p:attrName>style.visibility</p:attrName>
+                                        </p:attrNameLst>
+                                      </p:cBhvr>
+                                      <p:to>
+                                        <p:strVal val="visible"/>
+                                      </p:to>
+                                    </p:set>
+                                    <p:animEffect transition="in" filter="blinds(horizontal)">
+                                      <p:cBhvr>
+                                        <p:cTn id="10" dur="500"/>
+                                        <p:tgtEl>
+                                          <p:spTgt spid="3">
+                                            <p:txEl>
+                                              <p:pRg st="1" end="1"/>
+                                            </p:txEl>
+                                          </p:spTgt>
+                                        </p:tgtEl>
+                                      </p:cBhvr>
+                                    </p:animEffect>
+                                  </p:childTnLst>
+                                </p:cTn>
+                              </p:par>
+                            </p:childTnLst>
+                          </p:cTn>
+                        </p:par>
+                      </p:childTnLst>
+                    </p:cTn>
+                  </p:par>
+                  <p:par>
+                    <p:cTn id="11" fill="hold">
+                      <p:stCondLst>
+                        <p:cond delay="indefinite"/>
+                      </p:stCondLst>
+                      <p:childTnLst>
+                        <p:par>
+                          <p:cTn id="12" fill="hold">
+                            <p:stCondLst>
+                              <p:cond delay="0"/>
+                            </p:stCondLst>
+                            <p:childTnLst>
+                              <p:par>
+                                <p:cTn id="13" presetID="3" presetClass="entr" presetSubtype="10" fill="hold" grpId="0" nodeType="clickEffect">
+                                  <p:stCondLst>
+                                    <p:cond delay="0"/>
+                                  </p:stCondLst>
+                                  <p:childTnLst>
+                                    <p:set>
+                                      <p:cBhvr>
+                                        <p:cTn id="14" dur="1" fill="hold">
+                                          <p:stCondLst>
+                                            <p:cond delay="0"/>
+                                          </p:stCondLst>
+                                        </p:cTn>
+                                        <p:tgtEl>
+                                          <p:spTgt spid="3">
+                                            <p:txEl>
+                                              <p:pRg st="2" end="2"/>
+                                            </p:txEl>
+                                          </p:spTgt>
+                                        </p:tgtEl>
+                                        <p:attrNameLst>
+                                          <p:attrName>style.visibility</p:attrName>
+                                        </p:attrNameLst>
+                                      </p:cBhvr>
+                                      <p:to>
+                                        <p:strVal val="visible"/>
+                                      </p:to>
+                                    </p:set>
+                                    <p:animEffect transition="in" filter="blinds(horizontal)">
+                                      <p:cBhvr>
+                                        <p:cTn id="15" dur="500"/>
+                                        <p:tgtEl>
+                                          <p:spTgt spid="3">
+                                            <p:txEl>
+                                              <p:pRg st="2" end="2"/>
+                                            </p:txEl>
+                                          </p:spTgt>
+                                        </p:tgtEl>
+                                      </p:cBhvr>
+                                    </p:animEffect>
+                                  </p:childTnLst>
+                                </p:cTn>
+                              </p:par>
+                              <p:par>
+                                <p:cTn id="16" presetID="3" presetClass="entr" presetSubtype="10" fill="hold" grpId="0" nodeType="withEffect">
+                                  <p:stCondLst>
+                                    <p:cond delay="0"/>
+                                  </p:stCondLst>
+                                  <p:childTnLst>
+                                    <p:set>
+                                      <p:cBhvr>
+                                        <p:cTn id="17" dur="1" fill="hold">
+                                          <p:stCondLst>
+                                            <p:cond delay="0"/>
+                                          </p:stCondLst>
+                                        </p:cTn>
+                                        <p:tgtEl>
+                                          <p:spTgt spid="3">
+                                            <p:txEl>
+                                              <p:pRg st="3" end="3"/>
+                                            </p:txEl>
+                                          </p:spTgt>
+                                        </p:tgtEl>
+                                        <p:attrNameLst>
+                                          <p:attrName>style.visibility</p:attrName>
+                                        </p:attrNameLst>
+                                      </p:cBhvr>
+                                      <p:to>
+                                        <p:strVal val="visible"/>
+                                      </p:to>
+                                    </p:set>
+                                    <p:animEffect transition="in" filter="blinds(horizontal)">
+                                      <p:cBhvr>
+                                        <p:cTn id="18" dur="500"/>
+                                        <p:tgtEl>
+                                          <p:spTgt spid="3">
+                                            <p:txEl>
+                                              <p:pRg st="3" end="3"/>
+                                            </p:txEl>
+                                          </p:spTgt>
+                                        </p:tgtEl>
+                                      </p:cBhvr>
+                                    </p:animEffect>
+                                  </p:childTnLst>
+                                </p:cTn>
+                              </p:par>
+                              <p:par>
+                                <p:cTn id="19" presetID="3" presetClass="entr" presetSubtype="10" fill="hold" grpId="0" nodeType="withEffect">
+                                  <p:stCondLst>
+                                    <p:cond delay="0"/>
+                                  </p:stCondLst>
+                                  <p:childTnLst>
+                                    <p:set>
+                                      <p:cBhvr>
+                                        <p:cTn id="20" dur="1" fill="hold">
+                                          <p:stCondLst>
+                                            <p:cond delay="0"/>
+                                          </p:stCondLst>
+                                        </p:cTn>
+                                        <p:tgtEl>
+                                          <p:spTgt spid="3">
+                                            <p:txEl>
+                                              <p:pRg st="4" end="4"/>
+                                            </p:txEl>
+                                          </p:spTgt>
+                                        </p:tgtEl>
+                                        <p:attrNameLst>
+                                          <p:attrName>style.visibility</p:attrName>
+                                        </p:attrNameLst>
+                                      </p:cBhvr>
+                                      <p:to>
+                                        <p:strVal val="visible"/>
+                                      </p:to>
+                                    </p:set>
+                                    <p:animEffect transition="in" filter="blinds(horizontal)">
+                                      <p:cBhvr>
+                                        <p:cTn id="21" dur="500"/>
+                                        <p:tgtEl>
+                                          <p:spTgt spid="3">
+                                            <p:txEl>
+                                              <p:pRg st="4" end="4"/>
+                                            </p:txEl>
+                                          </p:spTgt>
+                                        </p:tgtEl>
+                                      </p:cBhvr>
+                                    </p:animEffect>
+                                  </p:childTnLst>
+                                </p:cTn>
+                              </p:par>
+                            </p:childTnLst>
+                          </p:cTn>
+                        </p:par>
+                      </p:childTnLst>
+                    </p:cTn>
+                  </p:par>
+                  <p:par>
+                    <p:cTn id="22" fill="hold">
+                      <p:stCondLst>
+                        <p:cond delay="indefinite"/>
+                      </p:stCondLst>
+                      <p:childTnLst>
+                        <p:par>
+                          <p:cTn id="23" fill="hold">
+                            <p:stCondLst>
+                              <p:cond delay="0"/>
+                            </p:stCondLst>
+                            <p:childTnLst>
+                              <p:par>
+                                <p:cTn id="24" presetID="3" presetClass="entr" presetSubtype="10" fill="hold" grpId="0" nodeType="clickEffect">
+                                  <p:stCondLst>
+                                    <p:cond delay="0"/>
+                                  </p:stCondLst>
+                                  <p:childTnLst>
+                                    <p:set>
+                                      <p:cBhvr>
+                                        <p:cTn id="25" dur="1" fill="hold">
+                                          <p:stCondLst>
+                                            <p:cond delay="0"/>
+                                          </p:stCondLst>
+                                        </p:cTn>
+                                        <p:tgtEl>
+                                          <p:spTgt spid="3">
+                                            <p:txEl>
+                                              <p:pRg st="5" end="5"/>
+                                            </p:txEl>
+                                          </p:spTgt>
+                                        </p:tgtEl>
+                                        <p:attrNameLst>
+                                          <p:attrName>style.visibility</p:attrName>
+                                        </p:attrNameLst>
+                                      </p:cBhvr>
+                                      <p:to>
+                                        <p:strVal val="visible"/>
+                                      </p:to>
+                                    </p:set>
+                                    <p:animEffect transition="in" filter="blinds(horizontal)">
+                                      <p:cBhvr>
+                                        <p:cTn id="26" dur="500"/>
+                                        <p:tgtEl>
+                                          <p:spTgt spid="3">
+                                            <p:txEl>
+                                              <p:pRg st="5" end="5"/>
+                                            </p:txEl>
+                                          </p:spTgt>
+                                        </p:tgtEl>
+                                      </p:cBhvr>
+                                    </p:animEffect>
+                                  </p:childTnLst>
+                                </p:cTn>
+                              </p:par>
+                            </p:childTnLst>
+                          </p:cTn>
+                        </p:par>
+                      </p:childTnLst>
+                    </p:cTn>
+                  </p:par>
+                  <p:par>
+                    <p:cTn id="27" fill="hold">
+                      <p:stCondLst>
+                        <p:cond delay="indefinite"/>
+                      </p:stCondLst>
+                      <p:childTnLst>
+                        <p:par>
+                          <p:cTn id="28" fill="hold">
+                            <p:stCondLst>
+                              <p:cond delay="0"/>
+                            </p:stCondLst>
+                            <p:childTnLst>
+                              <p:par>
+                                <p:cTn id="29" presetID="2" presetClass="entr" presetSubtype="4" fill="hold" nodeType="clickEffect">
+                                  <p:stCondLst>
+                                    <p:cond delay="0"/>
+                                  </p:stCondLst>
+                                  <p:childTnLst>
+                                    <p:set>
+                                      <p:cBhvr>
+                                        <p:cTn id="30" dur="1" fill="hold">
+                                          <p:stCondLst>
+                                            <p:cond delay="0"/>
+                                          </p:stCondLst>
+                                        </p:cTn>
+                                        <p:tgtEl>
+                                          <p:spTgt spid="3074"/>
+                                        </p:tgtEl>
+                                        <p:attrNameLst>
+                                          <p:attrName>style.visibility</p:attrName>
+                                        </p:attrNameLst>
+                                      </p:cBhvr>
+                                      <p:to>
+                                        <p:strVal val="visible"/>
+                                      </p:to>
+                                    </p:set>
+                                    <p:anim calcmode="lin" valueType="num">
+                                      <p:cBhvr additive="base">
+                                        <p:cTn id="31" dur="500" fill="hold"/>
+                                        <p:tgtEl>
+                                          <p:spTgt spid="3074"/>
+                                        </p:tgtEl>
+                                        <p:attrNameLst>
+                                          <p:attrName>ppt_x</p:attrName>
+                                        </p:attrNameLst>
+                                      </p:cBhvr>
+                                      <p:tavLst>
+                                        <p:tav tm="0">
+                                          <p:val>
+                                            <p:strVal val="#ppt_x"/>
+                                          </p:val>
+                                        </p:tav>
+                                        <p:tav tm="100000">
+                                          <p:val>
+                                            <p:strVal val="#ppt_x"/>
+                                          </p:val>
+                                        </p:tav>
+                                      </p:tavLst>
+                                    </p:anim>
+                                    <p:anim calcmode="lin" valueType="num">
+                                      <p:cBhvr additive="base">
+                                        <p:cTn id="32" dur="500" fill="hold"/>
+                                        <p:tgtEl>
+                                          <p:spTgt spid="3074"/>
+                                        </p:tgtEl>
+                                        <p:attrNameLst>
+                                          <p:attrName>ppt_y</p:attrName>
+                                        </p:attrNameLst>
+                                      </p:cBhvr>
+                                      <p:tavLst>
+                                        <p:tav tm="0">
+                                          <p:val>
+                                            <p:strVal val="1+#ppt_h/2"/>
+                                          </p:val>
+                                        </p:tav>
+                                        <p:tav tm="100000">
+                                          <p:val>
+                                            <p:strVal val="#ppt_y"/>
+                                          </p:val>
+                                        </p:tav>
+                                      </p:tavLst>
+                                    </p:anim>
+                                  </p:childTnLst>
+                                </p:cTn>
+                              </p:par>
+                            </p:childTnLst>
+                          </p:cTn>
+                        </p:par>
+                      </p:childTnLst>
+                    </p:cTn>
+                  </p:par>
+                  <p:par>
+                    <p:cTn id="33" fill="hold">
+                      <p:stCondLst>
+                        <p:cond delay="indefinite"/>
+                      </p:stCondLst>
+                      <p:childTnLst>
+                        <p:par>
+                          <p:cTn id="34" fill="hold">
+                            <p:stCondLst>
+                              <p:cond delay="0"/>
+                            </p:stCondLst>
+                            <p:childTnLst>
+                              <p:par>
+                                <p:cTn id="35" presetID="3" presetClass="entr" presetSubtype="10" fill="hold" grpId="0" nodeType="clickEffect">
+                                  <p:stCondLst>
+                                    <p:cond delay="0"/>
+                                  </p:stCondLst>
+                                  <p:childTnLst>
+                                    <p:set>
+                                      <p:cBhvr>
+                                        <p:cTn id="36" dur="1" fill="hold">
+                                          <p:stCondLst>
+                                            <p:cond delay="0"/>
+                                          </p:stCondLst>
+                                        </p:cTn>
+                                        <p:tgtEl>
+                                          <p:spTgt spid="3">
+                                            <p:txEl>
+                                              <p:pRg st="6" end="6"/>
+                                            </p:txEl>
+                                          </p:spTgt>
+                                        </p:tgtEl>
+                                        <p:attrNameLst>
+                                          <p:attrName>style.visibility</p:attrName>
+                                        </p:attrNameLst>
+                                      </p:cBhvr>
+                                      <p:to>
+                                        <p:strVal val="visible"/>
+                                      </p:to>
+                                    </p:set>
+                                    <p:animEffect transition="in" filter="blinds(horizontal)">
+                                      <p:cBhvr>
+                                        <p:cTn id="37" dur="500"/>
+                                        <p:tgtEl>
+                                          <p:spTgt spid="3">
+                                            <p:txEl>
+                                              <p:pRg st="6" end="6"/>
+                                            </p:txEl>
+                                          </p:spTgt>
+                                        </p:tgtEl>
+                                      </p:cBhvr>
+                                    </p:animEffect>
+                                  </p:childTnLst>
+                                </p:cTn>
+                              </p:par>
+                              <p:par>
+                                <p:cTn id="38" presetID="3" presetClass="entr" presetSubtype="10" fill="hold" grpId="0" nodeType="withEffect">
+                                  <p:stCondLst>
+                                    <p:cond delay="0"/>
+                                  </p:stCondLst>
+                                  <p:childTnLst>
+                                    <p:set>
+                                      <p:cBhvr>
+                                        <p:cTn id="39" dur="1" fill="hold">
+                                          <p:stCondLst>
+                                            <p:cond delay="0"/>
+                                          </p:stCondLst>
+                                        </p:cTn>
+                                        <p:tgtEl>
+                                          <p:spTgt spid="3">
+                                            <p:txEl>
+                                              <p:pRg st="7" end="7"/>
+                                            </p:txEl>
+                                          </p:spTgt>
+                                        </p:tgtEl>
+                                        <p:attrNameLst>
+                                          <p:attrName>style.visibility</p:attrName>
+                                        </p:attrNameLst>
+                                      </p:cBhvr>
+                                      <p:to>
+                                        <p:strVal val="visible"/>
+                                      </p:to>
+                                    </p:set>
+                                    <p:animEffect transition="in" filter="blinds(horizontal)">
+                                      <p:cBhvr>
+                                        <p:cTn id="40" dur="500"/>
+                                        <p:tgtEl>
+                                          <p:spTgt spid="3">
+                                            <p:txEl>
+                                              <p:pRg st="7" end="7"/>
+                                            </p:txEl>
+                                          </p:spTgt>
+                                        </p:tgtEl>
+                                      </p:cBhvr>
+                                    </p:animEffect>
+                                  </p:childTnLst>
+                                </p:cTn>
+                              </p:par>
+                            </p:childTnLst>
+                          </p:cTn>
+                        </p:par>
+                      </p:childTnLst>
+                    </p:cTn>
+                  </p:par>
+                </p:childTnLst>
+              </p:cTn>
+              <p:prevCondLst>
+                <p:cond evt="onPrev" delay="0">
+                  <p:tgtEl>
+                    <p:sldTgt/>
+                  </p:tgtEl>
+                </p:cond>
+              </p:prevCondLst>
+              <p:nextCondLst>
+                <p:cond evt="onNext" delay="0">
+                  <p:tgtEl>
+                    <p:sldTgt/>
+                  </p:tgtEl>
+                </p:cond>
+              </p:nextCondLst>
+            </p:seq>
+          </p:childTnLst>
+        </p:cTn>
       </p:par>
     </p:tnLst>
+    <p:bldLst>
+      <p:bldP spid="3" grpId="0" uiExpand="1" build="p"/>
+    </p:bldLst>
   </p:timing>
 </p:sld>
 </file>
@@ -5285,47 +6440,295 @@
         </p:nvSpPr>
         <p:spPr/>
         <p:txBody>
-          <a:bodyPr/>
+          <a:bodyPr>
+            <a:normAutofit/>
+          </a:bodyPr>
           <a:lstStyle/>
           <a:p>
             <a:pPr algn="l"/>
             <a:r>
-              <a:rPr lang="x-none" altLang="en-US">
+              <a:rPr lang="zh-CN" altLang="en-US" dirty="0" smtClean="0">
                 <a:solidFill>
-                  <a:schemeClr val="bg2">
-                    <a:lumMod val="75000"/>
+                  <a:schemeClr val="tx1">
+                    <a:lumMod val="65000"/>
+                    <a:lumOff val="35000"/>
                   </a:schemeClr>
                 </a:solidFill>
+                <a:latin typeface="微软雅黑" pitchFamily="34" charset="-122"/>
+                <a:ea typeface="微软雅黑" pitchFamily="34" charset="-122"/>
               </a:rPr>
-              <a:t>架构</a:t>
-            </a:r>
+              <a:t>服务升级</a:t>
+            </a:r>
+            <a:endParaRPr lang="x-none" altLang="en-US" dirty="0">
+              <a:solidFill>
+                <a:schemeClr val="tx1">
+                  <a:lumMod val="65000"/>
+                  <a:lumOff val="35000"/>
+                </a:schemeClr>
+              </a:solidFill>
+              <a:latin typeface="微软雅黑" pitchFamily="34" charset="-122"/>
+              <a:ea typeface="微软雅黑" pitchFamily="34" charset="-122"/>
+            </a:endParaRPr>
+          </a:p>
+        </p:txBody>
+      </p:sp>
+      <p:sp>
+        <p:nvSpPr>
+          <p:cNvPr id="3" name="Content Placeholder 2"/>
+          <p:cNvSpPr>
+            <a:spLocks noGrp="1"/>
+          </p:cNvSpPr>
+          <p:nvPr>
+            <p:ph idx="1"/>
+          </p:nvPr>
+        </p:nvSpPr>
+        <p:spPr/>
+        <p:txBody>
+          <a:bodyPr>
+            <a:normAutofit/>
+          </a:bodyPr>
+          <a:lstStyle/>
+          <a:p>
+            <a:r>
+              <a:rPr lang="zh-CN" altLang="en-US" dirty="0" smtClean="0">
+                <a:solidFill>
+                  <a:schemeClr val="tx1">
+                    <a:lumMod val="65000"/>
+                    <a:lumOff val="35000"/>
+                  </a:schemeClr>
+                </a:solidFill>
+                <a:latin typeface="微软雅黑" pitchFamily="34" charset="-122"/>
+                <a:ea typeface="微软雅黑" pitchFamily="34" charset="-122"/>
+              </a:rPr>
+              <a:t>服务修改保持</a:t>
+            </a:r>
+            <a:r>
+              <a:rPr lang="zh-CN" altLang="en-US" dirty="0" smtClean="0">
+                <a:solidFill>
+                  <a:schemeClr val="tx1">
+                    <a:lumMod val="65000"/>
+                    <a:lumOff val="35000"/>
+                  </a:schemeClr>
+                </a:solidFill>
+                <a:latin typeface="微软雅黑" pitchFamily="34" charset="-122"/>
+                <a:ea typeface="微软雅黑" pitchFamily="34" charset="-122"/>
+              </a:rPr>
+              <a:t>兼容</a:t>
+            </a:r>
+            <a:endParaRPr lang="en-US" altLang="zh-CN" dirty="0" smtClean="0">
+              <a:solidFill>
+                <a:schemeClr val="tx1">
+                  <a:lumMod val="65000"/>
+                  <a:lumOff val="35000"/>
+                </a:schemeClr>
+              </a:solidFill>
+              <a:latin typeface="微软雅黑" pitchFamily="34" charset="-122"/>
+              <a:ea typeface="微软雅黑" pitchFamily="34" charset="-122"/>
+            </a:endParaRPr>
+          </a:p>
+          <a:p>
+            <a:pPr lvl="1"/>
+            <a:r>
+              <a:rPr lang="zh-CN" altLang="en-US" dirty="0" smtClean="0">
+                <a:solidFill>
+                  <a:schemeClr val="tx1">
+                    <a:lumMod val="65000"/>
+                    <a:lumOff val="35000"/>
+                  </a:schemeClr>
+                </a:solidFill>
+                <a:latin typeface="微软雅黑" pitchFamily="34" charset="-122"/>
+                <a:ea typeface="微软雅黑" pitchFamily="34" charset="-122"/>
+              </a:rPr>
+              <a:t>停止容器</a:t>
+            </a:r>
+            <a:endParaRPr lang="en-US" altLang="zh-CN" dirty="0" smtClean="0">
+              <a:solidFill>
+                <a:schemeClr val="tx1">
+                  <a:lumMod val="65000"/>
+                  <a:lumOff val="35000"/>
+                </a:schemeClr>
+              </a:solidFill>
+              <a:latin typeface="微软雅黑" pitchFamily="34" charset="-122"/>
+              <a:ea typeface="微软雅黑" pitchFamily="34" charset="-122"/>
+            </a:endParaRPr>
+          </a:p>
+          <a:p>
+            <a:pPr lvl="1"/>
+            <a:r>
+              <a:rPr lang="zh-CN" altLang="en-US" dirty="0" smtClean="0">
+                <a:solidFill>
+                  <a:schemeClr val="tx1">
+                    <a:lumMod val="65000"/>
+                    <a:lumOff val="35000"/>
+                  </a:schemeClr>
+                </a:solidFill>
+                <a:latin typeface="微软雅黑" pitchFamily="34" charset="-122"/>
+                <a:ea typeface="微软雅黑" pitchFamily="34" charset="-122"/>
+              </a:rPr>
+              <a:t>升级服务</a:t>
+            </a:r>
+            <a:endParaRPr lang="en-US" altLang="zh-CN" dirty="0" smtClean="0">
+              <a:solidFill>
+                <a:schemeClr val="tx1">
+                  <a:lumMod val="65000"/>
+                  <a:lumOff val="35000"/>
+                </a:schemeClr>
+              </a:solidFill>
+              <a:latin typeface="微软雅黑" pitchFamily="34" charset="-122"/>
+              <a:ea typeface="微软雅黑" pitchFamily="34" charset="-122"/>
+            </a:endParaRPr>
+          </a:p>
+          <a:p>
+            <a:pPr lvl="1"/>
+            <a:r>
+              <a:rPr lang="zh-CN" altLang="en-US" dirty="0" smtClean="0">
+                <a:solidFill>
+                  <a:schemeClr val="tx1">
+                    <a:lumMod val="65000"/>
+                    <a:lumOff val="35000"/>
+                  </a:schemeClr>
+                </a:solidFill>
+                <a:latin typeface="微软雅黑" pitchFamily="34" charset="-122"/>
+                <a:ea typeface="微软雅黑" pitchFamily="34" charset="-122"/>
+              </a:rPr>
+              <a:t>启动容器</a:t>
+            </a:r>
+            <a:endParaRPr lang="en-US" altLang="zh-CN" dirty="0" smtClean="0">
+              <a:solidFill>
+                <a:schemeClr val="tx1">
+                  <a:lumMod val="65000"/>
+                  <a:lumOff val="35000"/>
+                </a:schemeClr>
+              </a:solidFill>
+              <a:latin typeface="微软雅黑" pitchFamily="34" charset="-122"/>
+              <a:ea typeface="微软雅黑" pitchFamily="34" charset="-122"/>
+            </a:endParaRPr>
+          </a:p>
+          <a:p>
+            <a:pPr lvl="1"/>
+            <a:r>
+              <a:rPr lang="zh-CN" altLang="en-US" dirty="0" smtClean="0">
+                <a:solidFill>
+                  <a:schemeClr val="tx1">
+                    <a:lumMod val="65000"/>
+                    <a:lumOff val="35000"/>
+                  </a:schemeClr>
+                </a:solidFill>
+                <a:latin typeface="微软雅黑" pitchFamily="34" charset="-122"/>
+                <a:ea typeface="微软雅黑" pitchFamily="34" charset="-122"/>
+              </a:rPr>
+              <a:t>升级客户端</a:t>
+            </a:r>
+            <a:endParaRPr lang="zh-CN" altLang="en-US" dirty="0" smtClean="0">
+              <a:solidFill>
+                <a:schemeClr val="tx1">
+                  <a:lumMod val="65000"/>
+                  <a:lumOff val="35000"/>
+                </a:schemeClr>
+              </a:solidFill>
+              <a:latin typeface="微软雅黑" pitchFamily="34" charset="-122"/>
+              <a:ea typeface="微软雅黑" pitchFamily="34" charset="-122"/>
+            </a:endParaRPr>
+          </a:p>
+          <a:p>
+            <a:r>
+              <a:rPr lang="zh-CN" altLang="en-US" dirty="0" smtClean="0">
+                <a:solidFill>
+                  <a:schemeClr val="tx1">
+                    <a:lumMod val="65000"/>
+                    <a:lumOff val="35000"/>
+                  </a:schemeClr>
+                </a:solidFill>
+                <a:latin typeface="微软雅黑" pitchFamily="34" charset="-122"/>
+                <a:ea typeface="微软雅黑" pitchFamily="34" charset="-122"/>
+              </a:rPr>
+              <a:t>服务修改不兼容</a:t>
+            </a:r>
+          </a:p>
+          <a:p>
+            <a:pPr lvl="1"/>
+            <a:r>
+              <a:rPr lang="zh-CN" altLang="en-US" dirty="0" smtClean="0">
+                <a:solidFill>
+                  <a:schemeClr val="tx1">
+                    <a:lumMod val="65000"/>
+                    <a:lumOff val="35000"/>
+                  </a:schemeClr>
+                </a:solidFill>
+                <a:latin typeface="微软雅黑" pitchFamily="34" charset="-122"/>
+                <a:ea typeface="微软雅黑" pitchFamily="34" charset="-122"/>
+              </a:rPr>
+              <a:t>先一半机器升级服务</a:t>
+            </a:r>
+          </a:p>
+          <a:p>
+            <a:pPr lvl="1"/>
+            <a:r>
+              <a:rPr lang="zh-CN" altLang="en-US" dirty="0" smtClean="0">
+                <a:solidFill>
+                  <a:schemeClr val="tx1">
+                    <a:lumMod val="65000"/>
+                    <a:lumOff val="35000"/>
+                  </a:schemeClr>
+                </a:solidFill>
+                <a:latin typeface="微软雅黑" pitchFamily="34" charset="-122"/>
+                <a:ea typeface="微软雅黑" pitchFamily="34" charset="-122"/>
+              </a:rPr>
+              <a:t>升级客户端使用新版本服务</a:t>
+            </a:r>
+          </a:p>
+          <a:p>
+            <a:pPr lvl="1"/>
+            <a:r>
+              <a:rPr lang="zh-CN" altLang="en-US" dirty="0" smtClean="0">
+                <a:solidFill>
+                  <a:schemeClr val="tx1">
+                    <a:lumMod val="65000"/>
+                    <a:lumOff val="35000"/>
+                  </a:schemeClr>
+                </a:solidFill>
+                <a:latin typeface="微软雅黑" pitchFamily="34" charset="-122"/>
+                <a:ea typeface="微软雅黑" pitchFamily="34" charset="-122"/>
+              </a:rPr>
+              <a:t>升级另一半服务</a:t>
+            </a:r>
+            <a:endParaRPr lang="en-US" altLang="zh-CN" dirty="0">
+              <a:solidFill>
+                <a:schemeClr val="tx1">
+                  <a:lumMod val="65000"/>
+                  <a:lumOff val="35000"/>
+                </a:schemeClr>
+              </a:solidFill>
+              <a:latin typeface="微软雅黑" pitchFamily="34" charset="-122"/>
+              <a:ea typeface="微软雅黑" pitchFamily="34" charset="-122"/>
+            </a:endParaRPr>
           </a:p>
         </p:txBody>
       </p:sp>
       <p:pic>
         <p:nvPicPr>
-          <p:cNvPr id="7" name="Content Placeholder 6" descr="dubbo-architecture"/>
+          <p:cNvPr id="4" name="Picture 2" descr="C:\Users\wangyifan\AppData\Roaming\Foxmail7\Temp-3628-20160922082721\logo2016.jpg"/>
           <p:cNvPicPr>
-            <a:picLocks noGrp="1" noChangeAspect="1"/>
+            <a:picLocks noChangeAspect="1" noChangeArrowheads="1"/>
           </p:cNvPicPr>
-          <p:nvPr>
-            <p:ph sz="half" idx="2"/>
-          </p:nvPr>
+          <p:nvPr/>
         </p:nvPicPr>
         <p:blipFill>
           <a:blip r:embed="rId3"/>
+          <a:srcRect/>
           <a:stretch>
             <a:fillRect/>
           </a:stretch>
         </p:blipFill>
-        <p:spPr>
+        <p:spPr bwMode="auto">
           <a:xfrm>
-            <a:off x="760095" y="1657985"/>
-            <a:ext cx="9358630" cy="4719955"/>
+            <a:off x="9534525" y="0"/>
+            <a:ext cx="2657475" cy="847725"/>
           </a:xfrm>
           <a:prstGeom prst="rect">
             <a:avLst/>
           </a:prstGeom>
+          <a:noFill/>
         </p:spPr>
       </p:pic>
     </p:spTree>
@@ -5333,13 +6736,461 @@
   <p:clrMapOvr>
     <a:masterClrMapping/>
   </p:clrMapOvr>
-  <p:transition/>
   <p:timing>
     <p:tnLst>
       <p:par>
-        <p:cTn id="1" dur="indefinite" restart="never" nodeType="tmRoot"/>
+        <p:cTn id="1" dur="indefinite" restart="never" nodeType="tmRoot">
+          <p:childTnLst>
+            <p:seq concurrent="1" nextAc="seek">
+              <p:cTn id="2" dur="indefinite" nodeType="mainSeq">
+                <p:childTnLst>
+                  <p:par>
+                    <p:cTn id="3" fill="hold">
+                      <p:stCondLst>
+                        <p:cond delay="indefinite"/>
+                      </p:stCondLst>
+                      <p:childTnLst>
+                        <p:par>
+                          <p:cTn id="4" fill="hold">
+                            <p:stCondLst>
+                              <p:cond delay="0"/>
+                            </p:stCondLst>
+                            <p:childTnLst>
+                              <p:par>
+                                <p:cTn id="5" presetID="4" presetClass="entr" presetSubtype="16" fill="hold" grpId="0" nodeType="clickEffect">
+                                  <p:stCondLst>
+                                    <p:cond delay="0"/>
+                                  </p:stCondLst>
+                                  <p:childTnLst>
+                                    <p:set>
+                                      <p:cBhvr>
+                                        <p:cTn id="6" dur="1" fill="hold">
+                                          <p:stCondLst>
+                                            <p:cond delay="0"/>
+                                          </p:stCondLst>
+                                        </p:cTn>
+                                        <p:tgtEl>
+                                          <p:spTgt spid="3">
+                                            <p:txEl>
+                                              <p:pRg st="0" end="0"/>
+                                            </p:txEl>
+                                          </p:spTgt>
+                                        </p:tgtEl>
+                                        <p:attrNameLst>
+                                          <p:attrName>style.visibility</p:attrName>
+                                        </p:attrNameLst>
+                                      </p:cBhvr>
+                                      <p:to>
+                                        <p:strVal val="visible"/>
+                                      </p:to>
+                                    </p:set>
+                                    <p:animEffect transition="in" filter="box(in)">
+                                      <p:cBhvr>
+                                        <p:cTn id="7" dur="500"/>
+                                        <p:tgtEl>
+                                          <p:spTgt spid="3">
+                                            <p:txEl>
+                                              <p:pRg st="0" end="0"/>
+                                            </p:txEl>
+                                          </p:spTgt>
+                                        </p:tgtEl>
+                                      </p:cBhvr>
+                                    </p:animEffect>
+                                  </p:childTnLst>
+                                </p:cTn>
+                              </p:par>
+                              <p:par>
+                                <p:cTn id="8" presetID="4" presetClass="entr" presetSubtype="16" fill="hold" grpId="0" nodeType="withEffect">
+                                  <p:stCondLst>
+                                    <p:cond delay="0"/>
+                                  </p:stCondLst>
+                                  <p:childTnLst>
+                                    <p:set>
+                                      <p:cBhvr>
+                                        <p:cTn id="9" dur="1" fill="hold">
+                                          <p:stCondLst>
+                                            <p:cond delay="0"/>
+                                          </p:stCondLst>
+                                        </p:cTn>
+                                        <p:tgtEl>
+                                          <p:spTgt spid="3">
+                                            <p:txEl>
+                                              <p:pRg st="1" end="1"/>
+                                            </p:txEl>
+                                          </p:spTgt>
+                                        </p:tgtEl>
+                                        <p:attrNameLst>
+                                          <p:attrName>style.visibility</p:attrName>
+                                        </p:attrNameLst>
+                                      </p:cBhvr>
+                                      <p:to>
+                                        <p:strVal val="visible"/>
+                                      </p:to>
+                                    </p:set>
+                                    <p:animEffect transition="in" filter="box(in)">
+                                      <p:cBhvr>
+                                        <p:cTn id="10" dur="500"/>
+                                        <p:tgtEl>
+                                          <p:spTgt spid="3">
+                                            <p:txEl>
+                                              <p:pRg st="1" end="1"/>
+                                            </p:txEl>
+                                          </p:spTgt>
+                                        </p:tgtEl>
+                                      </p:cBhvr>
+                                    </p:animEffect>
+                                  </p:childTnLst>
+                                </p:cTn>
+                              </p:par>
+                              <p:par>
+                                <p:cTn id="11" presetID="4" presetClass="entr" presetSubtype="16" fill="hold" grpId="0" nodeType="withEffect">
+                                  <p:stCondLst>
+                                    <p:cond delay="0"/>
+                                  </p:stCondLst>
+                                  <p:childTnLst>
+                                    <p:set>
+                                      <p:cBhvr>
+                                        <p:cTn id="12" dur="1" fill="hold">
+                                          <p:stCondLst>
+                                            <p:cond delay="0"/>
+                                          </p:stCondLst>
+                                        </p:cTn>
+                                        <p:tgtEl>
+                                          <p:spTgt spid="3">
+                                            <p:txEl>
+                                              <p:pRg st="2" end="2"/>
+                                            </p:txEl>
+                                          </p:spTgt>
+                                        </p:tgtEl>
+                                        <p:attrNameLst>
+                                          <p:attrName>style.visibility</p:attrName>
+                                        </p:attrNameLst>
+                                      </p:cBhvr>
+                                      <p:to>
+                                        <p:strVal val="visible"/>
+                                      </p:to>
+                                    </p:set>
+                                    <p:animEffect transition="in" filter="box(in)">
+                                      <p:cBhvr>
+                                        <p:cTn id="13" dur="500"/>
+                                        <p:tgtEl>
+                                          <p:spTgt spid="3">
+                                            <p:txEl>
+                                              <p:pRg st="2" end="2"/>
+                                            </p:txEl>
+                                          </p:spTgt>
+                                        </p:tgtEl>
+                                      </p:cBhvr>
+                                    </p:animEffect>
+                                  </p:childTnLst>
+                                </p:cTn>
+                              </p:par>
+                              <p:par>
+                                <p:cTn id="14" presetID="4" presetClass="entr" presetSubtype="16" fill="hold" grpId="0" nodeType="withEffect">
+                                  <p:stCondLst>
+                                    <p:cond delay="0"/>
+                                  </p:stCondLst>
+                                  <p:childTnLst>
+                                    <p:set>
+                                      <p:cBhvr>
+                                        <p:cTn id="15" dur="1" fill="hold">
+                                          <p:stCondLst>
+                                            <p:cond delay="0"/>
+                                          </p:stCondLst>
+                                        </p:cTn>
+                                        <p:tgtEl>
+                                          <p:spTgt spid="3">
+                                            <p:txEl>
+                                              <p:pRg st="3" end="3"/>
+                                            </p:txEl>
+                                          </p:spTgt>
+                                        </p:tgtEl>
+                                        <p:attrNameLst>
+                                          <p:attrName>style.visibility</p:attrName>
+                                        </p:attrNameLst>
+                                      </p:cBhvr>
+                                      <p:to>
+                                        <p:strVal val="visible"/>
+                                      </p:to>
+                                    </p:set>
+                                    <p:animEffect transition="in" filter="box(in)">
+                                      <p:cBhvr>
+                                        <p:cTn id="16" dur="500"/>
+                                        <p:tgtEl>
+                                          <p:spTgt spid="3">
+                                            <p:txEl>
+                                              <p:pRg st="3" end="3"/>
+                                            </p:txEl>
+                                          </p:spTgt>
+                                        </p:tgtEl>
+                                      </p:cBhvr>
+                                    </p:animEffect>
+                                  </p:childTnLst>
+                                </p:cTn>
+                              </p:par>
+                              <p:par>
+                                <p:cTn id="17" presetID="4" presetClass="entr" presetSubtype="16" fill="hold" grpId="0" nodeType="withEffect">
+                                  <p:stCondLst>
+                                    <p:cond delay="0"/>
+                                  </p:stCondLst>
+                                  <p:childTnLst>
+                                    <p:set>
+                                      <p:cBhvr>
+                                        <p:cTn id="18" dur="1" fill="hold">
+                                          <p:stCondLst>
+                                            <p:cond delay="0"/>
+                                          </p:stCondLst>
+                                        </p:cTn>
+                                        <p:tgtEl>
+                                          <p:spTgt spid="3">
+                                            <p:txEl>
+                                              <p:pRg st="4" end="4"/>
+                                            </p:txEl>
+                                          </p:spTgt>
+                                        </p:tgtEl>
+                                        <p:attrNameLst>
+                                          <p:attrName>style.visibility</p:attrName>
+                                        </p:attrNameLst>
+                                      </p:cBhvr>
+                                      <p:to>
+                                        <p:strVal val="visible"/>
+                                      </p:to>
+                                    </p:set>
+                                    <p:animEffect transition="in" filter="box(in)">
+                                      <p:cBhvr>
+                                        <p:cTn id="19" dur="500"/>
+                                        <p:tgtEl>
+                                          <p:spTgt spid="3">
+                                            <p:txEl>
+                                              <p:pRg st="4" end="4"/>
+                                            </p:txEl>
+                                          </p:spTgt>
+                                        </p:tgtEl>
+                                      </p:cBhvr>
+                                    </p:animEffect>
+                                  </p:childTnLst>
+                                </p:cTn>
+                              </p:par>
+                            </p:childTnLst>
+                          </p:cTn>
+                        </p:par>
+                      </p:childTnLst>
+                    </p:cTn>
+                  </p:par>
+                  <p:par>
+                    <p:cTn id="20" fill="hold">
+                      <p:stCondLst>
+                        <p:cond delay="indefinite"/>
+                      </p:stCondLst>
+                      <p:childTnLst>
+                        <p:par>
+                          <p:cTn id="21" fill="hold">
+                            <p:stCondLst>
+                              <p:cond delay="0"/>
+                            </p:stCondLst>
+                            <p:childTnLst>
+                              <p:par>
+                                <p:cTn id="22" presetID="4" presetClass="entr" presetSubtype="16" fill="hold" grpId="0" nodeType="clickEffect">
+                                  <p:stCondLst>
+                                    <p:cond delay="0"/>
+                                  </p:stCondLst>
+                                  <p:childTnLst>
+                                    <p:set>
+                                      <p:cBhvr>
+                                        <p:cTn id="23" dur="1" fill="hold">
+                                          <p:stCondLst>
+                                            <p:cond delay="0"/>
+                                          </p:stCondLst>
+                                        </p:cTn>
+                                        <p:tgtEl>
+                                          <p:spTgt spid="3">
+                                            <p:txEl>
+                                              <p:pRg st="5" end="5"/>
+                                            </p:txEl>
+                                          </p:spTgt>
+                                        </p:tgtEl>
+                                        <p:attrNameLst>
+                                          <p:attrName>style.visibility</p:attrName>
+                                        </p:attrNameLst>
+                                      </p:cBhvr>
+                                      <p:to>
+                                        <p:strVal val="visible"/>
+                                      </p:to>
+                                    </p:set>
+                                    <p:animEffect transition="in" filter="box(in)">
+                                      <p:cBhvr>
+                                        <p:cTn id="24" dur="500"/>
+                                        <p:tgtEl>
+                                          <p:spTgt spid="3">
+                                            <p:txEl>
+                                              <p:pRg st="5" end="5"/>
+                                            </p:txEl>
+                                          </p:spTgt>
+                                        </p:tgtEl>
+                                      </p:cBhvr>
+                                    </p:animEffect>
+                                  </p:childTnLst>
+                                </p:cTn>
+                              </p:par>
+                              <p:par>
+                                <p:cTn id="25" presetID="4" presetClass="entr" presetSubtype="16" fill="hold" grpId="0" nodeType="withEffect">
+                                  <p:stCondLst>
+                                    <p:cond delay="0"/>
+                                  </p:stCondLst>
+                                  <p:childTnLst>
+                                    <p:set>
+                                      <p:cBhvr>
+                                        <p:cTn id="26" dur="1" fill="hold">
+                                          <p:stCondLst>
+                                            <p:cond delay="0"/>
+                                          </p:stCondLst>
+                                        </p:cTn>
+                                        <p:tgtEl>
+                                          <p:spTgt spid="3">
+                                            <p:txEl>
+                                              <p:pRg st="6" end="6"/>
+                                            </p:txEl>
+                                          </p:spTgt>
+                                        </p:tgtEl>
+                                        <p:attrNameLst>
+                                          <p:attrName>style.visibility</p:attrName>
+                                        </p:attrNameLst>
+                                      </p:cBhvr>
+                                      <p:to>
+                                        <p:strVal val="visible"/>
+                                      </p:to>
+                                    </p:set>
+                                    <p:animEffect transition="in" filter="box(in)">
+                                      <p:cBhvr>
+                                        <p:cTn id="27" dur="500"/>
+                                        <p:tgtEl>
+                                          <p:spTgt spid="3">
+                                            <p:txEl>
+                                              <p:pRg st="6" end="6"/>
+                                            </p:txEl>
+                                          </p:spTgt>
+                                        </p:tgtEl>
+                                      </p:cBhvr>
+                                    </p:animEffect>
+                                  </p:childTnLst>
+                                </p:cTn>
+                              </p:par>
+                              <p:par>
+                                <p:cTn id="28" presetID="4" presetClass="entr" presetSubtype="16" fill="hold" grpId="0" nodeType="withEffect">
+                                  <p:stCondLst>
+                                    <p:cond delay="0"/>
+                                  </p:stCondLst>
+                                  <p:childTnLst>
+                                    <p:set>
+                                      <p:cBhvr>
+                                        <p:cTn id="29" dur="1" fill="hold">
+                                          <p:stCondLst>
+                                            <p:cond delay="0"/>
+                                          </p:stCondLst>
+                                        </p:cTn>
+                                        <p:tgtEl>
+                                          <p:spTgt spid="3">
+                                            <p:txEl>
+                                              <p:pRg st="7" end="7"/>
+                                            </p:txEl>
+                                          </p:spTgt>
+                                        </p:tgtEl>
+                                        <p:attrNameLst>
+                                          <p:attrName>style.visibility</p:attrName>
+                                        </p:attrNameLst>
+                                      </p:cBhvr>
+                                      <p:to>
+                                        <p:strVal val="visible"/>
+                                      </p:to>
+                                    </p:set>
+                                    <p:animEffect transition="in" filter="box(in)">
+                                      <p:cBhvr>
+                                        <p:cTn id="30" dur="500"/>
+                                        <p:tgtEl>
+                                          <p:spTgt spid="3">
+                                            <p:txEl>
+                                              <p:pRg st="7" end="7"/>
+                                            </p:txEl>
+                                          </p:spTgt>
+                                        </p:tgtEl>
+                                      </p:cBhvr>
+                                    </p:animEffect>
+                                  </p:childTnLst>
+                                </p:cTn>
+                              </p:par>
+                              <p:par>
+                                <p:cTn id="31" presetID="4" presetClass="entr" presetSubtype="16" fill="hold" grpId="0" nodeType="withEffect">
+                                  <p:stCondLst>
+                                    <p:cond delay="0"/>
+                                  </p:stCondLst>
+                                  <p:childTnLst>
+                                    <p:set>
+                                      <p:cBhvr>
+                                        <p:cTn id="32" dur="1" fill="hold">
+                                          <p:stCondLst>
+                                            <p:cond delay="0"/>
+                                          </p:stCondLst>
+                                        </p:cTn>
+                                        <p:tgtEl>
+                                          <p:spTgt spid="3">
+                                            <p:txEl>
+                                              <p:pRg st="8" end="8"/>
+                                            </p:txEl>
+                                          </p:spTgt>
+                                        </p:tgtEl>
+                                        <p:attrNameLst>
+                                          <p:attrName>style.visibility</p:attrName>
+                                        </p:attrNameLst>
+                                      </p:cBhvr>
+                                      <p:to>
+                                        <p:strVal val="visible"/>
+                                      </p:to>
+                                    </p:set>
+                                    <p:animEffect transition="in" filter="box(in)">
+                                      <p:cBhvr>
+                                        <p:cTn id="33" dur="500"/>
+                                        <p:tgtEl>
+                                          <p:spTgt spid="3">
+                                            <p:txEl>
+                                              <p:pRg st="8" end="8"/>
+                                            </p:txEl>
+                                          </p:spTgt>
+                                        </p:tgtEl>
+                                      </p:cBhvr>
+                                    </p:animEffect>
+                                  </p:childTnLst>
+                                </p:cTn>
+                              </p:par>
+                            </p:childTnLst>
+                          </p:cTn>
+                        </p:par>
+                      </p:childTnLst>
+                    </p:cTn>
+                  </p:par>
+                </p:childTnLst>
+              </p:cTn>
+              <p:prevCondLst>
+                <p:cond evt="onPrev" delay="0">
+                  <p:tgtEl>
+                    <p:sldTgt/>
+                  </p:tgtEl>
+                </p:cond>
+              </p:prevCondLst>
+              <p:nextCondLst>
+                <p:cond evt="onNext" delay="0">
+                  <p:tgtEl>
+                    <p:sldTgt/>
+                  </p:tgtEl>
+                </p:cond>
+              </p:nextCondLst>
+            </p:seq>
+          </p:childTnLst>
+        </p:cTn>
       </p:par>
     </p:tnLst>
+    <p:bldLst>
+      <p:bldP spid="3" grpId="0" build="p"/>
+    </p:bldLst>
   </p:timing>
 </p:sld>
 </file>
@@ -5373,20 +7224,35 @@
         </p:nvSpPr>
         <p:spPr/>
         <p:txBody>
-          <a:bodyPr/>
+          <a:bodyPr>
+            <a:normAutofit/>
+          </a:bodyPr>
           <a:lstStyle/>
           <a:p>
             <a:pPr algn="l"/>
             <a:r>
-              <a:rPr lang="x-none" altLang="en-US">
+              <a:rPr lang="zh-CN" altLang="en-US" dirty="0" smtClean="0">
                 <a:solidFill>
-                  <a:schemeClr val="bg2">
-                    <a:lumMod val="75000"/>
+                  <a:schemeClr val="tx1">
+                    <a:lumMod val="65000"/>
+                    <a:lumOff val="35000"/>
                   </a:schemeClr>
                 </a:solidFill>
+                <a:latin typeface="微软雅黑" pitchFamily="34" charset="-122"/>
+                <a:ea typeface="微软雅黑" pitchFamily="34" charset="-122"/>
               </a:rPr>
-              <a:t>服务化框架</a:t>
-            </a:r>
+              <a:t>问题</a:t>
+            </a:r>
+            <a:endParaRPr lang="x-none" altLang="en-US" dirty="0">
+              <a:solidFill>
+                <a:schemeClr val="tx1">
+                  <a:lumMod val="65000"/>
+                  <a:lumOff val="35000"/>
+                </a:schemeClr>
+              </a:solidFill>
+              <a:latin typeface="微软雅黑" pitchFamily="34" charset="-122"/>
+              <a:ea typeface="微软雅黑" pitchFamily="34" charset="-122"/>
+            </a:endParaRPr>
           </a:p>
         </p:txBody>
       </p:sp>
@@ -5402,64 +7268,183 @@
         </p:nvSpPr>
         <p:spPr/>
         <p:txBody>
-          <a:bodyPr/>
+          <a:bodyPr>
+            <a:normAutofit/>
+          </a:bodyPr>
           <a:lstStyle/>
           <a:p>
             <a:r>
-              <a:rPr lang="x-none" altLang="en-US">
+              <a:rPr lang="zh-CN" altLang="en-US" dirty="0" smtClean="0">
                 <a:solidFill>
-                  <a:schemeClr val="bg2">
-                    <a:lumMod val="75000"/>
+                  <a:schemeClr val="tx1">
+                    <a:lumMod val="65000"/>
+                    <a:lumOff val="35000"/>
                   </a:schemeClr>
                 </a:solidFill>
+                <a:latin typeface="微软雅黑" pitchFamily="34" charset="-122"/>
+                <a:ea typeface="微软雅黑" pitchFamily="34" charset="-122"/>
               </a:rPr>
-              <a:t>dubbo</a:t>
-            </a:r>
-          </a:p>
-          <a:p>
-            <a:r>
-              <a:rPr lang="x-none" altLang="en-US">
+              <a:t>频繁重</a:t>
+            </a:r>
+            <a:r>
+              <a:rPr lang="zh-CN" altLang="en-US" dirty="0" smtClean="0">
                 <a:solidFill>
-                  <a:schemeClr val="bg2">
-                    <a:lumMod val="75000"/>
+                  <a:schemeClr val="tx1">
+                    <a:lumMod val="65000"/>
+                    <a:lumOff val="35000"/>
                   </a:schemeClr>
                 </a:solidFill>
+                <a:latin typeface="微软雅黑" pitchFamily="34" charset="-122"/>
+                <a:ea typeface="微软雅黑" pitchFamily="34" charset="-122"/>
               </a:rPr>
-              <a:t>motan</a:t>
-            </a:r>
-          </a:p>
-          <a:p>
-            <a:r>
-              <a:rPr lang="x-none" altLang="en-US">
+              <a:t>启容器，</a:t>
+            </a:r>
+            <a:r>
+              <a:rPr lang="zh-CN" altLang="en-US" dirty="0" smtClean="0">
                 <a:solidFill>
-                  <a:schemeClr val="bg2">
-                    <a:lumMod val="75000"/>
+                  <a:schemeClr val="tx1">
+                    <a:lumMod val="65000"/>
+                    <a:lumOff val="35000"/>
                   </a:schemeClr>
                 </a:solidFill>
+                <a:latin typeface="微软雅黑" pitchFamily="34" charset="-122"/>
+                <a:ea typeface="微软雅黑" pitchFamily="34" charset="-122"/>
               </a:rPr>
-              <a:t>rpcx</a:t>
-            </a:r>
-          </a:p>
-          <a:p>
-            <a:r>
-              <a:rPr lang="x-none" altLang="en-US">
+              <a:t>累积耗时很</a:t>
+            </a:r>
+            <a:r>
+              <a:rPr lang="zh-CN" altLang="en-US" dirty="0" smtClean="0">
                 <a:solidFill>
-                  <a:schemeClr val="bg2">
-                    <a:lumMod val="75000"/>
+                  <a:schemeClr val="tx1">
+                    <a:lumMod val="65000"/>
+                    <a:lumOff val="35000"/>
                   </a:schemeClr>
                 </a:solidFill>
+                <a:latin typeface="微软雅黑" pitchFamily="34" charset="-122"/>
+                <a:ea typeface="微软雅黑" pitchFamily="34" charset="-122"/>
               </a:rPr>
-              <a:t>thrift</a:t>
-            </a:r>
-          </a:p>
-        </p:txBody>
-      </p:sp>
+              <a:t>长</a:t>
+            </a:r>
+            <a:endParaRPr lang="en-US" altLang="zh-CN" dirty="0" smtClean="0">
+              <a:solidFill>
+                <a:schemeClr val="tx1">
+                  <a:lumMod val="65000"/>
+                  <a:lumOff val="35000"/>
+                </a:schemeClr>
+              </a:solidFill>
+              <a:latin typeface="微软雅黑" pitchFamily="34" charset="-122"/>
+              <a:ea typeface="微软雅黑" pitchFamily="34" charset="-122"/>
+            </a:endParaRPr>
+          </a:p>
+          <a:p>
+            <a:r>
+              <a:rPr lang="zh-CN" altLang="en-US" dirty="0" smtClean="0">
+                <a:solidFill>
+                  <a:schemeClr val="tx1">
+                    <a:lumMod val="65000"/>
+                    <a:lumOff val="35000"/>
+                  </a:schemeClr>
+                </a:solidFill>
+                <a:latin typeface="微软雅黑" pitchFamily="34" charset="-122"/>
+                <a:ea typeface="微软雅黑" pitchFamily="34" charset="-122"/>
+              </a:rPr>
+              <a:t>对同一容器下的其他服务有影响</a:t>
+            </a:r>
+            <a:endParaRPr lang="en-US" altLang="zh-CN" dirty="0" smtClean="0">
+              <a:solidFill>
+                <a:schemeClr val="tx1">
+                  <a:lumMod val="65000"/>
+                  <a:lumOff val="35000"/>
+                </a:schemeClr>
+              </a:solidFill>
+              <a:latin typeface="微软雅黑" pitchFamily="34" charset="-122"/>
+              <a:ea typeface="微软雅黑" pitchFamily="34" charset="-122"/>
+            </a:endParaRPr>
+          </a:p>
+          <a:p>
+            <a:r>
+              <a:rPr lang="zh-CN" altLang="en-US" dirty="0" smtClean="0">
+                <a:solidFill>
+                  <a:schemeClr val="tx1">
+                    <a:lumMod val="65000"/>
+                    <a:lumOff val="35000"/>
+                  </a:schemeClr>
+                </a:solidFill>
+                <a:latin typeface="微软雅黑" pitchFamily="34" charset="-122"/>
+                <a:ea typeface="微软雅黑" pitchFamily="34" charset="-122"/>
+              </a:rPr>
+              <a:t>服务</a:t>
+            </a:r>
+            <a:r>
+              <a:rPr lang="zh-CN" altLang="en-US" dirty="0" smtClean="0">
+                <a:solidFill>
+                  <a:schemeClr val="tx1">
+                    <a:lumMod val="65000"/>
+                    <a:lumOff val="35000"/>
+                  </a:schemeClr>
+                </a:solidFill>
+                <a:latin typeface="微软雅黑" pitchFamily="34" charset="-122"/>
+                <a:ea typeface="微软雅黑" pitchFamily="34" charset="-122"/>
+              </a:rPr>
+              <a:t>不兼容情况下，在进行升级的过程中，会导致服务容量减半，相对的负载</a:t>
+            </a:r>
+            <a:r>
+              <a:rPr lang="zh-CN" altLang="en-US" dirty="0" smtClean="0">
+                <a:solidFill>
+                  <a:schemeClr val="tx1">
+                    <a:lumMod val="65000"/>
+                    <a:lumOff val="35000"/>
+                  </a:schemeClr>
+                </a:solidFill>
+                <a:latin typeface="微软雅黑" pitchFamily="34" charset="-122"/>
+                <a:ea typeface="微软雅黑" pitchFamily="34" charset="-122"/>
+              </a:rPr>
+              <a:t>增加</a:t>
+            </a:r>
+            <a:endParaRPr lang="en-US" altLang="zh-CN" dirty="0" smtClean="0">
+              <a:solidFill>
+                <a:schemeClr val="tx1">
+                  <a:lumMod val="65000"/>
+                  <a:lumOff val="35000"/>
+                </a:schemeClr>
+              </a:solidFill>
+              <a:latin typeface="微软雅黑" pitchFamily="34" charset="-122"/>
+              <a:ea typeface="微软雅黑" pitchFamily="34" charset="-122"/>
+            </a:endParaRPr>
+          </a:p>
+        </p:txBody>
+      </p:sp>
+      <p:pic>
+        <p:nvPicPr>
+          <p:cNvPr id="4" name="Picture 2" descr="C:\Users\wangyifan\AppData\Roaming\Foxmail7\Temp-3628-20160922082721\logo2016.jpg"/>
+          <p:cNvPicPr>
+            <a:picLocks noChangeAspect="1" noChangeArrowheads="1"/>
+          </p:cNvPicPr>
+          <p:nvPr/>
+        </p:nvPicPr>
+        <p:blipFill>
+          <a:blip r:embed="rId3"/>
+          <a:srcRect/>
+          <a:stretch>
+            <a:fillRect/>
+          </a:stretch>
+        </p:blipFill>
+        <p:spPr bwMode="auto">
+          <a:xfrm>
+            <a:off x="9534525" y="0"/>
+            <a:ext cx="2657475" cy="847725"/>
+          </a:xfrm>
+          <a:prstGeom prst="rect">
+            <a:avLst/>
+          </a:prstGeom>
+          <a:noFill/>
+        </p:spPr>
+      </p:pic>
     </p:spTree>
   </p:cSld>
   <p:clrMapOvr>
     <a:masterClrMapping/>
   </p:clrMapOvr>
-  <p:transition/>
   <p:timing>
     <p:tnLst>
       <p:par>
@@ -5506,21 +7491,40 @@
           <a:p>
             <a:pPr algn="l"/>
             <a:r>
+              <a:rPr lang="en-US" altLang="en-US" dirty="0" smtClean="0">
+                <a:solidFill>
+                  <a:schemeClr val="tx1">
+                    <a:lumMod val="65000"/>
+                    <a:lumOff val="35000"/>
+                  </a:schemeClr>
+                </a:solidFill>
+                <a:latin typeface="微软雅黑" pitchFamily="34" charset="-122"/>
+                <a:ea typeface="微软雅黑" pitchFamily="34" charset="-122"/>
+              </a:rPr>
+              <a:t>Hydra</a:t>
+            </a:r>
+            <a:r>
               <a:rPr lang="zh-CN" altLang="en-US" dirty="0" smtClean="0">
                 <a:solidFill>
-                  <a:schemeClr val="bg2">
-                    <a:lumMod val="75000"/>
+                  <a:schemeClr val="tx1">
+                    <a:lumMod val="65000"/>
+                    <a:lumOff val="35000"/>
                   </a:schemeClr>
                 </a:solidFill>
+                <a:latin typeface="微软雅黑" pitchFamily="34" charset="-122"/>
+                <a:ea typeface="微软雅黑" pitchFamily="34" charset="-122"/>
               </a:rPr>
-              <a:t>服务升级</a:t>
+              <a:t>的解决方案</a:t>
             </a:r>
             <a:endParaRPr lang="x-none" altLang="en-US" dirty="0">
               <a:solidFill>
-                <a:schemeClr val="bg2">
-                  <a:lumMod val="75000"/>
+                <a:schemeClr val="tx1">
+                  <a:lumMod val="65000"/>
+                  <a:lumOff val="35000"/>
                 </a:schemeClr>
               </a:solidFill>
+              <a:latin typeface="微软雅黑" pitchFamily="34" charset="-122"/>
+              <a:ea typeface="微软雅黑" pitchFamily="34" charset="-122"/>
             </a:endParaRPr>
           </a:p>
         </p:txBody>
@@ -5537,142 +7541,99 @@
         </p:nvSpPr>
         <p:spPr/>
         <p:txBody>
-          <a:bodyPr>
-            <a:normAutofit/>
-          </a:bodyPr>
+          <a:bodyPr/>
           <a:lstStyle/>
           <a:p>
             <a:r>
-              <a:rPr lang="zh-CN" altLang="en-US" b="1" dirty="0" smtClean="0">
+              <a:rPr lang="en-US" dirty="0" err="1" smtClean="0">
                 <a:solidFill>
-                  <a:schemeClr val="bg2">
-                    <a:lumMod val="75000"/>
+                  <a:schemeClr val="tx1">
+                    <a:lumMod val="65000"/>
+                    <a:lumOff val="35000"/>
                   </a:schemeClr>
                 </a:solidFill>
+                <a:latin typeface="微软雅黑" pitchFamily="34" charset="-122"/>
+                <a:ea typeface="微软雅黑" pitchFamily="34" charset="-122"/>
               </a:rPr>
-              <a:t>服务</a:t>
-            </a:r>
-            <a:r>
-              <a:rPr lang="zh-CN" altLang="en-US" b="1" dirty="0" smtClean="0">
+              <a:t>热部署</a:t>
+            </a:r>
+            <a:endParaRPr lang="en-US" dirty="0" smtClean="0">
+              <a:solidFill>
+                <a:schemeClr val="tx1">
+                  <a:lumMod val="65000"/>
+                  <a:lumOff val="35000"/>
+                </a:schemeClr>
+              </a:solidFill>
+              <a:latin typeface="微软雅黑" pitchFamily="34" charset="-122"/>
+              <a:ea typeface="微软雅黑" pitchFamily="34" charset="-122"/>
+            </a:endParaRPr>
+          </a:p>
+          <a:p>
+            <a:r>
+              <a:rPr lang="en-US" dirty="0" err="1" smtClean="0">
                 <a:solidFill>
-                  <a:schemeClr val="bg2">
-                    <a:lumMod val="75000"/>
+                  <a:schemeClr val="tx1">
+                    <a:lumMod val="65000"/>
+                    <a:lumOff val="35000"/>
                   </a:schemeClr>
                 </a:solidFill>
+                <a:latin typeface="微软雅黑" pitchFamily="34" charset="-122"/>
+                <a:ea typeface="微软雅黑" pitchFamily="34" charset="-122"/>
               </a:rPr>
-              <a:t>修改保持</a:t>
-            </a:r>
-            <a:r>
-              <a:rPr lang="zh-CN" altLang="en-US" b="1" dirty="0" smtClean="0">
+              <a:t>版本</a:t>
+            </a:r>
+            <a:r>
+              <a:rPr lang="x-none" altLang="en-US" dirty="0" smtClean="0">
                 <a:solidFill>
-                  <a:schemeClr val="bg2">
-                    <a:lumMod val="75000"/>
+                  <a:schemeClr val="tx1">
+                    <a:lumMod val="65000"/>
+                    <a:lumOff val="35000"/>
                   </a:schemeClr>
                 </a:solidFill>
+                <a:latin typeface="微软雅黑" pitchFamily="34" charset="-122"/>
+                <a:ea typeface="微软雅黑" pitchFamily="34" charset="-122"/>
               </a:rPr>
-              <a:t>兼容</a:t>
-            </a:r>
-          </a:p>
-          <a:p>
-            <a:r>
-              <a:rPr lang="zh-CN" altLang="en-US" b="1" dirty="0" smtClean="0">
-                <a:solidFill>
-                  <a:schemeClr val="bg2">
-                    <a:lumMod val="75000"/>
-                  </a:schemeClr>
-                </a:solidFill>
-              </a:rPr>
-              <a:t>服务修改不兼容</a:t>
-            </a:r>
-          </a:p>
-          <a:p>
-            <a:pPr lvl="1"/>
-            <a:r>
-              <a:rPr lang="zh-CN" altLang="en-US" dirty="0" smtClean="0">
-                <a:solidFill>
-                  <a:schemeClr val="bg2">
-                    <a:lumMod val="75000"/>
-                  </a:schemeClr>
-                </a:solidFill>
-              </a:rPr>
-              <a:t>先一半机器升级服务</a:t>
-            </a:r>
-          </a:p>
-          <a:p>
-            <a:pPr lvl="1"/>
-            <a:r>
-              <a:rPr lang="zh-CN" altLang="en-US" dirty="0" smtClean="0">
-                <a:solidFill>
-                  <a:schemeClr val="bg2">
-                    <a:lumMod val="75000"/>
-                  </a:schemeClr>
-                </a:solidFill>
-              </a:rPr>
-              <a:t>升级</a:t>
-            </a:r>
-            <a:r>
-              <a:rPr lang="zh-CN" altLang="en-US" dirty="0" smtClean="0">
-                <a:solidFill>
-                  <a:schemeClr val="bg2">
-                    <a:lumMod val="75000"/>
-                  </a:schemeClr>
-                </a:solidFill>
-              </a:rPr>
-              <a:t>客户端</a:t>
-            </a:r>
-            <a:r>
-              <a:rPr lang="zh-CN" altLang="en-US" dirty="0" smtClean="0">
-                <a:solidFill>
-                  <a:schemeClr val="bg2">
-                    <a:lumMod val="75000"/>
-                  </a:schemeClr>
-                </a:solidFill>
-              </a:rPr>
-              <a:t>使用新版本</a:t>
-            </a:r>
-            <a:r>
-              <a:rPr lang="zh-CN" altLang="en-US" dirty="0" smtClean="0">
-                <a:solidFill>
-                  <a:schemeClr val="bg2">
-                    <a:lumMod val="75000"/>
-                  </a:schemeClr>
-                </a:solidFill>
-              </a:rPr>
-              <a:t>服务</a:t>
-            </a:r>
-          </a:p>
-          <a:p>
-            <a:pPr lvl="1"/>
-            <a:r>
-              <a:rPr lang="zh-CN" altLang="en-US" dirty="0" smtClean="0">
-                <a:solidFill>
-                  <a:schemeClr val="bg2">
-                    <a:lumMod val="75000"/>
-                  </a:schemeClr>
-                </a:solidFill>
-              </a:rPr>
-              <a:t>升级另</a:t>
-            </a:r>
-            <a:r>
-              <a:rPr lang="zh-CN" altLang="en-US" dirty="0" smtClean="0">
-                <a:solidFill>
-                  <a:schemeClr val="bg2">
-                    <a:lumMod val="75000"/>
-                  </a:schemeClr>
-                </a:solidFill>
-              </a:rPr>
-              <a:t>一半服务</a:t>
-            </a:r>
-            <a:endParaRPr lang="en-US" altLang="zh-CN" dirty="0">
+              <a:t>管理</a:t>
+            </a:r>
+            <a:endParaRPr lang="x-none" altLang="en-US" dirty="0" smtClean="0">
               <a:solidFill>
-                <a:schemeClr val="bg2">
-                  <a:lumMod val="75000"/>
+                <a:schemeClr val="tx1">
+                  <a:lumMod val="65000"/>
+                  <a:lumOff val="35000"/>
                 </a:schemeClr>
               </a:solidFill>
+              <a:latin typeface="微软雅黑" pitchFamily="34" charset="-122"/>
+              <a:ea typeface="微软雅黑" pitchFamily="34" charset="-122"/>
             </a:endParaRPr>
           </a:p>
         </p:txBody>
       </p:sp>
+      <p:pic>
+        <p:nvPicPr>
+          <p:cNvPr id="4" name="Picture 2" descr="C:\Users\wangyifan\AppData\Roaming\Foxmail7\Temp-3628-20160922082721\logo2016.jpg"/>
+          <p:cNvPicPr>
+            <a:picLocks noChangeAspect="1" noChangeArrowheads="1"/>
+          </p:cNvPicPr>
+          <p:nvPr/>
+        </p:nvPicPr>
+        <p:blipFill>
+          <a:blip r:embed="rId3"/>
+          <a:srcRect/>
+          <a:stretch>
+            <a:fillRect/>
+          </a:stretch>
+        </p:blipFill>
+        <p:spPr bwMode="auto">
+          <a:xfrm>
+            <a:off x="9534525" y="0"/>
+            <a:ext cx="2657475" cy="847725"/>
+          </a:xfrm>
+          <a:prstGeom prst="rect">
+            <a:avLst/>
+          </a:prstGeom>
+          <a:noFill/>
+        </p:spPr>
+      </p:pic>
     </p:spTree>
   </p:cSld>
   <p:clrMapOvr>
@@ -5724,21 +7685,40 @@
           <a:p>
             <a:pPr algn="l"/>
             <a:r>
+              <a:rPr lang="en-US" altLang="en-US" dirty="0" smtClean="0">
+                <a:solidFill>
+                  <a:schemeClr val="tx1">
+                    <a:lumMod val="65000"/>
+                    <a:lumOff val="35000"/>
+                  </a:schemeClr>
+                </a:solidFill>
+                <a:latin typeface="微软雅黑" pitchFamily="34" charset="-122"/>
+                <a:ea typeface="微软雅黑" pitchFamily="34" charset="-122"/>
+              </a:rPr>
+              <a:t>Hydra2</a:t>
+            </a:r>
+            <a:r>
               <a:rPr lang="zh-CN" altLang="en-US" dirty="0" smtClean="0">
                 <a:solidFill>
-                  <a:schemeClr val="bg2">
-                    <a:lumMod val="75000"/>
+                  <a:schemeClr val="tx1">
+                    <a:lumMod val="65000"/>
+                    <a:lumOff val="35000"/>
                   </a:schemeClr>
                 </a:solidFill>
+                <a:latin typeface="微软雅黑" pitchFamily="34" charset="-122"/>
+                <a:ea typeface="微软雅黑" pitchFamily="34" charset="-122"/>
               </a:rPr>
-              <a:t>问题</a:t>
+              <a:t>的实现</a:t>
             </a:r>
             <a:endParaRPr lang="x-none" altLang="en-US" dirty="0">
               <a:solidFill>
-                <a:schemeClr val="bg2">
-                  <a:lumMod val="75000"/>
+                <a:schemeClr val="tx1">
+                  <a:lumMod val="65000"/>
+                  <a:lumOff val="35000"/>
                 </a:schemeClr>
               </a:solidFill>
+              <a:latin typeface="微软雅黑" pitchFamily="34" charset="-122"/>
+              <a:ea typeface="微软雅黑" pitchFamily="34" charset="-122"/>
             </a:endParaRPr>
           </a:p>
         </p:txBody>
@@ -5755,579 +7735,31 @@
         </p:nvSpPr>
         <p:spPr/>
         <p:txBody>
-          <a:bodyPr>
-            <a:normAutofit/>
-          </a:bodyPr>
+          <a:bodyPr/>
           <a:lstStyle/>
           <a:p>
             <a:r>
-              <a:rPr lang="zh-CN" altLang="en-US" dirty="0" smtClean="0">
+              <a:rPr lang="en-US" altLang="zh-CN" dirty="0" err="1" smtClean="0">
                 <a:solidFill>
-                  <a:schemeClr val="bg2">
-                    <a:lumMod val="75000"/>
+                  <a:schemeClr val="tx1">
+                    <a:lumMod val="65000"/>
+                    <a:lumOff val="35000"/>
                   </a:schemeClr>
                 </a:solidFill>
+                <a:latin typeface="微软雅黑" pitchFamily="34" charset="-122"/>
+                <a:ea typeface="微软雅黑" pitchFamily="34" charset="-122"/>
               </a:rPr>
-              <a:t>服务不兼容情况下，在进行升级的过程中，会导致服务容量减半，相对的负载增加</a:t>
-            </a:r>
-            <a:endParaRPr lang="en-US" altLang="zh-CN" dirty="0" smtClean="0">
+              <a:t>OSGi</a:t>
+            </a:r>
+            <a:endParaRPr lang="x-none" altLang="en-US" dirty="0">
               <a:solidFill>
-                <a:schemeClr val="bg2">
-                  <a:lumMod val="75000"/>
+                <a:schemeClr val="tx1">
+                  <a:lumMod val="65000"/>
+                  <a:lumOff val="35000"/>
                 </a:schemeClr>
               </a:solidFill>
-            </a:endParaRPr>
-          </a:p>
-          <a:p>
-            <a:r>
-              <a:rPr lang="zh-CN" altLang="en-US" dirty="0" smtClean="0">
-                <a:solidFill>
-                  <a:schemeClr val="bg2">
-                    <a:lumMod val="75000"/>
-                  </a:schemeClr>
-                </a:solidFill>
-              </a:rPr>
-              <a:t>频繁重启服务，累积耗时很长</a:t>
-            </a:r>
-            <a:endParaRPr lang="en-US" altLang="zh-CN" dirty="0">
-              <a:solidFill>
-                <a:schemeClr val="bg2">
-                  <a:lumMod val="75000"/>
-                </a:schemeClr>
-              </a:solidFill>
-            </a:endParaRPr>
-          </a:p>
-        </p:txBody>
-      </p:sp>
-    </p:spTree>
-  </p:cSld>
-  <p:clrMapOvr>
-    <a:masterClrMapping/>
-  </p:clrMapOvr>
-</p:sld>
-</file>
-
-<file path=ppt/slides/slide7.xml><?xml version="1.0" encoding="utf-8"?>
-<p:sld xmlns:a="http://schemas.openxmlformats.org/drawingml/2006/main" xmlns:r="http://schemas.openxmlformats.org/officeDocument/2006/relationships" xmlns:p="http://schemas.openxmlformats.org/presentationml/2006/main">
-  <p:cSld>
-    <p:spTree>
-      <p:nvGrpSpPr>
-        <p:cNvPr id="1" name=""/>
-        <p:cNvGrpSpPr/>
-        <p:nvPr/>
-      </p:nvGrpSpPr>
-      <p:grpSpPr>
-        <a:xfrm>
-          <a:off x="0" y="0"/>
-          <a:ext cx="0" cy="0"/>
-          <a:chOff x="0" y="0"/>
-          <a:chExt cx="0" cy="0"/>
-        </a:xfrm>
-      </p:grpSpPr>
-      <p:sp>
-        <p:nvSpPr>
-          <p:cNvPr id="2" name="Title 1"/>
-          <p:cNvSpPr>
-            <a:spLocks noGrp="1"/>
-          </p:cNvSpPr>
-          <p:nvPr>
-            <p:ph type="title"/>
-          </p:nvPr>
-        </p:nvSpPr>
-        <p:spPr/>
-        <p:txBody>
-          <a:bodyPr>
-            <a:normAutofit/>
-          </a:bodyPr>
-          <a:lstStyle/>
-          <a:p>
-            <a:pPr algn="l"/>
-            <a:r>
-              <a:rPr lang="en-US" altLang="en-US" dirty="0" smtClean="0">
-                <a:solidFill>
-                  <a:schemeClr val="bg2">
-                    <a:lumMod val="75000"/>
-                  </a:schemeClr>
-                </a:solidFill>
-              </a:rPr>
-              <a:t>Hydra</a:t>
-            </a:r>
-            <a:r>
-              <a:rPr lang="zh-CN" altLang="en-US" dirty="0" smtClean="0">
-                <a:solidFill>
-                  <a:schemeClr val="bg2">
-                    <a:lumMod val="75000"/>
-                  </a:schemeClr>
-                </a:solidFill>
-              </a:rPr>
-              <a:t>的解决方案</a:t>
-            </a:r>
-            <a:endParaRPr lang="x-none" altLang="en-US" dirty="0">
-              <a:solidFill>
-                <a:schemeClr val="bg2">
-                  <a:lumMod val="75000"/>
-                </a:schemeClr>
-              </a:solidFill>
-            </a:endParaRPr>
-          </a:p>
-        </p:txBody>
-      </p:sp>
-      <p:sp>
-        <p:nvSpPr>
-          <p:cNvPr id="3" name="Content Placeholder 2"/>
-          <p:cNvSpPr>
-            <a:spLocks noGrp="1"/>
-          </p:cNvSpPr>
-          <p:nvPr>
-            <p:ph idx="1"/>
-          </p:nvPr>
-        </p:nvSpPr>
-        <p:spPr/>
-        <p:txBody>
-          <a:bodyPr/>
-          <a:lstStyle/>
-          <a:p>
-            <a:r>
-              <a:rPr lang="en-US" dirty="0" err="1">
-                <a:solidFill>
-                  <a:schemeClr val="bg2">
-                    <a:lumMod val="75000"/>
-                  </a:schemeClr>
-                </a:solidFill>
-              </a:rPr>
-              <a:t>版本</a:t>
-            </a:r>
-            <a:r>
-              <a:rPr lang="x-none" altLang="en-US" dirty="0">
-                <a:solidFill>
-                  <a:schemeClr val="bg2">
-                    <a:lumMod val="75000"/>
-                  </a:schemeClr>
-                </a:solidFill>
-              </a:rPr>
-              <a:t>管理</a:t>
-            </a:r>
-          </a:p>
-          <a:p>
-            <a:r>
-              <a:rPr lang="en-US" dirty="0" err="1">
-                <a:solidFill>
-                  <a:schemeClr val="bg2">
-                    <a:lumMod val="75000"/>
-                  </a:schemeClr>
-                </a:solidFill>
-              </a:rPr>
-              <a:t>热部署</a:t>
-            </a:r>
-            <a:endParaRPr lang="x-none" altLang="en-US" dirty="0">
-              <a:solidFill>
-                <a:schemeClr val="bg2">
-                  <a:lumMod val="75000"/>
-                </a:schemeClr>
-              </a:solidFill>
-            </a:endParaRPr>
-          </a:p>
-        </p:txBody>
-      </p:sp>
-    </p:spTree>
-  </p:cSld>
-  <p:clrMapOvr>
-    <a:masterClrMapping/>
-  </p:clrMapOvr>
-</p:sld>
-</file>
-
-<file path=ppt/slides/slide8.xml><?xml version="1.0" encoding="utf-8"?>
-<p:sld xmlns:a="http://schemas.openxmlformats.org/drawingml/2006/main" xmlns:r="http://schemas.openxmlformats.org/officeDocument/2006/relationships" xmlns:p="http://schemas.openxmlformats.org/presentationml/2006/main">
-  <p:cSld>
-    <p:spTree>
-      <p:nvGrpSpPr>
-        <p:cNvPr id="1" name=""/>
-        <p:cNvGrpSpPr/>
-        <p:nvPr/>
-      </p:nvGrpSpPr>
-      <p:grpSpPr>
-        <a:xfrm>
-          <a:off x="0" y="0"/>
-          <a:ext cx="0" cy="0"/>
-          <a:chOff x="0" y="0"/>
-          <a:chExt cx="0" cy="0"/>
-        </a:xfrm>
-      </p:grpSpPr>
-      <p:sp>
-        <p:nvSpPr>
-          <p:cNvPr id="2" name="Title 1"/>
-          <p:cNvSpPr>
-            <a:spLocks noGrp="1"/>
-          </p:cNvSpPr>
-          <p:nvPr>
-            <p:ph type="title"/>
-          </p:nvPr>
-        </p:nvSpPr>
-        <p:spPr/>
-        <p:txBody>
-          <a:bodyPr>
-            <a:normAutofit/>
-          </a:bodyPr>
-          <a:lstStyle/>
-          <a:p>
-            <a:pPr algn="l"/>
-            <a:r>
-              <a:rPr lang="zh-CN" altLang="en-US" dirty="0" smtClean="0">
-                <a:solidFill>
-                  <a:schemeClr val="bg2">
-                    <a:lumMod val="75000"/>
-                  </a:schemeClr>
-                </a:solidFill>
-              </a:rPr>
-              <a:t>服务升级</a:t>
-            </a:r>
-            <a:r>
-              <a:rPr lang="en-US" altLang="zh-CN" dirty="0" smtClean="0">
-                <a:solidFill>
-                  <a:schemeClr val="bg2">
-                    <a:lumMod val="75000"/>
-                  </a:schemeClr>
-                </a:solidFill>
-              </a:rPr>
-              <a:t>(Hydra)</a:t>
-            </a:r>
-            <a:endParaRPr lang="x-none" altLang="en-US" dirty="0">
-              <a:solidFill>
-                <a:schemeClr val="bg2">
-                  <a:lumMod val="75000"/>
-                </a:schemeClr>
-              </a:solidFill>
-            </a:endParaRPr>
-          </a:p>
-        </p:txBody>
-      </p:sp>
-      <p:sp>
-        <p:nvSpPr>
-          <p:cNvPr id="3" name="Content Placeholder 2"/>
-          <p:cNvSpPr>
-            <a:spLocks noGrp="1"/>
-          </p:cNvSpPr>
-          <p:nvPr>
-            <p:ph idx="1"/>
-          </p:nvPr>
-        </p:nvSpPr>
-        <p:spPr/>
-        <p:txBody>
-          <a:bodyPr>
-            <a:normAutofit/>
-          </a:bodyPr>
-          <a:lstStyle/>
-          <a:p>
-            <a:r>
-              <a:rPr lang="zh-CN" altLang="en-US" b="1" dirty="0" smtClean="0">
-                <a:solidFill>
-                  <a:schemeClr val="bg2">
-                    <a:lumMod val="75000"/>
-                  </a:schemeClr>
-                </a:solidFill>
-              </a:rPr>
-              <a:t>服务</a:t>
-            </a:r>
-            <a:r>
-              <a:rPr lang="zh-CN" altLang="en-US" b="1" dirty="0" smtClean="0">
-                <a:solidFill>
-                  <a:schemeClr val="bg2">
-                    <a:lumMod val="75000"/>
-                  </a:schemeClr>
-                </a:solidFill>
-              </a:rPr>
-              <a:t>修改保持</a:t>
-            </a:r>
-            <a:r>
-              <a:rPr lang="zh-CN" altLang="en-US" b="1" dirty="0" smtClean="0">
-                <a:solidFill>
-                  <a:schemeClr val="bg2">
-                    <a:lumMod val="75000"/>
-                  </a:schemeClr>
-                </a:solidFill>
-              </a:rPr>
-              <a:t>兼容</a:t>
-            </a:r>
-          </a:p>
-          <a:p>
-            <a:r>
-              <a:rPr lang="zh-CN" altLang="en-US" b="1" dirty="0" smtClean="0">
-                <a:solidFill>
-                  <a:schemeClr val="bg2">
-                    <a:lumMod val="75000"/>
-                  </a:schemeClr>
-                </a:solidFill>
-              </a:rPr>
-              <a:t>服务修改不兼容</a:t>
-            </a:r>
-          </a:p>
-          <a:p>
-            <a:pPr lvl="1"/>
-            <a:r>
-              <a:rPr lang="zh-CN" altLang="en-US" dirty="0" smtClean="0">
-                <a:solidFill>
-                  <a:schemeClr val="bg2">
-                    <a:lumMod val="75000"/>
-                  </a:schemeClr>
-                </a:solidFill>
-              </a:rPr>
-              <a:t>所有机器升级服务至新版本</a:t>
-            </a:r>
-            <a:r>
-              <a:rPr lang="en-US" altLang="zh-CN" dirty="0" smtClean="0">
-                <a:solidFill>
-                  <a:schemeClr val="bg2">
-                    <a:lumMod val="75000"/>
-                  </a:schemeClr>
-                </a:solidFill>
-              </a:rPr>
-              <a:t>(</a:t>
-            </a:r>
-            <a:r>
-              <a:rPr lang="zh-CN" altLang="en-US" dirty="0" smtClean="0">
-                <a:solidFill>
-                  <a:schemeClr val="bg2">
-                    <a:lumMod val="75000"/>
-                  </a:schemeClr>
-                </a:solidFill>
-              </a:rPr>
-              <a:t>例如：</a:t>
-            </a:r>
-            <a:r>
-              <a:rPr lang="en-US" altLang="zh-CN" dirty="0" smtClean="0">
-                <a:solidFill>
-                  <a:schemeClr val="bg2">
-                    <a:lumMod val="75000"/>
-                  </a:schemeClr>
-                </a:solidFill>
-              </a:rPr>
-              <a:t>1.0.1)</a:t>
-            </a:r>
-            <a:endParaRPr lang="zh-CN" altLang="en-US" dirty="0" smtClean="0">
-              <a:solidFill>
-                <a:schemeClr val="bg2">
-                  <a:lumMod val="75000"/>
-                </a:schemeClr>
-              </a:solidFill>
-            </a:endParaRPr>
-          </a:p>
-          <a:p>
-            <a:pPr lvl="1"/>
-            <a:r>
-              <a:rPr lang="zh-CN" altLang="en-US" dirty="0" smtClean="0">
-                <a:solidFill>
-                  <a:schemeClr val="bg2">
-                    <a:lumMod val="75000"/>
-                  </a:schemeClr>
-                </a:solidFill>
-              </a:rPr>
-              <a:t>批量升级客户端至新版本，如出现问题可直接回退</a:t>
-            </a:r>
-            <a:r>
-              <a:rPr lang="en-US" altLang="zh-CN" dirty="0" smtClean="0">
-                <a:solidFill>
-                  <a:schemeClr val="bg2">
-                    <a:lumMod val="75000"/>
-                  </a:schemeClr>
-                </a:solidFill>
-              </a:rPr>
-              <a:t>(Hydra</a:t>
-            </a:r>
-            <a:r>
-              <a:rPr lang="zh-CN" altLang="en-US" dirty="0" smtClean="0">
-                <a:solidFill>
-                  <a:schemeClr val="bg2">
-                    <a:lumMod val="75000"/>
-                  </a:schemeClr>
-                </a:solidFill>
-              </a:rPr>
-              <a:t>自动根据版本号匹配服务</a:t>
-            </a:r>
-            <a:r>
-              <a:rPr lang="en-US" altLang="zh-CN" dirty="0" smtClean="0">
-                <a:solidFill>
-                  <a:schemeClr val="bg2">
-                    <a:lumMod val="75000"/>
-                  </a:schemeClr>
-                </a:solidFill>
-              </a:rPr>
-              <a:t>)</a:t>
-            </a:r>
-          </a:p>
-          <a:p>
-            <a:pPr lvl="1"/>
-            <a:r>
-              <a:rPr lang="zh-CN" altLang="en-US" dirty="0" smtClean="0">
-                <a:solidFill>
-                  <a:schemeClr val="bg2">
-                    <a:lumMod val="75000"/>
-                  </a:schemeClr>
-                </a:solidFill>
-              </a:rPr>
-              <a:t>卸载老版本服务</a:t>
-            </a:r>
-            <a:r>
-              <a:rPr lang="en-US" altLang="zh-CN" dirty="0" smtClean="0">
-                <a:solidFill>
-                  <a:schemeClr val="bg2">
-                    <a:lumMod val="75000"/>
-                  </a:schemeClr>
-                </a:solidFill>
-              </a:rPr>
-              <a:t>(</a:t>
-            </a:r>
-            <a:r>
-              <a:rPr lang="zh-CN" altLang="en-US" dirty="0" smtClean="0">
-                <a:solidFill>
-                  <a:schemeClr val="bg2">
-                    <a:lumMod val="75000"/>
-                  </a:schemeClr>
-                </a:solidFill>
-              </a:rPr>
-              <a:t>非</a:t>
-            </a:r>
-            <a:r>
-              <a:rPr lang="zh-CN" altLang="en-US" dirty="0" smtClean="0">
-                <a:solidFill>
-                  <a:schemeClr val="bg2">
-                    <a:lumMod val="75000"/>
-                  </a:schemeClr>
-                </a:solidFill>
-              </a:rPr>
-              <a:t>必须</a:t>
-            </a:r>
-            <a:r>
-              <a:rPr lang="en-US" altLang="zh-CN" dirty="0" smtClean="0">
-                <a:solidFill>
-                  <a:schemeClr val="bg2">
-                    <a:lumMod val="75000"/>
-                  </a:schemeClr>
-                </a:solidFill>
-              </a:rPr>
-              <a:t>)</a:t>
-            </a:r>
-            <a:endParaRPr lang="zh-CN" altLang="en-US" dirty="0" smtClean="0">
-              <a:solidFill>
-                <a:schemeClr val="bg2">
-                  <a:lumMod val="75000"/>
-                </a:schemeClr>
-              </a:solidFill>
-            </a:endParaRPr>
-          </a:p>
-        </p:txBody>
-      </p:sp>
-    </p:spTree>
-  </p:cSld>
-  <p:clrMapOvr>
-    <a:masterClrMapping/>
-  </p:clrMapOvr>
-  <p:timing>
-    <p:tnLst>
-      <p:par>
-        <p:cTn id="1" dur="indefinite" restart="never" nodeType="tmRoot"/>
-      </p:par>
-    </p:tnLst>
-  </p:timing>
-</p:sld>
-</file>
-
-<file path=ppt/slides/slide9.xml><?xml version="1.0" encoding="utf-8"?>
-<p:sld xmlns:a="http://schemas.openxmlformats.org/drawingml/2006/main" xmlns:r="http://schemas.openxmlformats.org/officeDocument/2006/relationships" xmlns:p="http://schemas.openxmlformats.org/presentationml/2006/main">
-  <p:cSld>
-    <p:spTree>
-      <p:nvGrpSpPr>
-        <p:cNvPr id="1" name=""/>
-        <p:cNvGrpSpPr/>
-        <p:nvPr/>
-      </p:nvGrpSpPr>
-      <p:grpSpPr>
-        <a:xfrm>
-          <a:off x="0" y="0"/>
-          <a:ext cx="0" cy="0"/>
-          <a:chOff x="0" y="0"/>
-          <a:chExt cx="0" cy="0"/>
-        </a:xfrm>
-      </p:grpSpPr>
-      <p:sp>
-        <p:nvSpPr>
-          <p:cNvPr id="2" name="Title 1"/>
-          <p:cNvSpPr>
-            <a:spLocks noGrp="1"/>
-          </p:cNvSpPr>
-          <p:nvPr>
-            <p:ph type="title"/>
-          </p:nvPr>
-        </p:nvSpPr>
-        <p:spPr/>
-        <p:txBody>
-          <a:bodyPr>
-            <a:normAutofit/>
-          </a:bodyPr>
-          <a:lstStyle/>
-          <a:p>
-            <a:pPr algn="l"/>
-            <a:r>
-              <a:rPr lang="en-US" altLang="en-US" dirty="0" smtClean="0">
-                <a:solidFill>
-                  <a:schemeClr val="bg2">
-                    <a:lumMod val="75000"/>
-                  </a:schemeClr>
-                </a:solidFill>
-              </a:rPr>
-              <a:t>Hydra2</a:t>
-            </a:r>
-            <a:r>
-              <a:rPr lang="zh-CN" altLang="en-US" dirty="0" smtClean="0">
-                <a:solidFill>
-                  <a:schemeClr val="bg2">
-                    <a:lumMod val="75000"/>
-                  </a:schemeClr>
-                </a:solidFill>
-              </a:rPr>
-              <a:t>的实现</a:t>
-            </a:r>
-            <a:endParaRPr lang="x-none" altLang="en-US" dirty="0">
-              <a:solidFill>
-                <a:schemeClr val="bg2">
-                  <a:lumMod val="75000"/>
-                </a:schemeClr>
-              </a:solidFill>
-            </a:endParaRPr>
-          </a:p>
-        </p:txBody>
-      </p:sp>
-      <p:sp>
-        <p:nvSpPr>
-          <p:cNvPr id="3" name="Content Placeholder 2"/>
-          <p:cNvSpPr>
-            <a:spLocks noGrp="1"/>
-          </p:cNvSpPr>
-          <p:nvPr>
-            <p:ph idx="1"/>
-          </p:nvPr>
-        </p:nvSpPr>
-        <p:spPr/>
-        <p:txBody>
-          <a:bodyPr/>
-          <a:lstStyle/>
-          <a:p>
-            <a:r>
-              <a:rPr lang="en-US" altLang="zh-CN" dirty="0" err="1" smtClean="0">
-                <a:solidFill>
-                  <a:schemeClr val="bg2">
-                    <a:lumMod val="75000"/>
-                  </a:schemeClr>
-                </a:solidFill>
-              </a:rPr>
-              <a:t>OSGi</a:t>
-            </a:r>
-            <a:endParaRPr lang="x-none" altLang="en-US" dirty="0">
-              <a:solidFill>
-                <a:schemeClr val="bg2">
-                  <a:lumMod val="75000"/>
-                </a:schemeClr>
-              </a:solidFill>
+              <a:latin typeface="微软雅黑" pitchFamily="34" charset="-122"/>
+              <a:ea typeface="微软雅黑" pitchFamily="34" charset="-122"/>
             </a:endParaRPr>
           </a:p>
         </p:txBody>
@@ -6382,11 +7814,962 @@
           <a:noFill/>
         </p:spPr>
       </p:pic>
+      <p:pic>
+        <p:nvPicPr>
+          <p:cNvPr id="6" name="Picture 2" descr="C:\Users\wangyifan\AppData\Roaming\Foxmail7\Temp-3628-20160922082721\logo2016.jpg"/>
+          <p:cNvPicPr>
+            <a:picLocks noChangeAspect="1" noChangeArrowheads="1"/>
+          </p:cNvPicPr>
+          <p:nvPr/>
+        </p:nvPicPr>
+        <p:blipFill>
+          <a:blip r:embed="rId5"/>
+          <a:srcRect/>
+          <a:stretch>
+            <a:fillRect/>
+          </a:stretch>
+        </p:blipFill>
+        <p:spPr bwMode="auto">
+          <a:xfrm>
+            <a:off x="9534525" y="0"/>
+            <a:ext cx="2657475" cy="847725"/>
+          </a:xfrm>
+          <a:prstGeom prst="rect">
+            <a:avLst/>
+          </a:prstGeom>
+          <a:noFill/>
+        </p:spPr>
+      </p:pic>
     </p:spTree>
   </p:cSld>
   <p:clrMapOvr>
     <a:masterClrMapping/>
   </p:clrMapOvr>
+  <p:timing>
+    <p:tnLst>
+      <p:par>
+        <p:cTn id="1" dur="indefinite" restart="never" nodeType="tmRoot">
+          <p:childTnLst>
+            <p:seq concurrent="1" nextAc="seek">
+              <p:cTn id="2" dur="indefinite" nodeType="mainSeq">
+                <p:childTnLst>
+                  <p:par>
+                    <p:cTn id="3" fill="hold">
+                      <p:stCondLst>
+                        <p:cond delay="indefinite"/>
+                      </p:stCondLst>
+                      <p:childTnLst>
+                        <p:par>
+                          <p:cTn id="4" fill="hold">
+                            <p:stCondLst>
+                              <p:cond delay="0"/>
+                            </p:stCondLst>
+                            <p:childTnLst>
+                              <p:par>
+                                <p:cTn id="5" presetID="3" presetClass="entr" presetSubtype="10" fill="hold" grpId="0" nodeType="clickEffect">
+                                  <p:stCondLst>
+                                    <p:cond delay="0"/>
+                                  </p:stCondLst>
+                                  <p:childTnLst>
+                                    <p:set>
+                                      <p:cBhvr>
+                                        <p:cTn id="6" dur="1" fill="hold">
+                                          <p:stCondLst>
+                                            <p:cond delay="0"/>
+                                          </p:stCondLst>
+                                        </p:cTn>
+                                        <p:tgtEl>
+                                          <p:spTgt spid="3">
+                                            <p:txEl>
+                                              <p:pRg st="0" end="0"/>
+                                            </p:txEl>
+                                          </p:spTgt>
+                                        </p:tgtEl>
+                                        <p:attrNameLst>
+                                          <p:attrName>style.visibility</p:attrName>
+                                        </p:attrNameLst>
+                                      </p:cBhvr>
+                                      <p:to>
+                                        <p:strVal val="visible"/>
+                                      </p:to>
+                                    </p:set>
+                                    <p:animEffect transition="in" filter="blinds(horizontal)">
+                                      <p:cBhvr>
+                                        <p:cTn id="7" dur="500"/>
+                                        <p:tgtEl>
+                                          <p:spTgt spid="3">
+                                            <p:txEl>
+                                              <p:pRg st="0" end="0"/>
+                                            </p:txEl>
+                                          </p:spTgt>
+                                        </p:tgtEl>
+                                      </p:cBhvr>
+                                    </p:animEffect>
+                                  </p:childTnLst>
+                                </p:cTn>
+                              </p:par>
+                            </p:childTnLst>
+                          </p:cTn>
+                        </p:par>
+                      </p:childTnLst>
+                    </p:cTn>
+                  </p:par>
+                  <p:par>
+                    <p:cTn id="8" fill="hold">
+                      <p:stCondLst>
+                        <p:cond delay="indefinite"/>
+                      </p:stCondLst>
+                      <p:childTnLst>
+                        <p:par>
+                          <p:cTn id="9" fill="hold">
+                            <p:stCondLst>
+                              <p:cond delay="0"/>
+                            </p:stCondLst>
+                            <p:childTnLst>
+                              <p:par>
+                                <p:cTn id="10" presetID="3" presetClass="entr" presetSubtype="10" fill="hold" nodeType="clickEffect">
+                                  <p:stCondLst>
+                                    <p:cond delay="0"/>
+                                  </p:stCondLst>
+                                  <p:childTnLst>
+                                    <p:set>
+                                      <p:cBhvr>
+                                        <p:cTn id="11" dur="1" fill="hold">
+                                          <p:stCondLst>
+                                            <p:cond delay="0"/>
+                                          </p:stCondLst>
+                                        </p:cTn>
+                                        <p:tgtEl>
+                                          <p:spTgt spid="1026"/>
+                                        </p:tgtEl>
+                                        <p:attrNameLst>
+                                          <p:attrName>style.visibility</p:attrName>
+                                        </p:attrNameLst>
+                                      </p:cBhvr>
+                                      <p:to>
+                                        <p:strVal val="visible"/>
+                                      </p:to>
+                                    </p:set>
+                                    <p:animEffect transition="in" filter="blinds(horizontal)">
+                                      <p:cBhvr>
+                                        <p:cTn id="12" dur="500"/>
+                                        <p:tgtEl>
+                                          <p:spTgt spid="1026"/>
+                                        </p:tgtEl>
+                                      </p:cBhvr>
+                                    </p:animEffect>
+                                  </p:childTnLst>
+                                </p:cTn>
+                              </p:par>
+                            </p:childTnLst>
+                          </p:cTn>
+                        </p:par>
+                      </p:childTnLst>
+                    </p:cTn>
+                  </p:par>
+                  <p:par>
+                    <p:cTn id="13" fill="hold">
+                      <p:stCondLst>
+                        <p:cond delay="indefinite"/>
+                      </p:stCondLst>
+                      <p:childTnLst>
+                        <p:par>
+                          <p:cTn id="14" fill="hold">
+                            <p:stCondLst>
+                              <p:cond delay="0"/>
+                            </p:stCondLst>
+                            <p:childTnLst>
+                              <p:par>
+                                <p:cTn id="15" presetID="3" presetClass="entr" presetSubtype="10" fill="hold" nodeType="clickEffect">
+                                  <p:stCondLst>
+                                    <p:cond delay="0"/>
+                                  </p:stCondLst>
+                                  <p:childTnLst>
+                                    <p:set>
+                                      <p:cBhvr>
+                                        <p:cTn id="16" dur="1" fill="hold">
+                                          <p:stCondLst>
+                                            <p:cond delay="0"/>
+                                          </p:stCondLst>
+                                        </p:cTn>
+                                        <p:tgtEl>
+                                          <p:spTgt spid="4"/>
+                                        </p:tgtEl>
+                                        <p:attrNameLst>
+                                          <p:attrName>style.visibility</p:attrName>
+                                        </p:attrNameLst>
+                                      </p:cBhvr>
+                                      <p:to>
+                                        <p:strVal val="visible"/>
+                                      </p:to>
+                                    </p:set>
+                                    <p:animEffect transition="in" filter="blinds(horizontal)">
+                                      <p:cBhvr>
+                                        <p:cTn id="17" dur="500"/>
+                                        <p:tgtEl>
+                                          <p:spTgt spid="4"/>
+                                        </p:tgtEl>
+                                      </p:cBhvr>
+                                    </p:animEffect>
+                                  </p:childTnLst>
+                                </p:cTn>
+                              </p:par>
+                            </p:childTnLst>
+                          </p:cTn>
+                        </p:par>
+                      </p:childTnLst>
+                    </p:cTn>
+                  </p:par>
+                </p:childTnLst>
+              </p:cTn>
+              <p:prevCondLst>
+                <p:cond evt="onPrev" delay="0">
+                  <p:tgtEl>
+                    <p:sldTgt/>
+                  </p:tgtEl>
+                </p:cond>
+              </p:prevCondLst>
+              <p:nextCondLst>
+                <p:cond evt="onNext" delay="0">
+                  <p:tgtEl>
+                    <p:sldTgt/>
+                  </p:tgtEl>
+                </p:cond>
+              </p:nextCondLst>
+            </p:seq>
+          </p:childTnLst>
+        </p:cTn>
+      </p:par>
+    </p:tnLst>
+    <p:bldLst>
+      <p:bldP spid="3" grpId="0" build="p"/>
+    </p:bldLst>
+  </p:timing>
+</p:sld>
+</file>
+
+<file path=ppt/slides/slide7.xml><?xml version="1.0" encoding="utf-8"?>
+<p:sld xmlns:a="http://schemas.openxmlformats.org/drawingml/2006/main" xmlns:r="http://schemas.openxmlformats.org/officeDocument/2006/relationships" xmlns:p="http://schemas.openxmlformats.org/presentationml/2006/main">
+  <p:cSld>
+    <p:spTree>
+      <p:nvGrpSpPr>
+        <p:cNvPr id="1" name=""/>
+        <p:cNvGrpSpPr/>
+        <p:nvPr/>
+      </p:nvGrpSpPr>
+      <p:grpSpPr>
+        <a:xfrm>
+          <a:off x="0" y="0"/>
+          <a:ext cx="0" cy="0"/>
+          <a:chOff x="0" y="0"/>
+          <a:chExt cx="0" cy="0"/>
+        </a:xfrm>
+      </p:grpSpPr>
+      <p:sp>
+        <p:nvSpPr>
+          <p:cNvPr id="2" name="Title 1"/>
+          <p:cNvSpPr>
+            <a:spLocks noGrp="1"/>
+          </p:cNvSpPr>
+          <p:nvPr>
+            <p:ph type="title"/>
+          </p:nvPr>
+        </p:nvSpPr>
+        <p:spPr/>
+        <p:txBody>
+          <a:bodyPr>
+            <a:normAutofit/>
+          </a:bodyPr>
+          <a:lstStyle/>
+          <a:p>
+            <a:pPr algn="l"/>
+            <a:r>
+              <a:rPr lang="zh-CN" altLang="en-US" dirty="0" smtClean="0">
+                <a:solidFill>
+                  <a:schemeClr val="tx1">
+                    <a:lumMod val="65000"/>
+                    <a:lumOff val="35000"/>
+                  </a:schemeClr>
+                </a:solidFill>
+                <a:latin typeface="微软雅黑" pitchFamily="34" charset="-122"/>
+                <a:ea typeface="微软雅黑" pitchFamily="34" charset="-122"/>
+              </a:rPr>
+              <a:t>服务升级</a:t>
+            </a:r>
+            <a:r>
+              <a:rPr lang="en-US" altLang="zh-CN" dirty="0" smtClean="0">
+                <a:solidFill>
+                  <a:schemeClr val="tx1">
+                    <a:lumMod val="65000"/>
+                    <a:lumOff val="35000"/>
+                  </a:schemeClr>
+                </a:solidFill>
+                <a:latin typeface="微软雅黑" pitchFamily="34" charset="-122"/>
+                <a:ea typeface="微软雅黑" pitchFamily="34" charset="-122"/>
+              </a:rPr>
+              <a:t>(Hydra)</a:t>
+            </a:r>
+            <a:endParaRPr lang="x-none" altLang="en-US" dirty="0">
+              <a:solidFill>
+                <a:schemeClr val="tx1">
+                  <a:lumMod val="65000"/>
+                  <a:lumOff val="35000"/>
+                </a:schemeClr>
+              </a:solidFill>
+              <a:latin typeface="微软雅黑" pitchFamily="34" charset="-122"/>
+              <a:ea typeface="微软雅黑" pitchFamily="34" charset="-122"/>
+            </a:endParaRPr>
+          </a:p>
+        </p:txBody>
+      </p:sp>
+      <p:sp>
+        <p:nvSpPr>
+          <p:cNvPr id="3" name="Content Placeholder 2"/>
+          <p:cNvSpPr>
+            <a:spLocks noGrp="1"/>
+          </p:cNvSpPr>
+          <p:nvPr>
+            <p:ph idx="1"/>
+          </p:nvPr>
+        </p:nvSpPr>
+        <p:spPr/>
+        <p:txBody>
+          <a:bodyPr>
+            <a:normAutofit/>
+          </a:bodyPr>
+          <a:lstStyle/>
+          <a:p>
+            <a:r>
+              <a:rPr lang="zh-CN" altLang="en-US" dirty="0" smtClean="0">
+                <a:solidFill>
+                  <a:schemeClr val="tx1">
+                    <a:lumMod val="65000"/>
+                    <a:lumOff val="35000"/>
+                  </a:schemeClr>
+                </a:solidFill>
+                <a:latin typeface="微软雅黑" pitchFamily="34" charset="-122"/>
+                <a:ea typeface="微软雅黑" pitchFamily="34" charset="-122"/>
+              </a:rPr>
+              <a:t>服务修改保持</a:t>
+            </a:r>
+            <a:r>
+              <a:rPr lang="zh-CN" altLang="en-US" dirty="0" smtClean="0">
+                <a:solidFill>
+                  <a:schemeClr val="tx1">
+                    <a:lumMod val="65000"/>
+                    <a:lumOff val="35000"/>
+                  </a:schemeClr>
+                </a:solidFill>
+                <a:latin typeface="微软雅黑" pitchFamily="34" charset="-122"/>
+                <a:ea typeface="微软雅黑" pitchFamily="34" charset="-122"/>
+              </a:rPr>
+              <a:t>兼容</a:t>
+            </a:r>
+            <a:endParaRPr lang="en-US" altLang="zh-CN" dirty="0" smtClean="0">
+              <a:solidFill>
+                <a:schemeClr val="tx1">
+                  <a:lumMod val="65000"/>
+                  <a:lumOff val="35000"/>
+                </a:schemeClr>
+              </a:solidFill>
+              <a:latin typeface="微软雅黑" pitchFamily="34" charset="-122"/>
+              <a:ea typeface="微软雅黑" pitchFamily="34" charset="-122"/>
+            </a:endParaRPr>
+          </a:p>
+          <a:p>
+            <a:pPr lvl="1"/>
+            <a:r>
+              <a:rPr lang="zh-CN" altLang="en-US" dirty="0" smtClean="0">
+                <a:solidFill>
+                  <a:schemeClr val="tx1">
+                    <a:lumMod val="65000"/>
+                    <a:lumOff val="35000"/>
+                  </a:schemeClr>
+                </a:solidFill>
+                <a:latin typeface="微软雅黑" pitchFamily="34" charset="-122"/>
+                <a:ea typeface="微软雅黑" pitchFamily="34" charset="-122"/>
+              </a:rPr>
+              <a:t>直接发布新版本服务</a:t>
+            </a:r>
+            <a:endParaRPr lang="zh-CN" altLang="en-US" dirty="0" smtClean="0">
+              <a:solidFill>
+                <a:schemeClr val="tx1">
+                  <a:lumMod val="65000"/>
+                  <a:lumOff val="35000"/>
+                </a:schemeClr>
+              </a:solidFill>
+              <a:latin typeface="微软雅黑" pitchFamily="34" charset="-122"/>
+              <a:ea typeface="微软雅黑" pitchFamily="34" charset="-122"/>
+            </a:endParaRPr>
+          </a:p>
+          <a:p>
+            <a:r>
+              <a:rPr lang="zh-CN" altLang="en-US" dirty="0" smtClean="0">
+                <a:solidFill>
+                  <a:schemeClr val="tx1">
+                    <a:lumMod val="65000"/>
+                    <a:lumOff val="35000"/>
+                  </a:schemeClr>
+                </a:solidFill>
+                <a:latin typeface="微软雅黑" pitchFamily="34" charset="-122"/>
+                <a:ea typeface="微软雅黑" pitchFamily="34" charset="-122"/>
+              </a:rPr>
+              <a:t>服务修改不兼容</a:t>
+            </a:r>
+          </a:p>
+          <a:p>
+            <a:pPr lvl="1"/>
+            <a:r>
+              <a:rPr lang="zh-CN" altLang="en-US" dirty="0" smtClean="0">
+                <a:solidFill>
+                  <a:schemeClr val="tx1">
+                    <a:lumMod val="65000"/>
+                    <a:lumOff val="35000"/>
+                  </a:schemeClr>
+                </a:solidFill>
+                <a:latin typeface="微软雅黑" pitchFamily="34" charset="-122"/>
+                <a:ea typeface="微软雅黑" pitchFamily="34" charset="-122"/>
+              </a:rPr>
+              <a:t>所有机器升级服务至新版本</a:t>
+            </a:r>
+            <a:r>
+              <a:rPr lang="en-US" altLang="zh-CN" dirty="0" smtClean="0">
+                <a:solidFill>
+                  <a:schemeClr val="tx1">
+                    <a:lumMod val="65000"/>
+                    <a:lumOff val="35000"/>
+                  </a:schemeClr>
+                </a:solidFill>
+                <a:latin typeface="微软雅黑" pitchFamily="34" charset="-122"/>
+                <a:ea typeface="微软雅黑" pitchFamily="34" charset="-122"/>
+              </a:rPr>
+              <a:t>(</a:t>
+            </a:r>
+            <a:r>
+              <a:rPr lang="zh-CN" altLang="en-US" dirty="0" smtClean="0">
+                <a:solidFill>
+                  <a:schemeClr val="tx1">
+                    <a:lumMod val="65000"/>
+                    <a:lumOff val="35000"/>
+                  </a:schemeClr>
+                </a:solidFill>
+                <a:latin typeface="微软雅黑" pitchFamily="34" charset="-122"/>
+                <a:ea typeface="微软雅黑" pitchFamily="34" charset="-122"/>
+              </a:rPr>
+              <a:t>例如：</a:t>
+            </a:r>
+            <a:r>
+              <a:rPr lang="en-US" altLang="zh-CN" dirty="0" smtClean="0">
+                <a:solidFill>
+                  <a:schemeClr val="tx1">
+                    <a:lumMod val="65000"/>
+                    <a:lumOff val="35000"/>
+                  </a:schemeClr>
+                </a:solidFill>
+                <a:latin typeface="微软雅黑" pitchFamily="34" charset="-122"/>
+                <a:ea typeface="微软雅黑" pitchFamily="34" charset="-122"/>
+              </a:rPr>
+              <a:t>1.0.1)</a:t>
+            </a:r>
+            <a:endParaRPr lang="zh-CN" altLang="en-US" dirty="0" smtClean="0">
+              <a:solidFill>
+                <a:schemeClr val="tx1">
+                  <a:lumMod val="65000"/>
+                  <a:lumOff val="35000"/>
+                </a:schemeClr>
+              </a:solidFill>
+              <a:latin typeface="微软雅黑" pitchFamily="34" charset="-122"/>
+              <a:ea typeface="微软雅黑" pitchFamily="34" charset="-122"/>
+            </a:endParaRPr>
+          </a:p>
+          <a:p>
+            <a:pPr lvl="1"/>
+            <a:r>
+              <a:rPr lang="zh-CN" altLang="en-US" dirty="0" smtClean="0">
+                <a:solidFill>
+                  <a:schemeClr val="tx1">
+                    <a:lumMod val="65000"/>
+                    <a:lumOff val="35000"/>
+                  </a:schemeClr>
+                </a:solidFill>
+                <a:latin typeface="微软雅黑" pitchFamily="34" charset="-122"/>
+                <a:ea typeface="微软雅黑" pitchFamily="34" charset="-122"/>
+              </a:rPr>
+              <a:t>批量升级客户端至新版本，如出现问题可直接回退</a:t>
+            </a:r>
+            <a:r>
+              <a:rPr lang="en-US" altLang="zh-CN" dirty="0" smtClean="0">
+                <a:solidFill>
+                  <a:schemeClr val="tx1">
+                    <a:lumMod val="65000"/>
+                    <a:lumOff val="35000"/>
+                  </a:schemeClr>
+                </a:solidFill>
+                <a:latin typeface="微软雅黑" pitchFamily="34" charset="-122"/>
+                <a:ea typeface="微软雅黑" pitchFamily="34" charset="-122"/>
+              </a:rPr>
+              <a:t>(Hydra</a:t>
+            </a:r>
+            <a:r>
+              <a:rPr lang="zh-CN" altLang="en-US" dirty="0" smtClean="0">
+                <a:solidFill>
+                  <a:schemeClr val="tx1">
+                    <a:lumMod val="65000"/>
+                    <a:lumOff val="35000"/>
+                  </a:schemeClr>
+                </a:solidFill>
+                <a:latin typeface="微软雅黑" pitchFamily="34" charset="-122"/>
+                <a:ea typeface="微软雅黑" pitchFamily="34" charset="-122"/>
+              </a:rPr>
+              <a:t>自动根据版本号匹配服务</a:t>
+            </a:r>
+            <a:r>
+              <a:rPr lang="en-US" altLang="zh-CN" dirty="0" smtClean="0">
+                <a:solidFill>
+                  <a:schemeClr val="tx1">
+                    <a:lumMod val="65000"/>
+                    <a:lumOff val="35000"/>
+                  </a:schemeClr>
+                </a:solidFill>
+                <a:latin typeface="微软雅黑" pitchFamily="34" charset="-122"/>
+                <a:ea typeface="微软雅黑" pitchFamily="34" charset="-122"/>
+              </a:rPr>
+              <a:t>)</a:t>
+            </a:r>
+          </a:p>
+          <a:p>
+            <a:pPr lvl="1"/>
+            <a:r>
+              <a:rPr lang="zh-CN" altLang="en-US" dirty="0" smtClean="0">
+                <a:solidFill>
+                  <a:schemeClr val="tx1">
+                    <a:lumMod val="65000"/>
+                    <a:lumOff val="35000"/>
+                  </a:schemeClr>
+                </a:solidFill>
+                <a:latin typeface="微软雅黑" pitchFamily="34" charset="-122"/>
+                <a:ea typeface="微软雅黑" pitchFamily="34" charset="-122"/>
+              </a:rPr>
+              <a:t>卸载老版本服务</a:t>
+            </a:r>
+            <a:r>
+              <a:rPr lang="en-US" altLang="zh-CN" dirty="0" smtClean="0">
+                <a:solidFill>
+                  <a:schemeClr val="tx1">
+                    <a:lumMod val="65000"/>
+                    <a:lumOff val="35000"/>
+                  </a:schemeClr>
+                </a:solidFill>
+                <a:latin typeface="微软雅黑" pitchFamily="34" charset="-122"/>
+                <a:ea typeface="微软雅黑" pitchFamily="34" charset="-122"/>
+              </a:rPr>
+              <a:t>(</a:t>
+            </a:r>
+            <a:r>
+              <a:rPr lang="zh-CN" altLang="en-US" dirty="0" smtClean="0">
+                <a:solidFill>
+                  <a:schemeClr val="tx1">
+                    <a:lumMod val="65000"/>
+                    <a:lumOff val="35000"/>
+                  </a:schemeClr>
+                </a:solidFill>
+                <a:latin typeface="微软雅黑" pitchFamily="34" charset="-122"/>
+                <a:ea typeface="微软雅黑" pitchFamily="34" charset="-122"/>
+              </a:rPr>
+              <a:t>非必须</a:t>
+            </a:r>
+            <a:r>
+              <a:rPr lang="en-US" altLang="zh-CN" dirty="0" smtClean="0">
+                <a:solidFill>
+                  <a:schemeClr val="tx1">
+                    <a:lumMod val="65000"/>
+                    <a:lumOff val="35000"/>
+                  </a:schemeClr>
+                </a:solidFill>
+                <a:latin typeface="微软雅黑" pitchFamily="34" charset="-122"/>
+                <a:ea typeface="微软雅黑" pitchFamily="34" charset="-122"/>
+              </a:rPr>
+              <a:t>)</a:t>
+            </a:r>
+            <a:endParaRPr lang="zh-CN" altLang="en-US" dirty="0" smtClean="0">
+              <a:solidFill>
+                <a:schemeClr val="tx1">
+                  <a:lumMod val="65000"/>
+                  <a:lumOff val="35000"/>
+                </a:schemeClr>
+              </a:solidFill>
+              <a:latin typeface="微软雅黑" pitchFamily="34" charset="-122"/>
+              <a:ea typeface="微软雅黑" pitchFamily="34" charset="-122"/>
+            </a:endParaRPr>
+          </a:p>
+        </p:txBody>
+      </p:sp>
+      <p:pic>
+        <p:nvPicPr>
+          <p:cNvPr id="4" name="Picture 2" descr="C:\Users\wangyifan\AppData\Roaming\Foxmail7\Temp-3628-20160922082721\logo2016.jpg"/>
+          <p:cNvPicPr>
+            <a:picLocks noChangeAspect="1" noChangeArrowheads="1"/>
+          </p:cNvPicPr>
+          <p:nvPr/>
+        </p:nvPicPr>
+        <p:blipFill>
+          <a:blip r:embed="rId3"/>
+          <a:srcRect/>
+          <a:stretch>
+            <a:fillRect/>
+          </a:stretch>
+        </p:blipFill>
+        <p:spPr bwMode="auto">
+          <a:xfrm>
+            <a:off x="9534525" y="0"/>
+            <a:ext cx="2657475" cy="847725"/>
+          </a:xfrm>
+          <a:prstGeom prst="rect">
+            <a:avLst/>
+          </a:prstGeom>
+          <a:noFill/>
+        </p:spPr>
+      </p:pic>
+    </p:spTree>
+  </p:cSld>
+  <p:clrMapOvr>
+    <a:masterClrMapping/>
+  </p:clrMapOvr>
+  <p:timing>
+    <p:tnLst>
+      <p:par>
+        <p:cTn id="1" dur="indefinite" restart="never" nodeType="tmRoot"/>
+      </p:par>
+    </p:tnLst>
+  </p:timing>
+</p:sld>
+</file>
+
+<file path=ppt/slides/slide8.xml><?xml version="1.0" encoding="utf-8"?>
+<p:sld xmlns:a="http://schemas.openxmlformats.org/drawingml/2006/main" xmlns:r="http://schemas.openxmlformats.org/officeDocument/2006/relationships" xmlns:p="http://schemas.openxmlformats.org/presentationml/2006/main">
+  <p:cSld>
+    <p:spTree>
+      <p:nvGrpSpPr>
+        <p:cNvPr id="1" name=""/>
+        <p:cNvGrpSpPr/>
+        <p:nvPr/>
+      </p:nvGrpSpPr>
+      <p:grpSpPr>
+        <a:xfrm>
+          <a:off x="0" y="0"/>
+          <a:ext cx="0" cy="0"/>
+          <a:chOff x="0" y="0"/>
+          <a:chExt cx="0" cy="0"/>
+        </a:xfrm>
+      </p:grpSpPr>
+      <p:pic>
+        <p:nvPicPr>
+          <p:cNvPr id="4" name="Content Placeholder 3" descr="hydra2"/>
+          <p:cNvPicPr>
+            <a:picLocks noGrp="1" noChangeAspect="1"/>
+          </p:cNvPicPr>
+          <p:nvPr>
+            <p:ph idx="1"/>
+          </p:nvPr>
+        </p:nvPicPr>
+        <p:blipFill>
+          <a:blip r:embed="rId2"/>
+          <a:stretch>
+            <a:fillRect/>
+          </a:stretch>
+        </p:blipFill>
+        <p:spPr>
+          <a:xfrm>
+            <a:off x="3175" y="-23495"/>
+            <a:ext cx="12171680" cy="6896735"/>
+          </a:xfrm>
+          <a:prstGeom prst="rect">
+            <a:avLst/>
+          </a:prstGeom>
+        </p:spPr>
+      </p:pic>
+      <p:pic>
+        <p:nvPicPr>
+          <p:cNvPr id="3" name="Picture 2" descr="C:\Users\wangyifan\AppData\Roaming\Foxmail7\Temp-3628-20160922082721\logo2016.jpg"/>
+          <p:cNvPicPr>
+            <a:picLocks noChangeAspect="1" noChangeArrowheads="1"/>
+          </p:cNvPicPr>
+          <p:nvPr/>
+        </p:nvPicPr>
+        <p:blipFill>
+          <a:blip r:embed="rId3"/>
+          <a:srcRect/>
+          <a:stretch>
+            <a:fillRect/>
+          </a:stretch>
+        </p:blipFill>
+        <p:spPr bwMode="auto">
+          <a:xfrm>
+            <a:off x="9534525" y="0"/>
+            <a:ext cx="2657475" cy="847725"/>
+          </a:xfrm>
+          <a:prstGeom prst="rect">
+            <a:avLst/>
+          </a:prstGeom>
+          <a:noFill/>
+        </p:spPr>
+      </p:pic>
+    </p:spTree>
+  </p:cSld>
+  <p:clrMapOvr>
+    <a:masterClrMapping/>
+  </p:clrMapOvr>
+  <p:timing>
+    <p:tnLst>
+      <p:par>
+        <p:cTn id="1" dur="indefinite" restart="never" nodeType="tmRoot"/>
+      </p:par>
+    </p:tnLst>
+  </p:timing>
+</p:sld>
+</file>
+
+<file path=ppt/slides/slide9.xml><?xml version="1.0" encoding="utf-8"?>
+<p:sld xmlns:a="http://schemas.openxmlformats.org/drawingml/2006/main" xmlns:r="http://schemas.openxmlformats.org/officeDocument/2006/relationships" xmlns:p="http://schemas.openxmlformats.org/presentationml/2006/main">
+  <p:cSld>
+    <p:spTree>
+      <p:nvGrpSpPr>
+        <p:cNvPr id="1" name=""/>
+        <p:cNvGrpSpPr/>
+        <p:nvPr/>
+      </p:nvGrpSpPr>
+      <p:grpSpPr>
+        <a:xfrm>
+          <a:off x="0" y="0"/>
+          <a:ext cx="0" cy="0"/>
+          <a:chOff x="0" y="0"/>
+          <a:chExt cx="0" cy="0"/>
+        </a:xfrm>
+      </p:grpSpPr>
+      <p:sp>
+        <p:nvSpPr>
+          <p:cNvPr id="2" name="Title 1"/>
+          <p:cNvSpPr>
+            <a:spLocks noGrp="1"/>
+          </p:cNvSpPr>
+          <p:nvPr>
+            <p:ph type="title"/>
+          </p:nvPr>
+        </p:nvSpPr>
+        <p:spPr/>
+        <p:txBody>
+          <a:bodyPr>
+            <a:normAutofit/>
+          </a:bodyPr>
+          <a:lstStyle/>
+          <a:p>
+            <a:pPr algn="l"/>
+            <a:r>
+              <a:rPr lang="zh-CN" altLang="en-US" dirty="0" smtClean="0">
+                <a:solidFill>
+                  <a:schemeClr val="tx1">
+                    <a:lumMod val="65000"/>
+                    <a:lumOff val="35000"/>
+                  </a:schemeClr>
+                </a:solidFill>
+                <a:latin typeface="微软雅黑" pitchFamily="34" charset="-122"/>
+                <a:ea typeface="微软雅黑" pitchFamily="34" charset="-122"/>
+              </a:rPr>
+              <a:t>新问题</a:t>
+            </a:r>
+            <a:endParaRPr lang="x-none" altLang="en-US" dirty="0">
+              <a:solidFill>
+                <a:schemeClr val="tx1">
+                  <a:lumMod val="65000"/>
+                  <a:lumOff val="35000"/>
+                </a:schemeClr>
+              </a:solidFill>
+              <a:latin typeface="微软雅黑" pitchFamily="34" charset="-122"/>
+              <a:ea typeface="微软雅黑" pitchFamily="34" charset="-122"/>
+            </a:endParaRPr>
+          </a:p>
+        </p:txBody>
+      </p:sp>
+      <p:sp>
+        <p:nvSpPr>
+          <p:cNvPr id="3" name="Content Placeholder 2"/>
+          <p:cNvSpPr>
+            <a:spLocks noGrp="1"/>
+          </p:cNvSpPr>
+          <p:nvPr>
+            <p:ph idx="1"/>
+          </p:nvPr>
+        </p:nvSpPr>
+        <p:spPr/>
+        <p:txBody>
+          <a:bodyPr/>
+          <a:lstStyle/>
+          <a:p>
+            <a:r>
+              <a:rPr lang="en-US" dirty="0" err="1" smtClean="0">
+                <a:solidFill>
+                  <a:schemeClr val="tx1">
+                    <a:lumMod val="65000"/>
+                    <a:lumOff val="35000"/>
+                  </a:schemeClr>
+                </a:solidFill>
+                <a:latin typeface="微软雅黑" pitchFamily="34" charset="-122"/>
+                <a:ea typeface="微软雅黑" pitchFamily="34" charset="-122"/>
+              </a:rPr>
+              <a:t>OSGi</a:t>
+            </a:r>
+            <a:r>
+              <a:rPr lang="zh-CN" altLang="en-US" dirty="0" smtClean="0">
+                <a:solidFill>
+                  <a:schemeClr val="tx1">
+                    <a:lumMod val="65000"/>
+                    <a:lumOff val="35000"/>
+                  </a:schemeClr>
+                </a:solidFill>
+                <a:latin typeface="微软雅黑" pitchFamily="34" charset="-122"/>
+                <a:ea typeface="微软雅黑" pitchFamily="34" charset="-122"/>
+              </a:rPr>
+              <a:t>增加了开发复杂度</a:t>
+            </a:r>
+            <a:endParaRPr lang="en-US" dirty="0" smtClean="0">
+              <a:solidFill>
+                <a:schemeClr val="tx1">
+                  <a:lumMod val="65000"/>
+                  <a:lumOff val="35000"/>
+                </a:schemeClr>
+              </a:solidFill>
+              <a:latin typeface="微软雅黑" pitchFamily="34" charset="-122"/>
+              <a:ea typeface="微软雅黑" pitchFamily="34" charset="-122"/>
+            </a:endParaRPr>
+          </a:p>
+          <a:p>
+            <a:r>
+              <a:rPr lang="zh-CN" altLang="en-US" dirty="0" smtClean="0">
+                <a:solidFill>
+                  <a:schemeClr val="tx1">
+                    <a:lumMod val="65000"/>
+                    <a:lumOff val="35000"/>
+                  </a:schemeClr>
+                </a:solidFill>
+                <a:latin typeface="微软雅黑" pitchFamily="34" charset="-122"/>
+                <a:ea typeface="微软雅黑" pitchFamily="34" charset="-122"/>
+              </a:rPr>
+              <a:t>耗时</a:t>
+            </a:r>
+            <a:r>
+              <a:rPr lang="zh-CN" altLang="en-US" dirty="0" smtClean="0">
+                <a:solidFill>
+                  <a:schemeClr val="tx1">
+                    <a:lumMod val="65000"/>
+                    <a:lumOff val="35000"/>
+                  </a:schemeClr>
+                </a:solidFill>
+                <a:latin typeface="微软雅黑" pitchFamily="34" charset="-122"/>
+                <a:ea typeface="微软雅黑" pitchFamily="34" charset="-122"/>
+              </a:rPr>
+              <a:t>服务导致的超时</a:t>
+            </a:r>
+            <a:endParaRPr lang="x-none" altLang="en-US" dirty="0">
+              <a:solidFill>
+                <a:schemeClr val="tx1">
+                  <a:lumMod val="65000"/>
+                  <a:lumOff val="35000"/>
+                </a:schemeClr>
+              </a:solidFill>
+              <a:latin typeface="微软雅黑" pitchFamily="34" charset="-122"/>
+              <a:ea typeface="微软雅黑" pitchFamily="34" charset="-122"/>
+            </a:endParaRPr>
+          </a:p>
+          <a:p>
+            <a:r>
+              <a:rPr lang="zh-CN" altLang="en-US" dirty="0" smtClean="0">
+                <a:solidFill>
+                  <a:schemeClr val="tx1">
+                    <a:lumMod val="65000"/>
+                    <a:lumOff val="35000"/>
+                  </a:schemeClr>
+                </a:solidFill>
+                <a:latin typeface="微软雅黑" pitchFamily="34" charset="-122"/>
+                <a:ea typeface="微软雅黑" pitchFamily="34" charset="-122"/>
+              </a:rPr>
+              <a:t>分散的服务发布</a:t>
+            </a:r>
+            <a:endParaRPr lang="en-US" altLang="zh-CN" dirty="0" smtClean="0">
+              <a:solidFill>
+                <a:schemeClr val="tx1">
+                  <a:lumMod val="65000"/>
+                  <a:lumOff val="35000"/>
+                </a:schemeClr>
+              </a:solidFill>
+              <a:latin typeface="微软雅黑" pitchFamily="34" charset="-122"/>
+              <a:ea typeface="微软雅黑" pitchFamily="34" charset="-122"/>
+            </a:endParaRPr>
+          </a:p>
+          <a:p>
+            <a:r>
+              <a:rPr lang="zh-CN" altLang="en-US" dirty="0" smtClean="0">
+                <a:solidFill>
+                  <a:schemeClr val="tx1">
+                    <a:lumMod val="65000"/>
+                    <a:lumOff val="35000"/>
+                  </a:schemeClr>
+                </a:solidFill>
+                <a:latin typeface="微软雅黑" pitchFamily="34" charset="-122"/>
+                <a:ea typeface="微软雅黑" pitchFamily="34" charset="-122"/>
+              </a:rPr>
+              <a:t>无法方便的确认服务是否发布成功</a:t>
+            </a:r>
+            <a:endParaRPr lang="en-US" dirty="0" smtClean="0">
+              <a:solidFill>
+                <a:schemeClr val="tx1">
+                  <a:lumMod val="65000"/>
+                  <a:lumOff val="35000"/>
+                </a:schemeClr>
+              </a:solidFill>
+              <a:latin typeface="微软雅黑" pitchFamily="34" charset="-122"/>
+              <a:ea typeface="微软雅黑" pitchFamily="34" charset="-122"/>
+            </a:endParaRPr>
+          </a:p>
+        </p:txBody>
+      </p:sp>
+      <p:pic>
+        <p:nvPicPr>
+          <p:cNvPr id="4" name="Picture 2" descr="C:\Users\wangyifan\AppData\Roaming\Foxmail7\Temp-3628-20160922082721\logo2016.jpg"/>
+          <p:cNvPicPr>
+            <a:picLocks noChangeAspect="1" noChangeArrowheads="1"/>
+          </p:cNvPicPr>
+          <p:nvPr/>
+        </p:nvPicPr>
+        <p:blipFill>
+          <a:blip r:embed="rId3"/>
+          <a:srcRect/>
+          <a:stretch>
+            <a:fillRect/>
+          </a:stretch>
+        </p:blipFill>
+        <p:spPr bwMode="auto">
+          <a:xfrm>
+            <a:off x="9534525" y="0"/>
+            <a:ext cx="2657475" cy="847725"/>
+          </a:xfrm>
+          <a:prstGeom prst="rect">
+            <a:avLst/>
+          </a:prstGeom>
+          <a:noFill/>
+        </p:spPr>
+      </p:pic>
+    </p:spTree>
+  </p:cSld>
+  <p:clrMapOvr>
+    <a:masterClrMapping/>
+  </p:clrMapOvr>
+  <p:timing>
+    <p:tnLst>
+      <p:par>
+        <p:cTn id="1" dur="indefinite" restart="never" nodeType="tmRoot"/>
+      </p:par>
+    </p:tnLst>
+  </p:timing>
 </p:sld>
 </file>
 
@@ -6910,4 +9293,287 @@
     </a:ext>
   </a:extLst>
 </a:theme>
+</file>
+
+<file path=ppt/theme/theme3.xml><?xml version="1.0" encoding="utf-8"?>
+<a:theme xmlns:a="http://schemas.openxmlformats.org/drawingml/2006/main" name="Office 主题">
+  <a:themeElements>
+    <a:clrScheme name="Office">
+      <a:dk1>
+        <a:sysClr val="windowText" lastClr="000000"/>
+      </a:dk1>
+      <a:lt1>
+        <a:sysClr val="window" lastClr="FFFFFF"/>
+      </a:lt1>
+      <a:dk2>
+        <a:srgbClr val="1F497D"/>
+      </a:dk2>
+      <a:lt2>
+        <a:srgbClr val="EEECE1"/>
+      </a:lt2>
+      <a:accent1>
+        <a:srgbClr val="4F81BD"/>
+      </a:accent1>
+      <a:accent2>
+        <a:srgbClr val="C0504D"/>
+      </a:accent2>
+      <a:accent3>
+        <a:srgbClr val="9BBB59"/>
+      </a:accent3>
+      <a:accent4>
+        <a:srgbClr val="8064A2"/>
+      </a:accent4>
+      <a:accent5>
+        <a:srgbClr val="4BACC6"/>
+      </a:accent5>
+      <a:accent6>
+        <a:srgbClr val="F79646"/>
+      </a:accent6>
+      <a:hlink>
+        <a:srgbClr val="0000FF"/>
+      </a:hlink>
+      <a:folHlink>
+        <a:srgbClr val="800080"/>
+      </a:folHlink>
+    </a:clrScheme>
+    <a:fontScheme name="Office">
+      <a:majorFont>
+        <a:latin typeface="Calibri"/>
+        <a:ea typeface=""/>
+        <a:cs typeface=""/>
+        <a:font script="Jpan" typeface="ＭＳ Ｐゴシック"/>
+        <a:font script="Hang" typeface="맑은 고딕"/>
+        <a:font script="Hans" typeface="宋体"/>
+        <a:font script="Hant" typeface="新細明體"/>
+        <a:font script="Arab" typeface="Times New Roman"/>
+        <a:font script="Hebr" typeface="Times New Roman"/>
+        <a:font script="Thai" typeface="Angsana New"/>
+        <a:font script="Ethi" typeface="Nyala"/>
+        <a:font script="Beng" typeface="Vrinda"/>
+        <a:font script="Gujr" typeface="Shruti"/>
+        <a:font script="Khmr" typeface="MoolBoran"/>
+        <a:font script="Knda" typeface="Tunga"/>
+        <a:font script="Guru" typeface="Raavi"/>
+        <a:font script="Cans" typeface="Euphemia"/>
+        <a:font script="Cher" typeface="Plantagenet Cherokee"/>
+        <a:font script="Yiii" typeface="Microsoft Yi Baiti"/>
+        <a:font script="Tibt" typeface="Microsoft Himalaya"/>
+        <a:font script="Thaa" typeface="MV Boli"/>
+        <a:font script="Deva" typeface="Mangal"/>
+        <a:font script="Telu" typeface="Gautami"/>
+        <a:font script="Taml" typeface="Latha"/>
+        <a:font script="Syrc" typeface="Estrangelo Edessa"/>
+        <a:font script="Orya" typeface="Kalinga"/>
+        <a:font script="Mlym" typeface="Kartika"/>
+        <a:font script="Laoo" typeface="DokChampa"/>
+        <a:font script="Sinh" typeface="Iskoola Pota"/>
+        <a:font script="Mong" typeface="Mongolian Baiti"/>
+        <a:font script="Viet" typeface="Times New Roman"/>
+        <a:font script="Uigh" typeface="Microsoft Uighur"/>
+      </a:majorFont>
+      <a:minorFont>
+        <a:latin typeface="Calibri"/>
+        <a:ea typeface=""/>
+        <a:cs typeface=""/>
+        <a:font script="Jpan" typeface="ＭＳ Ｐゴシック"/>
+        <a:font script="Hang" typeface="맑은 고딕"/>
+        <a:font script="Hans" typeface="宋体"/>
+        <a:font script="Hant" typeface="新細明體"/>
+        <a:font script="Arab" typeface="Arial"/>
+        <a:font script="Hebr" typeface="Arial"/>
+        <a:font script="Thai" typeface="Cordia New"/>
+        <a:font script="Ethi" typeface="Nyala"/>
+        <a:font script="Beng" typeface="Vrinda"/>
+        <a:font script="Gujr" typeface="Shruti"/>
+        <a:font script="Khmr" typeface="DaunPenh"/>
+        <a:font script="Knda" typeface="Tunga"/>
+        <a:font script="Guru" typeface="Raavi"/>
+        <a:font script="Cans" typeface="Euphemia"/>
+        <a:font script="Cher" typeface="Plantagenet Cherokee"/>
+        <a:font script="Yiii" typeface="Microsoft Yi Baiti"/>
+        <a:font script="Tibt" typeface="Microsoft Himalaya"/>
+        <a:font script="Thaa" typeface="MV Boli"/>
+        <a:font script="Deva" typeface="Mangal"/>
+        <a:font script="Telu" typeface="Gautami"/>
+        <a:font script="Taml" typeface="Latha"/>
+        <a:font script="Syrc" typeface="Estrangelo Edessa"/>
+        <a:font script="Orya" typeface="Kalinga"/>
+        <a:font script="Mlym" typeface="Kartika"/>
+        <a:font script="Laoo" typeface="DokChampa"/>
+        <a:font script="Sinh" typeface="Iskoola Pota"/>
+        <a:font script="Mong" typeface="Mongolian Baiti"/>
+        <a:font script="Viet" typeface="Arial"/>
+        <a:font script="Uigh" typeface="Microsoft Uighur"/>
+      </a:minorFont>
+    </a:fontScheme>
+    <a:fmtScheme name="Office">
+      <a:fillStyleLst>
+        <a:solidFill>
+          <a:schemeClr val="phClr"/>
+        </a:solidFill>
+        <a:gradFill rotWithShape="1">
+          <a:gsLst>
+            <a:gs pos="0">
+              <a:schemeClr val="phClr">
+                <a:tint val="50000"/>
+                <a:satMod val="300000"/>
+              </a:schemeClr>
+            </a:gs>
+            <a:gs pos="35000">
+              <a:schemeClr val="phClr">
+                <a:tint val="37000"/>
+                <a:satMod val="300000"/>
+              </a:schemeClr>
+            </a:gs>
+            <a:gs pos="100000">
+              <a:schemeClr val="phClr">
+                <a:tint val="15000"/>
+                <a:satMod val="350000"/>
+              </a:schemeClr>
+            </a:gs>
+          </a:gsLst>
+          <a:lin ang="16200000" scaled="1"/>
+        </a:gradFill>
+        <a:gradFill rotWithShape="1">
+          <a:gsLst>
+            <a:gs pos="0">
+              <a:schemeClr val="phClr">
+                <a:shade val="51000"/>
+                <a:satMod val="130000"/>
+              </a:schemeClr>
+            </a:gs>
+            <a:gs pos="80000">
+              <a:schemeClr val="phClr">
+                <a:shade val="93000"/>
+                <a:satMod val="130000"/>
+              </a:schemeClr>
+            </a:gs>
+            <a:gs pos="100000">
+              <a:schemeClr val="phClr">
+                <a:shade val="94000"/>
+                <a:satMod val="135000"/>
+              </a:schemeClr>
+            </a:gs>
+          </a:gsLst>
+          <a:lin ang="16200000" scaled="0"/>
+        </a:gradFill>
+      </a:fillStyleLst>
+      <a:lnStyleLst>
+        <a:ln w="9525" cap="flat" cmpd="sng" algn="ctr">
+          <a:solidFill>
+            <a:schemeClr val="phClr">
+              <a:shade val="95000"/>
+              <a:satMod val="105000"/>
+            </a:schemeClr>
+          </a:solidFill>
+          <a:prstDash val="solid"/>
+        </a:ln>
+        <a:ln w="25400" cap="flat" cmpd="sng" algn="ctr">
+          <a:solidFill>
+            <a:schemeClr val="phClr"/>
+          </a:solidFill>
+          <a:prstDash val="solid"/>
+        </a:ln>
+        <a:ln w="38100" cap="flat" cmpd="sng" algn="ctr">
+          <a:solidFill>
+            <a:schemeClr val="phClr"/>
+          </a:solidFill>
+          <a:prstDash val="solid"/>
+        </a:ln>
+      </a:lnStyleLst>
+      <a:effectStyleLst>
+        <a:effectStyle>
+          <a:effectLst>
+            <a:outerShdw blurRad="40000" dist="20000" dir="5400000" rotWithShape="0">
+              <a:srgbClr val="000000">
+                <a:alpha val="38000"/>
+              </a:srgbClr>
+            </a:outerShdw>
+          </a:effectLst>
+        </a:effectStyle>
+        <a:effectStyle>
+          <a:effectLst>
+            <a:outerShdw blurRad="40000" dist="23000" dir="5400000" rotWithShape="0">
+              <a:srgbClr val="000000">
+                <a:alpha val="35000"/>
+              </a:srgbClr>
+            </a:outerShdw>
+          </a:effectLst>
+        </a:effectStyle>
+        <a:effectStyle>
+          <a:effectLst>
+            <a:outerShdw blurRad="40000" dist="23000" dir="5400000" rotWithShape="0">
+              <a:srgbClr val="000000">
+                <a:alpha val="35000"/>
+              </a:srgbClr>
+            </a:outerShdw>
+          </a:effectLst>
+          <a:scene3d>
+            <a:camera prst="orthographicFront">
+              <a:rot lat="0" lon="0" rev="0"/>
+            </a:camera>
+            <a:lightRig rig="threePt" dir="t">
+              <a:rot lat="0" lon="0" rev="1200000"/>
+            </a:lightRig>
+          </a:scene3d>
+          <a:sp3d>
+            <a:bevelT w="63500" h="25400"/>
+          </a:sp3d>
+        </a:effectStyle>
+      </a:effectStyleLst>
+      <a:bgFillStyleLst>
+        <a:solidFill>
+          <a:schemeClr val="phClr"/>
+        </a:solidFill>
+        <a:gradFill rotWithShape="1">
+          <a:gsLst>
+            <a:gs pos="0">
+              <a:schemeClr val="phClr">
+                <a:tint val="40000"/>
+                <a:satMod val="350000"/>
+              </a:schemeClr>
+            </a:gs>
+            <a:gs pos="40000">
+              <a:schemeClr val="phClr">
+                <a:tint val="45000"/>
+                <a:shade val="99000"/>
+                <a:satMod val="350000"/>
+              </a:schemeClr>
+            </a:gs>
+            <a:gs pos="100000">
+              <a:schemeClr val="phClr">
+                <a:shade val="20000"/>
+                <a:satMod val="255000"/>
+              </a:schemeClr>
+            </a:gs>
+          </a:gsLst>
+          <a:path path="circle">
+            <a:fillToRect l="50000" t="-80000" r="50000" b="180000"/>
+          </a:path>
+        </a:gradFill>
+        <a:gradFill rotWithShape="1">
+          <a:gsLst>
+            <a:gs pos="0">
+              <a:schemeClr val="phClr">
+                <a:tint val="80000"/>
+                <a:satMod val="300000"/>
+              </a:schemeClr>
+            </a:gs>
+            <a:gs pos="100000">
+              <a:schemeClr val="phClr">
+                <a:shade val="30000"/>
+                <a:satMod val="200000"/>
+              </a:schemeClr>
+            </a:gs>
+          </a:gsLst>
+          <a:path path="circle">
+            <a:fillToRect l="50000" t="50000" r="50000" b="50000"/>
+          </a:path>
+        </a:gradFill>
+      </a:bgFillStyleLst>
+    </a:fmtScheme>
+  </a:themeElements>
+  <a:objectDefaults/>
+  <a:extraClrSchemeLst/>
+</a:theme>
 </file>
--- a/source/ppt/work/焦点服务化框架Hydra的演变-王一帆.pptx
+++ b/source/ppt/work/焦点服务化框架Hydra的演变-王一帆.pptx
@@ -8,25 +8,24 @@
     <p:notesMasterId r:id="rId5"/>
   </p:notesMasterIdLst>
   <p:handoutMasterIdLst>
-    <p:handoutMasterId r:id="rId20"/>
+    <p:handoutMasterId r:id="rId19"/>
   </p:handoutMasterIdLst>
   <p:sldIdLst>
     <p:sldId id="256" r:id="rId3"/>
     <p:sldId id="257" r:id="rId4"/>
-    <p:sldId id="284" r:id="rId6"/>
-    <p:sldId id="285" r:id="rId7"/>
-    <p:sldId id="271" r:id="rId8"/>
-    <p:sldId id="272" r:id="rId9"/>
-    <p:sldId id="274" r:id="rId10"/>
-    <p:sldId id="259" r:id="rId11"/>
-    <p:sldId id="286" r:id="rId12"/>
-    <p:sldId id="269" r:id="rId13"/>
-    <p:sldId id="261" r:id="rId14"/>
-    <p:sldId id="263" r:id="rId15"/>
-    <p:sldId id="275" r:id="rId16"/>
-    <p:sldId id="287" r:id="rId17"/>
-    <p:sldId id="267" r:id="rId18"/>
-    <p:sldId id="264" r:id="rId19"/>
+    <p:sldId id="285" r:id="rId6"/>
+    <p:sldId id="271" r:id="rId7"/>
+    <p:sldId id="272" r:id="rId8"/>
+    <p:sldId id="274" r:id="rId9"/>
+    <p:sldId id="259" r:id="rId10"/>
+    <p:sldId id="286" r:id="rId11"/>
+    <p:sldId id="269" r:id="rId12"/>
+    <p:sldId id="261" r:id="rId13"/>
+    <p:sldId id="263" r:id="rId14"/>
+    <p:sldId id="275" r:id="rId15"/>
+    <p:sldId id="287" r:id="rId16"/>
+    <p:sldId id="267" r:id="rId17"/>
+    <p:sldId id="264" r:id="rId18"/>
   </p:sldIdLst>
   <p:sldSz cx="12192000" cy="6858000"/>
   <p:notesSz cx="6858000" cy="9144000"/>
@@ -841,7 +840,19 @@
           <a:p>
             <a:r>
               <a:rPr lang="zh-CN" altLang="en-US" dirty="0" smtClean="0"/>
-              <a:t>解决第一，第二个问题</a:t>
+              <a:t>自定义</a:t>
+            </a:r>
+            <a:r>
+              <a:rPr lang="en-US" altLang="zh-CN" dirty="0" err="1" smtClean="0"/>
+              <a:t>WorkThreadPool</a:t>
+            </a:r>
+            <a:r>
+              <a:rPr lang="en-US" altLang="zh-CN" dirty="0" smtClean="0"/>
+              <a:t>,</a:t>
+            </a:r>
+            <a:r>
+              <a:rPr lang="zh-CN" altLang="en-US" dirty="0" smtClean="0"/>
+              <a:t>解决第三个问题</a:t>
             </a:r>
             <a:endParaRPr lang="zh-CN" altLang="en-US" dirty="0"/>
           </a:p>
@@ -923,102 +934,6 @@
           </a:bodyPr>
           <a:lstStyle/>
           <a:p>
-            <a:r>
-              <a:rPr lang="zh-CN" altLang="en-US" dirty="0" smtClean="0"/>
-              <a:t>自定义</a:t>
-            </a:r>
-            <a:r>
-              <a:rPr lang="en-US" altLang="zh-CN" dirty="0" err="1" smtClean="0"/>
-              <a:t>WorkThreadPool</a:t>
-            </a:r>
-            <a:r>
-              <a:rPr lang="en-US" altLang="zh-CN" dirty="0" smtClean="0"/>
-              <a:t>,</a:t>
-            </a:r>
-            <a:r>
-              <a:rPr lang="zh-CN" altLang="en-US" dirty="0" smtClean="0"/>
-              <a:t>解决第三个问题</a:t>
-            </a:r>
-            <a:endParaRPr lang="zh-CN" altLang="en-US" dirty="0"/>
-          </a:p>
-        </p:txBody>
-      </p:sp>
-      <p:sp>
-        <p:nvSpPr>
-          <p:cNvPr id="4" name="灯片编号占位符 3"/>
-          <p:cNvSpPr>
-            <a:spLocks noGrp="1"/>
-          </p:cNvSpPr>
-          <p:nvPr>
-            <p:ph type="sldNum" sz="quarter" idx="10"/>
-          </p:nvPr>
-        </p:nvSpPr>
-        <p:spPr/>
-        <p:txBody>
-          <a:bodyPr/>
-          <a:lstStyle/>
-          <a:p>
-            <a:fld id="{21B2AA4F-B828-4D7C-AFD3-893933DAFCB4}" type="slidenum">
-              <a:rPr lang="en-US" smtClean="0"/>
-            </a:fld>
-            <a:endParaRPr lang="en-US"/>
-          </a:p>
-        </p:txBody>
-      </p:sp>
-    </p:spTree>
-  </p:cSld>
-  <p:clrMapOvr>
-    <a:masterClrMapping/>
-  </p:clrMapOvr>
-</p:notes>
-</file>
-
-<file path=ppt/notesSlides/notesSlide12.xml><?xml version="1.0" encoding="utf-8"?>
-<p:notes xmlns:a="http://schemas.openxmlformats.org/drawingml/2006/main" xmlns:r="http://schemas.openxmlformats.org/officeDocument/2006/relationships" xmlns:p="http://schemas.openxmlformats.org/presentationml/2006/main">
-  <p:cSld>
-    <p:spTree>
-      <p:nvGrpSpPr>
-        <p:cNvPr id="1" name=""/>
-        <p:cNvGrpSpPr/>
-        <p:nvPr/>
-      </p:nvGrpSpPr>
-      <p:grpSpPr>
-        <a:xfrm>
-          <a:off x="0" y="0"/>
-          <a:ext cx="0" cy="0"/>
-          <a:chOff x="0" y="0"/>
-          <a:chExt cx="0" cy="0"/>
-        </a:xfrm>
-      </p:grpSpPr>
-      <p:sp>
-        <p:nvSpPr>
-          <p:cNvPr id="2" name="幻灯片图像占位符 1"/>
-          <p:cNvSpPr>
-            <a:spLocks noGrp="1" noRot="1" noChangeAspect="1"/>
-          </p:cNvSpPr>
-          <p:nvPr>
-            <p:ph type="sldImg"/>
-          </p:nvPr>
-        </p:nvSpPr>
-        <p:spPr/>
-      </p:sp>
-      <p:sp>
-        <p:nvSpPr>
-          <p:cNvPr id="3" name="备注占位符 2"/>
-          <p:cNvSpPr>
-            <a:spLocks noGrp="1"/>
-          </p:cNvSpPr>
-          <p:nvPr>
-            <p:ph type="body" idx="1"/>
-          </p:nvPr>
-        </p:nvSpPr>
-        <p:spPr/>
-        <p:txBody>
-          <a:bodyPr>
-            <a:normAutofit/>
-          </a:bodyPr>
-          <a:lstStyle/>
-          <a:p>
             <a:endParaRPr lang="zh-CN" altLang="en-US"/>
           </a:p>
         </p:txBody>
@@ -1218,111 +1133,221 @@
       </p:grpSpPr>
       <p:sp>
         <p:nvSpPr>
-          <p:cNvPr id="2" name="幻灯片图像占位符 1"/>
+          <p:cNvPr id="2" name="Slide Image Placeholder 1"/>
           <p:cNvSpPr>
             <a:spLocks noGrp="1" noRot="1" noChangeAspect="1"/>
           </p:cNvSpPr>
           <p:nvPr>
-            <p:ph type="sldImg"/>
+            <p:ph type="sldImg" idx="2"/>
           </p:nvPr>
         </p:nvSpPr>
         <p:spPr/>
       </p:sp>
       <p:sp>
         <p:nvSpPr>
-          <p:cNvPr id="3" name="备注占位符 2"/>
+          <p:cNvPr id="3" name="Text Placeholder 2"/>
           <p:cNvSpPr>
             <a:spLocks noGrp="1"/>
           </p:cNvSpPr>
           <p:nvPr>
-            <p:ph type="body" idx="1"/>
+            <p:ph type="body" idx="3"/>
           </p:nvPr>
         </p:nvSpPr>
         <p:spPr/>
         <p:txBody>
-          <a:bodyPr>
-            <a:normAutofit/>
-          </a:bodyPr>
+          <a:bodyPr/>
           <a:lstStyle/>
           <a:p>
             <a:r>
-              <a:rPr lang="x-none" altLang="zh-CN" dirty="0" smtClean="0">
-                <a:solidFill>
-                  <a:schemeClr val="tx1">
-                    <a:lumMod val="65000"/>
-                    <a:lumOff val="35000"/>
-                  </a:schemeClr>
+              <a:rPr lang="zh-CN" altLang="en-US" dirty="0" smtClean="0">
+                <a:solidFill>
+                  <a:srgbClr val="727272"/>
                 </a:solidFill>
                 <a:latin typeface="Microsoft YaHei" charset="0"/>
                 <a:ea typeface="Microsoft YaHei" charset="0"/>
                 <a:sym typeface="+mn-ea"/>
               </a:rPr>
-              <a:t>有各种</a:t>
-            </a:r>
+              <a:t>服务修改保持兼容</a:t>
+            </a:r>
+            <a:endParaRPr lang="zh-CN" altLang="en-US" dirty="0" smtClean="0">
+              <a:solidFill>
+                <a:srgbClr val="727272"/>
+              </a:solidFill>
+              <a:latin typeface="Microsoft YaHei" charset="0"/>
+              <a:ea typeface="Microsoft YaHei" charset="0"/>
+            </a:endParaRPr>
+          </a:p>
+          <a:p>
+            <a:pPr lvl="1"/>
             <a:r>
               <a:rPr lang="zh-CN" altLang="en-US" dirty="0" smtClean="0">
                 <a:solidFill>
-                  <a:schemeClr val="tx1">
-                    <a:lumMod val="65000"/>
-                    <a:lumOff val="35000"/>
-                  </a:schemeClr>
+                  <a:srgbClr val="727272"/>
                 </a:solidFill>
                 <a:latin typeface="Microsoft YaHei" charset="0"/>
                 <a:ea typeface="Microsoft YaHei" charset="0"/>
                 <a:sym typeface="+mn-ea"/>
               </a:rPr>
-              <a:t>服务化框架</a:t>
-            </a:r>
-            <a:r>
-              <a:rPr lang="en-US" altLang="zh-CN" dirty="0" err="1" smtClean="0">
-                <a:solidFill>
-                  <a:schemeClr val="tx1">
-                    <a:lumMod val="65000"/>
-                    <a:lumOff val="35000"/>
-                  </a:schemeClr>
+              <a:t>停止容器</a:t>
+            </a:r>
+            <a:endParaRPr lang="zh-CN" altLang="en-US" dirty="0" smtClean="0">
+              <a:solidFill>
+                <a:srgbClr val="727272"/>
+              </a:solidFill>
+              <a:latin typeface="Microsoft YaHei" charset="0"/>
+              <a:ea typeface="Microsoft YaHei" charset="0"/>
+            </a:endParaRPr>
+          </a:p>
+          <a:p>
+            <a:pPr lvl="1"/>
+            <a:r>
+              <a:rPr lang="zh-CN" altLang="en-US" dirty="0" smtClean="0">
+                <a:solidFill>
+                  <a:srgbClr val="727272"/>
                 </a:solidFill>
                 <a:latin typeface="Microsoft YaHei" charset="0"/>
                 <a:ea typeface="Microsoft YaHei" charset="0"/>
                 <a:sym typeface="+mn-ea"/>
               </a:rPr>
-              <a:t>dubbo,motan,rpcx,thrift</a:t>
-            </a:r>
-            <a:r>
-              <a:rPr lang="x-none" altLang="en-US" dirty="0" err="1" smtClean="0">
-                <a:solidFill>
-                  <a:schemeClr val="tx1">
-                    <a:lumMod val="65000"/>
-                    <a:lumOff val="35000"/>
-                  </a:schemeClr>
+              <a:t>升级服务</a:t>
+            </a:r>
+            <a:endParaRPr lang="zh-CN" altLang="en-US" dirty="0" smtClean="0">
+              <a:solidFill>
+                <a:srgbClr val="727272"/>
+              </a:solidFill>
+              <a:latin typeface="Microsoft YaHei" charset="0"/>
+              <a:ea typeface="Microsoft YaHei" charset="0"/>
+            </a:endParaRPr>
+          </a:p>
+          <a:p>
+            <a:pPr lvl="1"/>
+            <a:r>
+              <a:rPr lang="zh-CN" altLang="en-US" dirty="0" smtClean="0">
+                <a:solidFill>
+                  <a:srgbClr val="727272"/>
                 </a:solidFill>
                 <a:latin typeface="Microsoft YaHei" charset="0"/>
                 <a:ea typeface="Microsoft YaHei" charset="0"/>
                 <a:sym typeface="+mn-ea"/>
               </a:rPr>
-              <a:t>，架构都类似，都是注册中心，客户端，服务端，为什么又造轮子？</a:t>
-            </a:r>
-            <a:endParaRPr lang="x-none" altLang="en-US" dirty="0" err="1" smtClean="0">
+              <a:t>启动容器</a:t>
+            </a:r>
+            <a:endParaRPr lang="zh-CN" altLang="en-US" dirty="0" smtClean="0">
               <a:solidFill>
-                <a:schemeClr val="tx1">
-                  <a:lumMod val="65000"/>
-                  <a:lumOff val="35000"/>
-                </a:schemeClr>
+                <a:srgbClr val="727272"/>
               </a:solidFill>
               <a:latin typeface="Microsoft YaHei" charset="0"/>
               <a:ea typeface="Microsoft YaHei" charset="0"/>
-              <a:sym typeface="+mn-ea"/>
             </a:endParaRPr>
           </a:p>
-        </p:txBody>
-      </p:sp>
-      <p:sp>
-        <p:nvSpPr>
-          <p:cNvPr id="4" name="灯片编号占位符 3"/>
+          <a:p>
+            <a:pPr lvl="1"/>
+            <a:r>
+              <a:rPr lang="zh-CN" altLang="en-US" dirty="0" smtClean="0">
+                <a:solidFill>
+                  <a:srgbClr val="727272"/>
+                </a:solidFill>
+                <a:latin typeface="Microsoft YaHei" charset="0"/>
+                <a:ea typeface="Microsoft YaHei" charset="0"/>
+                <a:sym typeface="+mn-ea"/>
+              </a:rPr>
+              <a:t>升级客户端</a:t>
+            </a:r>
+            <a:endParaRPr lang="zh-CN" altLang="en-US" dirty="0" smtClean="0">
+              <a:solidFill>
+                <a:srgbClr val="727272"/>
+              </a:solidFill>
+              <a:latin typeface="Microsoft YaHei" charset="0"/>
+              <a:ea typeface="Microsoft YaHei" charset="0"/>
+            </a:endParaRPr>
+          </a:p>
+          <a:p>
+            <a:r>
+              <a:rPr lang="zh-CN" altLang="en-US" dirty="0" smtClean="0">
+                <a:solidFill>
+                  <a:srgbClr val="727272"/>
+                </a:solidFill>
+                <a:latin typeface="Microsoft YaHei" charset="0"/>
+                <a:ea typeface="Microsoft YaHei" charset="0"/>
+                <a:sym typeface="+mn-ea"/>
+              </a:rPr>
+              <a:t>服务修改不兼容</a:t>
+            </a:r>
+            <a:endParaRPr lang="zh-CN" altLang="en-US" dirty="0" smtClean="0">
+              <a:solidFill>
+                <a:srgbClr val="727272"/>
+              </a:solidFill>
+              <a:latin typeface="Microsoft YaHei" charset="0"/>
+              <a:ea typeface="Microsoft YaHei" charset="0"/>
+            </a:endParaRPr>
+          </a:p>
+          <a:p>
+            <a:pPr lvl="1"/>
+            <a:r>
+              <a:rPr lang="zh-CN" altLang="en-US" dirty="0" smtClean="0">
+                <a:solidFill>
+                  <a:srgbClr val="727272"/>
+                </a:solidFill>
+                <a:latin typeface="Microsoft YaHei" charset="0"/>
+                <a:ea typeface="Microsoft YaHei" charset="0"/>
+                <a:sym typeface="+mn-ea"/>
+              </a:rPr>
+              <a:t>先一半机器升级服务</a:t>
+            </a:r>
+            <a:endParaRPr lang="zh-CN" altLang="en-US" dirty="0" smtClean="0">
+              <a:solidFill>
+                <a:srgbClr val="727272"/>
+              </a:solidFill>
+              <a:latin typeface="Microsoft YaHei" charset="0"/>
+              <a:ea typeface="Microsoft YaHei" charset="0"/>
+            </a:endParaRPr>
+          </a:p>
+          <a:p>
+            <a:pPr lvl="1"/>
+            <a:r>
+              <a:rPr lang="zh-CN" altLang="en-US" dirty="0" smtClean="0">
+                <a:solidFill>
+                  <a:srgbClr val="727272"/>
+                </a:solidFill>
+                <a:latin typeface="Microsoft YaHei" charset="0"/>
+                <a:ea typeface="Microsoft YaHei" charset="0"/>
+                <a:sym typeface="+mn-ea"/>
+              </a:rPr>
+              <a:t>升级客户端使用新版本服务</a:t>
+            </a:r>
+            <a:endParaRPr lang="zh-CN" altLang="en-US" dirty="0" smtClean="0">
+              <a:solidFill>
+                <a:srgbClr val="727272"/>
+              </a:solidFill>
+              <a:latin typeface="Microsoft YaHei" charset="0"/>
+              <a:ea typeface="Microsoft YaHei" charset="0"/>
+            </a:endParaRPr>
+          </a:p>
+          <a:p>
+            <a:pPr lvl="1"/>
+            <a:r>
+              <a:rPr lang="zh-CN" altLang="en-US" dirty="0" smtClean="0">
+                <a:solidFill>
+                  <a:srgbClr val="727272"/>
+                </a:solidFill>
+                <a:latin typeface="Microsoft YaHei" charset="0"/>
+                <a:ea typeface="Microsoft YaHei" charset="0"/>
+                <a:sym typeface="+mn-ea"/>
+              </a:rPr>
+              <a:t>升级另一半服务</a:t>
+            </a:r>
+            <a:endParaRPr lang="en-US" dirty="0"/>
+          </a:p>
+        </p:txBody>
+      </p:sp>
+      <p:sp>
+        <p:nvSpPr>
+          <p:cNvPr id="4" name="Slide Number Placeholder 3"/>
           <p:cNvSpPr>
             <a:spLocks noGrp="1"/>
           </p:cNvSpPr>
           <p:nvPr>
-            <p:ph type="sldNum" sz="quarter" idx="10"/>
+            <p:ph type="sldNum" sz="quarter" idx="5"/>
           </p:nvPr>
         </p:nvSpPr>
         <p:spPr/>
@@ -1390,182 +1415,19 @@
           <a:lstStyle/>
           <a:p>
             <a:r>
-              <a:rPr lang="zh-CN" altLang="en-US" dirty="0" smtClean="0">
-                <a:solidFill>
-                  <a:srgbClr val="727272"/>
-                </a:solidFill>
-                <a:latin typeface="Microsoft YaHei" charset="0"/>
-                <a:ea typeface="Microsoft YaHei" charset="0"/>
-                <a:sym typeface="+mn-ea"/>
-              </a:rPr>
-              <a:t>服务修改保持兼容</a:t>
-            </a:r>
-            <a:endParaRPr lang="zh-CN" altLang="en-US" dirty="0" smtClean="0">
-              <a:solidFill>
-                <a:srgbClr val="727272"/>
-              </a:solidFill>
-              <a:latin typeface="Microsoft YaHei" charset="0"/>
-              <a:ea typeface="Microsoft YaHei" charset="0"/>
-            </a:endParaRPr>
-          </a:p>
-          <a:p>
-            <a:pPr lvl="1"/>
-            <a:r>
-              <a:rPr lang="zh-CN" altLang="en-US" dirty="0" smtClean="0">
-                <a:solidFill>
-                  <a:srgbClr val="727272"/>
-                </a:solidFill>
-                <a:latin typeface="Microsoft YaHei" charset="0"/>
-                <a:ea typeface="Microsoft YaHei" charset="0"/>
-                <a:sym typeface="+mn-ea"/>
-              </a:rPr>
-              <a:t>停止容器</a:t>
-            </a:r>
-            <a:endParaRPr lang="zh-CN" altLang="en-US" dirty="0" smtClean="0">
-              <a:solidFill>
-                <a:srgbClr val="727272"/>
-              </a:solidFill>
-              <a:latin typeface="Microsoft YaHei" charset="0"/>
-              <a:ea typeface="Microsoft YaHei" charset="0"/>
-            </a:endParaRPr>
-          </a:p>
-          <a:p>
-            <a:pPr lvl="1"/>
-            <a:r>
-              <a:rPr lang="zh-CN" altLang="en-US" dirty="0" smtClean="0">
-                <a:solidFill>
-                  <a:srgbClr val="727272"/>
-                </a:solidFill>
-                <a:latin typeface="Microsoft YaHei" charset="0"/>
-                <a:ea typeface="Microsoft YaHei" charset="0"/>
-                <a:sym typeface="+mn-ea"/>
-              </a:rPr>
-              <a:t>升级服务</a:t>
-            </a:r>
-            <a:endParaRPr lang="zh-CN" altLang="en-US" dirty="0" smtClean="0">
-              <a:solidFill>
-                <a:srgbClr val="727272"/>
-              </a:solidFill>
-              <a:latin typeface="Microsoft YaHei" charset="0"/>
-              <a:ea typeface="Microsoft YaHei" charset="0"/>
-            </a:endParaRPr>
-          </a:p>
-          <a:p>
-            <a:pPr lvl="1"/>
-            <a:r>
-              <a:rPr lang="zh-CN" altLang="en-US" dirty="0" smtClean="0">
-                <a:solidFill>
-                  <a:srgbClr val="727272"/>
-                </a:solidFill>
-                <a:latin typeface="Microsoft YaHei" charset="0"/>
-                <a:ea typeface="Microsoft YaHei" charset="0"/>
-                <a:sym typeface="+mn-ea"/>
-              </a:rPr>
-              <a:t>启动容器</a:t>
-            </a:r>
-            <a:endParaRPr lang="zh-CN" altLang="en-US" dirty="0" smtClean="0">
-              <a:solidFill>
-                <a:srgbClr val="727272"/>
-              </a:solidFill>
-              <a:latin typeface="Microsoft YaHei" charset="0"/>
-              <a:ea typeface="Microsoft YaHei" charset="0"/>
-            </a:endParaRPr>
-          </a:p>
-          <a:p>
-            <a:pPr lvl="1"/>
-            <a:r>
-              <a:rPr lang="zh-CN" altLang="en-US" dirty="0" smtClean="0">
-                <a:solidFill>
-                  <a:srgbClr val="727272"/>
-                </a:solidFill>
-                <a:latin typeface="Microsoft YaHei" charset="0"/>
-                <a:ea typeface="Microsoft YaHei" charset="0"/>
-                <a:sym typeface="+mn-ea"/>
-              </a:rPr>
-              <a:t>升级客户端</a:t>
-            </a:r>
-            <a:endParaRPr lang="zh-CN" altLang="en-US" dirty="0" smtClean="0">
-              <a:solidFill>
-                <a:srgbClr val="727272"/>
-              </a:solidFill>
-              <a:latin typeface="Microsoft YaHei" charset="0"/>
-              <a:ea typeface="Microsoft YaHei" charset="0"/>
-            </a:endParaRPr>
-          </a:p>
-          <a:p>
-            <a:r>
-              <a:rPr lang="zh-CN" altLang="en-US" dirty="0" smtClean="0">
-                <a:solidFill>
-                  <a:srgbClr val="727272"/>
-                </a:solidFill>
-                <a:latin typeface="Microsoft YaHei" charset="0"/>
-                <a:ea typeface="Microsoft YaHei" charset="0"/>
-                <a:sym typeface="+mn-ea"/>
-              </a:rPr>
-              <a:t>服务修改不兼容</a:t>
-            </a:r>
-            <a:endParaRPr lang="zh-CN" altLang="en-US" dirty="0" smtClean="0">
-              <a:solidFill>
-                <a:srgbClr val="727272"/>
-              </a:solidFill>
-              <a:latin typeface="Microsoft YaHei" charset="0"/>
-              <a:ea typeface="Microsoft YaHei" charset="0"/>
-            </a:endParaRPr>
-          </a:p>
-          <a:p>
-            <a:pPr lvl="1"/>
-            <a:r>
-              <a:rPr lang="zh-CN" altLang="en-US" dirty="0" smtClean="0">
-                <a:solidFill>
-                  <a:srgbClr val="727272"/>
-                </a:solidFill>
-                <a:latin typeface="Microsoft YaHei" charset="0"/>
-                <a:ea typeface="Microsoft YaHei" charset="0"/>
-                <a:sym typeface="+mn-ea"/>
-              </a:rPr>
-              <a:t>先一半机器升级服务</a:t>
-            </a:r>
-            <a:endParaRPr lang="zh-CN" altLang="en-US" dirty="0" smtClean="0">
-              <a:solidFill>
-                <a:srgbClr val="727272"/>
-              </a:solidFill>
-              <a:latin typeface="Microsoft YaHei" charset="0"/>
-              <a:ea typeface="Microsoft YaHei" charset="0"/>
-            </a:endParaRPr>
-          </a:p>
-          <a:p>
-            <a:pPr lvl="1"/>
-            <a:r>
-              <a:rPr lang="zh-CN" altLang="en-US" dirty="0" smtClean="0">
-                <a:solidFill>
-                  <a:srgbClr val="727272"/>
-                </a:solidFill>
-                <a:latin typeface="Microsoft YaHei" charset="0"/>
-                <a:ea typeface="Microsoft YaHei" charset="0"/>
-                <a:sym typeface="+mn-ea"/>
-              </a:rPr>
-              <a:t>升级客户端使用新版本服务</a:t>
-            </a:r>
-            <a:endParaRPr lang="zh-CN" altLang="en-US" dirty="0" smtClean="0">
-              <a:solidFill>
-                <a:srgbClr val="727272"/>
-              </a:solidFill>
-              <a:latin typeface="Microsoft YaHei" charset="0"/>
-              <a:ea typeface="Microsoft YaHei" charset="0"/>
-            </a:endParaRPr>
-          </a:p>
-          <a:p>
-            <a:pPr lvl="1"/>
-            <a:r>
-              <a:rPr lang="zh-CN" altLang="en-US" dirty="0" smtClean="0">
-                <a:solidFill>
-                  <a:srgbClr val="727272"/>
-                </a:solidFill>
-                <a:latin typeface="Microsoft YaHei" charset="0"/>
-                <a:ea typeface="Microsoft YaHei" charset="0"/>
-                <a:sym typeface="+mn-ea"/>
-              </a:rPr>
-              <a:t>升级另一半服务</a:t>
+              <a:rPr lang="zh-CN" altLang="en-US" dirty="0" smtClean="0"/>
+              <a:t>问题一，二</a:t>
+            </a:r>
+            <a:r>
+              <a:rPr lang="zh-CN" altLang="en-US" baseline="0" dirty="0" smtClean="0"/>
+              <a:t>   热部署</a:t>
+            </a:r>
+            <a:endParaRPr lang="en-US" altLang="zh-CN" baseline="0" dirty="0" smtClean="0"/>
+          </a:p>
+          <a:p>
+            <a:r>
+              <a:rPr lang="zh-CN" altLang="en-US" baseline="0" dirty="0" smtClean="0"/>
+              <a:t>问题三  版本管理</a:t>
             </a:r>
             <a:endParaRPr lang="en-US" dirty="0"/>
           </a:p>
@@ -1646,21 +1508,68 @@
           <a:lstStyle/>
           <a:p>
             <a:r>
-              <a:rPr lang="zh-CN" altLang="en-US" dirty="0" smtClean="0"/>
-              <a:t>问题一，二</a:t>
-            </a:r>
-            <a:r>
-              <a:rPr lang="zh-CN" altLang="en-US" baseline="0" dirty="0" smtClean="0"/>
-              <a:t>   热部署</a:t>
-            </a:r>
-            <a:endParaRPr lang="en-US" altLang="zh-CN" baseline="0" dirty="0" smtClean="0"/>
-          </a:p>
-          <a:p>
-            <a:r>
-              <a:rPr lang="zh-CN" altLang="en-US" baseline="0" dirty="0" smtClean="0"/>
-              <a:t>问题三  版本管理</a:t>
-            </a:r>
-            <a:endParaRPr lang="en-US" dirty="0"/>
+              <a:rPr lang="en-US">
+                <a:solidFill>
+                  <a:schemeClr val="bg2">
+                    <a:lumMod val="75000"/>
+                  </a:schemeClr>
+                </a:solidFill>
+                <a:sym typeface="+mn-ea"/>
+              </a:rPr>
+              <a:t>版本</a:t>
+            </a:r>
+            <a:r>
+              <a:rPr lang="x-none" altLang="en-US">
+                <a:solidFill>
+                  <a:schemeClr val="bg2">
+                    <a:lumMod val="75000"/>
+                  </a:schemeClr>
+                </a:solidFill>
+                <a:sym typeface="+mn-ea"/>
+              </a:rPr>
+              <a:t>管理：多版本所解决的问题和带来的优势，dubbo多版本处理</a:t>
+            </a:r>
+            <a:endParaRPr lang="x-none" altLang="en-US">
+              <a:solidFill>
+                <a:schemeClr val="bg2">
+                  <a:lumMod val="75000"/>
+                </a:schemeClr>
+              </a:solidFill>
+            </a:endParaRPr>
+          </a:p>
+          <a:p>
+            <a:r>
+              <a:rPr lang="en-US">
+                <a:solidFill>
+                  <a:schemeClr val="bg2">
+                    <a:lumMod val="75000"/>
+                  </a:schemeClr>
+                </a:solidFill>
+                <a:sym typeface="+mn-ea"/>
+              </a:rPr>
+              <a:t>热部署</a:t>
+            </a:r>
+            <a:r>
+              <a:rPr lang="x-none" altLang="en-US">
+                <a:solidFill>
+                  <a:schemeClr val="bg2">
+                    <a:lumMod val="75000"/>
+                  </a:schemeClr>
+                </a:solidFill>
+                <a:sym typeface="+mn-ea"/>
+              </a:rPr>
+              <a:t>：加快启动速度</a:t>
+            </a:r>
+            <a:endParaRPr lang="x-none" altLang="en-US">
+              <a:solidFill>
+                <a:schemeClr val="bg2">
+                  <a:lumMod val="75000"/>
+                </a:schemeClr>
+              </a:solidFill>
+            </a:endParaRPr>
+          </a:p>
+          <a:p>
+            <a:endParaRPr lang="en-US"/>
           </a:p>
         </p:txBody>
       </p:sp>
@@ -1879,68 +1788,220 @@
           <a:lstStyle/>
           <a:p>
             <a:r>
-              <a:rPr lang="en-US">
-                <a:solidFill>
-                  <a:schemeClr val="bg2">
-                    <a:lumMod val="75000"/>
-                  </a:schemeClr>
-                </a:solidFill>
+              <a:rPr lang="zh-CN" altLang="en-US" dirty="0" smtClean="0">
+                <a:solidFill>
+                  <a:srgbClr val="727272"/>
+                </a:solidFill>
+                <a:latin typeface="Microsoft YaHei" charset="0"/>
+                <a:ea typeface="Microsoft YaHei" charset="0"/>
                 <a:sym typeface="+mn-ea"/>
               </a:rPr>
-              <a:t>版本</a:t>
-            </a:r>
-            <a:r>
-              <a:rPr lang="x-none" altLang="en-US">
-                <a:solidFill>
-                  <a:schemeClr val="bg2">
-                    <a:lumMod val="75000"/>
-                  </a:schemeClr>
-                </a:solidFill>
+              <a:t>服务修改保持兼容</a:t>
+            </a:r>
+            <a:endParaRPr lang="zh-CN" altLang="en-US" dirty="0" smtClean="0">
+              <a:solidFill>
+                <a:srgbClr val="727272"/>
+              </a:solidFill>
+              <a:latin typeface="Microsoft YaHei" charset="0"/>
+              <a:ea typeface="Microsoft YaHei" charset="0"/>
+            </a:endParaRPr>
+          </a:p>
+          <a:p>
+            <a:pPr lvl="1"/>
+            <a:r>
+              <a:rPr lang="zh-CN" altLang="en-US" dirty="0" smtClean="0">
+                <a:solidFill>
+                  <a:srgbClr val="727272"/>
+                </a:solidFill>
+                <a:latin typeface="Microsoft YaHei" charset="0"/>
+                <a:ea typeface="Microsoft YaHei" charset="0"/>
                 <a:sym typeface="+mn-ea"/>
               </a:rPr>
-              <a:t>管理：多版本所解决的问题和带来的优势，dubbo多版本处理</a:t>
-            </a:r>
-            <a:endParaRPr lang="x-none" altLang="en-US">
+              <a:t>直接发布新版本服务</a:t>
+            </a:r>
+            <a:endParaRPr lang="zh-CN" altLang="en-US" dirty="0" smtClean="0">
               <a:solidFill>
-                <a:schemeClr val="bg2">
-                  <a:lumMod val="75000"/>
-                </a:schemeClr>
+                <a:srgbClr val="727272"/>
               </a:solidFill>
+              <a:latin typeface="Microsoft YaHei" charset="0"/>
+              <a:ea typeface="Microsoft YaHei" charset="0"/>
             </a:endParaRPr>
           </a:p>
           <a:p>
             <a:r>
-              <a:rPr lang="en-US">
-                <a:solidFill>
-                  <a:schemeClr val="bg2">
-                    <a:lumMod val="75000"/>
-                  </a:schemeClr>
-                </a:solidFill>
+              <a:rPr lang="zh-CN" altLang="en-US" dirty="0" smtClean="0">
+                <a:solidFill>
+                  <a:srgbClr val="727272"/>
+                </a:solidFill>
+                <a:latin typeface="Microsoft YaHei" charset="0"/>
+                <a:ea typeface="Microsoft YaHei" charset="0"/>
                 <a:sym typeface="+mn-ea"/>
               </a:rPr>
-              <a:t>热部署</a:t>
-            </a:r>
-            <a:r>
-              <a:rPr lang="x-none" altLang="en-US">
-                <a:solidFill>
-                  <a:schemeClr val="bg2">
-                    <a:lumMod val="75000"/>
-                  </a:schemeClr>
-                </a:solidFill>
+              <a:t>服务修改不兼容</a:t>
+            </a:r>
+            <a:endParaRPr lang="zh-CN" altLang="en-US" dirty="0" smtClean="0">
+              <a:solidFill>
+                <a:srgbClr val="727272"/>
+              </a:solidFill>
+              <a:latin typeface="Microsoft YaHei" charset="0"/>
+              <a:ea typeface="Microsoft YaHei" charset="0"/>
+            </a:endParaRPr>
+          </a:p>
+          <a:p>
+            <a:pPr lvl="1"/>
+            <a:r>
+              <a:rPr lang="zh-CN" altLang="en-US" dirty="0" smtClean="0">
+                <a:solidFill>
+                  <a:srgbClr val="727272"/>
+                </a:solidFill>
+                <a:latin typeface="Microsoft YaHei" charset="0"/>
+                <a:ea typeface="Microsoft YaHei" charset="0"/>
                 <a:sym typeface="+mn-ea"/>
               </a:rPr>
-              <a:t>：加快启动速度</a:t>
-            </a:r>
-            <a:endParaRPr lang="x-none" altLang="en-US">
+              <a:t>所有机器升级服务至新版本</a:t>
+            </a:r>
+            <a:r>
+              <a:rPr lang="en-US" altLang="zh-CN" dirty="0" smtClean="0">
+                <a:solidFill>
+                  <a:srgbClr val="727272"/>
+                </a:solidFill>
+                <a:latin typeface="Microsoft YaHei" charset="0"/>
+                <a:ea typeface="Microsoft YaHei" charset="0"/>
+                <a:sym typeface="+mn-ea"/>
+              </a:rPr>
+              <a:t>(</a:t>
+            </a:r>
+            <a:r>
+              <a:rPr lang="zh-CN" altLang="en-US" dirty="0" smtClean="0">
+                <a:solidFill>
+                  <a:srgbClr val="727272"/>
+                </a:solidFill>
+                <a:latin typeface="Microsoft YaHei" charset="0"/>
+                <a:ea typeface="Microsoft YaHei" charset="0"/>
+                <a:sym typeface="+mn-ea"/>
+              </a:rPr>
+              <a:t>例如：</a:t>
+            </a:r>
+            <a:r>
+              <a:rPr lang="en-US" altLang="zh-CN" dirty="0" smtClean="0">
+                <a:solidFill>
+                  <a:srgbClr val="727272"/>
+                </a:solidFill>
+                <a:latin typeface="Microsoft YaHei" charset="0"/>
+                <a:ea typeface="Microsoft YaHei" charset="0"/>
+                <a:sym typeface="+mn-ea"/>
+              </a:rPr>
+              <a:t>1.0.1)</a:t>
+            </a:r>
+            <a:endParaRPr lang="en-US" altLang="zh-CN" dirty="0" smtClean="0">
               <a:solidFill>
-                <a:schemeClr val="bg2">
-                  <a:lumMod val="75000"/>
-                </a:schemeClr>
+                <a:srgbClr val="727272"/>
               </a:solidFill>
+              <a:latin typeface="Microsoft YaHei" charset="0"/>
+              <a:ea typeface="Microsoft YaHei" charset="0"/>
             </a:endParaRPr>
           </a:p>
           <a:p>
-            <a:endParaRPr lang="en-US"/>
+            <a:pPr lvl="1"/>
+            <a:r>
+              <a:rPr lang="zh-CN" altLang="en-US" dirty="0" smtClean="0">
+                <a:solidFill>
+                  <a:srgbClr val="727272"/>
+                </a:solidFill>
+                <a:latin typeface="Microsoft YaHei" charset="0"/>
+                <a:ea typeface="Microsoft YaHei" charset="0"/>
+                <a:sym typeface="+mn-ea"/>
+              </a:rPr>
+              <a:t>批量升级客户端至新版本，如出现问题可直接回退</a:t>
+            </a:r>
+            <a:r>
+              <a:rPr lang="en-US" altLang="zh-CN" dirty="0" smtClean="0">
+                <a:solidFill>
+                  <a:srgbClr val="727272"/>
+                </a:solidFill>
+                <a:latin typeface="Microsoft YaHei" charset="0"/>
+                <a:ea typeface="Microsoft YaHei" charset="0"/>
+                <a:sym typeface="+mn-ea"/>
+              </a:rPr>
+              <a:t>(Hydra</a:t>
+            </a:r>
+            <a:r>
+              <a:rPr lang="zh-CN" altLang="en-US" dirty="0" smtClean="0">
+                <a:solidFill>
+                  <a:srgbClr val="727272"/>
+                </a:solidFill>
+                <a:latin typeface="Microsoft YaHei" charset="0"/>
+                <a:ea typeface="Microsoft YaHei" charset="0"/>
+                <a:sym typeface="+mn-ea"/>
+              </a:rPr>
+              <a:t>自动根据版本号匹配服务</a:t>
+            </a:r>
+            <a:r>
+              <a:rPr lang="en-US" altLang="zh-CN" dirty="0" smtClean="0">
+                <a:solidFill>
+                  <a:srgbClr val="727272"/>
+                </a:solidFill>
+                <a:latin typeface="Microsoft YaHei" charset="0"/>
+                <a:ea typeface="Microsoft YaHei" charset="0"/>
+                <a:sym typeface="+mn-ea"/>
+              </a:rPr>
+              <a:t>)</a:t>
+            </a:r>
+            <a:endParaRPr lang="en-US" altLang="zh-CN" dirty="0" smtClean="0">
+              <a:solidFill>
+                <a:srgbClr val="727272"/>
+              </a:solidFill>
+              <a:latin typeface="Microsoft YaHei" charset="0"/>
+              <a:ea typeface="Microsoft YaHei" charset="0"/>
+            </a:endParaRPr>
+          </a:p>
+          <a:p>
+            <a:pPr lvl="1"/>
+            <a:r>
+              <a:rPr lang="zh-CN" altLang="en-US" dirty="0" smtClean="0">
+                <a:solidFill>
+                  <a:srgbClr val="727272"/>
+                </a:solidFill>
+                <a:latin typeface="Microsoft YaHei" charset="0"/>
+                <a:ea typeface="Microsoft YaHei" charset="0"/>
+                <a:sym typeface="+mn-ea"/>
+              </a:rPr>
+              <a:t>卸载老版本服务</a:t>
+            </a:r>
+            <a:r>
+              <a:rPr lang="en-US" altLang="zh-CN" dirty="0" smtClean="0">
+                <a:solidFill>
+                  <a:srgbClr val="727272"/>
+                </a:solidFill>
+                <a:latin typeface="Microsoft YaHei" charset="0"/>
+                <a:ea typeface="Microsoft YaHei" charset="0"/>
+                <a:sym typeface="+mn-ea"/>
+              </a:rPr>
+              <a:t>(</a:t>
+            </a:r>
+            <a:r>
+              <a:rPr lang="zh-CN" altLang="en-US" dirty="0" smtClean="0">
+                <a:solidFill>
+                  <a:srgbClr val="727272"/>
+                </a:solidFill>
+                <a:latin typeface="Microsoft YaHei" charset="0"/>
+                <a:ea typeface="Microsoft YaHei" charset="0"/>
+                <a:sym typeface="+mn-ea"/>
+              </a:rPr>
+              <a:t>非必须</a:t>
+            </a:r>
+            <a:r>
+              <a:rPr lang="en-US" altLang="zh-CN" dirty="0" smtClean="0">
+                <a:solidFill>
+                  <a:srgbClr val="727272"/>
+                </a:solidFill>
+                <a:latin typeface="Microsoft YaHei" charset="0"/>
+                <a:ea typeface="Microsoft YaHei" charset="0"/>
+                <a:sym typeface="+mn-ea"/>
+              </a:rPr>
+              <a:t>)</a:t>
+            </a:r>
+            <a:endParaRPr lang="en-US" dirty="0"/>
           </a:p>
         </p:txBody>
       </p:sp>
@@ -1993,257 +2054,110 @@
       </p:grpSpPr>
       <p:sp>
         <p:nvSpPr>
-          <p:cNvPr id="2" name="Slide Image Placeholder 1"/>
+          <p:cNvPr id="2" name="幻灯片图像占位符 1"/>
           <p:cNvSpPr>
             <a:spLocks noGrp="1" noRot="1" noChangeAspect="1"/>
           </p:cNvSpPr>
           <p:nvPr>
-            <p:ph type="sldImg" idx="2"/>
+            <p:ph type="sldImg"/>
           </p:nvPr>
         </p:nvSpPr>
         <p:spPr/>
       </p:sp>
       <p:sp>
         <p:nvSpPr>
-          <p:cNvPr id="3" name="Text Placeholder 2"/>
+          <p:cNvPr id="3" name="备注占位符 2"/>
           <p:cNvSpPr>
             <a:spLocks noGrp="1"/>
           </p:cNvSpPr>
           <p:nvPr>
-            <p:ph type="body" idx="3"/>
+            <p:ph type="body" idx="1"/>
           </p:nvPr>
         </p:nvSpPr>
         <p:spPr/>
         <p:txBody>
-          <a:bodyPr/>
+          <a:bodyPr>
+            <a:normAutofit/>
+          </a:bodyPr>
           <a:lstStyle/>
           <a:p>
-            <a:r>
-              <a:rPr lang="zh-CN" altLang="en-US" dirty="0" smtClean="0">
-                <a:solidFill>
-                  <a:srgbClr val="727272"/>
-                </a:solidFill>
-                <a:latin typeface="Microsoft YaHei" charset="0"/>
-                <a:ea typeface="Microsoft YaHei" charset="0"/>
-                <a:sym typeface="+mn-ea"/>
-              </a:rPr>
-              <a:t>服务修改保持兼容</a:t>
-            </a:r>
-            <a:endParaRPr lang="zh-CN" altLang="en-US" dirty="0" smtClean="0">
-              <a:solidFill>
-                <a:srgbClr val="727272"/>
-              </a:solidFill>
-              <a:latin typeface="Microsoft YaHei" charset="0"/>
-              <a:ea typeface="Microsoft YaHei" charset="0"/>
-            </a:endParaRPr>
-          </a:p>
-          <a:p>
-            <a:pPr lvl="1"/>
-            <a:r>
-              <a:rPr lang="zh-CN" altLang="en-US" dirty="0" smtClean="0">
-                <a:solidFill>
-                  <a:srgbClr val="727272"/>
-                </a:solidFill>
-                <a:latin typeface="Microsoft YaHei" charset="0"/>
-                <a:ea typeface="Microsoft YaHei" charset="0"/>
-                <a:sym typeface="+mn-ea"/>
-              </a:rPr>
-              <a:t>直接发布新版本服务</a:t>
-            </a:r>
-            <a:endParaRPr lang="zh-CN" altLang="en-US" dirty="0" smtClean="0">
-              <a:solidFill>
-                <a:srgbClr val="727272"/>
-              </a:solidFill>
-              <a:latin typeface="Microsoft YaHei" charset="0"/>
-              <a:ea typeface="Microsoft YaHei" charset="0"/>
-            </a:endParaRPr>
-          </a:p>
-          <a:p>
-            <a:r>
-              <a:rPr lang="zh-CN" altLang="en-US" dirty="0" smtClean="0">
-                <a:solidFill>
-                  <a:srgbClr val="727272"/>
-                </a:solidFill>
-                <a:latin typeface="Microsoft YaHei" charset="0"/>
-                <a:ea typeface="Microsoft YaHei" charset="0"/>
-                <a:sym typeface="+mn-ea"/>
-              </a:rPr>
-              <a:t>服务修改不兼容</a:t>
-            </a:r>
-            <a:endParaRPr lang="zh-CN" altLang="en-US" dirty="0" smtClean="0">
-              <a:solidFill>
-                <a:srgbClr val="727272"/>
-              </a:solidFill>
-              <a:latin typeface="Microsoft YaHei" charset="0"/>
-              <a:ea typeface="Microsoft YaHei" charset="0"/>
-            </a:endParaRPr>
-          </a:p>
-          <a:p>
-            <a:pPr lvl="1"/>
-            <a:r>
-              <a:rPr lang="zh-CN" altLang="en-US" dirty="0" smtClean="0">
-                <a:solidFill>
-                  <a:srgbClr val="727272"/>
-                </a:solidFill>
-                <a:latin typeface="Microsoft YaHei" charset="0"/>
-                <a:ea typeface="Microsoft YaHei" charset="0"/>
-                <a:sym typeface="+mn-ea"/>
-              </a:rPr>
-              <a:t>所有机器升级服务至新版本</a:t>
-            </a:r>
-            <a:r>
-              <a:rPr lang="en-US" altLang="zh-CN" dirty="0" smtClean="0">
-                <a:solidFill>
-                  <a:srgbClr val="727272"/>
-                </a:solidFill>
-                <a:latin typeface="Microsoft YaHei" charset="0"/>
-                <a:ea typeface="Microsoft YaHei" charset="0"/>
-                <a:sym typeface="+mn-ea"/>
-              </a:rPr>
-              <a:t>(</a:t>
-            </a:r>
-            <a:r>
-              <a:rPr lang="zh-CN" altLang="en-US" dirty="0" smtClean="0">
-                <a:solidFill>
-                  <a:srgbClr val="727272"/>
-                </a:solidFill>
-                <a:latin typeface="Microsoft YaHei" charset="0"/>
-                <a:ea typeface="Microsoft YaHei" charset="0"/>
-                <a:sym typeface="+mn-ea"/>
-              </a:rPr>
-              <a:t>例如：</a:t>
-            </a:r>
-            <a:r>
-              <a:rPr lang="en-US" altLang="zh-CN" dirty="0" smtClean="0">
-                <a:solidFill>
-                  <a:srgbClr val="727272"/>
-                </a:solidFill>
-                <a:latin typeface="Microsoft YaHei" charset="0"/>
-                <a:ea typeface="Microsoft YaHei" charset="0"/>
-                <a:sym typeface="+mn-ea"/>
-              </a:rPr>
-              <a:t>1.0.1)</a:t>
-            </a:r>
-            <a:endParaRPr lang="en-US" altLang="zh-CN" dirty="0" smtClean="0">
-              <a:solidFill>
-                <a:srgbClr val="727272"/>
-              </a:solidFill>
-              <a:latin typeface="Microsoft YaHei" charset="0"/>
-              <a:ea typeface="Microsoft YaHei" charset="0"/>
-            </a:endParaRPr>
-          </a:p>
-          <a:p>
-            <a:pPr lvl="1"/>
-            <a:r>
-              <a:rPr lang="zh-CN" altLang="en-US" dirty="0" smtClean="0">
-                <a:solidFill>
-                  <a:srgbClr val="727272"/>
-                </a:solidFill>
-                <a:latin typeface="Microsoft YaHei" charset="0"/>
-                <a:ea typeface="Microsoft YaHei" charset="0"/>
-                <a:sym typeface="+mn-ea"/>
-              </a:rPr>
-              <a:t>批量升级客户端至新版本，如出现问题可直接回退</a:t>
-            </a:r>
-            <a:r>
-              <a:rPr lang="en-US" altLang="zh-CN" dirty="0" smtClean="0">
-                <a:solidFill>
-                  <a:srgbClr val="727272"/>
-                </a:solidFill>
-                <a:latin typeface="Microsoft YaHei" charset="0"/>
-                <a:ea typeface="Microsoft YaHei" charset="0"/>
-                <a:sym typeface="+mn-ea"/>
-              </a:rPr>
-              <a:t>(Hydra</a:t>
-            </a:r>
-            <a:r>
-              <a:rPr lang="zh-CN" altLang="en-US" dirty="0" smtClean="0">
-                <a:solidFill>
-                  <a:srgbClr val="727272"/>
-                </a:solidFill>
-                <a:latin typeface="Microsoft YaHei" charset="0"/>
-                <a:ea typeface="Microsoft YaHei" charset="0"/>
-                <a:sym typeface="+mn-ea"/>
-              </a:rPr>
-              <a:t>自动根据版本号匹配服务</a:t>
-            </a:r>
-            <a:r>
-              <a:rPr lang="en-US" altLang="zh-CN" dirty="0" smtClean="0">
-                <a:solidFill>
-                  <a:srgbClr val="727272"/>
-                </a:solidFill>
-                <a:latin typeface="Microsoft YaHei" charset="0"/>
-                <a:ea typeface="Microsoft YaHei" charset="0"/>
-                <a:sym typeface="+mn-ea"/>
-              </a:rPr>
-              <a:t>)</a:t>
-            </a:r>
-            <a:endParaRPr lang="en-US" altLang="zh-CN" dirty="0" smtClean="0">
-              <a:solidFill>
-                <a:srgbClr val="727272"/>
-              </a:solidFill>
-              <a:latin typeface="Microsoft YaHei" charset="0"/>
-              <a:ea typeface="Microsoft YaHei" charset="0"/>
-            </a:endParaRPr>
-          </a:p>
-          <a:p>
-            <a:pPr lvl="1"/>
-            <a:r>
-              <a:rPr lang="zh-CN" altLang="en-US" dirty="0" smtClean="0">
-                <a:solidFill>
-                  <a:srgbClr val="727272"/>
-                </a:solidFill>
-                <a:latin typeface="Microsoft YaHei" charset="0"/>
-                <a:ea typeface="Microsoft YaHei" charset="0"/>
-                <a:sym typeface="+mn-ea"/>
-              </a:rPr>
-              <a:t>卸载老版本服务</a:t>
-            </a:r>
-            <a:r>
-              <a:rPr lang="en-US" altLang="zh-CN" dirty="0" smtClean="0">
-                <a:solidFill>
-                  <a:srgbClr val="727272"/>
-                </a:solidFill>
-                <a:latin typeface="Microsoft YaHei" charset="0"/>
-                <a:ea typeface="Microsoft YaHei" charset="0"/>
-                <a:sym typeface="+mn-ea"/>
-              </a:rPr>
-              <a:t>(</a:t>
-            </a:r>
-            <a:r>
-              <a:rPr lang="zh-CN" altLang="en-US" dirty="0" smtClean="0">
-                <a:solidFill>
-                  <a:srgbClr val="727272"/>
-                </a:solidFill>
-                <a:latin typeface="Microsoft YaHei" charset="0"/>
-                <a:ea typeface="Microsoft YaHei" charset="0"/>
-                <a:sym typeface="+mn-ea"/>
-              </a:rPr>
-              <a:t>非必须</a:t>
-            </a:r>
-            <a:r>
-              <a:rPr lang="en-US" altLang="zh-CN" dirty="0" smtClean="0">
-                <a:solidFill>
-                  <a:srgbClr val="727272"/>
-                </a:solidFill>
-                <a:latin typeface="Microsoft YaHei" charset="0"/>
-                <a:ea typeface="Microsoft YaHei" charset="0"/>
-                <a:sym typeface="+mn-ea"/>
-              </a:rPr>
-              <a:t>)</a:t>
-            </a:r>
-            <a:endParaRPr lang="en-US" dirty="0"/>
-          </a:p>
-        </p:txBody>
-      </p:sp>
-      <p:sp>
-        <p:nvSpPr>
-          <p:cNvPr id="4" name="Slide Number Placeholder 3"/>
+            <a:pPr marL="228600" indent="-228600">
+              <a:buAutoNum type="arabicPeriod"/>
+            </a:pPr>
+            <a:r>
+              <a:rPr lang="zh-CN" altLang="en-US" dirty="0" smtClean="0"/>
+              <a:t>手动</a:t>
+            </a:r>
+            <a:r>
+              <a:rPr lang="en-US" altLang="zh-CN" i="1" dirty="0" smtClean="0"/>
+              <a:t>import/export,</a:t>
+            </a:r>
+            <a:r>
+              <a:rPr lang="zh-CN" altLang="en-US" i="1" dirty="0" smtClean="0"/>
+              <a:t>且只能在运行时验证</a:t>
+            </a:r>
+            <a:r>
+              <a:rPr lang="en-US" altLang="zh-CN" i="1" dirty="0" smtClean="0"/>
+              <a:t>.</a:t>
+            </a:r>
+            <a:r>
+              <a:rPr lang="zh-CN" altLang="en-US" i="1" smtClean="0"/>
+              <a:t>只能远程</a:t>
+            </a:r>
+            <a:r>
+              <a:rPr lang="en-US" altLang="zh-CN" i="1" smtClean="0"/>
+              <a:t>debug</a:t>
+            </a:r>
+            <a:endParaRPr lang="en-US" altLang="zh-CN" i="1" dirty="0" smtClean="0"/>
+          </a:p>
+          <a:p>
+            <a:pPr marL="228600" indent="-228600">
+              <a:buAutoNum type="arabicPeriod"/>
+            </a:pPr>
+            <a:r>
+              <a:rPr lang="zh-CN" altLang="en-US" i="1" dirty="0" smtClean="0"/>
+              <a:t>使用的</a:t>
+            </a:r>
+            <a:r>
+              <a:rPr lang="en-US" altLang="zh-CN" i="1" dirty="0" smtClean="0"/>
+              <a:t>Reactor</a:t>
+            </a:r>
+            <a:r>
+              <a:rPr lang="zh-CN" altLang="en-US" i="1" dirty="0" smtClean="0"/>
+              <a:t>主从模型，可能存在耗时的服务堵塞队列，导致其他服务超时</a:t>
+            </a:r>
+            <a:endParaRPr lang="en-US" altLang="zh-CN" i="1" dirty="0" smtClean="0"/>
+          </a:p>
+          <a:p>
+            <a:pPr marL="228600" indent="-228600">
+              <a:buAutoNum type="arabicPeriod"/>
+            </a:pPr>
+            <a:r>
+              <a:rPr lang="zh-CN" altLang="en-US" i="1" dirty="0" smtClean="0"/>
+              <a:t>发布服务需要分别操作每台需要发布服务的机器</a:t>
+            </a:r>
+            <a:endParaRPr lang="en-US" altLang="zh-CN" i="1" dirty="0" smtClean="0"/>
+          </a:p>
+          <a:p>
+            <a:pPr marL="228600" indent="-228600">
+              <a:buAutoNum type="arabicPeriod"/>
+            </a:pPr>
+            <a:r>
+              <a:rPr lang="zh-CN" altLang="en-US" i="1" dirty="0" smtClean="0"/>
+              <a:t>服务更新后，无法方便的确认相应的服务是更新后人为删除的还是发布失败</a:t>
+            </a:r>
+            <a:endParaRPr lang="zh-CN" altLang="en-US" dirty="0"/>
+          </a:p>
+        </p:txBody>
+      </p:sp>
+      <p:sp>
+        <p:nvSpPr>
+          <p:cNvPr id="4" name="灯片编号占位符 3"/>
           <p:cNvSpPr>
             <a:spLocks noGrp="1"/>
           </p:cNvSpPr>
           <p:nvPr>
-            <p:ph type="sldNum" sz="quarter" idx="5"/>
+            <p:ph type="sldNum" sz="quarter" idx="10"/>
           </p:nvPr>
         </p:nvSpPr>
         <p:spPr/>
@@ -2312,70 +2226,9 @@
           </a:bodyPr>
           <a:lstStyle/>
           <a:p>
-            <a:pPr marL="228600" indent="-228600">
-              <a:buAutoNum type="arabicPeriod"/>
-            </a:pPr>
             <a:r>
               <a:rPr lang="zh-CN" altLang="en-US" dirty="0" smtClean="0"/>
-              <a:t>手动</a:t>
-            </a:r>
-            <a:r>
-              <a:rPr lang="en-US" altLang="zh-CN" i="1" dirty="0" smtClean="0"/>
-              <a:t>import/export,</a:t>
-            </a:r>
-            <a:r>
-              <a:rPr lang="zh-CN" altLang="en-US" i="1" dirty="0" smtClean="0"/>
-              <a:t>且只能在运行时验证</a:t>
-            </a:r>
-            <a:r>
-              <a:rPr lang="en-US" altLang="zh-CN" i="1" dirty="0" smtClean="0"/>
-              <a:t>.</a:t>
-            </a:r>
-            <a:r>
-              <a:rPr lang="zh-CN" altLang="en-US" i="1" smtClean="0"/>
-              <a:t>只能远程</a:t>
-            </a:r>
-            <a:r>
-              <a:rPr lang="en-US" altLang="zh-CN" i="1" smtClean="0"/>
-              <a:t>debug</a:t>
-            </a:r>
-            <a:endParaRPr lang="en-US" altLang="zh-CN" i="1" dirty="0" smtClean="0"/>
-          </a:p>
-          <a:p>
-            <a:pPr marL="228600" indent="-228600">
-              <a:buAutoNum type="arabicPeriod"/>
-            </a:pPr>
-            <a:r>
-              <a:rPr lang="zh-CN" altLang="en-US" i="1" dirty="0" smtClean="0"/>
-              <a:t>使用的</a:t>
-            </a:r>
-            <a:r>
-              <a:rPr lang="en-US" altLang="zh-CN" i="1" dirty="0" smtClean="0"/>
-              <a:t>Reactor</a:t>
-            </a:r>
-            <a:r>
-              <a:rPr lang="zh-CN" altLang="en-US" i="1" dirty="0" smtClean="0"/>
-              <a:t>主从模型，可能存在耗时的服务堵塞队列，导致其他服务超时</a:t>
-            </a:r>
-            <a:endParaRPr lang="en-US" altLang="zh-CN" i="1" dirty="0" smtClean="0"/>
-          </a:p>
-          <a:p>
-            <a:pPr marL="228600" indent="-228600">
-              <a:buAutoNum type="arabicPeriod"/>
-            </a:pPr>
-            <a:r>
-              <a:rPr lang="zh-CN" altLang="en-US" i="1" dirty="0" smtClean="0"/>
-              <a:t>发布服务需要分别操作每台需要发布服务的机器</a:t>
-            </a:r>
-            <a:endParaRPr lang="en-US" altLang="zh-CN" i="1" dirty="0" smtClean="0"/>
-          </a:p>
-          <a:p>
-            <a:pPr marL="228600" indent="-228600">
-              <a:buAutoNum type="arabicPeriod"/>
-            </a:pPr>
-            <a:r>
-              <a:rPr lang="zh-CN" altLang="en-US" i="1" dirty="0" smtClean="0"/>
-              <a:t>服务更新后，无法方便的确认相应的服务是更新后人为删除的还是发布失败</a:t>
+              <a:t>解决第一，第二个问题</a:t>
             </a:r>
             <a:endParaRPr lang="zh-CN" altLang="en-US" dirty="0"/>
           </a:p>
@@ -5375,155 +5228,6 @@
           <a:chExt cx="0" cy="0"/>
         </a:xfrm>
       </p:grpSpPr>
-      <p:pic>
-        <p:nvPicPr>
-          <p:cNvPr id="3" name="Picture 2" descr="C:\Users\wangyifan\AppData\Roaming\Foxmail7\Temp-3628-20160922082721\logo2016.jpg"/>
-          <p:cNvPicPr>
-            <a:picLocks noChangeAspect="1" noChangeArrowheads="1"/>
-          </p:cNvPicPr>
-          <p:nvPr/>
-        </p:nvPicPr>
-        <p:blipFill>
-          <a:blip r:embed="rId1"/>
-          <a:srcRect/>
-          <a:stretch>
-            <a:fillRect/>
-          </a:stretch>
-        </p:blipFill>
-        <p:spPr bwMode="auto">
-          <a:xfrm>
-            <a:off x="9534525" y="0"/>
-            <a:ext cx="2657475" cy="847725"/>
-          </a:xfrm>
-          <a:prstGeom prst="rect">
-            <a:avLst/>
-          </a:prstGeom>
-          <a:noFill/>
-        </p:spPr>
-      </p:pic>
-      <p:sp>
-        <p:nvSpPr>
-          <p:cNvPr id="7" name="Title 1"/>
-          <p:cNvSpPr>
-            <a:spLocks noGrp="1"/>
-          </p:cNvSpPr>
-          <p:nvPr/>
-        </p:nvSpPr>
-        <p:spPr>
-          <a:xfrm>
-            <a:off x="842645" y="281305"/>
-            <a:ext cx="10515600" cy="1325563"/>
-          </a:xfrm>
-          <a:prstGeom prst="rect">
-            <a:avLst/>
-          </a:prstGeom>
-        </p:spPr>
-        <p:txBody>
-          <a:bodyPr vert="horz" lIns="91440" tIns="45720" rIns="91440" bIns="45720" rtlCol="0" anchor="ctr">
-            <a:normAutofit/>
-          </a:bodyPr>
-          <a:lstStyle>
-            <a:lvl1pPr algn="l" defTabSz="914400" rtl="0" eaLnBrk="1" latinLnBrk="0" hangingPunct="1">
-              <a:lnSpc>
-                <a:spcPct val="90000"/>
-              </a:lnSpc>
-              <a:spcBef>
-                <a:spcPct val="0"/>
-              </a:spcBef>
-              <a:buNone/>
-              <a:defRPr sz="4400" kern="1200">
-                <a:solidFill>
-                  <a:schemeClr val="tx1"/>
-                </a:solidFill>
-                <a:latin typeface="+mj-lt"/>
-                <a:ea typeface="+mj-ea"/>
-                <a:cs typeface="+mj-cs"/>
-              </a:defRPr>
-            </a:lvl1pPr>
-          </a:lstStyle>
-          <a:p>
-            <a:pPr algn="l"/>
-            <a:r>
-              <a:rPr lang="x-none" altLang="zh-CN" dirty="0" smtClean="0">
-                <a:solidFill>
-                  <a:srgbClr val="727272"/>
-                </a:solidFill>
-                <a:latin typeface="Microsoft YaHei" charset="0"/>
-                <a:ea typeface="Microsoft YaHei" charset="0"/>
-              </a:rPr>
-              <a:t>Hydra初始架构</a:t>
-            </a:r>
-            <a:endParaRPr lang="x-none" altLang="zh-CN" dirty="0" smtClean="0">
-              <a:solidFill>
-                <a:srgbClr val="727272"/>
-              </a:solidFill>
-              <a:latin typeface="Microsoft YaHei" charset="0"/>
-              <a:ea typeface="Microsoft YaHei" charset="0"/>
-            </a:endParaRPr>
-          </a:p>
-        </p:txBody>
-      </p:sp>
-      <p:pic>
-        <p:nvPicPr>
-          <p:cNvPr id="9" name="Content Placeholder 8" descr="智能截图 2"/>
-          <p:cNvPicPr>
-            <a:picLocks noChangeAspect="1"/>
-          </p:cNvPicPr>
-          <p:nvPr>
-            <p:ph idx="1"/>
-          </p:nvPr>
-        </p:nvPicPr>
-        <p:blipFill>
-          <a:blip r:embed="rId2"/>
-          <a:stretch>
-            <a:fillRect/>
-          </a:stretch>
-        </p:blipFill>
-        <p:spPr>
-          <a:xfrm>
-            <a:off x="-22225" y="1214120"/>
-            <a:ext cx="12221210" cy="5647055"/>
-          </a:xfrm>
-          <a:prstGeom prst="rect">
-            <a:avLst/>
-          </a:prstGeom>
-        </p:spPr>
-      </p:pic>
-    </p:spTree>
-  </p:cSld>
-  <p:clrMapOvr>
-    <a:masterClrMapping/>
-  </p:clrMapOvr>
-  <p:transition>
-    <p:fade/>
-  </p:transition>
-  <p:timing>
-    <p:tnLst>
-      <p:par>
-        <p:cTn id="1" dur="indefinite" restart="never" nodeType="tmRoot"/>
-      </p:par>
-    </p:tnLst>
-  </p:timing>
-</p:sld>
-</file>
-
-<file path=ppt/slides/slide11.xml><?xml version="1.0" encoding="utf-8"?>
-<p:sld xmlns:a="http://schemas.openxmlformats.org/drawingml/2006/main" xmlns:r="http://schemas.openxmlformats.org/officeDocument/2006/relationships" xmlns:p="http://schemas.openxmlformats.org/presentationml/2006/main">
-  <p:cSld>
-    <p:spTree>
-      <p:nvGrpSpPr>
-        <p:cNvPr id="1" name=""/>
-        <p:cNvGrpSpPr/>
-        <p:nvPr/>
-      </p:nvGrpSpPr>
-      <p:grpSpPr>
-        <a:xfrm>
-          <a:off x="0" y="0"/>
-          <a:ext cx="0" cy="0"/>
-          <a:chOff x="0" y="0"/>
-          <a:chExt cx="0" cy="0"/>
-        </a:xfrm>
-      </p:grpSpPr>
       <p:sp>
         <p:nvSpPr>
           <p:cNvPr id="2" name="Title 1"/>
@@ -5708,7 +5412,7 @@
 </p:sld>
 </file>
 
-<file path=ppt/slides/slide12.xml><?xml version="1.0" encoding="utf-8"?>
+<file path=ppt/slides/slide11.xml><?xml version="1.0" encoding="utf-8"?>
 <p:sld xmlns:a="http://schemas.openxmlformats.org/drawingml/2006/main" xmlns:r="http://schemas.openxmlformats.org/officeDocument/2006/relationships" xmlns:p="http://schemas.openxmlformats.org/presentationml/2006/main">
   <p:cSld>
     <p:spTree>
@@ -5853,7 +5557,7 @@
 </p:sld>
 </file>
 
-<file path=ppt/slides/slide13.xml><?xml version="1.0" encoding="utf-8"?>
+<file path=ppt/slides/slide12.xml><?xml version="1.0" encoding="utf-8"?>
 <p:sld xmlns:a="http://schemas.openxmlformats.org/drawingml/2006/main" xmlns:r="http://schemas.openxmlformats.org/officeDocument/2006/relationships" xmlns:p="http://schemas.openxmlformats.org/presentationml/2006/main">
   <p:cSld>
     <p:spTree>
@@ -6024,7 +5728,7 @@
 </p:sld>
 </file>
 
-<file path=ppt/slides/slide14.xml><?xml version="1.0" encoding="utf-8"?>
+<file path=ppt/slides/slide13.xml><?xml version="1.0" encoding="utf-8"?>
 <p:sld xmlns:a="http://schemas.openxmlformats.org/drawingml/2006/main" xmlns:r="http://schemas.openxmlformats.org/officeDocument/2006/relationships" xmlns:p="http://schemas.openxmlformats.org/presentationml/2006/main">
   <p:cSld>
     <p:spTree>
@@ -6173,7 +5877,7 @@
 </p:sld>
 </file>
 
-<file path=ppt/slides/slide15.xml><?xml version="1.0" encoding="utf-8"?>
+<file path=ppt/slides/slide14.xml><?xml version="1.0" encoding="utf-8"?>
 <p:sld xmlns:a="http://schemas.openxmlformats.org/drawingml/2006/main" xmlns:r="http://schemas.openxmlformats.org/officeDocument/2006/relationships" xmlns:p="http://schemas.openxmlformats.org/presentationml/2006/main">
   <p:cSld>
     <p:spTree>
@@ -6320,7 +6024,7 @@
 </p:sld>
 </file>
 
-<file path=ppt/slides/slide16.xml><?xml version="1.0" encoding="utf-8"?>
+<file path=ppt/slides/slide15.xml><?xml version="1.0" encoding="utf-8"?>
 <p:sld xmlns:a="http://schemas.openxmlformats.org/drawingml/2006/main" xmlns:r="http://schemas.openxmlformats.org/officeDocument/2006/relationships" xmlns:p="http://schemas.openxmlformats.org/presentationml/2006/main">
   <p:cSld>
     <p:spTree>
@@ -6800,7 +6504,7 @@
         </p:nvSpPr>
         <p:spPr>
           <a:xfrm>
-            <a:off x="7896860" y="2777490"/>
+            <a:off x="7896860" y="1354455"/>
             <a:ext cx="2740025" cy="1325880"/>
           </a:xfrm>
           <a:prstGeom prst="rect">
@@ -6862,7 +6566,7 @@
         </p:nvSpPr>
         <p:spPr>
           <a:xfrm>
-            <a:off x="1283970" y="2782570"/>
+            <a:off x="1283970" y="1359535"/>
             <a:ext cx="2740025" cy="1325880"/>
           </a:xfrm>
           <a:prstGeom prst="rect">
@@ -6924,7 +6628,7 @@
         </p:nvSpPr>
         <p:spPr>
           <a:xfrm>
-            <a:off x="4711700" y="2781300"/>
+            <a:off x="4711700" y="1358265"/>
             <a:ext cx="2740025" cy="1325880"/>
           </a:xfrm>
           <a:prstGeom prst="rect">
@@ -6976,6 +6680,317 @@
           </a:p>
         </p:txBody>
       </p:sp>
+      <p:sp>
+        <p:nvSpPr>
+          <p:cNvPr id="13" name="Rounded Rectangle 12"/>
+          <p:cNvSpPr/>
+          <p:nvPr/>
+        </p:nvSpPr>
+        <p:spPr>
+          <a:xfrm>
+            <a:off x="6794500" y="5220335"/>
+            <a:ext cx="2067560" cy="946150"/>
+          </a:xfrm>
+          <a:prstGeom prst="roundRect">
+            <a:avLst/>
+          </a:prstGeom>
+          <a:noFill/>
+          <a:ln>
+            <a:solidFill>
+              <a:srgbClr val="247FAC"/>
+            </a:solidFill>
+          </a:ln>
+          <a:extLst>
+            <a:ext uri="{909E8E84-426E-40DD-AFC4-6F175D3DCCD1}">
+              <a14:hiddenFill xmlns:a14="http://schemas.microsoft.com/office/drawing/2010/main">
+                <a:solidFill>
+                  <a:schemeClr val="accent1"/>
+                </a:solidFill>
+              </a14:hiddenFill>
+            </a:ext>
+          </a:extLst>
+        </p:spPr>
+        <p:style>
+          <a:lnRef idx="2">
+            <a:schemeClr val="accent1">
+              <a:shade val="50000"/>
+            </a:schemeClr>
+          </a:lnRef>
+          <a:fillRef idx="1">
+            <a:schemeClr val="accent1"/>
+          </a:fillRef>
+          <a:effectRef idx="0">
+            <a:schemeClr val="accent1"/>
+          </a:effectRef>
+          <a:fontRef idx="minor">
+            <a:schemeClr val="lt1"/>
+          </a:fontRef>
+        </p:style>
+        <p:txBody>
+          <a:bodyPr rtlCol="0" anchor="ctr"/>
+          <a:p>
+            <a:pPr algn="ctr"/>
+            <a:r>
+              <a:rPr lang="x-none" altLang="en-US">
+                <a:solidFill>
+                  <a:srgbClr val="727272"/>
+                </a:solidFill>
+              </a:rPr>
+              <a:t>服务端</a:t>
+            </a:r>
+            <a:endParaRPr lang="x-none" altLang="en-US">
+              <a:solidFill>
+                <a:srgbClr val="727272"/>
+              </a:solidFill>
+            </a:endParaRPr>
+          </a:p>
+        </p:txBody>
+      </p:sp>
+      <p:sp>
+        <p:nvSpPr>
+          <p:cNvPr id="14" name="Rounded Rectangle 13"/>
+          <p:cNvSpPr/>
+          <p:nvPr/>
+        </p:nvSpPr>
+        <p:spPr>
+          <a:xfrm>
+            <a:off x="2658745" y="5226050"/>
+            <a:ext cx="2067560" cy="946150"/>
+          </a:xfrm>
+          <a:prstGeom prst="roundRect">
+            <a:avLst/>
+          </a:prstGeom>
+          <a:noFill/>
+          <a:ln>
+            <a:solidFill>
+              <a:srgbClr val="4C4398"/>
+            </a:solidFill>
+          </a:ln>
+          <a:extLst>
+            <a:ext uri="{909E8E84-426E-40DD-AFC4-6F175D3DCCD1}">
+              <a14:hiddenFill xmlns:a14="http://schemas.microsoft.com/office/drawing/2010/main">
+                <a:solidFill>
+                  <a:schemeClr val="accent1"/>
+                </a:solidFill>
+              </a14:hiddenFill>
+            </a:ext>
+          </a:extLst>
+        </p:spPr>
+        <p:style>
+          <a:lnRef idx="2">
+            <a:schemeClr val="accent1">
+              <a:shade val="50000"/>
+            </a:schemeClr>
+          </a:lnRef>
+          <a:fillRef idx="1">
+            <a:schemeClr val="accent1"/>
+          </a:fillRef>
+          <a:effectRef idx="0">
+            <a:schemeClr val="accent1"/>
+          </a:effectRef>
+          <a:fontRef idx="minor">
+            <a:schemeClr val="lt1"/>
+          </a:fontRef>
+        </p:style>
+        <p:txBody>
+          <a:bodyPr rtlCol="0" anchor="ctr"/>
+          <a:p>
+            <a:pPr algn="ctr"/>
+            <a:r>
+              <a:rPr lang="x-none" altLang="en-US">
+                <a:solidFill>
+                  <a:srgbClr val="727272"/>
+                </a:solidFill>
+              </a:rPr>
+              <a:t>客户端</a:t>
+            </a:r>
+            <a:endParaRPr lang="x-none" altLang="en-US">
+              <a:solidFill>
+                <a:srgbClr val="727272"/>
+              </a:solidFill>
+            </a:endParaRPr>
+          </a:p>
+        </p:txBody>
+      </p:sp>
+      <p:sp>
+        <p:nvSpPr>
+          <p:cNvPr id="15" name="Rounded Rectangle 14"/>
+          <p:cNvSpPr/>
+          <p:nvPr/>
+        </p:nvSpPr>
+        <p:spPr>
+          <a:xfrm>
+            <a:off x="4727575" y="3385820"/>
+            <a:ext cx="2067560" cy="946150"/>
+          </a:xfrm>
+          <a:prstGeom prst="roundRect">
+            <a:avLst/>
+          </a:prstGeom>
+          <a:noFill/>
+          <a:ln>
+            <a:solidFill>
+              <a:srgbClr val="287F90"/>
+            </a:solidFill>
+          </a:ln>
+          <a:extLst>
+            <a:ext uri="{909E8E84-426E-40DD-AFC4-6F175D3DCCD1}">
+              <a14:hiddenFill xmlns:a14="http://schemas.microsoft.com/office/drawing/2010/main">
+                <a:solidFill>
+                  <a:schemeClr val="accent1"/>
+                </a:solidFill>
+              </a14:hiddenFill>
+            </a:ext>
+          </a:extLst>
+        </p:spPr>
+        <p:style>
+          <a:lnRef idx="2">
+            <a:schemeClr val="accent1">
+              <a:shade val="50000"/>
+            </a:schemeClr>
+          </a:lnRef>
+          <a:fillRef idx="1">
+            <a:schemeClr val="accent1"/>
+          </a:fillRef>
+          <a:effectRef idx="0">
+            <a:schemeClr val="accent1"/>
+          </a:effectRef>
+          <a:fontRef idx="minor">
+            <a:schemeClr val="lt1"/>
+          </a:fontRef>
+        </p:style>
+        <p:txBody>
+          <a:bodyPr rtlCol="0" anchor="ctr"/>
+          <a:p>
+            <a:pPr algn="ctr"/>
+            <a:r>
+              <a:rPr lang="x-none" altLang="en-US">
+                <a:solidFill>
+                  <a:srgbClr val="727272"/>
+                </a:solidFill>
+              </a:rPr>
+              <a:t>注册中心</a:t>
+            </a:r>
+            <a:endParaRPr lang="x-none" altLang="en-US">
+              <a:solidFill>
+                <a:srgbClr val="727272"/>
+              </a:solidFill>
+            </a:endParaRPr>
+          </a:p>
+        </p:txBody>
+      </p:sp>
+      <p:cxnSp>
+        <p:nvCxnSpPr>
+          <p:cNvPr id="16" name="Straight Connector 15"/>
+          <p:cNvCxnSpPr>
+            <a:endCxn id="13" idx="1"/>
+          </p:cNvCxnSpPr>
+          <p:nvPr/>
+        </p:nvCxnSpPr>
+        <p:spPr>
+          <a:xfrm flipV="1">
+            <a:off x="4693920" y="5693410"/>
+            <a:ext cx="2100580" cy="3810"/>
+          </a:xfrm>
+          <a:prstGeom prst="line">
+            <a:avLst/>
+          </a:prstGeom>
+          <a:ln>
+            <a:solidFill>
+              <a:srgbClr val="0BA95F"/>
+            </a:solidFill>
+          </a:ln>
+        </p:spPr>
+        <p:style>
+          <a:lnRef idx="1">
+            <a:schemeClr val="accent1"/>
+          </a:lnRef>
+          <a:fillRef idx="0">
+            <a:schemeClr val="accent1"/>
+          </a:fillRef>
+          <a:effectRef idx="0">
+            <a:schemeClr val="accent1"/>
+          </a:effectRef>
+          <a:fontRef idx="minor">
+            <a:schemeClr val="tx1"/>
+          </a:fontRef>
+        </p:style>
+      </p:cxnSp>
+      <p:cxnSp>
+        <p:nvCxnSpPr>
+          <p:cNvPr id="17" name="Straight Connector 16"/>
+          <p:cNvCxnSpPr>
+            <a:stCxn id="14" idx="0"/>
+            <a:endCxn id="15" idx="2"/>
+          </p:cNvCxnSpPr>
+          <p:nvPr/>
+        </p:nvCxnSpPr>
+        <p:spPr>
+          <a:xfrm flipV="1">
+            <a:off x="3692525" y="4331970"/>
+            <a:ext cx="2068830" cy="894080"/>
+          </a:xfrm>
+          <a:prstGeom prst="line">
+            <a:avLst/>
+          </a:prstGeom>
+          <a:ln>
+            <a:solidFill>
+              <a:srgbClr val="0BA95F"/>
+            </a:solidFill>
+          </a:ln>
+        </p:spPr>
+        <p:style>
+          <a:lnRef idx="1">
+            <a:schemeClr val="accent1"/>
+          </a:lnRef>
+          <a:fillRef idx="0">
+            <a:schemeClr val="accent1"/>
+          </a:fillRef>
+          <a:effectRef idx="0">
+            <a:schemeClr val="accent1"/>
+          </a:effectRef>
+          <a:fontRef idx="minor">
+            <a:schemeClr val="tx1"/>
+          </a:fontRef>
+        </p:style>
+      </p:cxnSp>
+      <p:cxnSp>
+        <p:nvCxnSpPr>
+          <p:cNvPr id="18" name="Straight Connector 17"/>
+          <p:cNvCxnSpPr>
+            <a:stCxn id="15" idx="2"/>
+            <a:endCxn id="13" idx="0"/>
+          </p:cNvCxnSpPr>
+          <p:nvPr/>
+        </p:nvCxnSpPr>
+        <p:spPr>
+          <a:xfrm>
+            <a:off x="5761355" y="4331970"/>
+            <a:ext cx="2066925" cy="888365"/>
+          </a:xfrm>
+          <a:prstGeom prst="line">
+            <a:avLst/>
+          </a:prstGeom>
+          <a:ln>
+            <a:solidFill>
+              <a:srgbClr val="0BA95F"/>
+            </a:solidFill>
+          </a:ln>
+        </p:spPr>
+        <p:style>
+          <a:lnRef idx="1">
+            <a:schemeClr val="accent1"/>
+          </a:lnRef>
+          <a:fillRef idx="0">
+            <a:schemeClr val="accent1"/>
+          </a:fillRef>
+          <a:effectRef idx="0">
+            <a:schemeClr val="accent1"/>
+          </a:effectRef>
+          <a:fontRef idx="minor">
+            <a:schemeClr val="tx1"/>
+          </a:fontRef>
+        </p:style>
+      </p:cxnSp>
     </p:spTree>
   </p:cSld>
   <p:clrMapOvr>
@@ -7250,311 +7265,33 @@
                       </p:childTnLst>
                     </p:cTn>
                   </p:par>
-                </p:childTnLst>
-              </p:cTn>
-              <p:prevCondLst>
-                <p:cond evt="onPrev" delay="0">
-                  <p:tgtEl>
-                    <p:sldTgt/>
-                  </p:tgtEl>
-                </p:cond>
-              </p:prevCondLst>
-              <p:nextCondLst>
-                <p:cond evt="onNext" delay="0">
-                  <p:tgtEl>
-                    <p:sldTgt/>
-                  </p:tgtEl>
-                </p:cond>
-              </p:nextCondLst>
-            </p:seq>
-          </p:childTnLst>
-        </p:cTn>
-      </p:par>
-    </p:tnLst>
-    <p:bldLst>
-      <p:bldP spid="6" grpId="0"/>
-      <p:bldP spid="7" grpId="0"/>
-      <p:bldP spid="8" grpId="0"/>
-    </p:bldLst>
-  </p:timing>
-</p:sld>
-</file>
-
-<file path=ppt/slides/slide3.xml><?xml version="1.0" encoding="utf-8"?>
-<p:sld xmlns:a="http://schemas.openxmlformats.org/drawingml/2006/main" xmlns:r="http://schemas.openxmlformats.org/officeDocument/2006/relationships" xmlns:p="http://schemas.openxmlformats.org/presentationml/2006/main">
-  <p:cSld>
-    <p:spTree>
-      <p:nvGrpSpPr>
-        <p:cNvPr id="1" name=""/>
-        <p:cNvGrpSpPr/>
-        <p:nvPr/>
-      </p:nvGrpSpPr>
-      <p:grpSpPr>
-        <a:xfrm>
-          <a:off x="0" y="0"/>
-          <a:ext cx="0" cy="0"/>
-          <a:chOff x="0" y="0"/>
-          <a:chExt cx="0" cy="0"/>
-        </a:xfrm>
-      </p:grpSpPr>
-      <p:pic>
-        <p:nvPicPr>
-          <p:cNvPr id="5" name="Picture 2" descr="C:\Users\wangyifan\AppData\Roaming\Foxmail7\Temp-3628-20160922082721\logo2016.jpg"/>
-          <p:cNvPicPr>
-            <a:picLocks noChangeAspect="1" noChangeArrowheads="1"/>
-          </p:cNvPicPr>
-          <p:nvPr/>
-        </p:nvPicPr>
-        <p:blipFill>
-          <a:blip r:embed="rId1"/>
-          <a:srcRect/>
-          <a:stretch>
-            <a:fillRect/>
-          </a:stretch>
-        </p:blipFill>
-        <p:spPr bwMode="auto">
-          <a:xfrm>
-            <a:off x="9534525" y="0"/>
-            <a:ext cx="2657475" cy="847725"/>
-          </a:xfrm>
-          <a:prstGeom prst="rect">
-            <a:avLst/>
-          </a:prstGeom>
-          <a:noFill/>
-        </p:spPr>
-      </p:pic>
-      <p:sp>
-        <p:nvSpPr>
-          <p:cNvPr id="6" name="Title 1"/>
-          <p:cNvSpPr>
-            <a:spLocks noGrp="1"/>
-          </p:cNvSpPr>
-          <p:nvPr/>
-        </p:nvSpPr>
-        <p:spPr>
-          <a:xfrm>
-            <a:off x="8136890" y="2777490"/>
-            <a:ext cx="2740025" cy="1325880"/>
-          </a:xfrm>
-          <a:prstGeom prst="rect">
-            <a:avLst/>
-          </a:prstGeom>
-        </p:spPr>
-        <p:txBody>
-          <a:bodyPr vert="horz" lIns="91440" tIns="45720" rIns="91440" bIns="45720" rtlCol="0" anchor="ctr">
-            <a:normAutofit/>
-          </a:bodyPr>
-          <a:lstStyle>
-            <a:lvl1pPr algn="l" defTabSz="914400" rtl="0" eaLnBrk="1" latinLnBrk="0" hangingPunct="1">
-              <a:lnSpc>
-                <a:spcPct val="90000"/>
-              </a:lnSpc>
-              <a:spcBef>
-                <a:spcPct val="0"/>
-              </a:spcBef>
-              <a:buNone/>
-              <a:defRPr sz="4400" kern="1200">
-                <a:solidFill>
-                  <a:schemeClr val="tx1"/>
-                </a:solidFill>
-                <a:latin typeface="+mj-lt"/>
-                <a:ea typeface="+mj-ea"/>
-                <a:cs typeface="+mj-cs"/>
-              </a:defRPr>
-            </a:lvl1pPr>
-          </a:lstStyle>
-          <a:p>
-            <a:pPr algn="ctr"/>
-            <a:r>
-              <a:rPr lang="x-none" altLang="en-US" sz="4800" dirty="0">
-                <a:solidFill>
-                  <a:srgbClr val="727272"/>
-                </a:solidFill>
-                <a:latin typeface="Microsoft YaHei" charset="0"/>
-                <a:ea typeface="Microsoft YaHei" charset="0"/>
-              </a:rPr>
-              <a:t>注册中心</a:t>
-            </a:r>
-            <a:endParaRPr lang="x-none" altLang="en-US" sz="4800" dirty="0">
-              <a:solidFill>
-                <a:srgbClr val="727272"/>
-              </a:solidFill>
-              <a:latin typeface="Microsoft YaHei" charset="0"/>
-              <a:ea typeface="Microsoft YaHei" charset="0"/>
-            </a:endParaRPr>
-          </a:p>
-        </p:txBody>
-      </p:sp>
-      <p:sp>
-        <p:nvSpPr>
-          <p:cNvPr id="7" name="Title 1"/>
-          <p:cNvSpPr>
-            <a:spLocks noGrp="1"/>
-          </p:cNvSpPr>
-          <p:nvPr/>
-        </p:nvSpPr>
-        <p:spPr>
-          <a:xfrm>
-            <a:off x="1078230" y="2781935"/>
-            <a:ext cx="2740025" cy="1325880"/>
-          </a:xfrm>
-          <a:prstGeom prst="rect">
-            <a:avLst/>
-          </a:prstGeom>
-        </p:spPr>
-        <p:txBody>
-          <a:bodyPr vert="horz" lIns="91440" tIns="45720" rIns="91440" bIns="45720" rtlCol="0" anchor="ctr">
-            <a:normAutofit/>
-          </a:bodyPr>
-          <a:lstStyle>
-            <a:lvl1pPr algn="l" defTabSz="914400" rtl="0" eaLnBrk="1" latinLnBrk="0" hangingPunct="1">
-              <a:lnSpc>
-                <a:spcPct val="90000"/>
-              </a:lnSpc>
-              <a:spcBef>
-                <a:spcPct val="0"/>
-              </a:spcBef>
-              <a:buNone/>
-              <a:defRPr sz="4400" kern="1200">
-                <a:solidFill>
-                  <a:schemeClr val="tx1"/>
-                </a:solidFill>
-                <a:latin typeface="+mj-lt"/>
-                <a:ea typeface="+mj-ea"/>
-                <a:cs typeface="+mj-cs"/>
-              </a:defRPr>
-            </a:lvl1pPr>
-          </a:lstStyle>
-          <a:p>
-            <a:pPr algn="ctr"/>
-            <a:r>
-              <a:rPr lang="x-none" altLang="en-US" sz="4800" dirty="0">
-                <a:solidFill>
-                  <a:srgbClr val="727272"/>
-                </a:solidFill>
-                <a:latin typeface="Microsoft YaHei" charset="0"/>
-                <a:ea typeface="Microsoft YaHei" charset="0"/>
-              </a:rPr>
-              <a:t>客户端</a:t>
-            </a:r>
-            <a:endParaRPr lang="x-none" altLang="en-US" sz="4800" dirty="0">
-              <a:solidFill>
-                <a:srgbClr val="727272"/>
-              </a:solidFill>
-              <a:latin typeface="Microsoft YaHei" charset="0"/>
-              <a:ea typeface="Microsoft YaHei" charset="0"/>
-            </a:endParaRPr>
-          </a:p>
-        </p:txBody>
-      </p:sp>
-      <p:sp>
-        <p:nvSpPr>
-          <p:cNvPr id="8" name="Title 1"/>
-          <p:cNvSpPr>
-            <a:spLocks noGrp="1"/>
-          </p:cNvSpPr>
-          <p:nvPr/>
-        </p:nvSpPr>
-        <p:spPr>
-          <a:xfrm>
-            <a:off x="4505960" y="2781300"/>
-            <a:ext cx="2740025" cy="1325880"/>
-          </a:xfrm>
-          <a:prstGeom prst="rect">
-            <a:avLst/>
-          </a:prstGeom>
-        </p:spPr>
-        <p:txBody>
-          <a:bodyPr vert="horz" lIns="91440" tIns="45720" rIns="91440" bIns="45720" rtlCol="0" anchor="ctr">
-            <a:normAutofit/>
-          </a:bodyPr>
-          <a:lstStyle>
-            <a:lvl1pPr algn="l" defTabSz="914400" rtl="0" eaLnBrk="1" latinLnBrk="0" hangingPunct="1">
-              <a:lnSpc>
-                <a:spcPct val="90000"/>
-              </a:lnSpc>
-              <a:spcBef>
-                <a:spcPct val="0"/>
-              </a:spcBef>
-              <a:buNone/>
-              <a:defRPr sz="4400" kern="1200">
-                <a:solidFill>
-                  <a:schemeClr val="tx1"/>
-                </a:solidFill>
-                <a:latin typeface="+mj-lt"/>
-                <a:ea typeface="+mj-ea"/>
-                <a:cs typeface="+mj-cs"/>
-              </a:defRPr>
-            </a:lvl1pPr>
-          </a:lstStyle>
-          <a:p>
-            <a:pPr algn="ctr"/>
-            <a:r>
-              <a:rPr lang="x-none" altLang="en-US" sz="4800" dirty="0">
-                <a:solidFill>
-                  <a:srgbClr val="727272"/>
-                </a:solidFill>
-                <a:latin typeface="Microsoft YaHei" charset="0"/>
-                <a:ea typeface="Microsoft YaHei" charset="0"/>
-              </a:rPr>
-              <a:t>服务端</a:t>
-            </a:r>
-            <a:endParaRPr lang="x-none" altLang="en-US" sz="4800" dirty="0">
-              <a:solidFill>
-                <a:srgbClr val="727272"/>
-              </a:solidFill>
-              <a:latin typeface="Microsoft YaHei" charset="0"/>
-              <a:ea typeface="Microsoft YaHei" charset="0"/>
-            </a:endParaRPr>
-          </a:p>
-        </p:txBody>
-      </p:sp>
-    </p:spTree>
-  </p:cSld>
-  <p:clrMapOvr>
-    <a:masterClrMapping/>
-  </p:clrMapOvr>
-  <p:transition>
-    <p:fade/>
-  </p:transition>
-  <p:timing>
-    <p:tnLst>
-      <p:par>
-        <p:cTn id="1" dur="indefinite" restart="never" nodeType="tmRoot">
-          <p:childTnLst>
-            <p:seq concurrent="1" nextAc="seek">
-              <p:cTn id="2" dur="indefinite" nodeType="mainSeq">
-                <p:childTnLst>
                   <p:par>
-                    <p:cTn id="3" fill="hold">
+                    <p:cTn id="19" fill="hold">
                       <p:stCondLst>
                         <p:cond delay="indefinite"/>
-                        <p:cond evt="onBegin" delay="0">
-                          <p:tn val="2"/>
-                        </p:cond>
                       </p:stCondLst>
                       <p:childTnLst>
                         <p:par>
-                          <p:cTn id="4" fill="hold">
+                          <p:cTn id="20" fill="hold">
                             <p:stCondLst>
                               <p:cond delay="0"/>
                             </p:stCondLst>
                             <p:childTnLst>
                               <p:par>
-                                <p:cTn id="5" presetID="2" presetClass="entr" presetSubtype="4" fill="hold" grpId="0" nodeType="withEffect">
+                                <p:cTn id="21" presetID="6" presetClass="entr" presetSubtype="16" fill="hold" grpId="1" nodeType="clickEffect">
                                   <p:stCondLst>
                                     <p:cond delay="0"/>
                                   </p:stCondLst>
                                   <p:childTnLst>
                                     <p:set>
                                       <p:cBhvr>
-                                        <p:cTn id="6" dur="1" fill="hold">
+                                        <p:cTn id="22" dur="1" fill="hold">
                                           <p:stCondLst>
                                             <p:cond delay="0"/>
                                           </p:stCondLst>
                                         </p:cTn>
                                         <p:tgtEl>
-                                          <p:spTgt spid="7"/>
+                                          <p:spTgt spid="14"/>
                                         </p:tgtEl>
                                         <p:attrNameLst>
                                           <p:attrName>style.visibility</p:attrName>
@@ -7564,52 +7301,14 @@
                                         <p:strVal val="visible"/>
                                       </p:to>
                                     </p:set>
-                                    <p:anim calcmode="lin" valueType="num">
-                                      <p:cBhvr additive="base">
-                                        <p:cTn id="7" dur="500" fill="hold"/>
-                                        <p:tgtEl>
-                                          <p:spTgt spid="7"/>
-                                        </p:tgtEl>
-                                        <p:attrNameLst>
-                                          <p:attrName>ppt_x</p:attrName>
-                                        </p:attrNameLst>
-                                      </p:cBhvr>
-                                      <p:tavLst>
-                                        <p:tav tm="0">
-                                          <p:val>
-                                            <p:strVal val="#ppt_x"/>
-                                          </p:val>
-                                        </p:tav>
-                                        <p:tav tm="100000">
-                                          <p:val>
-                                            <p:strVal val="#ppt_x"/>
-                                          </p:val>
-                                        </p:tav>
-                                      </p:tavLst>
-                                    </p:anim>
-                                    <p:anim calcmode="lin" valueType="num">
-                                      <p:cBhvr additive="base">
-                                        <p:cTn id="8" dur="500" fill="hold"/>
-                                        <p:tgtEl>
-                                          <p:spTgt spid="7"/>
-                                        </p:tgtEl>
-                                        <p:attrNameLst>
-                                          <p:attrName>ppt_y</p:attrName>
-                                        </p:attrNameLst>
-                                      </p:cBhvr>
-                                      <p:tavLst>
-                                        <p:tav tm="0">
-                                          <p:val>
-                                            <p:strVal val="1+#ppt_h/2"/>
-                                          </p:val>
-                                        </p:tav>
-                                        <p:tav tm="100000">
-                                          <p:val>
-                                            <p:strVal val="#ppt_y"/>
-                                          </p:val>
-                                        </p:tav>
-                                      </p:tavLst>
-                                    </p:anim>
+                                    <p:animEffect transition="in" filter="circle(in)">
+                                      <p:cBhvr>
+                                        <p:cTn id="23" dur="500"/>
+                                        <p:tgtEl>
+                                          <p:spTgt spid="14"/>
+                                        </p:tgtEl>
+                                      </p:cBhvr>
+                                    </p:animEffect>
                                   </p:childTnLst>
                                 </p:cTn>
                               </p:par>
@@ -7617,26 +7316,26 @@
                           </p:cTn>
                         </p:par>
                         <p:par>
-                          <p:cTn id="9" fill="hold">
+                          <p:cTn id="24" fill="hold">
                             <p:stCondLst>
                               <p:cond delay="500"/>
                             </p:stCondLst>
                             <p:childTnLst>
                               <p:par>
-                                <p:cTn id="10" presetID="2" presetClass="entr" presetSubtype="4" fill="hold" grpId="0" nodeType="afterEffect">
+                                <p:cTn id="25" presetID="6" presetClass="entr" presetSubtype="16" fill="hold" grpId="1" nodeType="afterEffect">
                                   <p:stCondLst>
                                     <p:cond delay="0"/>
                                   </p:stCondLst>
                                   <p:childTnLst>
                                     <p:set>
                                       <p:cBhvr>
-                                        <p:cTn id="11" dur="1" fill="hold">
+                                        <p:cTn id="26" dur="1" fill="hold">
                                           <p:stCondLst>
                                             <p:cond delay="0"/>
                                           </p:stCondLst>
                                         </p:cTn>
                                         <p:tgtEl>
-                                          <p:spTgt spid="8"/>
+                                          <p:spTgt spid="13"/>
                                         </p:tgtEl>
                                         <p:attrNameLst>
                                           <p:attrName>style.visibility</p:attrName>
@@ -7646,52 +7345,14 @@
                                         <p:strVal val="visible"/>
                                       </p:to>
                                     </p:set>
-                                    <p:anim calcmode="lin" valueType="num">
-                                      <p:cBhvr additive="base">
-                                        <p:cTn id="12" dur="500" fill="hold"/>
-                                        <p:tgtEl>
-                                          <p:spTgt spid="8"/>
-                                        </p:tgtEl>
-                                        <p:attrNameLst>
-                                          <p:attrName>ppt_x</p:attrName>
-                                        </p:attrNameLst>
-                                      </p:cBhvr>
-                                      <p:tavLst>
-                                        <p:tav tm="0">
-                                          <p:val>
-                                            <p:strVal val="#ppt_x"/>
-                                          </p:val>
-                                        </p:tav>
-                                        <p:tav tm="100000">
-                                          <p:val>
-                                            <p:strVal val="#ppt_x"/>
-                                          </p:val>
-                                        </p:tav>
-                                      </p:tavLst>
-                                    </p:anim>
-                                    <p:anim calcmode="lin" valueType="num">
-                                      <p:cBhvr additive="base">
-                                        <p:cTn id="13" dur="500" fill="hold"/>
-                                        <p:tgtEl>
-                                          <p:spTgt spid="8"/>
-                                        </p:tgtEl>
-                                        <p:attrNameLst>
-                                          <p:attrName>ppt_y</p:attrName>
-                                        </p:attrNameLst>
-                                      </p:cBhvr>
-                                      <p:tavLst>
-                                        <p:tav tm="0">
-                                          <p:val>
-                                            <p:strVal val="1+#ppt_h/2"/>
-                                          </p:val>
-                                        </p:tav>
-                                        <p:tav tm="100000">
-                                          <p:val>
-                                            <p:strVal val="#ppt_y"/>
-                                          </p:val>
-                                        </p:tav>
-                                      </p:tavLst>
-                                    </p:anim>
+                                    <p:animEffect transition="in" filter="circle(in)">
+                                      <p:cBhvr>
+                                        <p:cTn id="27" dur="500"/>
+                                        <p:tgtEl>
+                                          <p:spTgt spid="13"/>
+                                        </p:tgtEl>
+                                      </p:cBhvr>
+                                    </p:animEffect>
                                   </p:childTnLst>
                                 </p:cTn>
                               </p:par>
@@ -7699,26 +7360,26 @@
                           </p:cTn>
                         </p:par>
                         <p:par>
-                          <p:cTn id="14" fill="hold">
+                          <p:cTn id="28" fill="hold">
                             <p:stCondLst>
                               <p:cond delay="1000"/>
                             </p:stCondLst>
                             <p:childTnLst>
                               <p:par>
-                                <p:cTn id="15" presetID="2" presetClass="entr" presetSubtype="4" fill="hold" grpId="0" nodeType="afterEffect">
+                                <p:cTn id="29" presetID="6" presetClass="entr" presetSubtype="16" fill="hold" grpId="1" nodeType="afterEffect">
                                   <p:stCondLst>
                                     <p:cond delay="0"/>
                                   </p:stCondLst>
                                   <p:childTnLst>
                                     <p:set>
                                       <p:cBhvr>
-                                        <p:cTn id="16" dur="1" fill="hold">
+                                        <p:cTn id="30" dur="1" fill="hold">
                                           <p:stCondLst>
                                             <p:cond delay="0"/>
                                           </p:stCondLst>
                                         </p:cTn>
                                         <p:tgtEl>
-                                          <p:spTgt spid="6"/>
+                                          <p:spTgt spid="15"/>
                                         </p:tgtEl>
                                         <p:attrNameLst>
                                           <p:attrName>style.visibility</p:attrName>
@@ -7728,52 +7389,128 @@
                                         <p:strVal val="visible"/>
                                       </p:to>
                                     </p:set>
-                                    <p:anim calcmode="lin" valueType="num">
-                                      <p:cBhvr additive="base">
-                                        <p:cTn id="17" dur="500" fill="hold"/>
-                                        <p:tgtEl>
-                                          <p:spTgt spid="6"/>
+                                    <p:animEffect transition="in" filter="circle(in)">
+                                      <p:cBhvr>
+                                        <p:cTn id="31" dur="500"/>
+                                        <p:tgtEl>
+                                          <p:spTgt spid="15"/>
+                                        </p:tgtEl>
+                                      </p:cBhvr>
+                                    </p:animEffect>
+                                  </p:childTnLst>
+                                </p:cTn>
+                              </p:par>
+                            </p:childTnLst>
+                          </p:cTn>
+                        </p:par>
+                        <p:par>
+                          <p:cTn id="32" fill="hold">
+                            <p:stCondLst>
+                              <p:cond delay="1500"/>
+                            </p:stCondLst>
+                            <p:childTnLst>
+                              <p:par>
+                                <p:cTn id="33" presetID="6" presetClass="entr" presetSubtype="16" fill="hold" nodeType="afterEffect">
+                                  <p:stCondLst>
+                                    <p:cond delay="0"/>
+                                  </p:stCondLst>
+                                  <p:childTnLst>
+                                    <p:set>
+                                      <p:cBhvr>
+                                        <p:cTn id="34" dur="1" fill="hold">
+                                          <p:stCondLst>
+                                            <p:cond delay="0"/>
+                                          </p:stCondLst>
+                                        </p:cTn>
+                                        <p:tgtEl>
+                                          <p:spTgt spid="17"/>
                                         </p:tgtEl>
                                         <p:attrNameLst>
-                                          <p:attrName>ppt_x</p:attrName>
+                                          <p:attrName>style.visibility</p:attrName>
                                         </p:attrNameLst>
                                       </p:cBhvr>
-                                      <p:tavLst>
-                                        <p:tav tm="0">
-                                          <p:val>
-                                            <p:strVal val="#ppt_x"/>
-                                          </p:val>
-                                        </p:tav>
-                                        <p:tav tm="100000">
-                                          <p:val>
-                                            <p:strVal val="#ppt_x"/>
-                                          </p:val>
-                                        </p:tav>
-                                      </p:tavLst>
-                                    </p:anim>
-                                    <p:anim calcmode="lin" valueType="num">
-                                      <p:cBhvr additive="base">
-                                        <p:cTn id="18" dur="500" fill="hold"/>
-                                        <p:tgtEl>
-                                          <p:spTgt spid="6"/>
+                                      <p:to>
+                                        <p:strVal val="visible"/>
+                                      </p:to>
+                                    </p:set>
+                                    <p:animEffect transition="in" filter="circle(in)">
+                                      <p:cBhvr>
+                                        <p:cTn id="35" dur="500"/>
+                                        <p:tgtEl>
+                                          <p:spTgt spid="17"/>
+                                        </p:tgtEl>
+                                      </p:cBhvr>
+                                    </p:animEffect>
+                                  </p:childTnLst>
+                                </p:cTn>
+                              </p:par>
+                              <p:par>
+                                <p:cTn id="36" presetID="6" presetClass="entr" presetSubtype="16" fill="hold" nodeType="withEffect">
+                                  <p:stCondLst>
+                                    <p:cond delay="0"/>
+                                  </p:stCondLst>
+                                  <p:childTnLst>
+                                    <p:set>
+                                      <p:cBhvr>
+                                        <p:cTn id="37" dur="1" fill="hold">
+                                          <p:stCondLst>
+                                            <p:cond delay="0"/>
+                                          </p:stCondLst>
+                                        </p:cTn>
+                                        <p:tgtEl>
+                                          <p:spTgt spid="18"/>
                                         </p:tgtEl>
                                         <p:attrNameLst>
-                                          <p:attrName>ppt_y</p:attrName>
+                                          <p:attrName>style.visibility</p:attrName>
                                         </p:attrNameLst>
                                       </p:cBhvr>
-                                      <p:tavLst>
-                                        <p:tav tm="0">
-                                          <p:val>
-                                            <p:strVal val="1+#ppt_h/2"/>
-                                          </p:val>
-                                        </p:tav>
-                                        <p:tav tm="100000">
-                                          <p:val>
-                                            <p:strVal val="#ppt_y"/>
-                                          </p:val>
-                                        </p:tav>
-                                      </p:tavLst>
-                                    </p:anim>
+                                      <p:to>
+                                        <p:strVal val="visible"/>
+                                      </p:to>
+                                    </p:set>
+                                    <p:animEffect transition="in" filter="circle(in)">
+                                      <p:cBhvr>
+                                        <p:cTn id="38" dur="500"/>
+                                        <p:tgtEl>
+                                          <p:spTgt spid="18"/>
+                                        </p:tgtEl>
+                                      </p:cBhvr>
+                                    </p:animEffect>
+                                  </p:childTnLst>
+                                </p:cTn>
+                              </p:par>
+                              <p:par>
+                                <p:cTn id="39" presetID="6" presetClass="entr" presetSubtype="16" fill="hold" nodeType="withEffect">
+                                  <p:stCondLst>
+                                    <p:cond delay="0"/>
+                                  </p:stCondLst>
+                                  <p:childTnLst>
+                                    <p:set>
+                                      <p:cBhvr>
+                                        <p:cTn id="40" dur="1" fill="hold">
+                                          <p:stCondLst>
+                                            <p:cond delay="0"/>
+                                          </p:stCondLst>
+                                        </p:cTn>
+                                        <p:tgtEl>
+                                          <p:spTgt spid="16"/>
+                                        </p:tgtEl>
+                                        <p:attrNameLst>
+                                          <p:attrName>style.visibility</p:attrName>
+                                        </p:attrNameLst>
+                                      </p:cBhvr>
+                                      <p:to>
+                                        <p:strVal val="visible"/>
+                                      </p:to>
+                                    </p:set>
+                                    <p:animEffect transition="in" filter="circle(in)">
+                                      <p:cBhvr>
+                                        <p:cTn id="41" dur="500"/>
+                                        <p:tgtEl>
+                                          <p:spTgt spid="16"/>
+                                        </p:tgtEl>
+                                      </p:cBhvr>
+                                    </p:animEffect>
                                   </p:childTnLst>
                                 </p:cTn>
                               </p:par>
@@ -7808,12 +7545,18 @@
       <p:bldP spid="6" grpId="0"/>
       <p:bldP spid="7" grpId="0"/>
       <p:bldP spid="8" grpId="0"/>
+      <p:bldP spid="13" grpId="0" animBg="1"/>
+      <p:bldP spid="14" grpId="0" animBg="1"/>
+      <p:bldP spid="13" grpId="1" bldLvl="0" animBg="1"/>
+      <p:bldP spid="14" grpId="1" bldLvl="0" animBg="1"/>
+      <p:bldP spid="15" grpId="0" animBg="1"/>
+      <p:bldP spid="15" grpId="1" bldLvl="0" animBg="1"/>
     </p:bldLst>
   </p:timing>
 </p:sld>
 </file>
 
-<file path=ppt/slides/slide4.xml><?xml version="1.0" encoding="utf-8"?>
+<file path=ppt/slides/slide3.xml><?xml version="1.0" encoding="utf-8"?>
 <p:sld xmlns:a="http://schemas.openxmlformats.org/drawingml/2006/main" xmlns:r="http://schemas.openxmlformats.org/officeDocument/2006/relationships" xmlns:p="http://schemas.openxmlformats.org/presentationml/2006/main">
   <p:cSld>
     <p:spTree>
@@ -7997,7 +7740,7 @@
 </p:sld>
 </file>
 
-<file path=ppt/slides/slide5.xml><?xml version="1.0" encoding="utf-8"?>
+<file path=ppt/slides/slide4.xml><?xml version="1.0" encoding="utf-8"?>
 <p:sld xmlns:a="http://schemas.openxmlformats.org/drawingml/2006/main" xmlns:r="http://schemas.openxmlformats.org/officeDocument/2006/relationships" xmlns:p="http://schemas.openxmlformats.org/presentationml/2006/main">
   <p:cSld>
     <p:spTree>
@@ -9008,15 +8751,24 @@
                                   </p:childTnLst>
                                 </p:cTn>
                               </p:par>
+                            </p:childTnLst>
+                          </p:cTn>
+                        </p:par>
+                        <p:par>
+                          <p:cTn id="29" fill="hold">
+                            <p:stCondLst>
+                              <p:cond delay="500"/>
+                            </p:stCondLst>
+                            <p:childTnLst>
                               <p:par>
-                                <p:cTn id="29" presetID="6" presetClass="entr" presetSubtype="16" fill="hold" nodeType="withEffect">
+                                <p:cTn id="30" presetID="6" presetClass="entr" presetSubtype="16" fill="hold" nodeType="afterEffect">
                                   <p:stCondLst>
                                     <p:cond delay="0"/>
                                   </p:stCondLst>
                                   <p:childTnLst>
                                     <p:set>
                                       <p:cBhvr>
-                                        <p:cTn id="30" dur="1" fill="hold">
+                                        <p:cTn id="31" dur="1" fill="hold">
                                           <p:stCondLst>
                                             <p:cond delay="0"/>
                                           </p:stCondLst>
@@ -9034,7 +8786,7 @@
                                     </p:set>
                                     <p:animEffect transition="in" filter="circle(in)">
                                       <p:cBhvr>
-                                        <p:cTn id="31" dur="500"/>
+                                        <p:cTn id="32" dur="500"/>
                                         <p:tgtEl>
                                           <p:spTgt spid="12"/>
                                         </p:tgtEl>
@@ -9044,14 +8796,14 @@
                                 </p:cTn>
                               </p:par>
                               <p:par>
-                                <p:cTn id="32" presetID="6" presetClass="entr" presetSubtype="16" fill="hold" nodeType="withEffect">
+                                <p:cTn id="33" presetID="6" presetClass="entr" presetSubtype="16" fill="hold" nodeType="withEffect">
                                   <p:stCondLst>
                                     <p:cond delay="0"/>
                                   </p:stCondLst>
                                   <p:childTnLst>
                                     <p:set>
                                       <p:cBhvr>
-                                        <p:cTn id="33" dur="1" fill="hold">
+                                        <p:cTn id="34" dur="1" fill="hold">
                                           <p:stCondLst>
                                             <p:cond delay="0"/>
                                           </p:stCondLst>
@@ -9069,7 +8821,7 @@
                                     </p:set>
                                     <p:animEffect transition="in" filter="circle(in)">
                                       <p:cBhvr>
-                                        <p:cTn id="34" dur="500"/>
+                                        <p:cTn id="35" dur="500"/>
                                         <p:tgtEl>
                                           <p:spTgt spid="13"/>
                                         </p:tgtEl>
@@ -9079,14 +8831,14 @@
                                 </p:cTn>
                               </p:par>
                               <p:par>
-                                <p:cTn id="35" presetID="6" presetClass="entr" presetSubtype="16" fill="hold" nodeType="withEffect">
+                                <p:cTn id="36" presetID="6" presetClass="entr" presetSubtype="16" fill="hold" nodeType="withEffect">
                                   <p:stCondLst>
                                     <p:cond delay="0"/>
                                   </p:stCondLst>
                                   <p:childTnLst>
                                     <p:set>
                                       <p:cBhvr>
-                                        <p:cTn id="36" dur="1" fill="hold">
+                                        <p:cTn id="37" dur="1" fill="hold">
                                           <p:stCondLst>
                                             <p:cond delay="0"/>
                                           </p:stCondLst>
@@ -9104,7 +8856,7 @@
                                     </p:set>
                                     <p:animEffect transition="in" filter="circle(in)">
                                       <p:cBhvr>
-                                        <p:cTn id="37" dur="500"/>
+                                        <p:cTn id="38" dur="500"/>
                                         <p:tgtEl>
                                           <p:spTgt spid="14"/>
                                         </p:tgtEl>
@@ -9114,14 +8866,14 @@
                                 </p:cTn>
                               </p:par>
                               <p:par>
-                                <p:cTn id="38" presetID="6" presetClass="entr" presetSubtype="16" fill="hold" nodeType="withEffect">
+                                <p:cTn id="39" presetID="6" presetClass="entr" presetSubtype="16" fill="hold" nodeType="withEffect">
                                   <p:stCondLst>
                                     <p:cond delay="0"/>
                                   </p:stCondLst>
                                   <p:childTnLst>
                                     <p:set>
                                       <p:cBhvr>
-                                        <p:cTn id="39" dur="1" fill="hold">
+                                        <p:cTn id="40" dur="1" fill="hold">
                                           <p:stCondLst>
                                             <p:cond delay="0"/>
                                           </p:stCondLst>
@@ -9139,7 +8891,7 @@
                                     </p:set>
                                     <p:animEffect transition="in" filter="circle(in)">
                                       <p:cBhvr>
-                                        <p:cTn id="40" dur="500"/>
+                                        <p:cTn id="41" dur="500"/>
                                         <p:tgtEl>
                                           <p:spTgt spid="15"/>
                                         </p:tgtEl>
@@ -9149,14 +8901,14 @@
                                 </p:cTn>
                               </p:par>
                               <p:par>
-                                <p:cTn id="41" presetID="6" presetClass="entr" presetSubtype="16" fill="hold" nodeType="withEffect">
+                                <p:cTn id="42" presetID="6" presetClass="entr" presetSubtype="16" fill="hold" nodeType="withEffect">
                                   <p:stCondLst>
                                     <p:cond delay="0"/>
                                   </p:stCondLst>
                                   <p:childTnLst>
                                     <p:set>
                                       <p:cBhvr>
-                                        <p:cTn id="42" dur="1" fill="hold">
+                                        <p:cTn id="43" dur="1" fill="hold">
                                           <p:stCondLst>
                                             <p:cond delay="0"/>
                                           </p:stCondLst>
@@ -9174,7 +8926,7 @@
                                     </p:set>
                                     <p:animEffect transition="in" filter="circle(in)">
                                       <p:cBhvr>
-                                        <p:cTn id="43" dur="500"/>
+                                        <p:cTn id="44" dur="500"/>
                                         <p:tgtEl>
                                           <p:spTgt spid="16"/>
                                         </p:tgtEl>
@@ -9184,14 +8936,14 @@
                                 </p:cTn>
                               </p:par>
                               <p:par>
-                                <p:cTn id="44" presetID="6" presetClass="entr" presetSubtype="16" fill="hold" nodeType="withEffect">
+                                <p:cTn id="45" presetID="6" presetClass="entr" presetSubtype="16" fill="hold" nodeType="withEffect">
                                   <p:stCondLst>
                                     <p:cond delay="0"/>
                                   </p:stCondLst>
                                   <p:childTnLst>
                                     <p:set>
                                       <p:cBhvr>
-                                        <p:cTn id="45" dur="1" fill="hold">
+                                        <p:cTn id="46" dur="1" fill="hold">
                                           <p:stCondLst>
                                             <p:cond delay="0"/>
                                           </p:stCondLst>
@@ -9209,7 +8961,7 @@
                                     </p:set>
                                     <p:animEffect transition="in" filter="circle(in)">
                                       <p:cBhvr>
-                                        <p:cTn id="46" dur="500"/>
+                                        <p:cTn id="47" dur="500"/>
                                         <p:tgtEl>
                                           <p:spTgt spid="17"/>
                                         </p:tgtEl>
@@ -9262,7 +9014,7 @@
 </p:sld>
 </file>
 
-<file path=ppt/slides/slide6.xml><?xml version="1.0" encoding="utf-8"?>
+<file path=ppt/slides/slide5.xml><?xml version="1.0" encoding="utf-8"?>
 <p:sld xmlns:a="http://schemas.openxmlformats.org/drawingml/2006/main" xmlns:r="http://schemas.openxmlformats.org/officeDocument/2006/relationships" xmlns:p="http://schemas.openxmlformats.org/presentationml/2006/main">
   <p:cSld>
     <p:spTree>
@@ -9476,7 +9228,7 @@
 </p:sld>
 </file>
 
-<file path=ppt/slides/slide7.xml><?xml version="1.0" encoding="utf-8"?>
+<file path=ppt/slides/slide6.xml><?xml version="1.0" encoding="utf-8"?>
 <p:sld xmlns:a="http://schemas.openxmlformats.org/drawingml/2006/main" xmlns:r="http://schemas.openxmlformats.org/officeDocument/2006/relationships" xmlns:p="http://schemas.openxmlformats.org/presentationml/2006/main">
   <p:cSld>
     <p:spTree>
@@ -11363,7 +11115,7 @@
 </p:sld>
 </file>
 
-<file path=ppt/slides/slide8.xml><?xml version="1.0" encoding="utf-8"?>
+<file path=ppt/slides/slide7.xml><?xml version="1.0" encoding="utf-8"?>
 <p:sld xmlns:a="http://schemas.openxmlformats.org/drawingml/2006/main" xmlns:r="http://schemas.openxmlformats.org/officeDocument/2006/relationships" xmlns:p="http://schemas.openxmlformats.org/presentationml/2006/main">
   <p:cSld>
     <p:spTree>
@@ -11750,7 +11502,7 @@
 </p:sld>
 </file>
 
-<file path=ppt/slides/slide9.xml><?xml version="1.0" encoding="utf-8"?>
+<file path=ppt/slides/slide8.xml><?xml version="1.0" encoding="utf-8"?>
 <p:sld xmlns:a="http://schemas.openxmlformats.org/drawingml/2006/main" xmlns:r="http://schemas.openxmlformats.org/officeDocument/2006/relationships" xmlns:p="http://schemas.openxmlformats.org/presentationml/2006/main">
   <p:cSld>
     <p:spTree>
@@ -12475,6 +12227,9 @@
                     <p:cTn id="3" fill="hold">
                       <p:stCondLst>
                         <p:cond delay="indefinite"/>
+                        <p:cond evt="onBegin" delay="0">
+                          <p:tn val="2"/>
+                        </p:cond>
                       </p:stCondLst>
                       <p:childTnLst>
                         <p:par>
@@ -12484,7 +12239,7 @@
                             </p:stCondLst>
                             <p:childTnLst>
                               <p:par>
-                                <p:cTn id="5" presetID="4" presetClass="entr" presetSubtype="16" fill="hold" grpId="0" nodeType="clickEffect">
+                                <p:cTn id="5" presetID="4" presetClass="entr" presetSubtype="16" fill="hold" grpId="0" nodeType="afterEffect">
                                   <p:stCondLst>
                                     <p:cond delay="0"/>
                                   </p:stCondLst>
@@ -12581,30 +12336,21 @@
                             </p:childTnLst>
                           </p:cTn>
                         </p:par>
-                      </p:childTnLst>
-                    </p:cTn>
-                  </p:par>
-                  <p:par>
-                    <p:cTn id="12" fill="hold">
-                      <p:stCondLst>
-                        <p:cond delay="indefinite"/>
-                      </p:stCondLst>
-                      <p:childTnLst>
                         <p:par>
-                          <p:cTn id="13" fill="hold">
+                          <p:cTn id="12" fill="hold">
                             <p:stCondLst>
-                              <p:cond delay="0"/>
+                              <p:cond delay="1000"/>
                             </p:stCondLst>
                             <p:childTnLst>
                               <p:par>
-                                <p:cTn id="14" presetID="6" presetClass="entr" presetSubtype="16" fill="hold" grpId="1" nodeType="clickEffect">
+                                <p:cTn id="13" presetID="6" presetClass="entr" presetSubtype="16" fill="hold" grpId="1" nodeType="afterEffect">
                                   <p:stCondLst>
                                     <p:cond delay="0"/>
                                   </p:stCondLst>
                                   <p:childTnLst>
                                     <p:set>
                                       <p:cBhvr>
-                                        <p:cTn id="15" dur="1" fill="hold">
+                                        <p:cTn id="14" dur="1" fill="hold">
                                           <p:stCondLst>
                                             <p:cond delay="0"/>
                                           </p:stCondLst>
@@ -12622,7 +12368,7 @@
                                     </p:set>
                                     <p:animEffect transition="in" filter="circle(in)">
                                       <p:cBhvr>
-                                        <p:cTn id="16" dur="500"/>
+                                        <p:cTn id="15" dur="500"/>
                                         <p:tgtEl>
                                           <p:spTgt spid="6"/>
                                         </p:tgtEl>
@@ -12632,14 +12378,14 @@
                                 </p:cTn>
                               </p:par>
                               <p:par>
-                                <p:cTn id="17" presetID="6" presetClass="entr" presetSubtype="16" fill="hold" grpId="1" nodeType="withEffect">
+                                <p:cTn id="16" presetID="6" presetClass="entr" presetSubtype="16" fill="hold" grpId="1" nodeType="withEffect">
                                   <p:stCondLst>
                                     <p:cond delay="0"/>
                                   </p:stCondLst>
                                   <p:childTnLst>
                                     <p:set>
                                       <p:cBhvr>
-                                        <p:cTn id="18" dur="1" fill="hold">
+                                        <p:cTn id="17" dur="1" fill="hold">
                                           <p:stCondLst>
                                             <p:cond delay="0"/>
                                           </p:stCondLst>
@@ -12657,7 +12403,7 @@
                                     </p:set>
                                     <p:animEffect transition="in" filter="circle(in)">
                                       <p:cBhvr>
-                                        <p:cTn id="19" dur="500"/>
+                                        <p:cTn id="18" dur="500"/>
                                         <p:tgtEl>
                                           <p:spTgt spid="7"/>
                                         </p:tgtEl>
@@ -12667,14 +12413,14 @@
                                 </p:cTn>
                               </p:par>
                               <p:par>
-                                <p:cTn id="20" presetID="6" presetClass="entr" presetSubtype="16" fill="hold" grpId="1" nodeType="withEffect">
+                                <p:cTn id="19" presetID="6" presetClass="entr" presetSubtype="16" fill="hold" grpId="1" nodeType="withEffect">
                                   <p:stCondLst>
                                     <p:cond delay="0"/>
                                   </p:stCondLst>
                                   <p:childTnLst>
                                     <p:set>
                                       <p:cBhvr>
-                                        <p:cTn id="21" dur="1" fill="hold">
+                                        <p:cTn id="20" dur="1" fill="hold">
                                           <p:stCondLst>
                                             <p:cond delay="0"/>
                                           </p:stCondLst>
@@ -12692,7 +12438,7 @@
                                     </p:set>
                                     <p:animEffect transition="in" filter="circle(in)">
                                       <p:cBhvr>
-                                        <p:cTn id="22" dur="500"/>
+                                        <p:cTn id="21" dur="500"/>
                                         <p:tgtEl>
                                           <p:spTgt spid="8"/>
                                         </p:tgtEl>
@@ -12702,14 +12448,14 @@
                                 </p:cTn>
                               </p:par>
                               <p:par>
-                                <p:cTn id="23" presetID="6" presetClass="entr" presetSubtype="16" fill="hold" grpId="1" nodeType="withEffect">
+                                <p:cTn id="22" presetID="6" presetClass="entr" presetSubtype="16" fill="hold" grpId="1" nodeType="withEffect">
                                   <p:stCondLst>
                                     <p:cond delay="0"/>
                                   </p:stCondLst>
                                   <p:childTnLst>
                                     <p:set>
                                       <p:cBhvr>
-                                        <p:cTn id="24" dur="1" fill="hold">
+                                        <p:cTn id="23" dur="1" fill="hold">
                                           <p:stCondLst>
                                             <p:cond delay="0"/>
                                           </p:stCondLst>
@@ -12727,7 +12473,7 @@
                                     </p:set>
                                     <p:animEffect transition="in" filter="circle(in)">
                                       <p:cBhvr>
-                                        <p:cTn id="25" dur="500"/>
+                                        <p:cTn id="24" dur="500"/>
                                         <p:tgtEl>
                                           <p:spTgt spid="9"/>
                                         </p:tgtEl>
@@ -12737,14 +12483,14 @@
                                 </p:cTn>
                               </p:par>
                               <p:par>
-                                <p:cTn id="26" presetID="6" presetClass="entr" presetSubtype="16" fill="hold" grpId="1" nodeType="withEffect">
+                                <p:cTn id="25" presetID="6" presetClass="entr" presetSubtype="16" fill="hold" grpId="1" nodeType="withEffect">
                                   <p:stCondLst>
                                     <p:cond delay="0"/>
                                   </p:stCondLst>
                                   <p:childTnLst>
                                     <p:set>
                                       <p:cBhvr>
-                                        <p:cTn id="27" dur="1" fill="hold">
+                                        <p:cTn id="26" dur="1" fill="hold">
                                           <p:stCondLst>
                                             <p:cond delay="0"/>
                                           </p:stCondLst>
@@ -12762,7 +12508,7 @@
                                     </p:set>
                                     <p:animEffect transition="in" filter="circle(in)">
                                       <p:cBhvr>
-                                        <p:cTn id="28" dur="500"/>
+                                        <p:cTn id="27" dur="500"/>
                                         <p:tgtEl>
                                           <p:spTgt spid="10"/>
                                         </p:tgtEl>
@@ -12771,8 +12517,17 @@
                                   </p:childTnLst>
                                 </p:cTn>
                               </p:par>
+                            </p:childTnLst>
+                          </p:cTn>
+                        </p:par>
+                        <p:par>
+                          <p:cTn id="28" fill="hold">
+                            <p:stCondLst>
+                              <p:cond delay="1500"/>
+                            </p:stCondLst>
+                            <p:childTnLst>
                               <p:par>
-                                <p:cTn id="29" presetID="6" presetClass="entr" presetSubtype="16" fill="hold" nodeType="withEffect">
+                                <p:cTn id="29" presetID="6" presetClass="entr" presetSubtype="16" fill="hold" nodeType="afterEffect">
                                   <p:stCondLst>
                                     <p:cond delay="0"/>
                                   </p:stCondLst>
@@ -13021,6 +12776,155 @@
       <p:bldP spid="9" grpId="1" bldLvl="0" animBg="1"/>
       <p:bldP spid="10" grpId="1" bldLvl="0" animBg="1"/>
     </p:bldLst>
+  </p:timing>
+</p:sld>
+</file>
+
+<file path=ppt/slides/slide9.xml><?xml version="1.0" encoding="utf-8"?>
+<p:sld xmlns:a="http://schemas.openxmlformats.org/drawingml/2006/main" xmlns:r="http://schemas.openxmlformats.org/officeDocument/2006/relationships" xmlns:p="http://schemas.openxmlformats.org/presentationml/2006/main">
+  <p:cSld>
+    <p:spTree>
+      <p:nvGrpSpPr>
+        <p:cNvPr id="1" name=""/>
+        <p:cNvGrpSpPr/>
+        <p:nvPr/>
+      </p:nvGrpSpPr>
+      <p:grpSpPr>
+        <a:xfrm>
+          <a:off x="0" y="0"/>
+          <a:ext cx="0" cy="0"/>
+          <a:chOff x="0" y="0"/>
+          <a:chExt cx="0" cy="0"/>
+        </a:xfrm>
+      </p:grpSpPr>
+      <p:pic>
+        <p:nvPicPr>
+          <p:cNvPr id="3" name="Picture 2" descr="C:\Users\wangyifan\AppData\Roaming\Foxmail7\Temp-3628-20160922082721\logo2016.jpg"/>
+          <p:cNvPicPr>
+            <a:picLocks noChangeAspect="1" noChangeArrowheads="1"/>
+          </p:cNvPicPr>
+          <p:nvPr/>
+        </p:nvPicPr>
+        <p:blipFill>
+          <a:blip r:embed="rId1"/>
+          <a:srcRect/>
+          <a:stretch>
+            <a:fillRect/>
+          </a:stretch>
+        </p:blipFill>
+        <p:spPr bwMode="auto">
+          <a:xfrm>
+            <a:off x="9534525" y="0"/>
+            <a:ext cx="2657475" cy="847725"/>
+          </a:xfrm>
+          <a:prstGeom prst="rect">
+            <a:avLst/>
+          </a:prstGeom>
+          <a:noFill/>
+        </p:spPr>
+      </p:pic>
+      <p:sp>
+        <p:nvSpPr>
+          <p:cNvPr id="7" name="Title 1"/>
+          <p:cNvSpPr>
+            <a:spLocks noGrp="1"/>
+          </p:cNvSpPr>
+          <p:nvPr/>
+        </p:nvSpPr>
+        <p:spPr>
+          <a:xfrm>
+            <a:off x="842645" y="281305"/>
+            <a:ext cx="10515600" cy="1325563"/>
+          </a:xfrm>
+          <a:prstGeom prst="rect">
+            <a:avLst/>
+          </a:prstGeom>
+        </p:spPr>
+        <p:txBody>
+          <a:bodyPr vert="horz" lIns="91440" tIns="45720" rIns="91440" bIns="45720" rtlCol="0" anchor="ctr">
+            <a:normAutofit/>
+          </a:bodyPr>
+          <a:lstStyle>
+            <a:lvl1pPr algn="l" defTabSz="914400" rtl="0" eaLnBrk="1" latinLnBrk="0" hangingPunct="1">
+              <a:lnSpc>
+                <a:spcPct val="90000"/>
+              </a:lnSpc>
+              <a:spcBef>
+                <a:spcPct val="0"/>
+              </a:spcBef>
+              <a:buNone/>
+              <a:defRPr sz="4400" kern="1200">
+                <a:solidFill>
+                  <a:schemeClr val="tx1"/>
+                </a:solidFill>
+                <a:latin typeface="+mj-lt"/>
+                <a:ea typeface="+mj-ea"/>
+                <a:cs typeface="+mj-cs"/>
+              </a:defRPr>
+            </a:lvl1pPr>
+          </a:lstStyle>
+          <a:p>
+            <a:pPr algn="l"/>
+            <a:r>
+              <a:rPr lang="x-none" altLang="zh-CN" dirty="0" smtClean="0">
+                <a:solidFill>
+                  <a:srgbClr val="727272"/>
+                </a:solidFill>
+                <a:latin typeface="Microsoft YaHei" charset="0"/>
+                <a:ea typeface="Microsoft YaHei" charset="0"/>
+              </a:rPr>
+              <a:t>Hydra初始架构</a:t>
+            </a:r>
+            <a:endParaRPr lang="x-none" altLang="zh-CN" dirty="0" smtClean="0">
+              <a:solidFill>
+                <a:srgbClr val="727272"/>
+              </a:solidFill>
+              <a:latin typeface="Microsoft YaHei" charset="0"/>
+              <a:ea typeface="Microsoft YaHei" charset="0"/>
+            </a:endParaRPr>
+          </a:p>
+        </p:txBody>
+      </p:sp>
+      <p:pic>
+        <p:nvPicPr>
+          <p:cNvPr id="9" name="Content Placeholder 8" descr="智能截图 2"/>
+          <p:cNvPicPr>
+            <a:picLocks noChangeAspect="1"/>
+          </p:cNvPicPr>
+          <p:nvPr>
+            <p:ph idx="1"/>
+          </p:nvPr>
+        </p:nvPicPr>
+        <p:blipFill>
+          <a:blip r:embed="rId2"/>
+          <a:stretch>
+            <a:fillRect/>
+          </a:stretch>
+        </p:blipFill>
+        <p:spPr>
+          <a:xfrm>
+            <a:off x="-22225" y="1214120"/>
+            <a:ext cx="12221210" cy="5647055"/>
+          </a:xfrm>
+          <a:prstGeom prst="rect">
+            <a:avLst/>
+          </a:prstGeom>
+        </p:spPr>
+      </p:pic>
+    </p:spTree>
+  </p:cSld>
+  <p:clrMapOvr>
+    <a:masterClrMapping/>
+  </p:clrMapOvr>
+  <p:transition>
+    <p:fade/>
+  </p:transition>
+  <p:timing>
+    <p:tnLst>
+      <p:par>
+        <p:cTn id="1" dur="indefinite" restart="never" nodeType="tmRoot"/>
+      </p:par>
+    </p:tnLst>
   </p:timing>
 </p:sld>
 </file>

--- a/source/ppt/work/焦点服务化框架Hydra的演变-王一帆.pptx
+++ b/source/ppt/work/焦点服务化框架Hydra的演变-王一帆.pptx
@@ -11217,56 +11217,6 @@
       </p:sp>
       <p:pic>
         <p:nvPicPr>
-          <p:cNvPr id="4" name="Content Placeholder 4" descr="OSGi_ClassLoader"/>
-          <p:cNvPicPr>
-            <a:picLocks noChangeAspect="1"/>
-          </p:cNvPicPr>
-          <p:nvPr/>
-        </p:nvPicPr>
-        <p:blipFill>
-          <a:blip r:embed="rId1"/>
-          <a:stretch>
-            <a:fillRect/>
-          </a:stretch>
-        </p:blipFill>
-        <p:spPr>
-          <a:xfrm>
-            <a:off x="5550408" y="1861693"/>
-            <a:ext cx="5379212" cy="4478655"/>
-          </a:xfrm>
-          <a:prstGeom prst="rect">
-            <a:avLst/>
-          </a:prstGeom>
-        </p:spPr>
-      </p:pic>
-      <p:pic>
-        <p:nvPicPr>
-          <p:cNvPr id="1026" name="Picture 2" descr="E:\mygit\ivaneye.github.com\source\ppt\share\hydra\hydra\classloader.png"/>
-          <p:cNvPicPr>
-            <a:picLocks noChangeAspect="1" noChangeArrowheads="1"/>
-          </p:cNvPicPr>
-          <p:nvPr/>
-        </p:nvPicPr>
-        <p:blipFill>
-          <a:blip r:embed="rId2"/>
-          <a:srcRect/>
-          <a:stretch>
-            <a:fillRect/>
-          </a:stretch>
-        </p:blipFill>
-        <p:spPr bwMode="auto">
-          <a:xfrm>
-            <a:off x="1216724" y="2885694"/>
-            <a:ext cx="2333625" cy="2933700"/>
-          </a:xfrm>
-          <a:prstGeom prst="rect">
-            <a:avLst/>
-          </a:prstGeom>
-          <a:noFill/>
-        </p:spPr>
-      </p:pic>
-      <p:pic>
-        <p:nvPicPr>
           <p:cNvPr id="6" name="Picture 2" descr="C:\Users\wangyifan\AppData\Roaming\Foxmail7\Temp-3628-20160922082721\logo2016.jpg"/>
           <p:cNvPicPr>
             <a:picLocks noChangeAspect="1" noChangeArrowheads="1"/>
@@ -11274,7 +11224,7 @@
           <p:nvPr/>
         </p:nvPicPr>
         <p:blipFill>
-          <a:blip r:embed="rId3"/>
+          <a:blip r:embed="rId1"/>
           <a:srcRect/>
           <a:stretch>
             <a:fillRect/>
@@ -11291,6 +11241,1056 @@
           <a:noFill/>
         </p:spPr>
       </p:pic>
+      <p:sp>
+        <p:nvSpPr>
+          <p:cNvPr id="5" name="Rounded Rectangle 4"/>
+          <p:cNvSpPr/>
+          <p:nvPr/>
+        </p:nvSpPr>
+        <p:spPr>
+          <a:xfrm>
+            <a:off x="1279525" y="2734310"/>
+            <a:ext cx="2752725" cy="692150"/>
+          </a:xfrm>
+          <a:prstGeom prst="roundRect">
+            <a:avLst/>
+          </a:prstGeom>
+          <a:noFill/>
+          <a:ln>
+            <a:solidFill>
+              <a:srgbClr val="247FAC"/>
+            </a:solidFill>
+          </a:ln>
+          <a:extLst>
+            <a:ext uri="{909E8E84-426E-40DD-AFC4-6F175D3DCCD1}">
+              <a14:hiddenFill xmlns:a14="http://schemas.microsoft.com/office/drawing/2010/main">
+                <a:solidFill>
+                  <a:schemeClr val="accent1"/>
+                </a:solidFill>
+              </a14:hiddenFill>
+            </a:ext>
+          </a:extLst>
+        </p:spPr>
+        <p:style>
+          <a:lnRef idx="2">
+            <a:schemeClr val="accent1">
+              <a:shade val="50000"/>
+            </a:schemeClr>
+          </a:lnRef>
+          <a:fillRef idx="1">
+            <a:schemeClr val="accent1"/>
+          </a:fillRef>
+          <a:effectRef idx="0">
+            <a:schemeClr val="accent1"/>
+          </a:effectRef>
+          <a:fontRef idx="minor">
+            <a:schemeClr val="lt1"/>
+          </a:fontRef>
+        </p:style>
+        <p:txBody>
+          <a:bodyPr rtlCol="0" anchor="ctr"/>
+          <a:p>
+            <a:pPr algn="ctr"/>
+            <a:r>
+              <a:rPr lang="x-none" altLang="en-US">
+                <a:solidFill>
+                  <a:srgbClr val="727272"/>
+                </a:solidFill>
+              </a:rPr>
+              <a:t>BootstrapClassLoader</a:t>
+            </a:r>
+            <a:endParaRPr lang="x-none" altLang="en-US">
+              <a:solidFill>
+                <a:srgbClr val="727272"/>
+              </a:solidFill>
+            </a:endParaRPr>
+          </a:p>
+        </p:txBody>
+      </p:sp>
+      <p:sp>
+        <p:nvSpPr>
+          <p:cNvPr id="7" name="Rounded Rectangle 6"/>
+          <p:cNvSpPr/>
+          <p:nvPr/>
+        </p:nvSpPr>
+        <p:spPr>
+          <a:xfrm>
+            <a:off x="1279525" y="4118610"/>
+            <a:ext cx="2752725" cy="692150"/>
+          </a:xfrm>
+          <a:prstGeom prst="roundRect">
+            <a:avLst/>
+          </a:prstGeom>
+          <a:noFill/>
+          <a:ln>
+            <a:solidFill>
+              <a:srgbClr val="247FAC"/>
+            </a:solidFill>
+          </a:ln>
+          <a:extLst>
+            <a:ext uri="{909E8E84-426E-40DD-AFC4-6F175D3DCCD1}">
+              <a14:hiddenFill xmlns:a14="http://schemas.microsoft.com/office/drawing/2010/main">
+                <a:solidFill>
+                  <a:schemeClr val="accent1"/>
+                </a:solidFill>
+              </a14:hiddenFill>
+            </a:ext>
+          </a:extLst>
+        </p:spPr>
+        <p:style>
+          <a:lnRef idx="2">
+            <a:schemeClr val="accent1">
+              <a:shade val="50000"/>
+            </a:schemeClr>
+          </a:lnRef>
+          <a:fillRef idx="1">
+            <a:schemeClr val="accent1"/>
+          </a:fillRef>
+          <a:effectRef idx="0">
+            <a:schemeClr val="accent1"/>
+          </a:effectRef>
+          <a:fontRef idx="minor">
+            <a:schemeClr val="lt1"/>
+          </a:fontRef>
+        </p:style>
+        <p:txBody>
+          <a:bodyPr rtlCol="0" anchor="ctr"/>
+          <a:p>
+            <a:pPr algn="ctr"/>
+            <a:r>
+              <a:rPr lang="x-none" altLang="en-US">
+                <a:solidFill>
+                  <a:srgbClr val="727272"/>
+                </a:solidFill>
+              </a:rPr>
+              <a:t>ExtensionClassLoader</a:t>
+            </a:r>
+            <a:endParaRPr lang="x-none" altLang="en-US">
+              <a:solidFill>
+                <a:srgbClr val="727272"/>
+              </a:solidFill>
+            </a:endParaRPr>
+          </a:p>
+        </p:txBody>
+      </p:sp>
+      <p:sp>
+        <p:nvSpPr>
+          <p:cNvPr id="8" name="Rounded Rectangle 7"/>
+          <p:cNvSpPr/>
+          <p:nvPr/>
+        </p:nvSpPr>
+        <p:spPr>
+          <a:xfrm>
+            <a:off x="1279525" y="5490210"/>
+            <a:ext cx="2752725" cy="692150"/>
+          </a:xfrm>
+          <a:prstGeom prst="roundRect">
+            <a:avLst/>
+          </a:prstGeom>
+          <a:noFill/>
+          <a:ln>
+            <a:solidFill>
+              <a:srgbClr val="247FAC"/>
+            </a:solidFill>
+          </a:ln>
+          <a:extLst>
+            <a:ext uri="{909E8E84-426E-40DD-AFC4-6F175D3DCCD1}">
+              <a14:hiddenFill xmlns:a14="http://schemas.microsoft.com/office/drawing/2010/main">
+                <a:solidFill>
+                  <a:schemeClr val="accent1"/>
+                </a:solidFill>
+              </a14:hiddenFill>
+            </a:ext>
+          </a:extLst>
+        </p:spPr>
+        <p:style>
+          <a:lnRef idx="2">
+            <a:schemeClr val="accent1">
+              <a:shade val="50000"/>
+            </a:schemeClr>
+          </a:lnRef>
+          <a:fillRef idx="1">
+            <a:schemeClr val="accent1"/>
+          </a:fillRef>
+          <a:effectRef idx="0">
+            <a:schemeClr val="accent1"/>
+          </a:effectRef>
+          <a:fontRef idx="minor">
+            <a:schemeClr val="lt1"/>
+          </a:fontRef>
+        </p:style>
+        <p:txBody>
+          <a:bodyPr rtlCol="0" anchor="ctr"/>
+          <a:p>
+            <a:pPr algn="ctr"/>
+            <a:r>
+              <a:rPr lang="x-none" altLang="en-US">
+                <a:solidFill>
+                  <a:srgbClr val="727272"/>
+                </a:solidFill>
+              </a:rPr>
+              <a:t>ApplicationClassLoader</a:t>
+            </a:r>
+            <a:endParaRPr lang="x-none" altLang="en-US">
+              <a:solidFill>
+                <a:srgbClr val="727272"/>
+              </a:solidFill>
+            </a:endParaRPr>
+          </a:p>
+        </p:txBody>
+      </p:sp>
+      <p:cxnSp>
+        <p:nvCxnSpPr>
+          <p:cNvPr id="9" name="Straight Connector 8"/>
+          <p:cNvCxnSpPr>
+            <a:stCxn id="5" idx="2"/>
+            <a:endCxn id="7" idx="0"/>
+          </p:cNvCxnSpPr>
+          <p:nvPr/>
+        </p:nvCxnSpPr>
+        <p:spPr>
+          <a:xfrm>
+            <a:off x="2656205" y="3426460"/>
+            <a:ext cx="0" cy="692150"/>
+          </a:xfrm>
+          <a:prstGeom prst="line">
+            <a:avLst/>
+          </a:prstGeom>
+        </p:spPr>
+        <p:style>
+          <a:lnRef idx="1">
+            <a:schemeClr val="accent1"/>
+          </a:lnRef>
+          <a:fillRef idx="0">
+            <a:schemeClr val="accent1"/>
+          </a:fillRef>
+          <a:effectRef idx="0">
+            <a:schemeClr val="accent1"/>
+          </a:effectRef>
+          <a:fontRef idx="minor">
+            <a:schemeClr val="tx1"/>
+          </a:fontRef>
+        </p:style>
+      </p:cxnSp>
+      <p:cxnSp>
+        <p:nvCxnSpPr>
+          <p:cNvPr id="10" name="Straight Connector 9"/>
+          <p:cNvCxnSpPr>
+            <a:stCxn id="7" idx="2"/>
+            <a:endCxn id="8" idx="0"/>
+          </p:cNvCxnSpPr>
+          <p:nvPr/>
+        </p:nvCxnSpPr>
+        <p:spPr>
+          <a:xfrm>
+            <a:off x="2656205" y="4810760"/>
+            <a:ext cx="0" cy="679450"/>
+          </a:xfrm>
+          <a:prstGeom prst="line">
+            <a:avLst/>
+          </a:prstGeom>
+        </p:spPr>
+        <p:style>
+          <a:lnRef idx="1">
+            <a:schemeClr val="accent1"/>
+          </a:lnRef>
+          <a:fillRef idx="0">
+            <a:schemeClr val="accent1"/>
+          </a:fillRef>
+          <a:effectRef idx="0">
+            <a:schemeClr val="accent1"/>
+          </a:effectRef>
+          <a:fontRef idx="minor">
+            <a:schemeClr val="tx1"/>
+          </a:fontRef>
+        </p:style>
+      </p:cxnSp>
+      <p:sp>
+        <p:nvSpPr>
+          <p:cNvPr id="11" name="Rounded Rectangle 10"/>
+          <p:cNvSpPr/>
+          <p:nvPr/>
+        </p:nvSpPr>
+        <p:spPr>
+          <a:xfrm>
+            <a:off x="8609330" y="5642610"/>
+            <a:ext cx="2398395" cy="463550"/>
+          </a:xfrm>
+          <a:prstGeom prst="roundRect">
+            <a:avLst/>
+          </a:prstGeom>
+          <a:noFill/>
+          <a:ln>
+            <a:solidFill>
+              <a:srgbClr val="4C4398"/>
+            </a:solidFill>
+          </a:ln>
+          <a:extLst>
+            <a:ext uri="{909E8E84-426E-40DD-AFC4-6F175D3DCCD1}">
+              <a14:hiddenFill xmlns:a14="http://schemas.microsoft.com/office/drawing/2010/main">
+                <a:solidFill>
+                  <a:schemeClr val="accent1"/>
+                </a:solidFill>
+              </a14:hiddenFill>
+            </a:ext>
+          </a:extLst>
+        </p:spPr>
+        <p:style>
+          <a:lnRef idx="2">
+            <a:schemeClr val="accent1">
+              <a:shade val="50000"/>
+            </a:schemeClr>
+          </a:lnRef>
+          <a:fillRef idx="1">
+            <a:schemeClr val="accent1"/>
+          </a:fillRef>
+          <a:effectRef idx="0">
+            <a:schemeClr val="accent1"/>
+          </a:effectRef>
+          <a:fontRef idx="minor">
+            <a:schemeClr val="lt1"/>
+          </a:fontRef>
+        </p:style>
+        <p:txBody>
+          <a:bodyPr rtlCol="0" anchor="ctr"/>
+          <a:p>
+            <a:pPr algn="ctr"/>
+            <a:r>
+              <a:rPr lang="x-none" altLang="en-US">
+                <a:solidFill>
+                  <a:srgbClr val="727272"/>
+                </a:solidFill>
+              </a:rPr>
+              <a:t>Bundle ClassLoader</a:t>
+            </a:r>
+            <a:endParaRPr lang="x-none" altLang="en-US">
+              <a:solidFill>
+                <a:srgbClr val="727272"/>
+              </a:solidFill>
+            </a:endParaRPr>
+          </a:p>
+        </p:txBody>
+      </p:sp>
+      <p:sp>
+        <p:nvSpPr>
+          <p:cNvPr id="12" name="Rounded Rectangle 11"/>
+          <p:cNvSpPr/>
+          <p:nvPr/>
+        </p:nvSpPr>
+        <p:spPr>
+          <a:xfrm>
+            <a:off x="5218430" y="5629910"/>
+            <a:ext cx="2398395" cy="463550"/>
+          </a:xfrm>
+          <a:prstGeom prst="roundRect">
+            <a:avLst/>
+          </a:prstGeom>
+          <a:noFill/>
+          <a:ln>
+            <a:solidFill>
+              <a:srgbClr val="4C4398"/>
+            </a:solidFill>
+          </a:ln>
+          <a:extLst>
+            <a:ext uri="{909E8E84-426E-40DD-AFC4-6F175D3DCCD1}">
+              <a14:hiddenFill xmlns:a14="http://schemas.microsoft.com/office/drawing/2010/main">
+                <a:solidFill>
+                  <a:schemeClr val="accent1"/>
+                </a:solidFill>
+              </a14:hiddenFill>
+            </a:ext>
+          </a:extLst>
+        </p:spPr>
+        <p:style>
+          <a:lnRef idx="2">
+            <a:schemeClr val="accent1">
+              <a:shade val="50000"/>
+            </a:schemeClr>
+          </a:lnRef>
+          <a:fillRef idx="1">
+            <a:schemeClr val="accent1"/>
+          </a:fillRef>
+          <a:effectRef idx="0">
+            <a:schemeClr val="accent1"/>
+          </a:effectRef>
+          <a:fontRef idx="minor">
+            <a:schemeClr val="lt1"/>
+          </a:fontRef>
+        </p:style>
+        <p:txBody>
+          <a:bodyPr rtlCol="0" anchor="ctr"/>
+          <a:p>
+            <a:pPr algn="ctr"/>
+            <a:r>
+              <a:rPr lang="x-none" altLang="en-US">
+                <a:solidFill>
+                  <a:srgbClr val="727272"/>
+                </a:solidFill>
+              </a:rPr>
+              <a:t>Bundle ClassLoader</a:t>
+            </a:r>
+            <a:endParaRPr lang="x-none" altLang="en-US">
+              <a:solidFill>
+                <a:srgbClr val="727272"/>
+              </a:solidFill>
+            </a:endParaRPr>
+          </a:p>
+        </p:txBody>
+      </p:sp>
+      <p:sp>
+        <p:nvSpPr>
+          <p:cNvPr id="13" name="Rounded Rectangle 12"/>
+          <p:cNvSpPr/>
+          <p:nvPr/>
+        </p:nvSpPr>
+        <p:spPr>
+          <a:xfrm>
+            <a:off x="5015230" y="2404110"/>
+            <a:ext cx="2398395" cy="463550"/>
+          </a:xfrm>
+          <a:prstGeom prst="roundRect">
+            <a:avLst/>
+          </a:prstGeom>
+          <a:noFill/>
+          <a:ln>
+            <a:solidFill>
+              <a:srgbClr val="4C4398"/>
+            </a:solidFill>
+          </a:ln>
+          <a:extLst>
+            <a:ext uri="{909E8E84-426E-40DD-AFC4-6F175D3DCCD1}">
+              <a14:hiddenFill xmlns:a14="http://schemas.microsoft.com/office/drawing/2010/main">
+                <a:solidFill>
+                  <a:schemeClr val="accent1"/>
+                </a:solidFill>
+              </a14:hiddenFill>
+            </a:ext>
+          </a:extLst>
+        </p:spPr>
+        <p:style>
+          <a:lnRef idx="2">
+            <a:schemeClr val="accent1">
+              <a:shade val="50000"/>
+            </a:schemeClr>
+          </a:lnRef>
+          <a:fillRef idx="1">
+            <a:schemeClr val="accent1"/>
+          </a:fillRef>
+          <a:effectRef idx="0">
+            <a:schemeClr val="accent1"/>
+          </a:effectRef>
+          <a:fontRef idx="minor">
+            <a:schemeClr val="lt1"/>
+          </a:fontRef>
+        </p:style>
+        <p:txBody>
+          <a:bodyPr rtlCol="0" anchor="ctr"/>
+          <a:p>
+            <a:pPr algn="ctr"/>
+            <a:r>
+              <a:rPr lang="x-none" altLang="en-US">
+                <a:solidFill>
+                  <a:srgbClr val="727272"/>
+                </a:solidFill>
+              </a:rPr>
+              <a:t>Bundle ClassLoader</a:t>
+            </a:r>
+            <a:endParaRPr lang="x-none" altLang="en-US">
+              <a:solidFill>
+                <a:srgbClr val="727272"/>
+              </a:solidFill>
+            </a:endParaRPr>
+          </a:p>
+        </p:txBody>
+      </p:sp>
+      <p:sp>
+        <p:nvSpPr>
+          <p:cNvPr id="14" name="Rounded Rectangle 13"/>
+          <p:cNvSpPr/>
+          <p:nvPr/>
+        </p:nvSpPr>
+        <p:spPr>
+          <a:xfrm>
+            <a:off x="8710930" y="2404110"/>
+            <a:ext cx="2398395" cy="463550"/>
+          </a:xfrm>
+          <a:prstGeom prst="roundRect">
+            <a:avLst/>
+          </a:prstGeom>
+          <a:noFill/>
+          <a:ln>
+            <a:solidFill>
+              <a:srgbClr val="4C4398"/>
+            </a:solidFill>
+          </a:ln>
+          <a:extLst>
+            <a:ext uri="{909E8E84-426E-40DD-AFC4-6F175D3DCCD1}">
+              <a14:hiddenFill xmlns:a14="http://schemas.microsoft.com/office/drawing/2010/main">
+                <a:solidFill>
+                  <a:schemeClr val="accent1"/>
+                </a:solidFill>
+              </a14:hiddenFill>
+            </a:ext>
+          </a:extLst>
+        </p:spPr>
+        <p:style>
+          <a:lnRef idx="2">
+            <a:schemeClr val="accent1">
+              <a:shade val="50000"/>
+            </a:schemeClr>
+          </a:lnRef>
+          <a:fillRef idx="1">
+            <a:schemeClr val="accent1"/>
+          </a:fillRef>
+          <a:effectRef idx="0">
+            <a:schemeClr val="accent1"/>
+          </a:effectRef>
+          <a:fontRef idx="minor">
+            <a:schemeClr val="lt1"/>
+          </a:fontRef>
+        </p:style>
+        <p:txBody>
+          <a:bodyPr rtlCol="0" anchor="ctr"/>
+          <a:p>
+            <a:pPr algn="ctr"/>
+            <a:r>
+              <a:rPr lang="x-none" altLang="en-US">
+                <a:solidFill>
+                  <a:srgbClr val="727272"/>
+                </a:solidFill>
+              </a:rPr>
+              <a:t>Bundle ClassLoader</a:t>
+            </a:r>
+            <a:endParaRPr lang="x-none" altLang="en-US">
+              <a:solidFill>
+                <a:srgbClr val="727272"/>
+              </a:solidFill>
+            </a:endParaRPr>
+          </a:p>
+        </p:txBody>
+      </p:sp>
+      <p:sp>
+        <p:nvSpPr>
+          <p:cNvPr id="15" name="Rounded Rectangle 14"/>
+          <p:cNvSpPr/>
+          <p:nvPr/>
+        </p:nvSpPr>
+        <p:spPr>
+          <a:xfrm>
+            <a:off x="9118600" y="4461510"/>
+            <a:ext cx="3070860" cy="463550"/>
+          </a:xfrm>
+          <a:prstGeom prst="roundRect">
+            <a:avLst/>
+          </a:prstGeom>
+          <a:noFill/>
+          <a:ln>
+            <a:solidFill>
+              <a:srgbClr val="4C4398"/>
+            </a:solidFill>
+          </a:ln>
+          <a:extLst>
+            <a:ext uri="{909E8E84-426E-40DD-AFC4-6F175D3DCCD1}">
+              <a14:hiddenFill xmlns:a14="http://schemas.microsoft.com/office/drawing/2010/main">
+                <a:solidFill>
+                  <a:schemeClr val="accent1"/>
+                </a:solidFill>
+              </a14:hiddenFill>
+            </a:ext>
+          </a:extLst>
+        </p:spPr>
+        <p:style>
+          <a:lnRef idx="2">
+            <a:schemeClr val="accent1">
+              <a:shade val="50000"/>
+            </a:schemeClr>
+          </a:lnRef>
+          <a:fillRef idx="1">
+            <a:schemeClr val="accent1"/>
+          </a:fillRef>
+          <a:effectRef idx="0">
+            <a:schemeClr val="accent1"/>
+          </a:effectRef>
+          <a:fontRef idx="minor">
+            <a:schemeClr val="lt1"/>
+          </a:fontRef>
+        </p:style>
+        <p:txBody>
+          <a:bodyPr rtlCol="0" anchor="ctr"/>
+          <a:p>
+            <a:pPr algn="ctr"/>
+            <a:r>
+              <a:rPr lang="x-none" altLang="en-US">
+                <a:solidFill>
+                  <a:srgbClr val="727272"/>
+                </a:solidFill>
+              </a:rPr>
+              <a:t>System Bundle ClassLoader</a:t>
+            </a:r>
+            <a:endParaRPr lang="x-none" altLang="en-US">
+              <a:solidFill>
+                <a:srgbClr val="727272"/>
+              </a:solidFill>
+            </a:endParaRPr>
+          </a:p>
+        </p:txBody>
+      </p:sp>
+      <p:sp>
+        <p:nvSpPr>
+          <p:cNvPr id="16" name="Rounded Rectangle 15"/>
+          <p:cNvSpPr/>
+          <p:nvPr/>
+        </p:nvSpPr>
+        <p:spPr>
+          <a:xfrm>
+            <a:off x="6565900" y="3648710"/>
+            <a:ext cx="3021330" cy="463550"/>
+          </a:xfrm>
+          <a:prstGeom prst="roundRect">
+            <a:avLst/>
+          </a:prstGeom>
+          <a:noFill/>
+          <a:ln>
+            <a:solidFill>
+              <a:srgbClr val="4C4398"/>
+            </a:solidFill>
+          </a:ln>
+          <a:extLst>
+            <a:ext uri="{909E8E84-426E-40DD-AFC4-6F175D3DCCD1}">
+              <a14:hiddenFill xmlns:a14="http://schemas.microsoft.com/office/drawing/2010/main">
+                <a:solidFill>
+                  <a:schemeClr val="accent1"/>
+                </a:solidFill>
+              </a14:hiddenFill>
+            </a:ext>
+          </a:extLst>
+        </p:spPr>
+        <p:style>
+          <a:lnRef idx="2">
+            <a:schemeClr val="accent1">
+              <a:shade val="50000"/>
+            </a:schemeClr>
+          </a:lnRef>
+          <a:fillRef idx="1">
+            <a:schemeClr val="accent1"/>
+          </a:fillRef>
+          <a:effectRef idx="0">
+            <a:schemeClr val="accent1"/>
+          </a:effectRef>
+          <a:fontRef idx="minor">
+            <a:schemeClr val="lt1"/>
+          </a:fontRef>
+        </p:style>
+        <p:txBody>
+          <a:bodyPr rtlCol="0" anchor="ctr"/>
+          <a:p>
+            <a:pPr algn="ctr"/>
+            <a:r>
+              <a:rPr lang="x-none" altLang="en-US">
+                <a:solidFill>
+                  <a:srgbClr val="727272"/>
+                </a:solidFill>
+              </a:rPr>
+              <a:t>Parent System ClassLoader</a:t>
+            </a:r>
+            <a:endParaRPr lang="x-none" altLang="en-US">
+              <a:solidFill>
+                <a:srgbClr val="727272"/>
+              </a:solidFill>
+            </a:endParaRPr>
+          </a:p>
+        </p:txBody>
+      </p:sp>
+      <p:cxnSp>
+        <p:nvCxnSpPr>
+          <p:cNvPr id="17" name="Straight Arrow Connector 16"/>
+          <p:cNvCxnSpPr>
+            <a:stCxn id="14" idx="1"/>
+            <a:endCxn id="13" idx="3"/>
+          </p:cNvCxnSpPr>
+          <p:nvPr/>
+        </p:nvCxnSpPr>
+        <p:spPr>
+          <a:xfrm flipH="1">
+            <a:off x="7413625" y="2635885"/>
+            <a:ext cx="1297305" cy="0"/>
+          </a:xfrm>
+          <a:prstGeom prst="straightConnector1">
+            <a:avLst/>
+          </a:prstGeom>
+          <a:ln>
+            <a:solidFill>
+              <a:srgbClr val="4C4398"/>
+            </a:solidFill>
+            <a:tailEnd type="arrow"/>
+          </a:ln>
+        </p:spPr>
+        <p:style>
+          <a:lnRef idx="1">
+            <a:schemeClr val="accent1"/>
+          </a:lnRef>
+          <a:fillRef idx="0">
+            <a:schemeClr val="accent1"/>
+          </a:fillRef>
+          <a:effectRef idx="0">
+            <a:schemeClr val="accent1"/>
+          </a:effectRef>
+          <a:fontRef idx="minor">
+            <a:schemeClr val="tx1"/>
+          </a:fontRef>
+        </p:style>
+      </p:cxnSp>
+      <p:cxnSp>
+        <p:nvCxnSpPr>
+          <p:cNvPr id="18" name="Straight Arrow Connector 17"/>
+          <p:cNvCxnSpPr>
+            <a:stCxn id="14" idx="2"/>
+            <a:endCxn id="16" idx="0"/>
+          </p:cNvCxnSpPr>
+          <p:nvPr/>
+        </p:nvCxnSpPr>
+        <p:spPr>
+          <a:xfrm flipH="1">
+            <a:off x="8076565" y="2867660"/>
+            <a:ext cx="1833880" cy="781050"/>
+          </a:xfrm>
+          <a:prstGeom prst="straightConnector1">
+            <a:avLst/>
+          </a:prstGeom>
+          <a:ln>
+            <a:solidFill>
+              <a:srgbClr val="4C4398"/>
+            </a:solidFill>
+            <a:tailEnd type="arrow"/>
+          </a:ln>
+        </p:spPr>
+        <p:style>
+          <a:lnRef idx="1">
+            <a:schemeClr val="accent1"/>
+          </a:lnRef>
+          <a:fillRef idx="0">
+            <a:schemeClr val="accent1"/>
+          </a:fillRef>
+          <a:effectRef idx="0">
+            <a:schemeClr val="accent1"/>
+          </a:effectRef>
+          <a:fontRef idx="minor">
+            <a:schemeClr val="tx1"/>
+          </a:fontRef>
+        </p:style>
+      </p:cxnSp>
+      <p:cxnSp>
+        <p:nvCxnSpPr>
+          <p:cNvPr id="19" name="Straight Arrow Connector 18"/>
+          <p:cNvCxnSpPr>
+            <a:stCxn id="14" idx="2"/>
+            <a:endCxn id="15" idx="0"/>
+          </p:cNvCxnSpPr>
+          <p:nvPr/>
+        </p:nvCxnSpPr>
+        <p:spPr>
+          <a:xfrm>
+            <a:off x="9910445" y="2867660"/>
+            <a:ext cx="743585" cy="1593850"/>
+          </a:xfrm>
+          <a:prstGeom prst="straightConnector1">
+            <a:avLst/>
+          </a:prstGeom>
+          <a:ln>
+            <a:solidFill>
+              <a:srgbClr val="4C4398"/>
+            </a:solidFill>
+            <a:tailEnd type="arrow"/>
+          </a:ln>
+        </p:spPr>
+        <p:style>
+          <a:lnRef idx="1">
+            <a:schemeClr val="accent1"/>
+          </a:lnRef>
+          <a:fillRef idx="0">
+            <a:schemeClr val="accent1"/>
+          </a:fillRef>
+          <a:effectRef idx="0">
+            <a:schemeClr val="accent1"/>
+          </a:effectRef>
+          <a:fontRef idx="minor">
+            <a:schemeClr val="tx1"/>
+          </a:fontRef>
+        </p:style>
+      </p:cxnSp>
+      <p:cxnSp>
+        <p:nvCxnSpPr>
+          <p:cNvPr id="20" name="Straight Arrow Connector 19"/>
+          <p:cNvCxnSpPr>
+            <a:stCxn id="13" idx="2"/>
+            <a:endCxn id="16" idx="0"/>
+          </p:cNvCxnSpPr>
+          <p:nvPr/>
+        </p:nvCxnSpPr>
+        <p:spPr>
+          <a:xfrm>
+            <a:off x="6214745" y="2867660"/>
+            <a:ext cx="1861820" cy="781050"/>
+          </a:xfrm>
+          <a:prstGeom prst="straightConnector1">
+            <a:avLst/>
+          </a:prstGeom>
+          <a:ln>
+            <a:solidFill>
+              <a:srgbClr val="4C4398"/>
+            </a:solidFill>
+            <a:tailEnd type="arrow"/>
+          </a:ln>
+        </p:spPr>
+        <p:style>
+          <a:lnRef idx="1">
+            <a:schemeClr val="accent1"/>
+          </a:lnRef>
+          <a:fillRef idx="0">
+            <a:schemeClr val="accent1"/>
+          </a:fillRef>
+          <a:effectRef idx="0">
+            <a:schemeClr val="accent1"/>
+          </a:effectRef>
+          <a:fontRef idx="minor">
+            <a:schemeClr val="tx1"/>
+          </a:fontRef>
+        </p:style>
+      </p:cxnSp>
+      <p:cxnSp>
+        <p:nvCxnSpPr>
+          <p:cNvPr id="21" name="Straight Arrow Connector 20"/>
+          <p:cNvCxnSpPr>
+            <a:stCxn id="13" idx="2"/>
+            <a:endCxn id="12" idx="0"/>
+          </p:cNvCxnSpPr>
+          <p:nvPr/>
+        </p:nvCxnSpPr>
+        <p:spPr>
+          <a:xfrm>
+            <a:off x="6214745" y="2867660"/>
+            <a:ext cx="203200" cy="2762250"/>
+          </a:xfrm>
+          <a:prstGeom prst="straightConnector1">
+            <a:avLst/>
+          </a:prstGeom>
+          <a:ln>
+            <a:solidFill>
+              <a:srgbClr val="4C4398"/>
+            </a:solidFill>
+            <a:tailEnd type="arrow"/>
+          </a:ln>
+        </p:spPr>
+        <p:style>
+          <a:lnRef idx="1">
+            <a:schemeClr val="accent1"/>
+          </a:lnRef>
+          <a:fillRef idx="0">
+            <a:schemeClr val="accent1"/>
+          </a:fillRef>
+          <a:effectRef idx="0">
+            <a:schemeClr val="accent1"/>
+          </a:effectRef>
+          <a:fontRef idx="minor">
+            <a:schemeClr val="tx1"/>
+          </a:fontRef>
+        </p:style>
+      </p:cxnSp>
+      <p:cxnSp>
+        <p:nvCxnSpPr>
+          <p:cNvPr id="22" name="Straight Arrow Connector 21"/>
+          <p:cNvCxnSpPr>
+            <a:stCxn id="12" idx="0"/>
+            <a:endCxn id="16" idx="2"/>
+          </p:cNvCxnSpPr>
+          <p:nvPr/>
+        </p:nvCxnSpPr>
+        <p:spPr>
+          <a:xfrm flipV="1">
+            <a:off x="6417945" y="4112260"/>
+            <a:ext cx="1658620" cy="1517650"/>
+          </a:xfrm>
+          <a:prstGeom prst="straightConnector1">
+            <a:avLst/>
+          </a:prstGeom>
+          <a:ln>
+            <a:solidFill>
+              <a:srgbClr val="4C4398"/>
+            </a:solidFill>
+            <a:tailEnd type="arrow"/>
+          </a:ln>
+        </p:spPr>
+        <p:style>
+          <a:lnRef idx="1">
+            <a:schemeClr val="accent1"/>
+          </a:lnRef>
+          <a:fillRef idx="0">
+            <a:schemeClr val="accent1"/>
+          </a:fillRef>
+          <a:effectRef idx="0">
+            <a:schemeClr val="accent1"/>
+          </a:effectRef>
+          <a:fontRef idx="minor">
+            <a:schemeClr val="tx1"/>
+          </a:fontRef>
+        </p:style>
+      </p:cxnSp>
+      <p:cxnSp>
+        <p:nvCxnSpPr>
+          <p:cNvPr id="23" name="Straight Arrow Connector 22"/>
+          <p:cNvCxnSpPr>
+            <a:stCxn id="11" idx="1"/>
+            <a:endCxn id="12" idx="3"/>
+          </p:cNvCxnSpPr>
+          <p:nvPr/>
+        </p:nvCxnSpPr>
+        <p:spPr>
+          <a:xfrm flipH="1" flipV="1">
+            <a:off x="7616825" y="5861685"/>
+            <a:ext cx="992505" cy="12700"/>
+          </a:xfrm>
+          <a:prstGeom prst="straightConnector1">
+            <a:avLst/>
+          </a:prstGeom>
+          <a:ln>
+            <a:solidFill>
+              <a:srgbClr val="4C4398"/>
+            </a:solidFill>
+            <a:tailEnd type="arrow"/>
+          </a:ln>
+        </p:spPr>
+        <p:style>
+          <a:lnRef idx="1">
+            <a:schemeClr val="accent1"/>
+          </a:lnRef>
+          <a:fillRef idx="0">
+            <a:schemeClr val="accent1"/>
+          </a:fillRef>
+          <a:effectRef idx="0">
+            <a:schemeClr val="accent1"/>
+          </a:effectRef>
+          <a:fontRef idx="minor">
+            <a:schemeClr val="tx1"/>
+          </a:fontRef>
+        </p:style>
+      </p:cxnSp>
+      <p:cxnSp>
+        <p:nvCxnSpPr>
+          <p:cNvPr id="24" name="Straight Arrow Connector 23"/>
+          <p:cNvCxnSpPr>
+            <a:stCxn id="11" idx="0"/>
+            <a:endCxn id="16" idx="2"/>
+          </p:cNvCxnSpPr>
+          <p:nvPr/>
+        </p:nvCxnSpPr>
+        <p:spPr>
+          <a:xfrm flipH="1" flipV="1">
+            <a:off x="8076565" y="4112260"/>
+            <a:ext cx="1732280" cy="1530350"/>
+          </a:xfrm>
+          <a:prstGeom prst="straightConnector1">
+            <a:avLst/>
+          </a:prstGeom>
+          <a:ln>
+            <a:solidFill>
+              <a:srgbClr val="4C4398"/>
+            </a:solidFill>
+            <a:tailEnd type="arrow"/>
+          </a:ln>
+        </p:spPr>
+        <p:style>
+          <a:lnRef idx="1">
+            <a:schemeClr val="accent1"/>
+          </a:lnRef>
+          <a:fillRef idx="0">
+            <a:schemeClr val="accent1"/>
+          </a:fillRef>
+          <a:effectRef idx="0">
+            <a:schemeClr val="accent1"/>
+          </a:effectRef>
+          <a:fontRef idx="minor">
+            <a:schemeClr val="tx1"/>
+          </a:fontRef>
+        </p:style>
+      </p:cxnSp>
+      <p:cxnSp>
+        <p:nvCxnSpPr>
+          <p:cNvPr id="25" name="Straight Arrow Connector 24"/>
+          <p:cNvCxnSpPr>
+            <a:stCxn id="11" idx="0"/>
+            <a:endCxn id="15" idx="2"/>
+          </p:cNvCxnSpPr>
+          <p:nvPr/>
+        </p:nvCxnSpPr>
+        <p:spPr>
+          <a:xfrm flipV="1">
+            <a:off x="9808845" y="4925060"/>
+            <a:ext cx="845185" cy="717550"/>
+          </a:xfrm>
+          <a:prstGeom prst="straightConnector1">
+            <a:avLst/>
+          </a:prstGeom>
+          <a:ln>
+            <a:solidFill>
+              <a:srgbClr val="4C4398"/>
+            </a:solidFill>
+            <a:tailEnd type="arrow"/>
+          </a:ln>
+        </p:spPr>
+        <p:style>
+          <a:lnRef idx="1">
+            <a:schemeClr val="accent1"/>
+          </a:lnRef>
+          <a:fillRef idx="0">
+            <a:schemeClr val="accent1"/>
+          </a:fillRef>
+          <a:effectRef idx="0">
+            <a:schemeClr val="accent1"/>
+          </a:effectRef>
+          <a:fontRef idx="minor">
+            <a:schemeClr val="tx1"/>
+          </a:fontRef>
+        </p:style>
+      </p:cxnSp>
+      <p:cxnSp>
+        <p:nvCxnSpPr>
+          <p:cNvPr id="26" name="Straight Arrow Connector 25"/>
+          <p:cNvCxnSpPr>
+            <a:stCxn id="11" idx="0"/>
+            <a:endCxn id="14" idx="2"/>
+          </p:cNvCxnSpPr>
+          <p:nvPr/>
+        </p:nvCxnSpPr>
+        <p:spPr>
+          <a:xfrm flipV="1">
+            <a:off x="9808845" y="2867660"/>
+            <a:ext cx="101600" cy="2774950"/>
+          </a:xfrm>
+          <a:prstGeom prst="straightConnector1">
+            <a:avLst/>
+          </a:prstGeom>
+          <a:ln>
+            <a:solidFill>
+              <a:srgbClr val="4C4398"/>
+            </a:solidFill>
+            <a:tailEnd type="arrow"/>
+          </a:ln>
+        </p:spPr>
+        <p:style>
+          <a:lnRef idx="1">
+            <a:schemeClr val="accent1"/>
+          </a:lnRef>
+          <a:fillRef idx="0">
+            <a:schemeClr val="accent1"/>
+          </a:fillRef>
+          <a:effectRef idx="0">
+            <a:schemeClr val="accent1"/>
+          </a:effectRef>
+          <a:fontRef idx="minor">
+            <a:schemeClr val="tx1"/>
+          </a:fontRef>
+        </p:style>
+      </p:cxnSp>
     </p:spTree>
   </p:cSld>
   <p:clrMapOvr>
@@ -11381,7 +12381,7 @@
                             </p:stCondLst>
                             <p:childTnLst>
                               <p:par>
-                                <p:cTn id="10" presetID="3" presetClass="entr" presetSubtype="10" fill="hold" nodeType="clickEffect">
+                                <p:cTn id="10" presetID="6" presetClass="entr" presetSubtype="16" fill="hold" grpId="1" nodeType="clickEffect">
                                   <p:stCondLst>
                                     <p:cond delay="0"/>
                                   </p:stCondLst>
@@ -11394,7 +12394,7 @@
                                           </p:stCondLst>
                                         </p:cTn>
                                         <p:tgtEl>
-                                          <p:spTgt spid="1026"/>
+                                          <p:spTgt spid="5"/>
                                         </p:tgtEl>
                                         <p:attrNameLst>
                                           <p:attrName>style.visibility</p:attrName>
@@ -11404,11 +12404,169 @@
                                         <p:strVal val="visible"/>
                                       </p:to>
                                     </p:set>
-                                    <p:animEffect transition="in" filter="blinds(horizontal)">
+                                    <p:animEffect transition="in" filter="circle(in)">
                                       <p:cBhvr>
                                         <p:cTn id="12" dur="500"/>
                                         <p:tgtEl>
-                                          <p:spTgt spid="1026"/>
+                                          <p:spTgt spid="5"/>
+                                        </p:tgtEl>
+                                      </p:cBhvr>
+                                    </p:animEffect>
+                                  </p:childTnLst>
+                                </p:cTn>
+                              </p:par>
+                            </p:childTnLst>
+                          </p:cTn>
+                        </p:par>
+                        <p:par>
+                          <p:cTn id="13" fill="hold">
+                            <p:stCondLst>
+                              <p:cond delay="500"/>
+                            </p:stCondLst>
+                            <p:childTnLst>
+                              <p:par>
+                                <p:cTn id="14" presetID="6" presetClass="entr" presetSubtype="16" fill="hold" grpId="1" nodeType="afterEffect">
+                                  <p:stCondLst>
+                                    <p:cond delay="0"/>
+                                  </p:stCondLst>
+                                  <p:childTnLst>
+                                    <p:set>
+                                      <p:cBhvr>
+                                        <p:cTn id="15" dur="1" fill="hold">
+                                          <p:stCondLst>
+                                            <p:cond delay="0"/>
+                                          </p:stCondLst>
+                                        </p:cTn>
+                                        <p:tgtEl>
+                                          <p:spTgt spid="7"/>
+                                        </p:tgtEl>
+                                        <p:attrNameLst>
+                                          <p:attrName>style.visibility</p:attrName>
+                                        </p:attrNameLst>
+                                      </p:cBhvr>
+                                      <p:to>
+                                        <p:strVal val="visible"/>
+                                      </p:to>
+                                    </p:set>
+                                    <p:animEffect transition="in" filter="circle(in)">
+                                      <p:cBhvr>
+                                        <p:cTn id="16" dur="500"/>
+                                        <p:tgtEl>
+                                          <p:spTgt spid="7"/>
+                                        </p:tgtEl>
+                                      </p:cBhvr>
+                                    </p:animEffect>
+                                  </p:childTnLst>
+                                </p:cTn>
+                              </p:par>
+                            </p:childTnLst>
+                          </p:cTn>
+                        </p:par>
+                        <p:par>
+                          <p:cTn id="17" fill="hold">
+                            <p:stCondLst>
+                              <p:cond delay="1000"/>
+                            </p:stCondLst>
+                            <p:childTnLst>
+                              <p:par>
+                                <p:cTn id="18" presetID="6" presetClass="entr" presetSubtype="16" fill="hold" grpId="1" nodeType="afterEffect">
+                                  <p:stCondLst>
+                                    <p:cond delay="0"/>
+                                  </p:stCondLst>
+                                  <p:childTnLst>
+                                    <p:set>
+                                      <p:cBhvr>
+                                        <p:cTn id="19" dur="1" fill="hold">
+                                          <p:stCondLst>
+                                            <p:cond delay="0"/>
+                                          </p:stCondLst>
+                                        </p:cTn>
+                                        <p:tgtEl>
+                                          <p:spTgt spid="8"/>
+                                        </p:tgtEl>
+                                        <p:attrNameLst>
+                                          <p:attrName>style.visibility</p:attrName>
+                                        </p:attrNameLst>
+                                      </p:cBhvr>
+                                      <p:to>
+                                        <p:strVal val="visible"/>
+                                      </p:to>
+                                    </p:set>
+                                    <p:animEffect transition="in" filter="circle(in)">
+                                      <p:cBhvr>
+                                        <p:cTn id="20" dur="500"/>
+                                        <p:tgtEl>
+                                          <p:spTgt spid="8"/>
+                                        </p:tgtEl>
+                                      </p:cBhvr>
+                                    </p:animEffect>
+                                  </p:childTnLst>
+                                </p:cTn>
+                              </p:par>
+                              <p:par>
+                                <p:cTn id="21" presetID="6" presetClass="entr" presetSubtype="16" fill="hold" nodeType="withEffect">
+                                  <p:stCondLst>
+                                    <p:cond delay="0"/>
+                                  </p:stCondLst>
+                                  <p:childTnLst>
+                                    <p:set>
+                                      <p:cBhvr>
+                                        <p:cTn id="22" dur="1" fill="hold">
+                                          <p:stCondLst>
+                                            <p:cond delay="0"/>
+                                          </p:stCondLst>
+                                        </p:cTn>
+                                        <p:tgtEl>
+                                          <p:spTgt spid="9"/>
+                                        </p:tgtEl>
+                                        <p:attrNameLst>
+                                          <p:attrName>style.visibility</p:attrName>
+                                        </p:attrNameLst>
+                                      </p:cBhvr>
+                                      <p:to>
+                                        <p:strVal val="visible"/>
+                                      </p:to>
+                                    </p:set>
+                                    <p:animEffect transition="in" filter="circle(in)">
+                                      <p:cBhvr>
+                                        <p:cTn id="23" dur="500"/>
+                                        <p:tgtEl>
+                                          <p:spTgt spid="9"/>
+                                        </p:tgtEl>
+                                      </p:cBhvr>
+                                    </p:animEffect>
+                                  </p:childTnLst>
+                                </p:cTn>
+                              </p:par>
+                              <p:par>
+                                <p:cTn id="24" presetID="6" presetClass="entr" presetSubtype="16" fill="hold" nodeType="withEffect">
+                                  <p:stCondLst>
+                                    <p:cond delay="0"/>
+                                  </p:stCondLst>
+                                  <p:childTnLst>
+                                    <p:set>
+                                      <p:cBhvr>
+                                        <p:cTn id="25" dur="1" fill="hold">
+                                          <p:stCondLst>
+                                            <p:cond delay="0"/>
+                                          </p:stCondLst>
+                                        </p:cTn>
+                                        <p:tgtEl>
+                                          <p:spTgt spid="10"/>
+                                        </p:tgtEl>
+                                        <p:attrNameLst>
+                                          <p:attrName>style.visibility</p:attrName>
+                                        </p:attrNameLst>
+                                      </p:cBhvr>
+                                      <p:to>
+                                        <p:strVal val="visible"/>
+                                      </p:to>
+                                    </p:set>
+                                    <p:animEffect transition="in" filter="circle(in)">
+                                      <p:cBhvr>
+                                        <p:cTn id="26" dur="500"/>
+                                        <p:tgtEl>
+                                          <p:spTgt spid="10"/>
                                         </p:tgtEl>
                                       </p:cBhvr>
                                     </p:animEffect>
@@ -11422,32 +12580,32 @@
                     </p:cTn>
                   </p:par>
                   <p:par>
-                    <p:cTn id="13" fill="hold">
+                    <p:cTn id="27" fill="hold">
                       <p:stCondLst>
                         <p:cond delay="indefinite"/>
                       </p:stCondLst>
                       <p:childTnLst>
                         <p:par>
-                          <p:cTn id="14" fill="hold">
+                          <p:cTn id="28" fill="hold">
                             <p:stCondLst>
                               <p:cond delay="0"/>
                             </p:stCondLst>
                             <p:childTnLst>
                               <p:par>
-                                <p:cTn id="15" presetID="3" presetClass="entr" presetSubtype="10" fill="hold" nodeType="clickEffect">
+                                <p:cTn id="29" presetID="6" presetClass="entr" presetSubtype="16" fill="hold" grpId="1" nodeType="clickEffect">
                                   <p:stCondLst>
                                     <p:cond delay="0"/>
                                   </p:stCondLst>
                                   <p:childTnLst>
                                     <p:set>
                                       <p:cBhvr>
-                                        <p:cTn id="16" dur="1" fill="hold">
+                                        <p:cTn id="30" dur="1" fill="hold">
                                           <p:stCondLst>
                                             <p:cond delay="0"/>
                                           </p:stCondLst>
                                         </p:cTn>
                                         <p:tgtEl>
-                                          <p:spTgt spid="4"/>
+                                          <p:spTgt spid="13"/>
                                         </p:tgtEl>
                                         <p:attrNameLst>
                                           <p:attrName>style.visibility</p:attrName>
@@ -11457,11 +12615,545 @@
                                         <p:strVal val="visible"/>
                                       </p:to>
                                     </p:set>
-                                    <p:animEffect transition="in" filter="blinds(horizontal)">
-                                      <p:cBhvr>
-                                        <p:cTn id="17" dur="500"/>
-                                        <p:tgtEl>
-                                          <p:spTgt spid="4"/>
+                                    <p:animEffect transition="in" filter="circle(in)">
+                                      <p:cBhvr>
+                                        <p:cTn id="31" dur="500"/>
+                                        <p:tgtEl>
+                                          <p:spTgt spid="13"/>
+                                        </p:tgtEl>
+                                      </p:cBhvr>
+                                    </p:animEffect>
+                                  </p:childTnLst>
+                                </p:cTn>
+                              </p:par>
+                              <p:par>
+                                <p:cTn id="32" presetID="6" presetClass="entr" presetSubtype="16" fill="hold" grpId="1" nodeType="withEffect">
+                                  <p:stCondLst>
+                                    <p:cond delay="0"/>
+                                  </p:stCondLst>
+                                  <p:childTnLst>
+                                    <p:set>
+                                      <p:cBhvr>
+                                        <p:cTn id="33" dur="1" fill="hold">
+                                          <p:stCondLst>
+                                            <p:cond delay="0"/>
+                                          </p:stCondLst>
+                                        </p:cTn>
+                                        <p:tgtEl>
+                                          <p:spTgt spid="11"/>
+                                        </p:tgtEl>
+                                        <p:attrNameLst>
+                                          <p:attrName>style.visibility</p:attrName>
+                                        </p:attrNameLst>
+                                      </p:cBhvr>
+                                      <p:to>
+                                        <p:strVal val="visible"/>
+                                      </p:to>
+                                    </p:set>
+                                    <p:animEffect transition="in" filter="circle(in)">
+                                      <p:cBhvr>
+                                        <p:cTn id="34" dur="500"/>
+                                        <p:tgtEl>
+                                          <p:spTgt spid="11"/>
+                                        </p:tgtEl>
+                                      </p:cBhvr>
+                                    </p:animEffect>
+                                  </p:childTnLst>
+                                </p:cTn>
+                              </p:par>
+                              <p:par>
+                                <p:cTn id="35" presetID="6" presetClass="entr" presetSubtype="16" fill="hold" grpId="1" nodeType="withEffect">
+                                  <p:stCondLst>
+                                    <p:cond delay="0"/>
+                                  </p:stCondLst>
+                                  <p:childTnLst>
+                                    <p:set>
+                                      <p:cBhvr>
+                                        <p:cTn id="36" dur="1" fill="hold">
+                                          <p:stCondLst>
+                                            <p:cond delay="0"/>
+                                          </p:stCondLst>
+                                        </p:cTn>
+                                        <p:tgtEl>
+                                          <p:spTgt spid="12"/>
+                                        </p:tgtEl>
+                                        <p:attrNameLst>
+                                          <p:attrName>style.visibility</p:attrName>
+                                        </p:attrNameLst>
+                                      </p:cBhvr>
+                                      <p:to>
+                                        <p:strVal val="visible"/>
+                                      </p:to>
+                                    </p:set>
+                                    <p:animEffect transition="in" filter="circle(in)">
+                                      <p:cBhvr>
+                                        <p:cTn id="37" dur="500"/>
+                                        <p:tgtEl>
+                                          <p:spTgt spid="12"/>
+                                        </p:tgtEl>
+                                      </p:cBhvr>
+                                    </p:animEffect>
+                                  </p:childTnLst>
+                                </p:cTn>
+                              </p:par>
+                              <p:par>
+                                <p:cTn id="38" presetID="6" presetClass="entr" presetSubtype="16" fill="hold" grpId="1" nodeType="withEffect">
+                                  <p:stCondLst>
+                                    <p:cond delay="0"/>
+                                  </p:stCondLst>
+                                  <p:childTnLst>
+                                    <p:set>
+                                      <p:cBhvr>
+                                        <p:cTn id="39" dur="1" fill="hold">
+                                          <p:stCondLst>
+                                            <p:cond delay="0"/>
+                                          </p:stCondLst>
+                                        </p:cTn>
+                                        <p:tgtEl>
+                                          <p:spTgt spid="14"/>
+                                        </p:tgtEl>
+                                        <p:attrNameLst>
+                                          <p:attrName>style.visibility</p:attrName>
+                                        </p:attrNameLst>
+                                      </p:cBhvr>
+                                      <p:to>
+                                        <p:strVal val="visible"/>
+                                      </p:to>
+                                    </p:set>
+                                    <p:animEffect transition="in" filter="circle(in)">
+                                      <p:cBhvr>
+                                        <p:cTn id="40" dur="500"/>
+                                        <p:tgtEl>
+                                          <p:spTgt spid="14"/>
+                                        </p:tgtEl>
+                                      </p:cBhvr>
+                                    </p:animEffect>
+                                  </p:childTnLst>
+                                </p:cTn>
+                              </p:par>
+                              <p:par>
+                                <p:cTn id="41" presetID="6" presetClass="entr" presetSubtype="16" fill="hold" grpId="1" nodeType="withEffect">
+                                  <p:stCondLst>
+                                    <p:cond delay="0"/>
+                                  </p:stCondLst>
+                                  <p:childTnLst>
+                                    <p:set>
+                                      <p:cBhvr>
+                                        <p:cTn id="42" dur="1" fill="hold">
+                                          <p:stCondLst>
+                                            <p:cond delay="0"/>
+                                          </p:stCondLst>
+                                        </p:cTn>
+                                        <p:tgtEl>
+                                          <p:spTgt spid="15"/>
+                                        </p:tgtEl>
+                                        <p:attrNameLst>
+                                          <p:attrName>style.visibility</p:attrName>
+                                        </p:attrNameLst>
+                                      </p:cBhvr>
+                                      <p:to>
+                                        <p:strVal val="visible"/>
+                                      </p:to>
+                                    </p:set>
+                                    <p:animEffect transition="in" filter="circle(in)">
+                                      <p:cBhvr>
+                                        <p:cTn id="43" dur="500"/>
+                                        <p:tgtEl>
+                                          <p:spTgt spid="15"/>
+                                        </p:tgtEl>
+                                      </p:cBhvr>
+                                    </p:animEffect>
+                                  </p:childTnLst>
+                                </p:cTn>
+                              </p:par>
+                              <p:par>
+                                <p:cTn id="44" presetID="6" presetClass="entr" presetSubtype="16" fill="hold" grpId="1" nodeType="withEffect">
+                                  <p:stCondLst>
+                                    <p:cond delay="0"/>
+                                  </p:stCondLst>
+                                  <p:childTnLst>
+                                    <p:set>
+                                      <p:cBhvr>
+                                        <p:cTn id="45" dur="1" fill="hold">
+                                          <p:stCondLst>
+                                            <p:cond delay="0"/>
+                                          </p:stCondLst>
+                                        </p:cTn>
+                                        <p:tgtEl>
+                                          <p:spTgt spid="16"/>
+                                        </p:tgtEl>
+                                        <p:attrNameLst>
+                                          <p:attrName>style.visibility</p:attrName>
+                                        </p:attrNameLst>
+                                      </p:cBhvr>
+                                      <p:to>
+                                        <p:strVal val="visible"/>
+                                      </p:to>
+                                    </p:set>
+                                    <p:animEffect transition="in" filter="circle(in)">
+                                      <p:cBhvr>
+                                        <p:cTn id="46" dur="500"/>
+                                        <p:tgtEl>
+                                          <p:spTgt spid="16"/>
+                                        </p:tgtEl>
+                                      </p:cBhvr>
+                                    </p:animEffect>
+                                  </p:childTnLst>
+                                </p:cTn>
+                              </p:par>
+                            </p:childTnLst>
+                          </p:cTn>
+                        </p:par>
+                        <p:par>
+                          <p:cTn id="47" fill="hold">
+                            <p:stCondLst>
+                              <p:cond delay="500"/>
+                            </p:stCondLst>
+                            <p:childTnLst>
+                              <p:par>
+                                <p:cTn id="48" presetID="6" presetClass="entr" presetSubtype="16" fill="hold" nodeType="afterEffect">
+                                  <p:stCondLst>
+                                    <p:cond delay="0"/>
+                                  </p:stCondLst>
+                                  <p:childTnLst>
+                                    <p:set>
+                                      <p:cBhvr>
+                                        <p:cTn id="49" dur="1" fill="hold">
+                                          <p:stCondLst>
+                                            <p:cond delay="0"/>
+                                          </p:stCondLst>
+                                        </p:cTn>
+                                        <p:tgtEl>
+                                          <p:spTgt spid="21"/>
+                                        </p:tgtEl>
+                                        <p:attrNameLst>
+                                          <p:attrName>style.visibility</p:attrName>
+                                        </p:attrNameLst>
+                                      </p:cBhvr>
+                                      <p:to>
+                                        <p:strVal val="visible"/>
+                                      </p:to>
+                                    </p:set>
+                                    <p:animEffect transition="in" filter="circle(in)">
+                                      <p:cBhvr>
+                                        <p:cTn id="50" dur="500"/>
+                                        <p:tgtEl>
+                                          <p:spTgt spid="21"/>
+                                        </p:tgtEl>
+                                      </p:cBhvr>
+                                    </p:animEffect>
+                                  </p:childTnLst>
+                                </p:cTn>
+                              </p:par>
+                              <p:par>
+                                <p:cTn id="51" presetID="6" presetClass="entr" presetSubtype="16" fill="hold" nodeType="withEffect">
+                                  <p:stCondLst>
+                                    <p:cond delay="0"/>
+                                  </p:stCondLst>
+                                  <p:childTnLst>
+                                    <p:set>
+                                      <p:cBhvr>
+                                        <p:cTn id="52" dur="1" fill="hold">
+                                          <p:stCondLst>
+                                            <p:cond delay="0"/>
+                                          </p:stCondLst>
+                                        </p:cTn>
+                                        <p:tgtEl>
+                                          <p:spTgt spid="22"/>
+                                        </p:tgtEl>
+                                        <p:attrNameLst>
+                                          <p:attrName>style.visibility</p:attrName>
+                                        </p:attrNameLst>
+                                      </p:cBhvr>
+                                      <p:to>
+                                        <p:strVal val="visible"/>
+                                      </p:to>
+                                    </p:set>
+                                    <p:animEffect transition="in" filter="circle(in)">
+                                      <p:cBhvr>
+                                        <p:cTn id="53" dur="500"/>
+                                        <p:tgtEl>
+                                          <p:spTgt spid="22"/>
+                                        </p:tgtEl>
+                                      </p:cBhvr>
+                                    </p:animEffect>
+                                  </p:childTnLst>
+                                </p:cTn>
+                              </p:par>
+                              <p:par>
+                                <p:cTn id="54" presetID="6" presetClass="entr" presetSubtype="16" fill="hold" nodeType="withEffect">
+                                  <p:stCondLst>
+                                    <p:cond delay="0"/>
+                                  </p:stCondLst>
+                                  <p:childTnLst>
+                                    <p:set>
+                                      <p:cBhvr>
+                                        <p:cTn id="55" dur="1" fill="hold">
+                                          <p:stCondLst>
+                                            <p:cond delay="0"/>
+                                          </p:stCondLst>
+                                        </p:cTn>
+                                        <p:tgtEl>
+                                          <p:spTgt spid="20"/>
+                                        </p:tgtEl>
+                                        <p:attrNameLst>
+                                          <p:attrName>style.visibility</p:attrName>
+                                        </p:attrNameLst>
+                                      </p:cBhvr>
+                                      <p:to>
+                                        <p:strVal val="visible"/>
+                                      </p:to>
+                                    </p:set>
+                                    <p:animEffect transition="in" filter="circle(in)">
+                                      <p:cBhvr>
+                                        <p:cTn id="56" dur="500"/>
+                                        <p:tgtEl>
+                                          <p:spTgt spid="20"/>
+                                        </p:tgtEl>
+                                      </p:cBhvr>
+                                    </p:animEffect>
+                                  </p:childTnLst>
+                                </p:cTn>
+                              </p:par>
+                              <p:par>
+                                <p:cTn id="57" presetID="6" presetClass="entr" presetSubtype="16" fill="hold" nodeType="withEffect">
+                                  <p:stCondLst>
+                                    <p:cond delay="0"/>
+                                  </p:stCondLst>
+                                  <p:childTnLst>
+                                    <p:set>
+                                      <p:cBhvr>
+                                        <p:cTn id="58" dur="1" fill="hold">
+                                          <p:stCondLst>
+                                            <p:cond delay="0"/>
+                                          </p:stCondLst>
+                                        </p:cTn>
+                                        <p:tgtEl>
+                                          <p:spTgt spid="17"/>
+                                        </p:tgtEl>
+                                        <p:attrNameLst>
+                                          <p:attrName>style.visibility</p:attrName>
+                                        </p:attrNameLst>
+                                      </p:cBhvr>
+                                      <p:to>
+                                        <p:strVal val="visible"/>
+                                      </p:to>
+                                    </p:set>
+                                    <p:animEffect transition="in" filter="circle(in)">
+                                      <p:cBhvr>
+                                        <p:cTn id="59" dur="500"/>
+                                        <p:tgtEl>
+                                          <p:spTgt spid="17"/>
+                                        </p:tgtEl>
+                                      </p:cBhvr>
+                                    </p:animEffect>
+                                  </p:childTnLst>
+                                </p:cTn>
+                              </p:par>
+                              <p:par>
+                                <p:cTn id="60" presetID="6" presetClass="entr" presetSubtype="16" fill="hold" nodeType="withEffect">
+                                  <p:stCondLst>
+                                    <p:cond delay="0"/>
+                                  </p:stCondLst>
+                                  <p:childTnLst>
+                                    <p:set>
+                                      <p:cBhvr>
+                                        <p:cTn id="61" dur="1" fill="hold">
+                                          <p:stCondLst>
+                                            <p:cond delay="0"/>
+                                          </p:stCondLst>
+                                        </p:cTn>
+                                        <p:tgtEl>
+                                          <p:spTgt spid="18"/>
+                                        </p:tgtEl>
+                                        <p:attrNameLst>
+                                          <p:attrName>style.visibility</p:attrName>
+                                        </p:attrNameLst>
+                                      </p:cBhvr>
+                                      <p:to>
+                                        <p:strVal val="visible"/>
+                                      </p:to>
+                                    </p:set>
+                                    <p:animEffect transition="in" filter="circle(in)">
+                                      <p:cBhvr>
+                                        <p:cTn id="62" dur="500"/>
+                                        <p:tgtEl>
+                                          <p:spTgt spid="18"/>
+                                        </p:tgtEl>
+                                      </p:cBhvr>
+                                    </p:animEffect>
+                                  </p:childTnLst>
+                                </p:cTn>
+                              </p:par>
+                              <p:par>
+                                <p:cTn id="63" presetID="6" presetClass="entr" presetSubtype="16" fill="hold" nodeType="withEffect">
+                                  <p:stCondLst>
+                                    <p:cond delay="0"/>
+                                  </p:stCondLst>
+                                  <p:childTnLst>
+                                    <p:set>
+                                      <p:cBhvr>
+                                        <p:cTn id="64" dur="1" fill="hold">
+                                          <p:stCondLst>
+                                            <p:cond delay="0"/>
+                                          </p:stCondLst>
+                                        </p:cTn>
+                                        <p:tgtEl>
+                                          <p:spTgt spid="26"/>
+                                        </p:tgtEl>
+                                        <p:attrNameLst>
+                                          <p:attrName>style.visibility</p:attrName>
+                                        </p:attrNameLst>
+                                      </p:cBhvr>
+                                      <p:to>
+                                        <p:strVal val="visible"/>
+                                      </p:to>
+                                    </p:set>
+                                    <p:animEffect transition="in" filter="circle(in)">
+                                      <p:cBhvr>
+                                        <p:cTn id="65" dur="500"/>
+                                        <p:tgtEl>
+                                          <p:spTgt spid="26"/>
+                                        </p:tgtEl>
+                                      </p:cBhvr>
+                                    </p:animEffect>
+                                  </p:childTnLst>
+                                </p:cTn>
+                              </p:par>
+                              <p:par>
+                                <p:cTn id="66" presetID="6" presetClass="entr" presetSubtype="16" fill="hold" nodeType="withEffect">
+                                  <p:stCondLst>
+                                    <p:cond delay="0"/>
+                                  </p:stCondLst>
+                                  <p:childTnLst>
+                                    <p:set>
+                                      <p:cBhvr>
+                                        <p:cTn id="67" dur="1" fill="hold">
+                                          <p:stCondLst>
+                                            <p:cond delay="0"/>
+                                          </p:stCondLst>
+                                        </p:cTn>
+                                        <p:tgtEl>
+                                          <p:spTgt spid="19"/>
+                                        </p:tgtEl>
+                                        <p:attrNameLst>
+                                          <p:attrName>style.visibility</p:attrName>
+                                        </p:attrNameLst>
+                                      </p:cBhvr>
+                                      <p:to>
+                                        <p:strVal val="visible"/>
+                                      </p:to>
+                                    </p:set>
+                                    <p:animEffect transition="in" filter="circle(in)">
+                                      <p:cBhvr>
+                                        <p:cTn id="68" dur="500"/>
+                                        <p:tgtEl>
+                                          <p:spTgt spid="19"/>
+                                        </p:tgtEl>
+                                      </p:cBhvr>
+                                    </p:animEffect>
+                                  </p:childTnLst>
+                                </p:cTn>
+                              </p:par>
+                              <p:par>
+                                <p:cTn id="69" presetID="6" presetClass="entr" presetSubtype="16" fill="hold" nodeType="withEffect">
+                                  <p:stCondLst>
+                                    <p:cond delay="0"/>
+                                  </p:stCondLst>
+                                  <p:childTnLst>
+                                    <p:set>
+                                      <p:cBhvr>
+                                        <p:cTn id="70" dur="1" fill="hold">
+                                          <p:stCondLst>
+                                            <p:cond delay="0"/>
+                                          </p:stCondLst>
+                                        </p:cTn>
+                                        <p:tgtEl>
+                                          <p:spTgt spid="24"/>
+                                        </p:tgtEl>
+                                        <p:attrNameLst>
+                                          <p:attrName>style.visibility</p:attrName>
+                                        </p:attrNameLst>
+                                      </p:cBhvr>
+                                      <p:to>
+                                        <p:strVal val="visible"/>
+                                      </p:to>
+                                    </p:set>
+                                    <p:animEffect transition="in" filter="circle(in)">
+                                      <p:cBhvr>
+                                        <p:cTn id="71" dur="500"/>
+                                        <p:tgtEl>
+                                          <p:spTgt spid="24"/>
+                                        </p:tgtEl>
+                                      </p:cBhvr>
+                                    </p:animEffect>
+                                  </p:childTnLst>
+                                </p:cTn>
+                              </p:par>
+                              <p:par>
+                                <p:cTn id="72" presetID="6" presetClass="entr" presetSubtype="16" fill="hold" nodeType="withEffect">
+                                  <p:stCondLst>
+                                    <p:cond delay="0"/>
+                                  </p:stCondLst>
+                                  <p:childTnLst>
+                                    <p:set>
+                                      <p:cBhvr>
+                                        <p:cTn id="73" dur="1" fill="hold">
+                                          <p:stCondLst>
+                                            <p:cond delay="0"/>
+                                          </p:stCondLst>
+                                        </p:cTn>
+                                        <p:tgtEl>
+                                          <p:spTgt spid="25"/>
+                                        </p:tgtEl>
+                                        <p:attrNameLst>
+                                          <p:attrName>style.visibility</p:attrName>
+                                        </p:attrNameLst>
+                                      </p:cBhvr>
+                                      <p:to>
+                                        <p:strVal val="visible"/>
+                                      </p:to>
+                                    </p:set>
+                                    <p:animEffect transition="in" filter="circle(in)">
+                                      <p:cBhvr>
+                                        <p:cTn id="74" dur="500"/>
+                                        <p:tgtEl>
+                                          <p:spTgt spid="25"/>
+                                        </p:tgtEl>
+                                      </p:cBhvr>
+                                    </p:animEffect>
+                                  </p:childTnLst>
+                                </p:cTn>
+                              </p:par>
+                              <p:par>
+                                <p:cTn id="75" presetID="6" presetClass="entr" presetSubtype="16" fill="hold" nodeType="withEffect">
+                                  <p:stCondLst>
+                                    <p:cond delay="0"/>
+                                  </p:stCondLst>
+                                  <p:childTnLst>
+                                    <p:set>
+                                      <p:cBhvr>
+                                        <p:cTn id="76" dur="1" fill="hold">
+                                          <p:stCondLst>
+                                            <p:cond delay="0"/>
+                                          </p:stCondLst>
+                                        </p:cTn>
+                                        <p:tgtEl>
+                                          <p:spTgt spid="23"/>
+                                        </p:tgtEl>
+                                        <p:attrNameLst>
+                                          <p:attrName>style.visibility</p:attrName>
+                                        </p:attrNameLst>
+                                      </p:cBhvr>
+                                      <p:to>
+                                        <p:strVal val="visible"/>
+                                      </p:to>
+                                    </p:set>
+                                    <p:animEffect transition="in" filter="circle(in)">
+                                      <p:cBhvr>
+                                        <p:cTn id="77" dur="500"/>
+                                        <p:tgtEl>
+                                          <p:spTgt spid="23"/>
                                         </p:tgtEl>
                                       </p:cBhvr>
                                     </p:animEffect>
@@ -11497,6 +13189,24 @@
     </p:tnLst>
     <p:bldLst>
       <p:bldP spid="3" grpId="0" build="p"/>
+      <p:bldP spid="5" grpId="0" animBg="1"/>
+      <p:bldP spid="5" grpId="1" bldLvl="0" animBg="1"/>
+      <p:bldP spid="7" grpId="0" animBg="1"/>
+      <p:bldP spid="7" grpId="1" bldLvl="0" animBg="1"/>
+      <p:bldP spid="8" grpId="0" animBg="1"/>
+      <p:bldP spid="8" grpId="1" bldLvl="0" animBg="1"/>
+      <p:bldP spid="11" grpId="0" animBg="1"/>
+      <p:bldP spid="11" grpId="1" bldLvl="0" animBg="1"/>
+      <p:bldP spid="12" grpId="0" animBg="1"/>
+      <p:bldP spid="12" grpId="1" bldLvl="0" animBg="1"/>
+      <p:bldP spid="13" grpId="0" animBg="1"/>
+      <p:bldP spid="13" grpId="1" bldLvl="0" animBg="1"/>
+      <p:bldP spid="14" grpId="0" animBg="1"/>
+      <p:bldP spid="14" grpId="1" bldLvl="0" animBg="1"/>
+      <p:bldP spid="15" grpId="0" animBg="1"/>
+      <p:bldP spid="15" grpId="1" bldLvl="0" animBg="1"/>
+      <p:bldP spid="16" grpId="0" animBg="1"/>
+      <p:bldP spid="16" grpId="1" bldLvl="0" animBg="1"/>
     </p:bldLst>
   </p:timing>
 </p:sld>
@@ -12873,7 +14583,7 @@
                 <a:latin typeface="Microsoft YaHei" charset="0"/>
                 <a:ea typeface="Microsoft YaHei" charset="0"/>
               </a:rPr>
-              <a:t>Hydra初始架构</a:t>
+              <a:t>Hydra初版架构</a:t>
             </a:r>
             <a:endParaRPr lang="x-none" altLang="zh-CN" dirty="0" smtClean="0">
               <a:solidFill>

--- a/source/ppt/work/焦点服务化框架Hydra的演变-王一帆.pptx
+++ b/source/ppt/work/焦点服务化框架Hydra的演变-王一帆.pptx
@@ -5448,36 +5448,16 @@
           <a:p>
             <a:pPr algn="l"/>
             <a:r>
-              <a:rPr lang="x-none" altLang="en-US" dirty="0">
+              <a:rPr lang="x-none" dirty="0" smtClean="0">
                 <a:solidFill>
                   <a:srgbClr val="727272"/>
                 </a:solidFill>
                 <a:latin typeface="Microsoft YaHei" charset="0"/>
                 <a:ea typeface="Microsoft YaHei" charset="0"/>
               </a:rPr>
-              <a:t>Hydra3</a:t>
-            </a:r>
-            <a:r>
-              <a:rPr lang="x-none" altLang="en-US" dirty="0" smtClean="0">
-                <a:solidFill>
-                  <a:srgbClr val="727272"/>
-                </a:solidFill>
-                <a:latin typeface="Microsoft YaHei" charset="0"/>
-                <a:ea typeface="Microsoft YaHei" charset="0"/>
-              </a:rPr>
-              <a:t>的</a:t>
-            </a:r>
-            <a:r>
-              <a:rPr lang="zh-CN" altLang="en-US" dirty="0" smtClean="0">
-                <a:solidFill>
-                  <a:srgbClr val="727272"/>
-                </a:solidFill>
-                <a:latin typeface="Microsoft YaHei" charset="0"/>
-                <a:ea typeface="Microsoft YaHei" charset="0"/>
-              </a:rPr>
-              <a:t>版本控制与热部署实现</a:t>
-            </a:r>
-            <a:endParaRPr lang="zh-CN" altLang="en-US" dirty="0" smtClean="0">
+              <a:t>替换OSGi</a:t>
+            </a:r>
+            <a:endParaRPr lang="x-none" dirty="0" smtClean="0">
               <a:solidFill>
                 <a:srgbClr val="727272"/>
               </a:solidFill>
@@ -5487,32 +5467,6 @@
           </a:p>
         </p:txBody>
       </p:sp>
-      <p:pic>
-        <p:nvPicPr>
-          <p:cNvPr id="5" name="Content Placeholder 4" descr="servicenode"/>
-          <p:cNvPicPr>
-            <a:picLocks noGrp="1" noChangeAspect="1"/>
-          </p:cNvPicPr>
-          <p:nvPr>
-            <p:ph idx="1"/>
-          </p:nvPr>
-        </p:nvPicPr>
-        <p:blipFill>
-          <a:blip r:embed="rId1"/>
-          <a:stretch>
-            <a:fillRect/>
-          </a:stretch>
-        </p:blipFill>
-        <p:spPr>
-          <a:xfrm>
-            <a:off x="0" y="1450975"/>
-            <a:ext cx="12192000" cy="5405755"/>
-          </a:xfrm>
-          <a:prstGeom prst="rect">
-            <a:avLst/>
-          </a:prstGeom>
-        </p:spPr>
-      </p:pic>
       <p:pic>
         <p:nvPicPr>
           <p:cNvPr id="4" name="Picture 2" descr="C:\Users\wangyifan\AppData\Roaming\Foxmail7\Temp-3628-20160922082721\logo2016.jpg"/>
@@ -5522,7 +5476,7 @@
           <p:nvPr/>
         </p:nvPicPr>
         <p:blipFill>
-          <a:blip r:embed="rId2"/>
+          <a:blip r:embed="rId1"/>
           <a:srcRect/>
           <a:stretch>
             <a:fillRect/>
@@ -5537,6 +5491,32 @@
             <a:avLst/>
           </a:prstGeom>
           <a:noFill/>
+        </p:spPr>
+      </p:pic>
+      <p:pic>
+        <p:nvPicPr>
+          <p:cNvPr id="6" name="Content Placeholder 5" descr="智能截图 4"/>
+          <p:cNvPicPr>
+            <a:picLocks noChangeAspect="1"/>
+          </p:cNvPicPr>
+          <p:nvPr>
+            <p:ph idx="1"/>
+          </p:nvPr>
+        </p:nvPicPr>
+        <p:blipFill>
+          <a:blip r:embed="rId2"/>
+          <a:stretch>
+            <a:fillRect/>
+          </a:stretch>
+        </p:blipFill>
+        <p:spPr>
+          <a:xfrm>
+            <a:off x="805180" y="1826260"/>
+            <a:ext cx="9490075" cy="4529455"/>
+          </a:xfrm>
+          <a:prstGeom prst="rect">
+            <a:avLst/>
+          </a:prstGeom>
         </p:spPr>
       </p:pic>
     </p:spTree>
@@ -5593,36 +5573,16 @@
           <a:p>
             <a:pPr algn="l"/>
             <a:r>
-              <a:rPr lang="x-none" altLang="en-US" dirty="0">
+              <a:rPr lang="x-none" dirty="0">
                 <a:solidFill>
                   <a:srgbClr val="727272"/>
                 </a:solidFill>
                 <a:latin typeface="Microsoft YaHei" charset="0"/>
                 <a:ea typeface="Microsoft YaHei" charset="0"/>
               </a:rPr>
-              <a:t>Hydra3</a:t>
-            </a:r>
-            <a:r>
-              <a:rPr lang="x-none" altLang="en-US" dirty="0" smtClean="0">
-                <a:solidFill>
-                  <a:srgbClr val="727272"/>
-                </a:solidFill>
-                <a:latin typeface="Microsoft YaHei" charset="0"/>
-                <a:ea typeface="Microsoft YaHei" charset="0"/>
-              </a:rPr>
-              <a:t>的</a:t>
-            </a:r>
-            <a:r>
-              <a:rPr lang="zh-CN" altLang="en-US" dirty="0" smtClean="0">
-                <a:solidFill>
-                  <a:srgbClr val="727272"/>
-                </a:solidFill>
-                <a:latin typeface="Microsoft YaHei" charset="0"/>
-                <a:ea typeface="Microsoft YaHei" charset="0"/>
-              </a:rPr>
-              <a:t>耗时服务处理</a:t>
-            </a:r>
-            <a:endParaRPr lang="zh-CN" altLang="en-US" dirty="0" smtClean="0">
+              <a:t>自定义WorkThreadPool</a:t>
+            </a:r>
+            <a:endParaRPr lang="x-none" dirty="0" smtClean="0">
               <a:solidFill>
                 <a:srgbClr val="727272"/>
               </a:solidFill>

--- a/source/ppt/work/焦点服务化框架Hydra的演变-王一帆.pptx
+++ b/source/ppt/work/焦点服务化框架Hydra的演变-王一帆.pptx
@@ -213,7 +213,7 @@
             <a:fld id="{01713E72-FA39-44AD-8477-6847715536D6}" type="datetimeFigureOut">
               <a:rPr lang="zh-CN" altLang="en-US" smtClean="0"/>
               <a:pPr/>
-              <a:t>2016/9/26</a:t>
+              <a:t>2016/9/27</a:t>
             </a:fld>
             <a:endParaRPr lang="zh-CN" altLang="en-US"/>
           </a:p>
@@ -375,7 +375,7 @@
             <a:fld id="{3EFD42F7-718C-4B98-AAEC-167E6DDD60A7}" type="datetimeFigureOut">
               <a:rPr lang="en-US" smtClean="0"/>
               <a:pPr/>
-              <a:t>9/26/2016</a:t>
+              <a:t>9/27/2016</a:t>
             </a:fld>
             <a:endParaRPr lang="en-US"/>
           </a:p>
@@ -3109,7 +3109,7 @@
             <a:fld id="{FDE934FF-F4E1-47C5-9CA5-30A81DDE2BE4}" type="datetimeFigureOut">
               <a:rPr lang="en-US" smtClean="0"/>
               <a:pPr/>
-              <a:t>9/26/2016</a:t>
+              <a:t>9/27/2016</a:t>
             </a:fld>
             <a:endParaRPr lang="en-US"/>
           </a:p>
@@ -3276,7 +3276,7 @@
             <a:fld id="{FDE934FF-F4E1-47C5-9CA5-30A81DDE2BE4}" type="datetimeFigureOut">
               <a:rPr lang="en-US" smtClean="0"/>
               <a:pPr/>
-              <a:t>9/26/2016</a:t>
+              <a:t>9/27/2016</a:t>
             </a:fld>
             <a:endParaRPr lang="en-US"/>
           </a:p>
@@ -3453,7 +3453,7 @@
             <a:fld id="{FDE934FF-F4E1-47C5-9CA5-30A81DDE2BE4}" type="datetimeFigureOut">
               <a:rPr lang="en-US" smtClean="0"/>
               <a:pPr/>
-              <a:t>9/26/2016</a:t>
+              <a:t>9/27/2016</a:t>
             </a:fld>
             <a:endParaRPr lang="en-US"/>
           </a:p>
@@ -3620,7 +3620,7 @@
             <a:fld id="{FDE934FF-F4E1-47C5-9CA5-30A81DDE2BE4}" type="datetimeFigureOut">
               <a:rPr lang="en-US" smtClean="0"/>
               <a:pPr/>
-              <a:t>9/26/2016</a:t>
+              <a:t>9/27/2016</a:t>
             </a:fld>
             <a:endParaRPr lang="en-US"/>
           </a:p>
@@ -3863,7 +3863,7 @@
             <a:fld id="{FDE934FF-F4E1-47C5-9CA5-30A81DDE2BE4}" type="datetimeFigureOut">
               <a:rPr lang="en-US" smtClean="0"/>
               <a:pPr/>
-              <a:t>9/26/2016</a:t>
+              <a:t>9/27/2016</a:t>
             </a:fld>
             <a:endParaRPr lang="en-US"/>
           </a:p>
@@ -4092,7 +4092,7 @@
             <a:fld id="{FDE934FF-F4E1-47C5-9CA5-30A81DDE2BE4}" type="datetimeFigureOut">
               <a:rPr lang="en-US" smtClean="0"/>
               <a:pPr/>
-              <a:t>9/26/2016</a:t>
+              <a:t>9/27/2016</a:t>
             </a:fld>
             <a:endParaRPr lang="en-US"/>
           </a:p>
@@ -4456,7 +4456,7 @@
             <a:fld id="{FDE934FF-F4E1-47C5-9CA5-30A81DDE2BE4}" type="datetimeFigureOut">
               <a:rPr lang="en-US" smtClean="0"/>
               <a:pPr/>
-              <a:t>9/26/2016</a:t>
+              <a:t>9/27/2016</a:t>
             </a:fld>
             <a:endParaRPr lang="en-US"/>
           </a:p>
@@ -4571,7 +4571,7 @@
             <a:fld id="{FDE934FF-F4E1-47C5-9CA5-30A81DDE2BE4}" type="datetimeFigureOut">
               <a:rPr lang="en-US" smtClean="0"/>
               <a:pPr/>
-              <a:t>9/26/2016</a:t>
+              <a:t>9/27/2016</a:t>
             </a:fld>
             <a:endParaRPr lang="en-US"/>
           </a:p>
@@ -4663,7 +4663,7 @@
             <a:fld id="{FDE934FF-F4E1-47C5-9CA5-30A81DDE2BE4}" type="datetimeFigureOut">
               <a:rPr lang="en-US" smtClean="0"/>
               <a:pPr/>
-              <a:t>9/26/2016</a:t>
+              <a:t>9/27/2016</a:t>
             </a:fld>
             <a:endParaRPr lang="en-US"/>
           </a:p>
@@ -4937,7 +4937,7 @@
             <a:fld id="{FDE934FF-F4E1-47C5-9CA5-30A81DDE2BE4}" type="datetimeFigureOut">
               <a:rPr lang="en-US" smtClean="0"/>
               <a:pPr/>
-              <a:t>9/26/2016</a:t>
+              <a:t>9/27/2016</a:t>
             </a:fld>
             <a:endParaRPr lang="en-US"/>
           </a:p>
@@ -5187,7 +5187,7 @@
             <a:fld id="{FDE934FF-F4E1-47C5-9CA5-30A81DDE2BE4}" type="datetimeFigureOut">
               <a:rPr lang="en-US" smtClean="0"/>
               <a:pPr/>
-              <a:t>9/26/2016</a:t>
+              <a:t>9/27/2016</a:t>
             </a:fld>
             <a:endParaRPr lang="en-US"/>
           </a:p>
@@ -5407,7 +5407,7 @@
             <a:fld id="{FDE934FF-F4E1-47C5-9CA5-30A81DDE2BE4}" type="datetimeFigureOut">
               <a:rPr lang="en-US" smtClean="0"/>
               <a:pPr/>
-              <a:t>9/26/2016</a:t>
+              <a:t>9/27/2016</a:t>
             </a:fld>
             <a:endParaRPr lang="en-US"/>
           </a:p>
@@ -6003,8 +6003,10 @@
                 <a:latin typeface="Microsoft YaHei" charset="0"/>
                 <a:ea typeface="Microsoft YaHei" charset="0"/>
               </a:rPr>
-              <a:t>增加开发</a:t>
-            </a:r>
+              <a:t>增加开发复杂度</a:t>
+            </a:r>
+          </a:p>
+          <a:p>
             <a:r>
               <a:rPr lang="zh-CN" altLang="en-US" dirty="0" smtClean="0">
                 <a:solidFill>
@@ -6013,7 +6015,7 @@
                 <a:latin typeface="Microsoft YaHei" charset="0"/>
                 <a:ea typeface="Microsoft YaHei" charset="0"/>
               </a:rPr>
-              <a:t>复杂度</a:t>
+              <a:t>耗时服务导致超时</a:t>
             </a:r>
           </a:p>
           <a:p>
@@ -6025,54 +6027,8 @@
                 <a:latin typeface="Microsoft YaHei" charset="0"/>
                 <a:ea typeface="Microsoft YaHei" charset="0"/>
               </a:rPr>
-              <a:t>耗时服务</a:t>
-            </a:r>
-            <a:r>
-              <a:rPr lang="zh-CN" altLang="en-US" dirty="0" smtClean="0">
-                <a:solidFill>
-                  <a:srgbClr val="727272"/>
-                </a:solidFill>
-                <a:latin typeface="Microsoft YaHei" charset="0"/>
-                <a:ea typeface="Microsoft YaHei" charset="0"/>
-              </a:rPr>
-              <a:t>导致超时</a:t>
-            </a:r>
-            <a:endParaRPr lang="zh-CN" altLang="en-US" dirty="0" smtClean="0">
-              <a:solidFill>
-                <a:srgbClr val="727272"/>
-              </a:solidFill>
-              <a:latin typeface="Microsoft YaHei" charset="0"/>
-              <a:ea typeface="Microsoft YaHei" charset="0"/>
-            </a:endParaRPr>
-          </a:p>
-          <a:p>
-            <a:r>
-              <a:rPr lang="zh-CN" altLang="en-US" dirty="0" smtClean="0">
-                <a:solidFill>
-                  <a:srgbClr val="727272"/>
-                </a:solidFill>
-                <a:latin typeface="Microsoft YaHei" charset="0"/>
-                <a:ea typeface="Microsoft YaHei" charset="0"/>
-              </a:rPr>
-              <a:t>服务发布</a:t>
-            </a:r>
-            <a:r>
-              <a:rPr lang="zh-CN" altLang="en-US" dirty="0" smtClean="0">
-                <a:solidFill>
-                  <a:srgbClr val="727272"/>
-                </a:solidFill>
-                <a:latin typeface="Microsoft YaHei" charset="0"/>
-                <a:ea typeface="Microsoft YaHei" charset="0"/>
-              </a:rPr>
-              <a:t>分散</a:t>
-            </a:r>
-            <a:endParaRPr lang="zh-CN" altLang="en-US" dirty="0" smtClean="0">
-              <a:solidFill>
-                <a:srgbClr val="727272"/>
-              </a:solidFill>
-              <a:latin typeface="Microsoft YaHei" charset="0"/>
-              <a:ea typeface="Microsoft YaHei" charset="0"/>
-            </a:endParaRPr>
+              <a:t>服务发布分散</a:t>
+            </a:r>
           </a:p>
           <a:p>
             <a:r>
@@ -6085,13 +6041,6 @@
               </a:rPr>
               <a:t>服务发布确认</a:t>
             </a:r>
-            <a:endParaRPr lang="zh-CN" altLang="en-US" dirty="0" smtClean="0">
-              <a:solidFill>
-                <a:srgbClr val="727272"/>
-              </a:solidFill>
-              <a:latin typeface="Microsoft YaHei" charset="0"/>
-              <a:ea typeface="Microsoft YaHei" charset="0"/>
-            </a:endParaRPr>
           </a:p>
         </p:txBody>
       </p:sp>
@@ -6141,6 +6090,9 @@
                     <p:cTn id="3" fill="hold">
                       <p:stCondLst>
                         <p:cond delay="indefinite"/>
+                        <p:cond evt="onBegin" delay="0">
+                          <p:tn val="2"/>
+                        </p:cond>
                       </p:stCondLst>
                       <p:childTnLst>
                         <p:par>
@@ -6150,7 +6102,7 @@
                             </p:stCondLst>
                             <p:childTnLst>
                               <p:par>
-                                <p:cTn id="5" presetID="3" presetClass="entr" presetSubtype="10" fill="hold" grpId="0" nodeType="clickEffect">
+                                <p:cTn id="5" presetID="3" presetClass="entr" presetSubtype="10" fill="hold" grpId="0" nodeType="afterEffect">
                                   <p:stCondLst>
                                     <p:cond delay="0"/>
                                   </p:stCondLst>
@@ -6487,7 +6439,7 @@
           </a:ln>
           <a:extLst>
             <a:ext uri="{909E8E84-426E-40DD-AFC4-6F175D3DCCD1}">
-              <a14:hiddenFill xmlns="" xmlns:a14="http://schemas.microsoft.com/office/drawing/2010/main">
+              <a14:hiddenFill xmlns:a14="http://schemas.microsoft.com/office/drawing/2010/main" xmlns="">
                 <a:solidFill>
                   <a:schemeClr val="accent1"/>
                 </a:solidFill>
@@ -6549,7 +6501,7 @@
           </a:ln>
           <a:extLst>
             <a:ext uri="{909E8E84-426E-40DD-AFC4-6F175D3DCCD1}">
-              <a14:hiddenFill xmlns="" xmlns:a14="http://schemas.microsoft.com/office/drawing/2010/main">
+              <a14:hiddenFill xmlns:a14="http://schemas.microsoft.com/office/drawing/2010/main" xmlns="">
                 <a:solidFill>
                   <a:schemeClr val="accent1"/>
                 </a:solidFill>
@@ -6611,7 +6563,7 @@
           </a:ln>
           <a:extLst>
             <a:ext uri="{909E8E84-426E-40DD-AFC4-6F175D3DCCD1}">
-              <a14:hiddenFill xmlns="" xmlns:a14="http://schemas.microsoft.com/office/drawing/2010/main">
+              <a14:hiddenFill xmlns:a14="http://schemas.microsoft.com/office/drawing/2010/main" xmlns="">
                 <a:solidFill>
                   <a:schemeClr val="accent1"/>
                 </a:solidFill>
@@ -6673,7 +6625,7 @@
           </a:ln>
           <a:extLst>
             <a:ext uri="{909E8E84-426E-40DD-AFC4-6F175D3DCCD1}">
-              <a14:hiddenFill xmlns="" xmlns:a14="http://schemas.microsoft.com/office/drawing/2010/main">
+              <a14:hiddenFill xmlns:a14="http://schemas.microsoft.com/office/drawing/2010/main" xmlns="">
                 <a:solidFill>
                   <a:schemeClr val="accent1"/>
                 </a:solidFill>
@@ -6735,7 +6687,7 @@
           </a:ln>
           <a:extLst>
             <a:ext uri="{909E8E84-426E-40DD-AFC4-6F175D3DCCD1}">
-              <a14:hiddenFill xmlns="" xmlns:a14="http://schemas.microsoft.com/office/drawing/2010/main">
+              <a14:hiddenFill xmlns:a14="http://schemas.microsoft.com/office/drawing/2010/main" xmlns="">
                 <a:solidFill>
                   <a:schemeClr val="accent1"/>
                 </a:solidFill>
@@ -6797,7 +6749,7 @@
           </a:ln>
           <a:extLst>
             <a:ext uri="{909E8E84-426E-40DD-AFC4-6F175D3DCCD1}">
-              <a14:hiddenFill xmlns="" xmlns:a14="http://schemas.microsoft.com/office/drawing/2010/main">
+              <a14:hiddenFill xmlns:a14="http://schemas.microsoft.com/office/drawing/2010/main" xmlns="">
                 <a:solidFill>
                   <a:schemeClr val="accent1"/>
                 </a:solidFill>
@@ -7985,7 +7937,7 @@
           </a:ln>
           <a:extLst>
             <a:ext uri="{909E8E84-426E-40DD-AFC4-6F175D3DCCD1}">
-              <a14:hiddenFill xmlns="" xmlns:a14="http://schemas.microsoft.com/office/drawing/2010/main">
+              <a14:hiddenFill xmlns:a14="http://schemas.microsoft.com/office/drawing/2010/main" xmlns="">
                 <a:solidFill>
                   <a:schemeClr val="accent1"/>
                 </a:solidFill>
@@ -8047,7 +7999,7 @@
           </a:ln>
           <a:extLst>
             <a:ext uri="{909E8E84-426E-40DD-AFC4-6F175D3DCCD1}">
-              <a14:hiddenFill xmlns="" xmlns:a14="http://schemas.microsoft.com/office/drawing/2010/main">
+              <a14:hiddenFill xmlns:a14="http://schemas.microsoft.com/office/drawing/2010/main" xmlns="">
                 <a:solidFill>
                   <a:schemeClr val="accent1"/>
                 </a:solidFill>
@@ -8109,7 +8061,7 @@
           </a:ln>
           <a:extLst>
             <a:ext uri="{909E8E84-426E-40DD-AFC4-6F175D3DCCD1}">
-              <a14:hiddenFill xmlns="" xmlns:a14="http://schemas.microsoft.com/office/drawing/2010/main">
+              <a14:hiddenFill xmlns:a14="http://schemas.microsoft.com/office/drawing/2010/main" xmlns="">
                 <a:solidFill>
                   <a:schemeClr val="accent1"/>
                 </a:solidFill>
@@ -8237,7 +8189,7 @@
           </a:ln>
           <a:extLst>
             <a:ext uri="{909E8E84-426E-40DD-AFC4-6F175D3DCCD1}">
-              <a14:hiddenFill xmlns="" xmlns:a14="http://schemas.microsoft.com/office/drawing/2010/main">
+              <a14:hiddenFill xmlns:a14="http://schemas.microsoft.com/office/drawing/2010/main" xmlns="">
                 <a:solidFill>
                   <a:schemeClr val="accent1"/>
                 </a:solidFill>
@@ -8337,7 +8289,7 @@
           </a:ln>
           <a:extLst>
             <a:ext uri="{909E8E84-426E-40DD-AFC4-6F175D3DCCD1}">
-              <a14:hiddenFill xmlns="" xmlns:a14="http://schemas.microsoft.com/office/drawing/2010/main">
+              <a14:hiddenFill xmlns:a14="http://schemas.microsoft.com/office/drawing/2010/main" xmlns="">
                 <a:solidFill>
                   <a:schemeClr val="accent1"/>
                 </a:solidFill>
@@ -8404,7 +8356,7 @@
           </a:ln>
           <a:extLst>
             <a:ext uri="{909E8E84-426E-40DD-AFC4-6F175D3DCCD1}">
-              <a14:hiddenFill xmlns="" xmlns:a14="http://schemas.microsoft.com/office/drawing/2010/main">
+              <a14:hiddenFill xmlns:a14="http://schemas.microsoft.com/office/drawing/2010/main" xmlns="">
                 <a:solidFill>
                   <a:schemeClr val="accent1"/>
                 </a:solidFill>
@@ -8471,7 +8423,7 @@
           </a:ln>
           <a:extLst>
             <a:ext uri="{909E8E84-426E-40DD-AFC4-6F175D3DCCD1}">
-              <a14:hiddenFill xmlns="" xmlns:a14="http://schemas.microsoft.com/office/drawing/2010/main">
+              <a14:hiddenFill xmlns:a14="http://schemas.microsoft.com/office/drawing/2010/main" xmlns="">
                 <a:solidFill>
                   <a:schemeClr val="accent1"/>
                 </a:solidFill>
@@ -9925,7 +9877,7 @@
           </a:ln>
           <a:extLst>
             <a:ext uri="{909E8E84-426E-40DD-AFC4-6F175D3DCCD1}">
-              <a14:hiddenFill xmlns="" xmlns:a14="http://schemas.microsoft.com/office/drawing/2010/main">
+              <a14:hiddenFill xmlns:a14="http://schemas.microsoft.com/office/drawing/2010/main" xmlns="">
                 <a:solidFill>
                   <a:schemeClr val="accent1"/>
                 </a:solidFill>
@@ -10206,7 +10158,7 @@
           </a:ln>
           <a:extLst>
             <a:ext uri="{909E8E84-426E-40DD-AFC4-6F175D3DCCD1}">
-              <a14:hiddenFill xmlns="" xmlns:a14="http://schemas.microsoft.com/office/drawing/2010/main">
+              <a14:hiddenFill xmlns:a14="http://schemas.microsoft.com/office/drawing/2010/main" xmlns="">
                 <a:solidFill>
                   <a:schemeClr val="accent1"/>
                 </a:solidFill>
@@ -10413,7 +10365,7 @@
           </a:ln>
           <a:extLst>
             <a:ext uri="{909E8E84-426E-40DD-AFC4-6F175D3DCCD1}">
-              <a14:hiddenFill xmlns="" xmlns:a14="http://schemas.microsoft.com/office/drawing/2010/main">
+              <a14:hiddenFill xmlns:a14="http://schemas.microsoft.com/office/drawing/2010/main" xmlns="">
                 <a:solidFill>
                   <a:schemeClr val="accent1"/>
                 </a:solidFill>
@@ -11242,7 +11194,7 @@
           </a:ln>
           <a:extLst>
             <a:ext uri="{909E8E84-426E-40DD-AFC4-6F175D3DCCD1}">
-              <a14:hiddenFill xmlns="" xmlns:a14="http://schemas.microsoft.com/office/drawing/2010/main">
+              <a14:hiddenFill xmlns:a14="http://schemas.microsoft.com/office/drawing/2010/main" xmlns="">
                 <a:solidFill>
                   <a:schemeClr val="accent1"/>
                 </a:solidFill>
@@ -11304,7 +11256,7 @@
           </a:ln>
           <a:extLst>
             <a:ext uri="{909E8E84-426E-40DD-AFC4-6F175D3DCCD1}">
-              <a14:hiddenFill xmlns="" xmlns:a14="http://schemas.microsoft.com/office/drawing/2010/main">
+              <a14:hiddenFill xmlns:a14="http://schemas.microsoft.com/office/drawing/2010/main" xmlns="">
                 <a:solidFill>
                   <a:schemeClr val="accent1"/>
                 </a:solidFill>
@@ -11366,7 +11318,7 @@
           </a:ln>
           <a:extLst>
             <a:ext uri="{909E8E84-426E-40DD-AFC4-6F175D3DCCD1}">
-              <a14:hiddenFill xmlns="" xmlns:a14="http://schemas.microsoft.com/office/drawing/2010/main">
+              <a14:hiddenFill xmlns:a14="http://schemas.microsoft.com/office/drawing/2010/main" xmlns="">
                 <a:solidFill>
                   <a:schemeClr val="accent1"/>
                 </a:solidFill>
@@ -11428,7 +11380,7 @@
           </a:ln>
           <a:extLst>
             <a:ext uri="{909E8E84-426E-40DD-AFC4-6F175D3DCCD1}">
-              <a14:hiddenFill xmlns="" xmlns:a14="http://schemas.microsoft.com/office/drawing/2010/main">
+              <a14:hiddenFill xmlns:a14="http://schemas.microsoft.com/office/drawing/2010/main" xmlns="">
                 <a:solidFill>
                   <a:schemeClr val="accent1"/>
                 </a:solidFill>
@@ -11612,7 +11564,7 @@
           </a:ln>
           <a:extLst>
             <a:ext uri="{909E8E84-426E-40DD-AFC4-6F175D3DCCD1}">
-              <a14:hiddenFill xmlns="" xmlns:a14="http://schemas.microsoft.com/office/drawing/2010/main">
+              <a14:hiddenFill xmlns:a14="http://schemas.microsoft.com/office/drawing/2010/main" xmlns="">
                 <a:solidFill>
                   <a:schemeClr val="accent1"/>
                 </a:solidFill>
@@ -12405,7 +12357,7 @@
           </a:ln>
           <a:extLst>
             <a:ext uri="{909E8E84-426E-40DD-AFC4-6F175D3DCCD1}">
-              <a14:hiddenFill xmlns="" xmlns:a14="http://schemas.microsoft.com/office/drawing/2010/main">
+              <a14:hiddenFill xmlns:a14="http://schemas.microsoft.com/office/drawing/2010/main" xmlns="">
                 <a:solidFill>
                   <a:schemeClr val="accent1"/>
                 </a:solidFill>
@@ -12471,7 +12423,7 @@
           </a:ln>
           <a:extLst>
             <a:ext uri="{909E8E84-426E-40DD-AFC4-6F175D3DCCD1}">
-              <a14:hiddenFill xmlns="" xmlns:a14="http://schemas.microsoft.com/office/drawing/2010/main">
+              <a14:hiddenFill xmlns:a14="http://schemas.microsoft.com/office/drawing/2010/main" xmlns="">
                 <a:solidFill>
                   <a:schemeClr val="accent1"/>
                 </a:solidFill>
@@ -12533,7 +12485,7 @@
           </a:ln>
           <a:extLst>
             <a:ext uri="{909E8E84-426E-40DD-AFC4-6F175D3DCCD1}">
-              <a14:hiddenFill xmlns="" xmlns:a14="http://schemas.microsoft.com/office/drawing/2010/main">
+              <a14:hiddenFill xmlns:a14="http://schemas.microsoft.com/office/drawing/2010/main" xmlns="">
                 <a:solidFill>
                   <a:schemeClr val="accent1"/>
                 </a:solidFill>
@@ -12709,7 +12661,7 @@
           <a:noFill/>
           <a:extLst>
             <a:ext uri="{909E8E84-426E-40DD-AFC4-6F175D3DCCD1}">
-              <a14:hiddenFill xmlns="" xmlns:a14="http://schemas.microsoft.com/office/drawing/2010/main">
+              <a14:hiddenFill xmlns:a14="http://schemas.microsoft.com/office/drawing/2010/main" xmlns="">
                 <a:solidFill>
                   <a:schemeClr val="accent1"/>
                 </a:solidFill>
@@ -12766,7 +12718,7 @@
           <a:noFill/>
           <a:extLst>
             <a:ext uri="{909E8E84-426E-40DD-AFC4-6F175D3DCCD1}">
-              <a14:hiddenFill xmlns="" xmlns:a14="http://schemas.microsoft.com/office/drawing/2010/main">
+              <a14:hiddenFill xmlns:a14="http://schemas.microsoft.com/office/drawing/2010/main" xmlns="">
                 <a:solidFill>
                   <a:schemeClr val="accent1"/>
                 </a:solidFill>
@@ -12823,7 +12775,7 @@
           <a:noFill/>
           <a:extLst>
             <a:ext uri="{909E8E84-426E-40DD-AFC4-6F175D3DCCD1}">
-              <a14:hiddenFill xmlns="" xmlns:a14="http://schemas.microsoft.com/office/drawing/2010/main">
+              <a14:hiddenFill xmlns:a14="http://schemas.microsoft.com/office/drawing/2010/main" xmlns="">
                 <a:solidFill>
                   <a:schemeClr val="accent1"/>
                 </a:solidFill>
@@ -12880,7 +12832,7 @@
           <a:noFill/>
           <a:extLst>
             <a:ext uri="{909E8E84-426E-40DD-AFC4-6F175D3DCCD1}">
-              <a14:hiddenFill xmlns="" xmlns:a14="http://schemas.microsoft.com/office/drawing/2010/main">
+              <a14:hiddenFill xmlns:a14="http://schemas.microsoft.com/office/drawing/2010/main" xmlns="">
                 <a:solidFill>
                   <a:schemeClr val="accent1"/>
                 </a:solidFill>
@@ -14012,7 +13964,7 @@
           </a:ln>
           <a:extLst>
             <a:ext uri="{909E8E84-426E-40DD-AFC4-6F175D3DCCD1}">
-              <a14:hiddenFill xmlns="" xmlns:a14="http://schemas.microsoft.com/office/drawing/2010/main">
+              <a14:hiddenFill xmlns:a14="http://schemas.microsoft.com/office/drawing/2010/main" xmlns="">
                 <a:solidFill>
                   <a:schemeClr val="accent1"/>
                 </a:solidFill>
@@ -14078,7 +14030,7 @@
           </a:ln>
           <a:extLst>
             <a:ext uri="{909E8E84-426E-40DD-AFC4-6F175D3DCCD1}">
-              <a14:hiddenFill xmlns="" xmlns:a14="http://schemas.microsoft.com/office/drawing/2010/main">
+              <a14:hiddenFill xmlns:a14="http://schemas.microsoft.com/office/drawing/2010/main" xmlns="">
                 <a:solidFill>
                   <a:schemeClr val="accent1"/>
                 </a:solidFill>
@@ -14140,7 +14092,7 @@
           </a:ln>
           <a:extLst>
             <a:ext uri="{909E8E84-426E-40DD-AFC4-6F175D3DCCD1}">
-              <a14:hiddenFill xmlns="" xmlns:a14="http://schemas.microsoft.com/office/drawing/2010/main">
+              <a14:hiddenFill xmlns:a14="http://schemas.microsoft.com/office/drawing/2010/main" xmlns="">
                 <a:solidFill>
                   <a:schemeClr val="accent1"/>
                 </a:solidFill>
@@ -14323,7 +14275,7 @@
           <a:noFill/>
           <a:extLst>
             <a:ext uri="{909E8E84-426E-40DD-AFC4-6F175D3DCCD1}">
-              <a14:hiddenFill xmlns="" xmlns:a14="http://schemas.microsoft.com/office/drawing/2010/main">
+              <a14:hiddenFill xmlns:a14="http://schemas.microsoft.com/office/drawing/2010/main" xmlns="">
                 <a:solidFill>
                   <a:schemeClr val="accent1"/>
                 </a:solidFill>
@@ -14393,7 +14345,7 @@
           <a:noFill/>
           <a:extLst>
             <a:ext uri="{909E8E84-426E-40DD-AFC4-6F175D3DCCD1}">
-              <a14:hiddenFill xmlns="" xmlns:a14="http://schemas.microsoft.com/office/drawing/2010/main">
+              <a14:hiddenFill xmlns:a14="http://schemas.microsoft.com/office/drawing/2010/main" xmlns="">
                 <a:solidFill>
                   <a:schemeClr val="accent1"/>
                 </a:solidFill>
@@ -14455,7 +14407,7 @@
           <a:noFill/>
           <a:extLst>
             <a:ext uri="{909E8E84-426E-40DD-AFC4-6F175D3DCCD1}">
-              <a14:hiddenFill xmlns="" xmlns:a14="http://schemas.microsoft.com/office/drawing/2010/main">
+              <a14:hiddenFill xmlns:a14="http://schemas.microsoft.com/office/drawing/2010/main" xmlns="">
                 <a:solidFill>
                   <a:schemeClr val="accent1"/>
                 </a:solidFill>
@@ -14525,7 +14477,7 @@
           <a:noFill/>
           <a:extLst>
             <a:ext uri="{909E8E84-426E-40DD-AFC4-6F175D3DCCD1}">
-              <a14:hiddenFill xmlns="" xmlns:a14="http://schemas.microsoft.com/office/drawing/2010/main">
+              <a14:hiddenFill xmlns:a14="http://schemas.microsoft.com/office/drawing/2010/main" xmlns="">
                 <a:solidFill>
                   <a:schemeClr val="accent1"/>
                 </a:solidFill>
@@ -14582,7 +14534,7 @@
           <a:noFill/>
           <a:extLst>
             <a:ext uri="{909E8E84-426E-40DD-AFC4-6F175D3DCCD1}">
-              <a14:hiddenFill xmlns="" xmlns:a14="http://schemas.microsoft.com/office/drawing/2010/main">
+              <a14:hiddenFill xmlns:a14="http://schemas.microsoft.com/office/drawing/2010/main" xmlns="">
                 <a:solidFill>
                   <a:schemeClr val="accent1"/>
                 </a:solidFill>
@@ -14644,7 +14596,7 @@
           <a:noFill/>
           <a:extLst>
             <a:ext uri="{909E8E84-426E-40DD-AFC4-6F175D3DCCD1}">
-              <a14:hiddenFill xmlns="" xmlns:a14="http://schemas.microsoft.com/office/drawing/2010/main">
+              <a14:hiddenFill xmlns:a14="http://schemas.microsoft.com/office/drawing/2010/main" xmlns="">
                 <a:solidFill>
                   <a:schemeClr val="accent1"/>
                 </a:solidFill>
@@ -14706,7 +14658,7 @@
           <a:noFill/>
           <a:extLst>
             <a:ext uri="{909E8E84-426E-40DD-AFC4-6F175D3DCCD1}">
-              <a14:hiddenFill xmlns="" xmlns:a14="http://schemas.microsoft.com/office/drawing/2010/main">
+              <a14:hiddenFill xmlns:a14="http://schemas.microsoft.com/office/drawing/2010/main" xmlns="">
                 <a:solidFill>
                   <a:schemeClr val="accent1"/>
                 </a:solidFill>
@@ -15854,8 +15806,15 @@
                 <a:latin typeface="Microsoft YaHei" charset="0"/>
                 <a:ea typeface="Microsoft YaHei" charset="0"/>
               </a:rPr>
-              <a:t>广告时间</a:t>
-            </a:r>
+              <a:t>相关文档</a:t>
+            </a:r>
+            <a:endParaRPr lang="zh-CN" altLang="en-US" dirty="0" smtClean="0">
+              <a:solidFill>
+                <a:srgbClr val="727272"/>
+              </a:solidFill>
+              <a:latin typeface="Microsoft YaHei" charset="0"/>
+              <a:ea typeface="Microsoft YaHei" charset="0"/>
+            </a:endParaRPr>
           </a:p>
         </p:txBody>
       </p:sp>
@@ -16601,7 +16560,7 @@
           </a:ln>
           <a:extLst>
             <a:ext uri="{909E8E84-426E-40DD-AFC4-6F175D3DCCD1}">
-              <a14:hiddenFill xmlns="" xmlns:a14="http://schemas.microsoft.com/office/drawing/2010/main">
+              <a14:hiddenFill xmlns:a14="http://schemas.microsoft.com/office/drawing/2010/main" xmlns="">
                 <a:solidFill>
                   <a:schemeClr val="accent1"/>
                 </a:solidFill>
@@ -16663,7 +16622,7 @@
           </a:ln>
           <a:extLst>
             <a:ext uri="{909E8E84-426E-40DD-AFC4-6F175D3DCCD1}">
-              <a14:hiddenFill xmlns="" xmlns:a14="http://schemas.microsoft.com/office/drawing/2010/main">
+              <a14:hiddenFill xmlns:a14="http://schemas.microsoft.com/office/drawing/2010/main" xmlns="">
                 <a:solidFill>
                   <a:schemeClr val="accent1"/>
                 </a:solidFill>
@@ -16725,7 +16684,7 @@
           </a:ln>
           <a:extLst>
             <a:ext uri="{909E8E84-426E-40DD-AFC4-6F175D3DCCD1}">
-              <a14:hiddenFill xmlns="" xmlns:a14="http://schemas.microsoft.com/office/drawing/2010/main">
+              <a14:hiddenFill xmlns:a14="http://schemas.microsoft.com/office/drawing/2010/main" xmlns="">
                 <a:solidFill>
                   <a:schemeClr val="accent1"/>
                 </a:solidFill>
@@ -17765,7 +17724,7 @@
           </a:ln>
           <a:extLst>
             <a:ext uri="{909E8E84-426E-40DD-AFC4-6F175D3DCCD1}">
-              <a14:hiddenFill xmlns="" xmlns:a14="http://schemas.microsoft.com/office/drawing/2010/main">
+              <a14:hiddenFill xmlns:a14="http://schemas.microsoft.com/office/drawing/2010/main" xmlns="">
                 <a:solidFill>
                   <a:schemeClr val="accent1"/>
                 </a:solidFill>
@@ -17827,7 +17786,7 @@
           </a:ln>
           <a:extLst>
             <a:ext uri="{909E8E84-426E-40DD-AFC4-6F175D3DCCD1}">
-              <a14:hiddenFill xmlns="" xmlns:a14="http://schemas.microsoft.com/office/drawing/2010/main">
+              <a14:hiddenFill xmlns:a14="http://schemas.microsoft.com/office/drawing/2010/main" xmlns="">
                 <a:solidFill>
                   <a:schemeClr val="accent1"/>
                 </a:solidFill>
@@ -17889,7 +17848,7 @@
           </a:ln>
           <a:extLst>
             <a:ext uri="{909E8E84-426E-40DD-AFC4-6F175D3DCCD1}">
-              <a14:hiddenFill xmlns="" xmlns:a14="http://schemas.microsoft.com/office/drawing/2010/main">
+              <a14:hiddenFill xmlns:a14="http://schemas.microsoft.com/office/drawing/2010/main" xmlns="">
                 <a:solidFill>
                   <a:schemeClr val="accent1"/>
                 </a:solidFill>
@@ -17951,7 +17910,7 @@
           </a:ln>
           <a:extLst>
             <a:ext uri="{909E8E84-426E-40DD-AFC4-6F175D3DCCD1}">
-              <a14:hiddenFill xmlns="" xmlns:a14="http://schemas.microsoft.com/office/drawing/2010/main">
+              <a14:hiddenFill xmlns:a14="http://schemas.microsoft.com/office/drawing/2010/main" xmlns="">
                 <a:solidFill>
                   <a:schemeClr val="accent1"/>
                 </a:solidFill>
@@ -18013,7 +17972,7 @@
           </a:ln>
           <a:extLst>
             <a:ext uri="{909E8E84-426E-40DD-AFC4-6F175D3DCCD1}">
-              <a14:hiddenFill xmlns="" xmlns:a14="http://schemas.microsoft.com/office/drawing/2010/main">
+              <a14:hiddenFill xmlns:a14="http://schemas.microsoft.com/office/drawing/2010/main" xmlns="">
                 <a:solidFill>
                   <a:schemeClr val="accent1"/>
                 </a:solidFill>
@@ -19393,7 +19352,7 @@
           <a:noFill/>
           <a:extLst>
             <a:ext uri="{909E8E84-426E-40DD-AFC4-6F175D3DCCD1}">
-              <a14:hiddenFill xmlns="" xmlns:a14="http://schemas.microsoft.com/office/drawing/2010/main">
+              <a14:hiddenFill xmlns:a14="http://schemas.microsoft.com/office/drawing/2010/main" xmlns="">
                 <a:solidFill>
                   <a:schemeClr val="accent1"/>
                 </a:solidFill>
@@ -19450,7 +19409,7 @@
           <a:noFill/>
           <a:extLst>
             <a:ext uri="{909E8E84-426E-40DD-AFC4-6F175D3DCCD1}">
-              <a14:hiddenFill xmlns="" xmlns:a14="http://schemas.microsoft.com/office/drawing/2010/main">
+              <a14:hiddenFill xmlns:a14="http://schemas.microsoft.com/office/drawing/2010/main" xmlns="">
                 <a:solidFill>
                   <a:schemeClr val="accent1"/>
                 </a:solidFill>
@@ -19507,7 +19466,7 @@
           <a:noFill/>
           <a:extLst>
             <a:ext uri="{909E8E84-426E-40DD-AFC4-6F175D3DCCD1}">
-              <a14:hiddenFill xmlns="" xmlns:a14="http://schemas.microsoft.com/office/drawing/2010/main">
+              <a14:hiddenFill xmlns:a14="http://schemas.microsoft.com/office/drawing/2010/main" xmlns="">
                 <a:solidFill>
                   <a:schemeClr val="accent1"/>
                 </a:solidFill>
@@ -19564,7 +19523,7 @@
           <a:noFill/>
           <a:extLst>
             <a:ext uri="{909E8E84-426E-40DD-AFC4-6F175D3DCCD1}">
-              <a14:hiddenFill xmlns="" xmlns:a14="http://schemas.microsoft.com/office/drawing/2010/main">
+              <a14:hiddenFill xmlns:a14="http://schemas.microsoft.com/office/drawing/2010/main" xmlns="">
                 <a:solidFill>
                   <a:schemeClr val="accent1"/>
                 </a:solidFill>
@@ -19621,7 +19580,7 @@
           <a:noFill/>
           <a:extLst>
             <a:ext uri="{909E8E84-426E-40DD-AFC4-6F175D3DCCD1}">
-              <a14:hiddenFill xmlns="" xmlns:a14="http://schemas.microsoft.com/office/drawing/2010/main">
+              <a14:hiddenFill xmlns:a14="http://schemas.microsoft.com/office/drawing/2010/main" xmlns="">
                 <a:solidFill>
                   <a:schemeClr val="accent1"/>
                 </a:solidFill>
@@ -19678,7 +19637,7 @@
           <a:noFill/>
           <a:extLst>
             <a:ext uri="{909E8E84-426E-40DD-AFC4-6F175D3DCCD1}">
-              <a14:hiddenFill xmlns="" xmlns:a14="http://schemas.microsoft.com/office/drawing/2010/main">
+              <a14:hiddenFill xmlns:a14="http://schemas.microsoft.com/office/drawing/2010/main" xmlns="">
                 <a:solidFill>
                   <a:schemeClr val="accent1"/>
                 </a:solidFill>
@@ -19735,7 +19694,7 @@
           <a:noFill/>
           <a:extLst>
             <a:ext uri="{909E8E84-426E-40DD-AFC4-6F175D3DCCD1}">
-              <a14:hiddenFill xmlns="" xmlns:a14="http://schemas.microsoft.com/office/drawing/2010/main">
+              <a14:hiddenFill xmlns:a14="http://schemas.microsoft.com/office/drawing/2010/main" xmlns="">
                 <a:solidFill>
                   <a:schemeClr val="accent1"/>
                 </a:solidFill>
@@ -21205,7 +21164,7 @@
           </a:ln>
           <a:extLst>
             <a:ext uri="{909E8E84-426E-40DD-AFC4-6F175D3DCCD1}">
-              <a14:hiddenFill xmlns="" xmlns:a14="http://schemas.microsoft.com/office/drawing/2010/main">
+              <a14:hiddenFill xmlns:a14="http://schemas.microsoft.com/office/drawing/2010/main" xmlns="">
                 <a:solidFill>
                   <a:schemeClr val="accent1"/>
                 </a:solidFill>
@@ -21267,7 +21226,7 @@
           </a:ln>
           <a:extLst>
             <a:ext uri="{909E8E84-426E-40DD-AFC4-6F175D3DCCD1}">
-              <a14:hiddenFill xmlns="" xmlns:a14="http://schemas.microsoft.com/office/drawing/2010/main">
+              <a14:hiddenFill xmlns:a14="http://schemas.microsoft.com/office/drawing/2010/main" xmlns="">
                 <a:solidFill>
                   <a:schemeClr val="accent1"/>
                 </a:solidFill>
@@ -21329,7 +21288,7 @@
           </a:ln>
           <a:extLst>
             <a:ext uri="{909E8E84-426E-40DD-AFC4-6F175D3DCCD1}">
-              <a14:hiddenFill xmlns="" xmlns:a14="http://schemas.microsoft.com/office/drawing/2010/main">
+              <a14:hiddenFill xmlns:a14="http://schemas.microsoft.com/office/drawing/2010/main" xmlns="">
                 <a:solidFill>
                   <a:schemeClr val="accent1"/>
                 </a:solidFill>
@@ -21457,7 +21416,7 @@
           </a:ln>
           <a:extLst>
             <a:ext uri="{909E8E84-426E-40DD-AFC4-6F175D3DCCD1}">
-              <a14:hiddenFill xmlns="" xmlns:a14="http://schemas.microsoft.com/office/drawing/2010/main">
+              <a14:hiddenFill xmlns:a14="http://schemas.microsoft.com/office/drawing/2010/main" xmlns="">
                 <a:solidFill>
                   <a:schemeClr val="accent1"/>
                 </a:solidFill>
@@ -21519,7 +21478,7 @@
           </a:ln>
           <a:extLst>
             <a:ext uri="{909E8E84-426E-40DD-AFC4-6F175D3DCCD1}">
-              <a14:hiddenFill xmlns="" xmlns:a14="http://schemas.microsoft.com/office/drawing/2010/main">
+              <a14:hiddenFill xmlns:a14="http://schemas.microsoft.com/office/drawing/2010/main" xmlns="">
                 <a:solidFill>
                   <a:schemeClr val="accent1"/>
                 </a:solidFill>
@@ -21581,7 +21540,7 @@
           </a:ln>
           <a:extLst>
             <a:ext uri="{909E8E84-426E-40DD-AFC4-6F175D3DCCD1}">
-              <a14:hiddenFill xmlns="" xmlns:a14="http://schemas.microsoft.com/office/drawing/2010/main">
+              <a14:hiddenFill xmlns:a14="http://schemas.microsoft.com/office/drawing/2010/main" xmlns="">
                 <a:solidFill>
                   <a:schemeClr val="accent1"/>
                 </a:solidFill>
@@ -21643,7 +21602,7 @@
           </a:ln>
           <a:extLst>
             <a:ext uri="{909E8E84-426E-40DD-AFC4-6F175D3DCCD1}">
-              <a14:hiddenFill xmlns="" xmlns:a14="http://schemas.microsoft.com/office/drawing/2010/main">
+              <a14:hiddenFill xmlns:a14="http://schemas.microsoft.com/office/drawing/2010/main" xmlns="">
                 <a:solidFill>
                   <a:schemeClr val="accent1"/>
                 </a:solidFill>
@@ -21705,7 +21664,7 @@
           </a:ln>
           <a:extLst>
             <a:ext uri="{909E8E84-426E-40DD-AFC4-6F175D3DCCD1}">
-              <a14:hiddenFill xmlns="" xmlns:a14="http://schemas.microsoft.com/office/drawing/2010/main">
+              <a14:hiddenFill xmlns:a14="http://schemas.microsoft.com/office/drawing/2010/main" xmlns="">
                 <a:solidFill>
                   <a:schemeClr val="accent1"/>
                 </a:solidFill>
@@ -21767,7 +21726,7 @@
           </a:ln>
           <a:extLst>
             <a:ext uri="{909E8E84-426E-40DD-AFC4-6F175D3DCCD1}">
-              <a14:hiddenFill xmlns="" xmlns:a14="http://schemas.microsoft.com/office/drawing/2010/main">
+              <a14:hiddenFill xmlns:a14="http://schemas.microsoft.com/office/drawing/2010/main" xmlns="">
                 <a:solidFill>
                   <a:schemeClr val="accent1"/>
                 </a:solidFill>
@@ -23266,7 +23225,7 @@
           </a:ln>
           <a:extLst>
             <a:ext uri="{909E8E84-426E-40DD-AFC4-6F175D3DCCD1}">
-              <a14:hiddenFill xmlns="" xmlns:a14="http://schemas.microsoft.com/office/drawing/2010/main">
+              <a14:hiddenFill xmlns:a14="http://schemas.microsoft.com/office/drawing/2010/main" xmlns="">
                 <a:solidFill>
                   <a:schemeClr val="accent1"/>
                 </a:solidFill>
@@ -23328,7 +23287,7 @@
           </a:ln>
           <a:extLst>
             <a:ext uri="{909E8E84-426E-40DD-AFC4-6F175D3DCCD1}">
-              <a14:hiddenFill xmlns="" xmlns:a14="http://schemas.microsoft.com/office/drawing/2010/main">
+              <a14:hiddenFill xmlns:a14="http://schemas.microsoft.com/office/drawing/2010/main" xmlns="">
                 <a:solidFill>
                   <a:schemeClr val="accent1"/>
                 </a:solidFill>
@@ -23390,7 +23349,7 @@
           </a:ln>
           <a:extLst>
             <a:ext uri="{909E8E84-426E-40DD-AFC4-6F175D3DCCD1}">
-              <a14:hiddenFill xmlns="" xmlns:a14="http://schemas.microsoft.com/office/drawing/2010/main">
+              <a14:hiddenFill xmlns:a14="http://schemas.microsoft.com/office/drawing/2010/main" xmlns="">
                 <a:solidFill>
                   <a:schemeClr val="accent1"/>
                 </a:solidFill>
@@ -23452,7 +23411,7 @@
           </a:ln>
           <a:extLst>
             <a:ext uri="{909E8E84-426E-40DD-AFC4-6F175D3DCCD1}">
-              <a14:hiddenFill xmlns="" xmlns:a14="http://schemas.microsoft.com/office/drawing/2010/main">
+              <a14:hiddenFill xmlns:a14="http://schemas.microsoft.com/office/drawing/2010/main" xmlns="">
                 <a:solidFill>
                   <a:schemeClr val="accent1"/>
                 </a:solidFill>
@@ -23514,7 +23473,7 @@
           </a:ln>
           <a:extLst>
             <a:ext uri="{909E8E84-426E-40DD-AFC4-6F175D3DCCD1}">
-              <a14:hiddenFill xmlns="" xmlns:a14="http://schemas.microsoft.com/office/drawing/2010/main">
+              <a14:hiddenFill xmlns:a14="http://schemas.microsoft.com/office/drawing/2010/main" xmlns="">
                 <a:solidFill>
                   <a:schemeClr val="accent1"/>
                 </a:solidFill>
@@ -24475,7 +24434,7 @@
           </a:ln>
           <a:extLst>
             <a:ext uri="{909E8E84-426E-40DD-AFC4-6F175D3DCCD1}">
-              <a14:hiddenFill xmlns="" xmlns:a14="http://schemas.microsoft.com/office/drawing/2010/main">
+              <a14:hiddenFill xmlns:a14="http://schemas.microsoft.com/office/drawing/2010/main" xmlns="">
                 <a:solidFill>
                   <a:schemeClr val="accent1"/>
                 </a:solidFill>
@@ -24565,7 +24524,7 @@
           </a:ln>
           <a:extLst>
             <a:ext uri="{909E8E84-426E-40DD-AFC4-6F175D3DCCD1}">
-              <a14:hiddenFill xmlns="" xmlns:a14="http://schemas.microsoft.com/office/drawing/2010/main">
+              <a14:hiddenFill xmlns:a14="http://schemas.microsoft.com/office/drawing/2010/main" xmlns="">
                 <a:solidFill>
                   <a:schemeClr val="accent1"/>
                 </a:solidFill>
@@ -24627,7 +24586,7 @@
           </a:ln>
           <a:extLst>
             <a:ext uri="{909E8E84-426E-40DD-AFC4-6F175D3DCCD1}">
-              <a14:hiddenFill xmlns="" xmlns:a14="http://schemas.microsoft.com/office/drawing/2010/main">
+              <a14:hiddenFill xmlns:a14="http://schemas.microsoft.com/office/drawing/2010/main" xmlns="">
                 <a:solidFill>
                   <a:schemeClr val="accent1"/>
                 </a:solidFill>
@@ -24827,7 +24786,7 @@
           <a:noFill/>
           <a:extLst>
             <a:ext uri="{909E8E84-426E-40DD-AFC4-6F175D3DCCD1}">
-              <a14:hiddenFill xmlns="" xmlns:a14="http://schemas.microsoft.com/office/drawing/2010/main">
+              <a14:hiddenFill xmlns:a14="http://schemas.microsoft.com/office/drawing/2010/main" xmlns="">
                 <a:solidFill>
                   <a:schemeClr val="accent1"/>
                 </a:solidFill>
@@ -24884,7 +24843,7 @@
           <a:noFill/>
           <a:extLst>
             <a:ext uri="{909E8E84-426E-40DD-AFC4-6F175D3DCCD1}">
-              <a14:hiddenFill xmlns="" xmlns:a14="http://schemas.microsoft.com/office/drawing/2010/main">
+              <a14:hiddenFill xmlns:a14="http://schemas.microsoft.com/office/drawing/2010/main" xmlns="">
                 <a:solidFill>
                   <a:schemeClr val="accent1"/>
                 </a:solidFill>
@@ -24941,7 +24900,7 @@
           <a:noFill/>
           <a:extLst>
             <a:ext uri="{909E8E84-426E-40DD-AFC4-6F175D3DCCD1}">
-              <a14:hiddenFill xmlns="" xmlns:a14="http://schemas.microsoft.com/office/drawing/2010/main">
+              <a14:hiddenFill xmlns:a14="http://schemas.microsoft.com/office/drawing/2010/main" xmlns="">
                 <a:solidFill>
                   <a:schemeClr val="accent1"/>
                 </a:solidFill>
@@ -24998,7 +24957,7 @@
           <a:noFill/>
           <a:extLst>
             <a:ext uri="{909E8E84-426E-40DD-AFC4-6F175D3DCCD1}">
-              <a14:hiddenFill xmlns="" xmlns:a14="http://schemas.microsoft.com/office/drawing/2010/main">
+              <a14:hiddenFill xmlns:a14="http://schemas.microsoft.com/office/drawing/2010/main" xmlns="">
                 <a:solidFill>
                   <a:schemeClr val="accent1"/>
                 </a:solidFill>
@@ -26245,7 +26204,7 @@
   <a:extraClrSchemeLst/>
   <a:extLst>
     <a:ext uri="{05A4C25C-085E-4340-85A3-A5531E510DB2}">
-      <thm15:themeFamily xmlns="" xmlns:thm15="http://schemas.microsoft.com/office/thememl/2012/main" name="Office Theme" id="{62F939B6-93AF-4DB8-9C6B-D6C7DFDC589F}" vid="{4A3C46E8-61CC-4603-A589-7422A47A8E4A}"/>
+      <thm15:themeFamily xmlns:thm15="http://schemas.microsoft.com/office/thememl/2012/main" xmlns="" name="Office Theme" id="{62F939B6-93AF-4DB8-9C6B-D6C7DFDC589F}" vid="{4A3C46E8-61CC-4603-A589-7422A47A8E4A}"/>
     </a:ext>
   </a:extLst>
 </a:theme>
@@ -26506,7 +26465,7 @@
   <a:extraClrSchemeLst/>
   <a:extLst>
     <a:ext uri="{05A4C25C-085E-4340-85A3-A5531E510DB2}">
-      <thm15:themeFamily xmlns="" xmlns:thm15="http://schemas.microsoft.com/office/thememl/2012/main" name="Office Theme" id="{62F939B6-93AF-4DB8-9C6B-D6C7DFDC589F}" vid="{4A3C46E8-61CC-4603-A589-7422A47A8E4A}"/>
+      <thm15:themeFamily xmlns:thm15="http://schemas.microsoft.com/office/thememl/2012/main" xmlns="" name="Office Theme" id="{62F939B6-93AF-4DB8-9C6B-D6C7DFDC589F}" vid="{4A3C46E8-61CC-4603-A589-7422A47A8E4A}"/>
     </a:ext>
   </a:extLst>
 </a:theme>
@@ -26794,7 +26753,7 @@
   <a:extraClrSchemeLst/>
   <a:extLst>
     <a:ext uri="{05A4C25C-085E-4340-85A3-A5531E510DB2}">
-      <thm15:themeFamily xmlns="" xmlns:thm15="http://schemas.microsoft.com/office/thememl/2012/main" name="Office Theme" id="{62F939B6-93AF-4DB8-9C6B-D6C7DFDC589F}" vid="{4A3C46E8-61CC-4603-A589-7422A47A8E4A}"/>
+      <thm15:themeFamily xmlns:thm15="http://schemas.microsoft.com/office/thememl/2012/main" xmlns="" name="Office Theme" id="{62F939B6-93AF-4DB8-9C6B-D6C7DFDC589F}" vid="{4A3C46E8-61CC-4603-A589-7422A47A8E4A}"/>
     </a:ext>
   </a:extLst>
 </a:theme>
